--- a/public/resume.pptx
+++ b/public/resume.pptx
@@ -4,9 +4,11 @@
   <p:sldMasterIdLst>
     <p:sldMasterId id="2147483660" r:id="rId1"/>
   </p:sldMasterIdLst>
+  <p:notesMasterIdLst>
+    <p:notesMasterId r:id="rId3"/>
+  </p:notesMasterIdLst>
   <p:sldIdLst>
-    <p:sldId id="257" r:id="rId2"/>
-    <p:sldId id="256" r:id="rId3"/>
+    <p:sldId id="264" r:id="rId2"/>
   </p:sldIdLst>
   <p:sldSz cx="6858000" cy="9906000" type="A4"/>
   <p:notesSz cx="6858000" cy="9144000"/>
@@ -124,6 +126,356 @@
 </p:presentation>
 </file>
 
+<file path=ppt/notesMasters/notesMaster1.xml><?xml version="1.0" encoding="utf-8"?>
+<p:notesMaster xmlns:a="http://schemas.openxmlformats.org/drawingml/2006/main" xmlns:r="http://schemas.openxmlformats.org/officeDocument/2006/relationships" xmlns:p="http://schemas.openxmlformats.org/presentationml/2006/main">
+  <p:cSld>
+    <p:bg>
+      <p:bgRef idx="1001">
+        <a:schemeClr val="bg1"/>
+      </p:bgRef>
+    </p:bg>
+    <p:spTree>
+      <p:nvGrpSpPr>
+        <p:cNvPr id="1" name=""/>
+        <p:cNvGrpSpPr/>
+        <p:nvPr/>
+      </p:nvGrpSpPr>
+      <p:grpSpPr>
+        <a:xfrm>
+          <a:off x="0" y="0"/>
+          <a:ext cx="0" cy="0"/>
+          <a:chOff x="0" y="0"/>
+          <a:chExt cx="0" cy="0"/>
+        </a:xfrm>
+      </p:grpSpPr>
+      <p:sp>
+        <p:nvSpPr>
+          <p:cNvPr id="2" name="Header Placeholder 1"/>
+          <p:cNvSpPr>
+            <a:spLocks noGrp="1"/>
+          </p:cNvSpPr>
+          <p:nvPr>
+            <p:ph type="hdr" sz="quarter"/>
+          </p:nvPr>
+        </p:nvSpPr>
+        <p:spPr>
+          <a:xfrm>
+            <a:off x="0" y="0"/>
+            <a:ext cx="2971800" cy="458788"/>
+          </a:xfrm>
+          <a:prstGeom prst="rect">
+            <a:avLst/>
+          </a:prstGeom>
+        </p:spPr>
+        <p:txBody>
+          <a:bodyPr vert="horz" lIns="91440" tIns="45720" rIns="91440" bIns="45720" rtlCol="0"/>
+          <a:lstStyle>
+            <a:lvl1pPr algn="l">
+              <a:defRPr sz="1200"/>
+            </a:lvl1pPr>
+          </a:lstStyle>
+          <a:p>
+            <a:endParaRPr lang="en-US"/>
+          </a:p>
+        </p:txBody>
+      </p:sp>
+      <p:sp>
+        <p:nvSpPr>
+          <p:cNvPr id="3" name="Date Placeholder 2"/>
+          <p:cNvSpPr>
+            <a:spLocks noGrp="1"/>
+          </p:cNvSpPr>
+          <p:nvPr>
+            <p:ph type="dt" idx="1"/>
+          </p:nvPr>
+        </p:nvSpPr>
+        <p:spPr>
+          <a:xfrm>
+            <a:off x="3884613" y="0"/>
+            <a:ext cx="2971800" cy="458788"/>
+          </a:xfrm>
+          <a:prstGeom prst="rect">
+            <a:avLst/>
+          </a:prstGeom>
+        </p:spPr>
+        <p:txBody>
+          <a:bodyPr vert="horz" lIns="91440" tIns="45720" rIns="91440" bIns="45720" rtlCol="0"/>
+          <a:lstStyle>
+            <a:lvl1pPr algn="r">
+              <a:defRPr sz="1200"/>
+            </a:lvl1pPr>
+          </a:lstStyle>
+          <a:p>
+            <a:fld id="{46F0D23E-2BF3-2647-800D-9C446CFC92E7}" type="datetimeFigureOut">
+              <a:rPr lang="en-US" smtClean="0"/>
+              <a:t>10/16/23</a:t>
+            </a:fld>
+            <a:endParaRPr lang="en-US"/>
+          </a:p>
+        </p:txBody>
+      </p:sp>
+      <p:sp>
+        <p:nvSpPr>
+          <p:cNvPr id="4" name="Slide Image Placeholder 3"/>
+          <p:cNvSpPr>
+            <a:spLocks noGrp="1" noRot="1" noChangeAspect="1"/>
+          </p:cNvSpPr>
+          <p:nvPr>
+            <p:ph type="sldImg" idx="2"/>
+          </p:nvPr>
+        </p:nvSpPr>
+        <p:spPr>
+          <a:xfrm>
+            <a:off x="2360613" y="1143000"/>
+            <a:ext cx="2136775" cy="3086100"/>
+          </a:xfrm>
+          <a:prstGeom prst="rect">
+            <a:avLst/>
+          </a:prstGeom>
+          <a:noFill/>
+          <a:ln w="12700">
+            <a:solidFill>
+              <a:prstClr val="black"/>
+            </a:solidFill>
+          </a:ln>
+        </p:spPr>
+        <p:txBody>
+          <a:bodyPr vert="horz" lIns="91440" tIns="45720" rIns="91440" bIns="45720" rtlCol="0" anchor="ctr"/>
+          <a:lstStyle/>
+          <a:p>
+            <a:endParaRPr lang="en-US"/>
+          </a:p>
+        </p:txBody>
+      </p:sp>
+      <p:sp>
+        <p:nvSpPr>
+          <p:cNvPr id="5" name="Notes Placeholder 4"/>
+          <p:cNvSpPr>
+            <a:spLocks noGrp="1"/>
+          </p:cNvSpPr>
+          <p:nvPr>
+            <p:ph type="body" sz="quarter" idx="3"/>
+          </p:nvPr>
+        </p:nvSpPr>
+        <p:spPr>
+          <a:xfrm>
+            <a:off x="685800" y="4400550"/>
+            <a:ext cx="5486400" cy="3600450"/>
+          </a:xfrm>
+          <a:prstGeom prst="rect">
+            <a:avLst/>
+          </a:prstGeom>
+        </p:spPr>
+        <p:txBody>
+          <a:bodyPr vert="horz" lIns="91440" tIns="45720" rIns="91440" bIns="45720" rtlCol="0"/>
+          <a:lstStyle/>
+          <a:p>
+            <a:pPr lvl="0"/>
+            <a:r>
+              <a:rPr lang="en-GB"/>
+              <a:t>Click to edit Master text styles</a:t>
+            </a:r>
+          </a:p>
+          <a:p>
+            <a:pPr lvl="1"/>
+            <a:r>
+              <a:rPr lang="en-GB"/>
+              <a:t>Second level</a:t>
+            </a:r>
+          </a:p>
+          <a:p>
+            <a:pPr lvl="2"/>
+            <a:r>
+              <a:rPr lang="en-GB"/>
+              <a:t>Third level</a:t>
+            </a:r>
+          </a:p>
+          <a:p>
+            <a:pPr lvl="3"/>
+            <a:r>
+              <a:rPr lang="en-GB"/>
+              <a:t>Fourth level</a:t>
+            </a:r>
+          </a:p>
+          <a:p>
+            <a:pPr lvl="4"/>
+            <a:r>
+              <a:rPr lang="en-GB"/>
+              <a:t>Fifth level</a:t>
+            </a:r>
+            <a:endParaRPr lang="en-US"/>
+          </a:p>
+        </p:txBody>
+      </p:sp>
+      <p:sp>
+        <p:nvSpPr>
+          <p:cNvPr id="6" name="Footer Placeholder 5"/>
+          <p:cNvSpPr>
+            <a:spLocks noGrp="1"/>
+          </p:cNvSpPr>
+          <p:nvPr>
+            <p:ph type="ftr" sz="quarter" idx="4"/>
+          </p:nvPr>
+        </p:nvSpPr>
+        <p:spPr>
+          <a:xfrm>
+            <a:off x="0" y="8685213"/>
+            <a:ext cx="2971800" cy="458787"/>
+          </a:xfrm>
+          <a:prstGeom prst="rect">
+            <a:avLst/>
+          </a:prstGeom>
+        </p:spPr>
+        <p:txBody>
+          <a:bodyPr vert="horz" lIns="91440" tIns="45720" rIns="91440" bIns="45720" rtlCol="0" anchor="b"/>
+          <a:lstStyle>
+            <a:lvl1pPr algn="l">
+              <a:defRPr sz="1200"/>
+            </a:lvl1pPr>
+          </a:lstStyle>
+          <a:p>
+            <a:endParaRPr lang="en-US"/>
+          </a:p>
+        </p:txBody>
+      </p:sp>
+      <p:sp>
+        <p:nvSpPr>
+          <p:cNvPr id="7" name="Slide Number Placeholder 6"/>
+          <p:cNvSpPr>
+            <a:spLocks noGrp="1"/>
+          </p:cNvSpPr>
+          <p:nvPr>
+            <p:ph type="sldNum" sz="quarter" idx="5"/>
+          </p:nvPr>
+        </p:nvSpPr>
+        <p:spPr>
+          <a:xfrm>
+            <a:off x="3884613" y="8685213"/>
+            <a:ext cx="2971800" cy="458787"/>
+          </a:xfrm>
+          <a:prstGeom prst="rect">
+            <a:avLst/>
+          </a:prstGeom>
+        </p:spPr>
+        <p:txBody>
+          <a:bodyPr vert="horz" lIns="91440" tIns="45720" rIns="91440" bIns="45720" rtlCol="0" anchor="b"/>
+          <a:lstStyle>
+            <a:lvl1pPr algn="r">
+              <a:defRPr sz="1200"/>
+            </a:lvl1pPr>
+          </a:lstStyle>
+          <a:p>
+            <a:fld id="{B28D88CC-001E-9649-B8C7-59E766CAF7BF}" type="slidenum">
+              <a:rPr lang="en-US" smtClean="0"/>
+              <a:t>‹#›</a:t>
+            </a:fld>
+            <a:endParaRPr lang="en-US"/>
+          </a:p>
+        </p:txBody>
+      </p:sp>
+    </p:spTree>
+    <p:extLst>
+      <p:ext uri="{BB962C8B-B14F-4D97-AF65-F5344CB8AC3E}">
+        <p14:creationId xmlns:p14="http://schemas.microsoft.com/office/powerpoint/2010/main" val="2463493641"/>
+      </p:ext>
+    </p:extLst>
+  </p:cSld>
+  <p:clrMap bg1="lt1" tx1="dk1" bg2="lt2" tx2="dk2" accent1="accent1" accent2="accent2" accent3="accent3" accent4="accent4" accent5="accent5" accent6="accent6" hlink="hlink" folHlink="folHlink"/>
+  <p:notesStyle>
+    <a:lvl1pPr marL="0" algn="l" defTabSz="914400" rtl="0" eaLnBrk="1" latinLnBrk="0" hangingPunct="1">
+      <a:defRPr sz="1200" kern="1200">
+        <a:solidFill>
+          <a:schemeClr val="tx1"/>
+        </a:solidFill>
+        <a:latin typeface="+mn-lt"/>
+        <a:ea typeface="+mn-ea"/>
+        <a:cs typeface="+mn-cs"/>
+      </a:defRPr>
+    </a:lvl1pPr>
+    <a:lvl2pPr marL="457200" algn="l" defTabSz="914400" rtl="0" eaLnBrk="1" latinLnBrk="0" hangingPunct="1">
+      <a:defRPr sz="1200" kern="1200">
+        <a:solidFill>
+          <a:schemeClr val="tx1"/>
+        </a:solidFill>
+        <a:latin typeface="+mn-lt"/>
+        <a:ea typeface="+mn-ea"/>
+        <a:cs typeface="+mn-cs"/>
+      </a:defRPr>
+    </a:lvl2pPr>
+    <a:lvl3pPr marL="914400" algn="l" defTabSz="914400" rtl="0" eaLnBrk="1" latinLnBrk="0" hangingPunct="1">
+      <a:defRPr sz="1200" kern="1200">
+        <a:solidFill>
+          <a:schemeClr val="tx1"/>
+        </a:solidFill>
+        <a:latin typeface="+mn-lt"/>
+        <a:ea typeface="+mn-ea"/>
+        <a:cs typeface="+mn-cs"/>
+      </a:defRPr>
+    </a:lvl3pPr>
+    <a:lvl4pPr marL="1371600" algn="l" defTabSz="914400" rtl="0" eaLnBrk="1" latinLnBrk="0" hangingPunct="1">
+      <a:defRPr sz="1200" kern="1200">
+        <a:solidFill>
+          <a:schemeClr val="tx1"/>
+        </a:solidFill>
+        <a:latin typeface="+mn-lt"/>
+        <a:ea typeface="+mn-ea"/>
+        <a:cs typeface="+mn-cs"/>
+      </a:defRPr>
+    </a:lvl4pPr>
+    <a:lvl5pPr marL="1828800" algn="l" defTabSz="914400" rtl="0" eaLnBrk="1" latinLnBrk="0" hangingPunct="1">
+      <a:defRPr sz="1200" kern="1200">
+        <a:solidFill>
+          <a:schemeClr val="tx1"/>
+        </a:solidFill>
+        <a:latin typeface="+mn-lt"/>
+        <a:ea typeface="+mn-ea"/>
+        <a:cs typeface="+mn-cs"/>
+      </a:defRPr>
+    </a:lvl5pPr>
+    <a:lvl6pPr marL="2286000" algn="l" defTabSz="914400" rtl="0" eaLnBrk="1" latinLnBrk="0" hangingPunct="1">
+      <a:defRPr sz="1200" kern="1200">
+        <a:solidFill>
+          <a:schemeClr val="tx1"/>
+        </a:solidFill>
+        <a:latin typeface="+mn-lt"/>
+        <a:ea typeface="+mn-ea"/>
+        <a:cs typeface="+mn-cs"/>
+      </a:defRPr>
+    </a:lvl6pPr>
+    <a:lvl7pPr marL="2743200" algn="l" defTabSz="914400" rtl="0" eaLnBrk="1" latinLnBrk="0" hangingPunct="1">
+      <a:defRPr sz="1200" kern="1200">
+        <a:solidFill>
+          <a:schemeClr val="tx1"/>
+        </a:solidFill>
+        <a:latin typeface="+mn-lt"/>
+        <a:ea typeface="+mn-ea"/>
+        <a:cs typeface="+mn-cs"/>
+      </a:defRPr>
+    </a:lvl7pPr>
+    <a:lvl8pPr marL="3200400" algn="l" defTabSz="914400" rtl="0" eaLnBrk="1" latinLnBrk="0" hangingPunct="1">
+      <a:defRPr sz="1200" kern="1200">
+        <a:solidFill>
+          <a:schemeClr val="tx1"/>
+        </a:solidFill>
+        <a:latin typeface="+mn-lt"/>
+        <a:ea typeface="+mn-ea"/>
+        <a:cs typeface="+mn-cs"/>
+      </a:defRPr>
+    </a:lvl8pPr>
+    <a:lvl9pPr marL="3657600" algn="l" defTabSz="914400" rtl="0" eaLnBrk="1" latinLnBrk="0" hangingPunct="1">
+      <a:defRPr sz="1200" kern="1200">
+        <a:solidFill>
+          <a:schemeClr val="tx1"/>
+        </a:solidFill>
+        <a:latin typeface="+mn-lt"/>
+        <a:ea typeface="+mn-ea"/>
+        <a:cs typeface="+mn-cs"/>
+      </a:defRPr>
+    </a:lvl9pPr>
+  </p:notesStyle>
+</p:notesMaster>
+</file>
+
 <file path=ppt/slideLayouts/slideLayout1.xml><?xml version="1.0" encoding="utf-8"?>
 <p:sldLayout xmlns:a="http://schemas.openxmlformats.org/drawingml/2006/main" xmlns:r="http://schemas.openxmlformats.org/officeDocument/2006/relationships" xmlns:p="http://schemas.openxmlformats.org/presentationml/2006/main" type="title" preserve="1">
   <p:cSld name="Title Slide">
@@ -2432,9 +2784,7 @@
     <p:bg>
       <p:bgPr>
         <a:solidFill>
-          <a:schemeClr val="bg1">
-            <a:lumMod val="95000"/>
-          </a:schemeClr>
+          <a:srgbClr val="F7F7F7"/>
         </a:solidFill>
         <a:effectLst/>
       </p:bgPr>
@@ -2990,58 +3340,6 @@
       </p:grpSpPr>
       <p:sp>
         <p:nvSpPr>
-          <p:cNvPr id="9" name="Rectangle 8">
-            <a:extLst>
-              <a:ext uri="{FF2B5EF4-FFF2-40B4-BE49-F238E27FC236}">
-                <a16:creationId xmlns:a16="http://schemas.microsoft.com/office/drawing/2014/main" id="{28382F68-4125-707E-DA6E-82097F543E2A}"/>
-              </a:ext>
-            </a:extLst>
-          </p:cNvPr>
-          <p:cNvSpPr/>
-          <p:nvPr/>
-        </p:nvSpPr>
-        <p:spPr>
-          <a:xfrm>
-            <a:off x="0" y="729429"/>
-            <a:ext cx="6858000" cy="9176571"/>
-          </a:xfrm>
-          <a:prstGeom prst="rect">
-            <a:avLst/>
-          </a:prstGeom>
-          <a:solidFill>
-            <a:schemeClr val="bg1"/>
-          </a:solidFill>
-          <a:ln>
-            <a:noFill/>
-          </a:ln>
-        </p:spPr>
-        <p:style>
-          <a:lnRef idx="2">
-            <a:schemeClr val="accent1">
-              <a:shade val="50000"/>
-            </a:schemeClr>
-          </a:lnRef>
-          <a:fillRef idx="1">
-            <a:schemeClr val="accent1"/>
-          </a:fillRef>
-          <a:effectRef idx="0">
-            <a:schemeClr val="accent1"/>
-          </a:effectRef>
-          <a:fontRef idx="minor">
-            <a:schemeClr val="lt1"/>
-          </a:fontRef>
-        </p:style>
-        <p:txBody>
-          <a:bodyPr rtlCol="0" anchor="ctr"/>
-          <a:lstStyle/>
-          <a:p>
-            <a:pPr algn="ctr"/>
-            <a:endParaRPr lang="en-US"/>
-          </a:p>
-        </p:txBody>
-      </p:sp>
-      <p:sp>
-        <p:nvSpPr>
           <p:cNvPr id="4" name="Rectangle 3">
             <a:extLst>
               <a:ext uri="{FF2B5EF4-FFF2-40B4-BE49-F238E27FC236}">
@@ -3054,8 +3352,8 @@
         </p:nvSpPr>
         <p:spPr>
           <a:xfrm>
-            <a:off x="1390389" y="43909"/>
-            <a:ext cx="2162482" cy="716692"/>
+            <a:off x="1770297" y="494150"/>
+            <a:ext cx="3317396" cy="431456"/>
           </a:xfrm>
           <a:prstGeom prst="rect">
             <a:avLst/>
@@ -3085,34 +3383,18 @@
           <a:bodyPr rtlCol="0" anchor="ctr"/>
           <a:lstStyle/>
           <a:p>
-            <a:pPr algn="r"/>
-            <a:r>
-              <a:rPr lang="en-US" sz="2000" dirty="0">
-                <a:solidFill>
-                  <a:schemeClr val="tx1"/>
-                </a:solidFill>
-                <a:latin typeface="Didot" panose="02000503000000020003" pitchFamily="2" charset="-79"/>
-                <a:cs typeface="Didot" panose="02000503000000020003" pitchFamily="2" charset="-79"/>
-              </a:rPr>
-              <a:t>Eftychia Klimi </a:t>
-            </a:r>
-            <a:r>
-              <a:rPr lang="en-US" sz="2800" dirty="0">
-                <a:solidFill>
-                  <a:schemeClr val="tx1"/>
-                </a:solidFill>
-                <a:latin typeface="Didot" panose="02000503000000020003" pitchFamily="2" charset="-79"/>
-                <a:cs typeface="Didot" panose="02000503000000020003" pitchFamily="2" charset="-79"/>
-              </a:rPr>
-              <a:t>|</a:t>
-            </a:r>
-            <a:endParaRPr lang="en-US" sz="2000" dirty="0">
-              <a:solidFill>
-                <a:schemeClr val="tx1"/>
-              </a:solidFill>
-              <a:latin typeface="Didot" panose="02000503000000020003" pitchFamily="2" charset="-79"/>
-              <a:cs typeface="Didot" panose="02000503000000020003" pitchFamily="2" charset="-79"/>
-            </a:endParaRPr>
+            <a:pPr algn="ctr"/>
+            <a:r>
+              <a:rPr lang="en-US" sz="2800" spc="600" dirty="0">
+                <a:solidFill>
+                  <a:srgbClr val="5F6060"/>
+                </a:solidFill>
+                <a:latin typeface="Geneva" panose="020B0503030404040204" pitchFamily="34" charset="0"/>
+                <a:ea typeface="Geneva" panose="020B0503030404040204" pitchFamily="34" charset="0"/>
+                <a:cs typeface="Verdana" panose="020B0604030504040204" pitchFamily="34" charset="0"/>
+              </a:rPr>
+              <a:t>EFFIE KLIMI</a:t>
+            </a:r>
           </a:p>
         </p:txBody>
       </p:sp>
@@ -3130,8 +3412,8 @@
         </p:nvSpPr>
         <p:spPr>
           <a:xfrm>
-            <a:off x="358775" y="807066"/>
-            <a:ext cx="6140450" cy="8904245"/>
+            <a:off x="461557" y="1945245"/>
+            <a:ext cx="5934881" cy="7684161"/>
           </a:xfrm>
           <a:prstGeom prst="rect">
             <a:avLst/>
@@ -3161,125 +3443,844 @@
           <a:bodyPr rtlCol="0" anchor="t"/>
           <a:lstStyle/>
           <a:p>
-            <a:pPr>
+            <a:pPr algn="ctr">
               <a:spcBef>
                 <a:spcPts val="1200"/>
               </a:spcBef>
               <a:spcAft>
+                <a:spcPts val="1200"/>
+              </a:spcAft>
+            </a:pPr>
+            <a:r>
+              <a:rPr lang="en-US" sz="700" b="1" spc="100" dirty="0">
+                <a:solidFill>
+                  <a:srgbClr val="5F6060"/>
+                </a:solidFill>
+                <a:latin typeface="Geneva" panose="020B0503030404040204" pitchFamily="34" charset="0"/>
+                <a:ea typeface="Geneva" panose="020B0503030404040204" pitchFamily="34" charset="0"/>
+                <a:cs typeface="Verdana" panose="020B0604030504040204" pitchFamily="34" charset="0"/>
+              </a:rPr>
+              <a:t>SKILLS</a:t>
+            </a:r>
+            <a:endParaRPr lang="en-US" sz="600" b="1" spc="100" dirty="0">
+              <a:solidFill>
+                <a:srgbClr val="5F6060"/>
+              </a:solidFill>
+              <a:latin typeface="Geneva" panose="020B0503030404040204" pitchFamily="34" charset="0"/>
+              <a:ea typeface="Geneva" panose="020B0503030404040204" pitchFamily="34" charset="0"/>
+              <a:cs typeface="Verdana" panose="020B0604030504040204" pitchFamily="34" charset="0"/>
+            </a:endParaRPr>
+          </a:p>
+          <a:p>
+            <a:pPr>
+              <a:spcBef>
+                <a:spcPts val="300"/>
+              </a:spcBef>
+              <a:spcAft>
+                <a:spcPts val="100"/>
+              </a:spcAft>
+            </a:pPr>
+            <a:r>
+              <a:rPr lang="en-US" sz="600" b="1" spc="30" dirty="0">
+                <a:solidFill>
+                  <a:srgbClr val="5F6060"/>
+                </a:solidFill>
+                <a:latin typeface="Geneva" panose="020B0503030404040204" pitchFamily="34" charset="0"/>
+                <a:ea typeface="Geneva" panose="020B0503030404040204" pitchFamily="34" charset="0"/>
+                <a:cs typeface="Verdana" panose="020B0604030504040204" pitchFamily="34" charset="0"/>
+              </a:rPr>
+              <a:t>Programming: </a:t>
+            </a:r>
+            <a:r>
+              <a:rPr lang="en-US" sz="600" spc="30" dirty="0">
+                <a:solidFill>
+                  <a:srgbClr val="5F6060"/>
+                </a:solidFill>
+                <a:latin typeface="Geneva" panose="020B0503030404040204" pitchFamily="34" charset="0"/>
+                <a:ea typeface="Geneva" panose="020B0503030404040204" pitchFamily="34" charset="0"/>
+                <a:cs typeface="Verdana" panose="020B0604030504040204" pitchFamily="34" charset="0"/>
+              </a:rPr>
+              <a:t>R, Python, Bash scripting, </a:t>
+            </a:r>
+            <a:r>
+              <a:rPr lang="en-GB" sz="600" spc="30" dirty="0">
+                <a:solidFill>
+                  <a:srgbClr val="5F6060"/>
+                </a:solidFill>
+                <a:latin typeface="Geneva" panose="020B0503030404040204" pitchFamily="34" charset="0"/>
+                <a:ea typeface="Geneva" panose="020B0503030404040204" pitchFamily="34" charset="0"/>
+                <a:cs typeface="Verdana" panose="020B0604030504040204" pitchFamily="34" charset="0"/>
+              </a:rPr>
+              <a:t>NextFlow, React, Node.js, </a:t>
+            </a:r>
+            <a:r>
+              <a:rPr lang="en-US" sz="600" spc="30" dirty="0">
+                <a:solidFill>
+                  <a:srgbClr val="5F6060"/>
+                </a:solidFill>
+                <a:latin typeface="Geneva" panose="020B0503030404040204" pitchFamily="34" charset="0"/>
+                <a:ea typeface="Geneva" panose="020B0503030404040204" pitchFamily="34" charset="0"/>
+                <a:cs typeface="Verdana" panose="020B0604030504040204" pitchFamily="34" charset="0"/>
+              </a:rPr>
+              <a:t>Typescript</a:t>
+            </a:r>
+          </a:p>
+          <a:p>
+            <a:pPr>
+              <a:spcBef>
+                <a:spcPts val="300"/>
+              </a:spcBef>
+              <a:spcAft>
+                <a:spcPts val="100"/>
+              </a:spcAft>
+            </a:pPr>
+            <a:r>
+              <a:rPr lang="en-US" sz="600" b="1" spc="30" dirty="0">
+                <a:solidFill>
+                  <a:srgbClr val="5F6060"/>
+                </a:solidFill>
+                <a:latin typeface="Geneva" panose="020B0503030404040204" pitchFamily="34" charset="0"/>
+                <a:ea typeface="Geneva" panose="020B0503030404040204" pitchFamily="34" charset="0"/>
+                <a:cs typeface="Verdana" panose="020B0604030504040204" pitchFamily="34" charset="0"/>
+              </a:rPr>
+              <a:t>Raw sequencing analysis: </a:t>
+            </a:r>
+            <a:r>
+              <a:rPr lang="en-US" sz="600" spc="30" dirty="0">
+                <a:solidFill>
+                  <a:srgbClr val="5F6060"/>
+                </a:solidFill>
+                <a:latin typeface="Geneva" panose="020B0503030404040204" pitchFamily="34" charset="0"/>
+                <a:ea typeface="Geneva" panose="020B0503030404040204" pitchFamily="34" charset="0"/>
+                <a:cs typeface="Verdana" panose="020B0604030504040204" pitchFamily="34" charset="0"/>
+              </a:rPr>
+              <a:t>WGS &amp; </a:t>
+            </a:r>
+            <a:r>
+              <a:rPr lang="en-GB" sz="600" spc="30" dirty="0">
+                <a:solidFill>
+                  <a:srgbClr val="5F6060"/>
+                </a:solidFill>
+                <a:latin typeface="Geneva" panose="020B0503030404040204" pitchFamily="34" charset="0"/>
+                <a:ea typeface="Geneva" panose="020B0503030404040204" pitchFamily="34" charset="0"/>
+                <a:cs typeface="Verdana" panose="020B0604030504040204" pitchFamily="34" charset="0"/>
+              </a:rPr>
+              <a:t>RNA sequencing (bulk, small, single cell) analysis (fastQC, STAR, Cell Ranger, TrimGalore, Samtools)</a:t>
+            </a:r>
+          </a:p>
+          <a:p>
+            <a:pPr>
+              <a:spcBef>
+                <a:spcPts val="300"/>
+              </a:spcBef>
+              <a:spcAft>
+                <a:spcPts val="100"/>
+              </a:spcAft>
+            </a:pPr>
+            <a:r>
+              <a:rPr lang="en-GB" sz="600" b="1" spc="30" dirty="0">
+                <a:solidFill>
+                  <a:srgbClr val="5F6060"/>
+                </a:solidFill>
+                <a:latin typeface="Geneva" panose="020B0503030404040204" pitchFamily="34" charset="0"/>
+                <a:ea typeface="Geneva" panose="020B0503030404040204" pitchFamily="34" charset="0"/>
+                <a:cs typeface="Verdana" panose="020B0604030504040204" pitchFamily="34" charset="0"/>
+              </a:rPr>
+              <a:t>Genomics: </a:t>
+            </a:r>
+            <a:r>
+              <a:rPr lang="en-GB" sz="600" spc="30" dirty="0">
+                <a:solidFill>
+                  <a:srgbClr val="5F6060"/>
+                </a:solidFill>
+                <a:latin typeface="Geneva" panose="020B0503030404040204" pitchFamily="34" charset="0"/>
+                <a:ea typeface="Geneva" panose="020B0503030404040204" pitchFamily="34" charset="0"/>
+                <a:cs typeface="Verdana" panose="020B0604030504040204" pitchFamily="34" charset="0"/>
+              </a:rPr>
+              <a:t>GWAS/eQTL analysis</a:t>
+            </a:r>
+            <a:endParaRPr lang="en-US" sz="600" spc="30" dirty="0">
+              <a:solidFill>
+                <a:srgbClr val="5F6060"/>
+              </a:solidFill>
+              <a:latin typeface="Geneva" panose="020B0503030404040204" pitchFamily="34" charset="0"/>
+              <a:ea typeface="Geneva" panose="020B0503030404040204" pitchFamily="34" charset="0"/>
+              <a:cs typeface="Verdana" panose="020B0604030504040204" pitchFamily="34" charset="0"/>
+            </a:endParaRPr>
+          </a:p>
+          <a:p>
+            <a:pPr>
+              <a:spcBef>
+                <a:spcPts val="300"/>
+              </a:spcBef>
+              <a:spcAft>
+                <a:spcPts val="100"/>
+              </a:spcAft>
+            </a:pPr>
+            <a:r>
+              <a:rPr lang="en-GB" sz="600" b="1" spc="30" dirty="0">
+                <a:solidFill>
+                  <a:srgbClr val="5F6060"/>
+                </a:solidFill>
+                <a:latin typeface="Geneva" panose="020B0503030404040204" pitchFamily="34" charset="0"/>
+                <a:ea typeface="Geneva" panose="020B0503030404040204" pitchFamily="34" charset="0"/>
+                <a:cs typeface="Verdana" panose="020B0604030504040204" pitchFamily="34" charset="0"/>
+              </a:rPr>
+              <a:t>Transcriptomics &amp; RNA biology: </a:t>
+            </a:r>
+            <a:r>
+              <a:rPr lang="en-US" sz="600" spc="30" dirty="0">
+                <a:solidFill>
+                  <a:srgbClr val="5F6060"/>
+                </a:solidFill>
+                <a:latin typeface="Geneva" panose="020B0503030404040204" pitchFamily="34" charset="0"/>
+                <a:ea typeface="Geneva" panose="020B0503030404040204" pitchFamily="34" charset="0"/>
+                <a:cs typeface="Verdana" panose="020B0604030504040204" pitchFamily="34" charset="0"/>
+              </a:rPr>
+              <a:t>DESeq2, edgeR, limma, SingleCellExperiment, Seurat, </a:t>
+            </a:r>
+            <a:r>
+              <a:rPr lang="en-GB" sz="600" spc="30" dirty="0">
+                <a:solidFill>
+                  <a:srgbClr val="5F6060"/>
+                </a:solidFill>
+                <a:latin typeface="Geneva" panose="020B0503030404040204" pitchFamily="34" charset="0"/>
+                <a:ea typeface="Geneva" panose="020B0503030404040204" pitchFamily="34" charset="0"/>
+                <a:cs typeface="Verdana" panose="020B0604030504040204" pitchFamily="34" charset="0"/>
+              </a:rPr>
+              <a:t>SingleR, RNAfold</a:t>
+            </a:r>
+          </a:p>
+          <a:p>
+            <a:pPr>
+              <a:spcBef>
+                <a:spcPts val="300"/>
+              </a:spcBef>
+              <a:spcAft>
+                <a:spcPts val="100"/>
+              </a:spcAft>
+            </a:pPr>
+            <a:r>
+              <a:rPr lang="en-GB" sz="600" b="1" spc="30" dirty="0">
+                <a:solidFill>
+                  <a:srgbClr val="5F6060"/>
+                </a:solidFill>
+                <a:latin typeface="Geneva" panose="020B0503030404040204" pitchFamily="34" charset="0"/>
+                <a:ea typeface="Geneva" panose="020B0503030404040204" pitchFamily="34" charset="0"/>
+                <a:cs typeface="Verdana" panose="020B0604030504040204" pitchFamily="34" charset="0"/>
+              </a:rPr>
+              <a:t>Proteomics &amp; protein structure: </a:t>
+            </a:r>
+            <a:r>
+              <a:rPr lang="en-GB" sz="600" spc="30" dirty="0">
+                <a:solidFill>
+                  <a:srgbClr val="5F6060"/>
+                </a:solidFill>
+                <a:latin typeface="Geneva" panose="020B0503030404040204" pitchFamily="34" charset="0"/>
+                <a:ea typeface="Geneva" panose="020B0503030404040204" pitchFamily="34" charset="0"/>
+                <a:cs typeface="Verdana" panose="020B0604030504040204" pitchFamily="34" charset="0"/>
+              </a:rPr>
+              <a:t>ProteoWizard, Spectra, MaxQuant, Tandem, SEQUEST, Percolator, PeptideShaker, Msnbase, Cardinal, PyMOL</a:t>
+            </a:r>
+          </a:p>
+          <a:p>
+            <a:pPr>
+              <a:spcBef>
+                <a:spcPts val="300"/>
+              </a:spcBef>
+              <a:spcAft>
+                <a:spcPts val="100"/>
+              </a:spcAft>
+            </a:pPr>
+            <a:r>
+              <a:rPr lang="en-GB" sz="600" b="1" spc="30" dirty="0">
+                <a:solidFill>
+                  <a:srgbClr val="5F6060"/>
+                </a:solidFill>
+                <a:latin typeface="Geneva" panose="020B0503030404040204" pitchFamily="34" charset="0"/>
+                <a:ea typeface="Geneva" panose="020B0503030404040204" pitchFamily="34" charset="0"/>
+                <a:cs typeface="Verdana" panose="020B0604030504040204" pitchFamily="34" charset="0"/>
+              </a:rPr>
+              <a:t>Culturing of</a:t>
+            </a:r>
+            <a:r>
+              <a:rPr lang="en-GB" sz="600" spc="30" dirty="0">
+                <a:solidFill>
+                  <a:srgbClr val="5F6060"/>
+                </a:solidFill>
+                <a:latin typeface="Geneva" panose="020B0503030404040204" pitchFamily="34" charset="0"/>
+                <a:ea typeface="Geneva" panose="020B0503030404040204" pitchFamily="34" charset="0"/>
+                <a:cs typeface="Verdana" panose="020B0604030504040204" pitchFamily="34" charset="0"/>
+              </a:rPr>
+              <a:t> vascular smooth muscle &amp; endothelial cells, embryonic stem cells, HeLa, HEK293T, human vein tissue</a:t>
+            </a:r>
+          </a:p>
+          <a:p>
+            <a:pPr>
+              <a:spcBef>
+                <a:spcPts val="300"/>
+              </a:spcBef>
+              <a:spcAft>
+                <a:spcPts val="300"/>
+              </a:spcAft>
+            </a:pPr>
+            <a:r>
+              <a:rPr lang="en-GB" sz="600" b="1" spc="30" dirty="0">
+                <a:solidFill>
+                  <a:srgbClr val="5F6060"/>
+                </a:solidFill>
+                <a:latin typeface="Geneva" panose="020B0503030404040204" pitchFamily="34" charset="0"/>
+                <a:ea typeface="Geneva" panose="020B0503030404040204" pitchFamily="34" charset="0"/>
+                <a:cs typeface="Verdana" panose="020B0604030504040204" pitchFamily="34" charset="0"/>
+              </a:rPr>
+              <a:t>Wet lab: </a:t>
+            </a:r>
+            <a:r>
+              <a:rPr lang="en-GB" sz="600" spc="30" dirty="0">
+                <a:solidFill>
+                  <a:srgbClr val="5F6060"/>
+                </a:solidFill>
+                <a:latin typeface="Geneva" panose="020B0503030404040204" pitchFamily="34" charset="0"/>
+                <a:ea typeface="Geneva" panose="020B0503030404040204" pitchFamily="34" charset="0"/>
+                <a:cs typeface="Verdana" panose="020B0604030504040204" pitchFamily="34" charset="0"/>
+              </a:rPr>
+              <a:t>RNA extraction, RT-qPCR, immuno-histochemistry/fluorescence, western blot, X-gal staining, FACS, transfections</a:t>
+            </a:r>
+            <a:endParaRPr lang="en-US" sz="600" b="1" spc="30" dirty="0">
+              <a:solidFill>
+                <a:srgbClr val="5F6060"/>
+              </a:solidFill>
+              <a:latin typeface="Geneva" panose="020B0503030404040204" pitchFamily="34" charset="0"/>
+              <a:ea typeface="Geneva" panose="020B0503030404040204" pitchFamily="34" charset="0"/>
+              <a:cs typeface="Verdana" panose="020B0604030504040204" pitchFamily="34" charset="0"/>
+            </a:endParaRPr>
+          </a:p>
+          <a:p>
+            <a:pPr algn="ctr">
+              <a:spcBef>
+                <a:spcPts val="1800"/>
+              </a:spcBef>
+              <a:spcAft>
+                <a:spcPts val="1200"/>
+              </a:spcAft>
+            </a:pPr>
+            <a:r>
+              <a:rPr lang="en-US" sz="700" b="1" spc="100" dirty="0">
+                <a:solidFill>
+                  <a:srgbClr val="5F6060"/>
+                </a:solidFill>
+                <a:latin typeface="Geneva" panose="020B0503030404040204" pitchFamily="34" charset="0"/>
+                <a:ea typeface="Geneva" panose="020B0503030404040204" pitchFamily="34" charset="0"/>
+                <a:cs typeface="Verdana" panose="020B0604030504040204" pitchFamily="34" charset="0"/>
+              </a:rPr>
+              <a:t>EXPERIENCE</a:t>
+            </a:r>
+            <a:endParaRPr lang="en-US" sz="600" b="1" spc="100" dirty="0">
+              <a:solidFill>
+                <a:srgbClr val="5F6060"/>
+              </a:solidFill>
+              <a:latin typeface="Geneva" panose="020B0503030404040204" pitchFamily="34" charset="0"/>
+              <a:ea typeface="Geneva" panose="020B0503030404040204" pitchFamily="34" charset="0"/>
+              <a:cs typeface="Verdana" panose="020B0604030504040204" pitchFamily="34" charset="0"/>
+            </a:endParaRPr>
+          </a:p>
+          <a:p>
+            <a:pPr>
+              <a:spcBef>
+                <a:spcPts val="300"/>
+              </a:spcBef>
+              <a:spcAft>
+                <a:spcPts val="100"/>
+              </a:spcAft>
+            </a:pPr>
+            <a:r>
+              <a:rPr lang="en-US" sz="600" b="1" spc="30" dirty="0">
+                <a:solidFill>
+                  <a:srgbClr val="5F6060"/>
+                </a:solidFill>
+                <a:latin typeface="Geneva" panose="020B0503030404040204" pitchFamily="34" charset="0"/>
+                <a:ea typeface="Geneva" panose="020B0503030404040204" pitchFamily="34" charset="0"/>
+                <a:cs typeface="Verdana" panose="020B0604030504040204" pitchFamily="34" charset="0"/>
+              </a:rPr>
+              <a:t>PhD Research | </a:t>
+            </a:r>
+            <a:r>
+              <a:rPr lang="en-US" sz="600" spc="30" dirty="0">
+                <a:solidFill>
+                  <a:srgbClr val="5F6060"/>
+                </a:solidFill>
+                <a:latin typeface="Geneva" panose="020B0503030404040204" pitchFamily="34" charset="0"/>
+                <a:ea typeface="Geneva" panose="020B0503030404040204" pitchFamily="34" charset="0"/>
+                <a:cs typeface="Verdana" panose="020B0604030504040204" pitchFamily="34" charset="0"/>
+              </a:rPr>
+              <a:t>Queen’s Medical Research Institute, University of Edinburgh, UK (Oct 2019 - Nov 2023)</a:t>
+            </a:r>
+          </a:p>
+          <a:p>
+            <a:pPr marL="144000">
+              <a:spcBef>
+                <a:spcPts val="300"/>
+              </a:spcBef>
+              <a:spcAft>
+                <a:spcPts val="300"/>
+              </a:spcAft>
+            </a:pPr>
+            <a:r>
+              <a:rPr lang="en-GB" sz="600" b="1" spc="30" dirty="0">
+                <a:solidFill>
+                  <a:srgbClr val="5F6060"/>
+                </a:solidFill>
+                <a:latin typeface="Geneva" panose="020B0503030404040204" pitchFamily="34" charset="0"/>
+                <a:ea typeface="Geneva" panose="020B0503030404040204" pitchFamily="34" charset="0"/>
+                <a:cs typeface="Verdana" panose="020B0604030504040204" pitchFamily="34" charset="0"/>
+              </a:rPr>
+              <a:t>Project 1:</a:t>
+            </a:r>
+            <a:r>
+              <a:rPr lang="en-GB" sz="600" spc="30" dirty="0">
+                <a:solidFill>
+                  <a:srgbClr val="5F6060"/>
+                </a:solidFill>
+                <a:latin typeface="Geneva" panose="020B0503030404040204" pitchFamily="34" charset="0"/>
+                <a:ea typeface="Geneva" panose="020B0503030404040204" pitchFamily="34" charset="0"/>
+                <a:cs typeface="Verdana" panose="020B0604030504040204" pitchFamily="34" charset="0"/>
+              </a:rPr>
+              <a:t> Identification of novel therapeutic miRNAs for vein graft failure – in vitro &amp; in silico </a:t>
+            </a:r>
+          </a:p>
+          <a:p>
+            <a:pPr marL="403200" indent="-144000">
+              <a:spcAft>
+                <a:spcPts val="100"/>
+              </a:spcAft>
+              <a:buFont typeface="Arial" panose="020B0604020202020204" pitchFamily="34" charset="0"/>
+              <a:buChar char="•"/>
+            </a:pPr>
+            <a:r>
+              <a:rPr lang="en-GB" sz="600" spc="30" dirty="0">
+                <a:solidFill>
+                  <a:srgbClr val="5F6060"/>
+                </a:solidFill>
+                <a:latin typeface="Geneva" panose="020B0503030404040204" pitchFamily="34" charset="0"/>
+                <a:ea typeface="Geneva" panose="020B0503030404040204" pitchFamily="34" charset="0"/>
+                <a:cs typeface="Verdana" panose="020B0604030504040204" pitchFamily="34" charset="0"/>
+              </a:rPr>
+              <a:t>Assessed the effect of 2000+ miRNAs on proliferation &amp; viability via a high-throughput screen</a:t>
+            </a:r>
+          </a:p>
+          <a:p>
+            <a:pPr marL="403200" indent="-144000">
+              <a:spcAft>
+                <a:spcPts val="100"/>
+              </a:spcAft>
+              <a:buFont typeface="Arial" panose="020B0604020202020204" pitchFamily="34" charset="0"/>
+              <a:buChar char="•"/>
+            </a:pPr>
+            <a:r>
+              <a:rPr lang="en-GB" sz="600" spc="30" dirty="0">
+                <a:solidFill>
+                  <a:srgbClr val="5F6060"/>
+                </a:solidFill>
+                <a:latin typeface="Geneva" panose="020B0503030404040204" pitchFamily="34" charset="0"/>
+                <a:ea typeface="Geneva" panose="020B0503030404040204" pitchFamily="34" charset="0"/>
+                <a:cs typeface="Verdana" panose="020B0604030504040204" pitchFamily="34" charset="0"/>
+              </a:rPr>
+              <a:t>Evaluated the top candidates as potential therapeutics &amp; studied their mechanism of action (in vitro / ex vivo / </a:t>
+            </a:r>
+            <a:r>
+              <a:rPr lang="en-GB" sz="600" spc="30" dirty="0" err="1">
+                <a:solidFill>
+                  <a:srgbClr val="5F6060"/>
+                </a:solidFill>
+                <a:latin typeface="Geneva" panose="020B0503030404040204" pitchFamily="34" charset="0"/>
+                <a:ea typeface="Geneva" panose="020B0503030404040204" pitchFamily="34" charset="0"/>
+                <a:cs typeface="Verdana" panose="020B0604030504040204" pitchFamily="34" charset="0"/>
+              </a:rPr>
+              <a:t>RNAseq</a:t>
+            </a:r>
+            <a:r>
+              <a:rPr lang="en-GB" sz="600" spc="30" dirty="0">
+                <a:solidFill>
+                  <a:srgbClr val="5F6060"/>
+                </a:solidFill>
+                <a:latin typeface="Geneva" panose="020B0503030404040204" pitchFamily="34" charset="0"/>
+                <a:ea typeface="Geneva" panose="020B0503030404040204" pitchFamily="34" charset="0"/>
+                <a:cs typeface="Verdana" panose="020B0604030504040204" pitchFamily="34" charset="0"/>
+              </a:rPr>
+              <a:t>) </a:t>
+            </a:r>
+          </a:p>
+          <a:p>
+            <a:pPr marL="403200" indent="-144000">
+              <a:spcAft>
+                <a:spcPts val="100"/>
+              </a:spcAft>
+              <a:buFont typeface="Arial" panose="020B0604020202020204" pitchFamily="34" charset="0"/>
+              <a:buChar char="•"/>
+            </a:pPr>
+            <a:r>
+              <a:rPr lang="en-GB" sz="600" spc="30" dirty="0">
+                <a:solidFill>
+                  <a:srgbClr val="5F6060"/>
+                </a:solidFill>
+                <a:latin typeface="Geneva" panose="020B0503030404040204" pitchFamily="34" charset="0"/>
+                <a:ea typeface="Geneva" panose="020B0503030404040204" pitchFamily="34" charset="0"/>
+                <a:cs typeface="Verdana" panose="020B0604030504040204" pitchFamily="34" charset="0"/>
+              </a:rPr>
+              <a:t>Testing adenoviral delivery systems in the vasculature</a:t>
+            </a:r>
+          </a:p>
+          <a:p>
+            <a:pPr marL="144000">
+              <a:spcBef>
+                <a:spcPts val="300"/>
+              </a:spcBef>
+              <a:spcAft>
+                <a:spcPts val="300"/>
+              </a:spcAft>
+            </a:pPr>
+            <a:r>
+              <a:rPr lang="en-GB" sz="600" b="1" spc="30" dirty="0">
+                <a:solidFill>
+                  <a:srgbClr val="5F6060"/>
+                </a:solidFill>
+                <a:latin typeface="Geneva" panose="020B0503030404040204" pitchFamily="34" charset="0"/>
+                <a:ea typeface="Geneva" panose="020B0503030404040204" pitchFamily="34" charset="0"/>
+                <a:cs typeface="Verdana" panose="020B0604030504040204" pitchFamily="34" charset="0"/>
+              </a:rPr>
+              <a:t>Project 2:</a:t>
+            </a:r>
+            <a:r>
+              <a:rPr lang="en-GB" sz="600" spc="30" dirty="0">
+                <a:solidFill>
+                  <a:srgbClr val="5F6060"/>
+                </a:solidFill>
+                <a:latin typeface="Geneva" panose="020B0503030404040204" pitchFamily="34" charset="0"/>
+                <a:ea typeface="Geneva" panose="020B0503030404040204" pitchFamily="34" charset="0"/>
+                <a:cs typeface="Verdana" panose="020B0604030504040204" pitchFamily="34" charset="0"/>
+              </a:rPr>
+              <a:t> Studying endogenous miRNA loci that become deregulated in response to injurious stimuli in vascular smooth muscle cells</a:t>
+            </a:r>
+          </a:p>
+          <a:p>
+            <a:pPr marL="403200" indent="-144000">
+              <a:spcAft>
+                <a:spcPts val="100"/>
+              </a:spcAft>
+              <a:buFont typeface="Arial" panose="020B0604020202020204" pitchFamily="34" charset="0"/>
+              <a:buChar char="•"/>
+            </a:pPr>
+            <a:r>
+              <a:rPr lang="en-GB" sz="600" spc="30" dirty="0">
+                <a:solidFill>
+                  <a:srgbClr val="5F6060"/>
+                </a:solidFill>
+                <a:latin typeface="Geneva" panose="020B0503030404040204" pitchFamily="34" charset="0"/>
+                <a:ea typeface="Geneva" panose="020B0503030404040204" pitchFamily="34" charset="0"/>
+                <a:cs typeface="Verdana" panose="020B0604030504040204" pitchFamily="34" charset="0"/>
+              </a:rPr>
+              <a:t>Developed transcriptomics &amp; genomics pipelines with R, Python, Unix and NextFlow </a:t>
+            </a:r>
+          </a:p>
+          <a:p>
+            <a:pPr marL="403200" indent="-144000">
+              <a:spcAft>
+                <a:spcPts val="100"/>
+              </a:spcAft>
+              <a:buFont typeface="Arial" panose="020B0604020202020204" pitchFamily="34" charset="0"/>
+              <a:buChar char="•"/>
+            </a:pPr>
+            <a:r>
+              <a:rPr lang="en-GB" sz="600" spc="30" dirty="0">
+                <a:solidFill>
+                  <a:srgbClr val="5F6060"/>
+                </a:solidFill>
+                <a:latin typeface="Geneva" panose="020B0503030404040204" pitchFamily="34" charset="0"/>
+                <a:ea typeface="Geneva" panose="020B0503030404040204" pitchFamily="34" charset="0"/>
+                <a:cs typeface="Verdana" panose="020B0604030504040204" pitchFamily="34" charset="0"/>
+              </a:rPr>
+              <a:t>Analysis of time-series data (ML &amp; non-ML methods) </a:t>
+            </a:r>
+          </a:p>
+          <a:p>
+            <a:pPr marL="144000">
+              <a:spcBef>
+                <a:spcPts val="300"/>
+              </a:spcBef>
+              <a:spcAft>
+                <a:spcPts val="300"/>
+              </a:spcAft>
+            </a:pPr>
+            <a:r>
+              <a:rPr lang="en-GB" sz="600" b="1" spc="30" dirty="0">
+                <a:solidFill>
+                  <a:srgbClr val="5F6060"/>
+                </a:solidFill>
+                <a:latin typeface="Geneva" panose="020B0503030404040204" pitchFamily="34" charset="0"/>
+                <a:ea typeface="Geneva" panose="020B0503030404040204" pitchFamily="34" charset="0"/>
+                <a:cs typeface="Verdana" panose="020B0604030504040204" pitchFamily="34" charset="0"/>
+              </a:rPr>
+              <a:t>Project 3:</a:t>
+            </a:r>
+            <a:r>
+              <a:rPr lang="en-GB" sz="600" spc="30" dirty="0">
+                <a:solidFill>
+                  <a:srgbClr val="5F6060"/>
+                </a:solidFill>
+                <a:latin typeface="Geneva" panose="020B0503030404040204" pitchFamily="34" charset="0"/>
+                <a:ea typeface="Geneva" panose="020B0503030404040204" pitchFamily="34" charset="0"/>
+                <a:cs typeface="Verdana" panose="020B0604030504040204" pitchFamily="34" charset="0"/>
+              </a:rPr>
+              <a:t> Evaluation of all human miRNAs by predicting processing efficiency – in silico </a:t>
+            </a:r>
+          </a:p>
+          <a:p>
+            <a:pPr marL="259200">
+              <a:spcAft>
+                <a:spcPts val="100"/>
+              </a:spcAft>
+            </a:pPr>
+            <a:r>
+              <a:rPr lang="en-GB" sz="600" spc="30" dirty="0">
+                <a:solidFill>
+                  <a:srgbClr val="5F6060"/>
+                </a:solidFill>
+                <a:latin typeface="Geneva" panose="020B0503030404040204" pitchFamily="34" charset="0"/>
+                <a:ea typeface="Geneva" panose="020B0503030404040204" pitchFamily="34" charset="0"/>
+                <a:cs typeface="Verdana" panose="020B0604030504040204" pitchFamily="34" charset="0"/>
+              </a:rPr>
+              <a:t>I used sequence and structural determinants associated with Drosha recognition and subsequent increased mature miRNA expression to identified the most optimal miRNAs that make the most sense to research and work with for translational projects </a:t>
+            </a:r>
+          </a:p>
+          <a:p>
+            <a:pPr marL="144000">
+              <a:spcBef>
+                <a:spcPts val="300"/>
+              </a:spcBef>
+              <a:spcAft>
+                <a:spcPts val="300"/>
+              </a:spcAft>
+            </a:pPr>
+            <a:r>
+              <a:rPr lang="en-GB" sz="600" b="1" spc="30" dirty="0">
+                <a:solidFill>
+                  <a:srgbClr val="5F6060"/>
+                </a:solidFill>
+                <a:latin typeface="Geneva" panose="020B0503030404040204" pitchFamily="34" charset="0"/>
+                <a:ea typeface="Geneva" panose="020B0503030404040204" pitchFamily="34" charset="0"/>
+                <a:cs typeface="Verdana" panose="020B0604030504040204" pitchFamily="34" charset="0"/>
+              </a:rPr>
+              <a:t>Also involved in: </a:t>
+            </a:r>
+          </a:p>
+          <a:p>
+            <a:pPr marL="403200" indent="-144000">
+              <a:spcAft>
+                <a:spcPts val="100"/>
+              </a:spcAft>
+              <a:buFont typeface="Arial" panose="020B0604020202020204" pitchFamily="34" charset="0"/>
+              <a:buChar char="•"/>
+            </a:pPr>
+            <a:r>
+              <a:rPr lang="en-GB" sz="600" spc="30" dirty="0">
+                <a:solidFill>
+                  <a:srgbClr val="5F6060"/>
+                </a:solidFill>
+                <a:latin typeface="Geneva" panose="020B0503030404040204" pitchFamily="34" charset="0"/>
+                <a:ea typeface="Geneva" panose="020B0503030404040204" pitchFamily="34" charset="0"/>
+                <a:cs typeface="Verdana" panose="020B0604030504040204" pitchFamily="34" charset="0"/>
+              </a:rPr>
+              <a:t>A project on pro-angiogenic extracellular vesicles derived from a stem cell-derived endothelial cell product</a:t>
+            </a:r>
+          </a:p>
+          <a:p>
+            <a:pPr marL="403200" indent="-144000">
+              <a:spcAft>
                 <a:spcPts val="600"/>
               </a:spcAft>
+              <a:buFont typeface="Arial" panose="020B0604020202020204" pitchFamily="34" charset="0"/>
+              <a:buChar char="•"/>
             </a:pPr>
             <a:r>
-              <a:rPr lang="en-US" sz="1050" b="1" dirty="0">
-                <a:solidFill>
-                  <a:schemeClr val="tx2">
-                    <a:lumMod val="75000"/>
-                  </a:schemeClr>
-                </a:solidFill>
-                <a:latin typeface="Didot" panose="02000503000000020003" pitchFamily="2" charset="-79"/>
-                <a:ea typeface="Verdana" panose="020B0604030504040204" pitchFamily="34" charset="0"/>
-                <a:cs typeface="Didot" panose="02000503000000020003" pitchFamily="2" charset="-79"/>
-              </a:rPr>
-              <a:t>S</a:t>
-            </a:r>
-            <a:r>
-              <a:rPr lang="en-US" sz="900" b="1" dirty="0">
-                <a:solidFill>
-                  <a:schemeClr val="tx2">
-                    <a:lumMod val="75000"/>
-                  </a:schemeClr>
-                </a:solidFill>
-                <a:latin typeface="Didot" panose="02000503000000020003" pitchFamily="2" charset="-79"/>
-                <a:ea typeface="Verdana" panose="020B0604030504040204" pitchFamily="34" charset="0"/>
-                <a:cs typeface="Didot" panose="02000503000000020003" pitchFamily="2" charset="-79"/>
-              </a:rPr>
-              <a:t>UMMARY</a:t>
-            </a:r>
+              <a:rPr lang="en-GB" sz="600" spc="30" dirty="0">
+                <a:solidFill>
+                  <a:srgbClr val="5F6060"/>
+                </a:solidFill>
+                <a:latin typeface="Geneva" panose="020B0503030404040204" pitchFamily="34" charset="0"/>
+                <a:ea typeface="Geneva" panose="020B0503030404040204" pitchFamily="34" charset="0"/>
+                <a:cs typeface="Verdana" panose="020B0604030504040204" pitchFamily="34" charset="0"/>
+              </a:rPr>
+              <a:t>Extracellular vesicle isolation and RNA-sequencing analysis of their contents</a:t>
+            </a:r>
+            <a:endParaRPr lang="en-GB" sz="700" b="1" spc="30" dirty="0">
+              <a:solidFill>
+                <a:srgbClr val="5F6060"/>
+              </a:solidFill>
+              <a:latin typeface="Geneva" panose="020B0503030404040204" pitchFamily="34" charset="0"/>
+              <a:ea typeface="Geneva" panose="020B0503030404040204" pitchFamily="34" charset="0"/>
+              <a:cs typeface="Verdana" panose="020B0604030504040204" pitchFamily="34" charset="0"/>
+            </a:endParaRPr>
           </a:p>
           <a:p>
             <a:pPr>
+              <a:spcBef>
+                <a:spcPts val="300"/>
+              </a:spcBef>
+            </a:pPr>
+            <a:r>
+              <a:rPr lang="en-US" sz="600" b="1" spc="30" dirty="0">
+                <a:solidFill>
+                  <a:srgbClr val="5F6060"/>
+                </a:solidFill>
+                <a:latin typeface="Geneva" panose="020B0503030404040204" pitchFamily="34" charset="0"/>
+                <a:ea typeface="Geneva" panose="020B0503030404040204" pitchFamily="34" charset="0"/>
+                <a:cs typeface="Verdana" panose="020B0604030504040204" pitchFamily="34" charset="0"/>
+              </a:rPr>
+              <a:t>Multiomics pipeline development for cancer precision medicine | </a:t>
+            </a:r>
+            <a:r>
+              <a:rPr lang="en-US" sz="600" spc="30" dirty="0">
+                <a:solidFill>
+                  <a:srgbClr val="5F6060"/>
+                </a:solidFill>
+                <a:latin typeface="Geneva" panose="020B0503030404040204" pitchFamily="34" charset="0"/>
+                <a:ea typeface="Geneva" panose="020B0503030404040204" pitchFamily="34" charset="0"/>
+                <a:cs typeface="Verdana" panose="020B0604030504040204" pitchFamily="34" charset="0"/>
+              </a:rPr>
+              <a:t>Collab with Omnia Biosciences, London, UK (Sep - Oct 2023)</a:t>
+            </a:r>
+          </a:p>
+          <a:p>
+            <a:pPr marL="403200" lvl="1" indent="-144000">
               <a:spcBef>
                 <a:spcPts val="200"/>
               </a:spcBef>
               <a:spcAft>
                 <a:spcPts val="600"/>
               </a:spcAft>
+              <a:buFont typeface="Arial" panose="020B0604020202020204" pitchFamily="34" charset="0"/>
+              <a:buChar char="•"/>
             </a:pPr>
             <a:r>
-              <a:rPr lang="en-GB" sz="800" dirty="0">
-                <a:solidFill>
-                  <a:sysClr val="windowText" lastClr="000000"/>
-                </a:solidFill>
-                <a:latin typeface="Helvetica" pitchFamily="2" charset="0"/>
-                <a:ea typeface="Verdana" panose="020B0604030504040204" pitchFamily="34" charset="0"/>
-                <a:cs typeface="Arial" panose="020B0604020202020204" pitchFamily="34" charset="0"/>
-              </a:rPr>
-              <a:t>I'm Effie - I've worked on basic research, evolutionary genetics, -omics and my PhD in RNA therapeutics &amp; viral vectors @ The University of Edinburgh. </a:t>
-            </a:r>
+              <a:rPr lang="en-GB" sz="600" spc="30" dirty="0">
+                <a:solidFill>
+                  <a:srgbClr val="5F6060"/>
+                </a:solidFill>
+                <a:latin typeface="Geneva" panose="020B0503030404040204" pitchFamily="34" charset="0"/>
+                <a:ea typeface="Geneva" panose="020B0503030404040204" pitchFamily="34" charset="0"/>
+                <a:cs typeface="Verdana" panose="020B0604030504040204" pitchFamily="34" charset="0"/>
+              </a:rPr>
+              <a:t>Constructed multimodal multiomics pipelines including genomics, epigenomics, transcriptomics and proteomics datasets</a:t>
+            </a:r>
+            <a:endParaRPr lang="en-US" sz="600" b="1" spc="30" dirty="0">
+              <a:solidFill>
+                <a:srgbClr val="5F6060"/>
+              </a:solidFill>
+              <a:latin typeface="Geneva" panose="020B0503030404040204" pitchFamily="34" charset="0"/>
+              <a:ea typeface="Geneva" panose="020B0503030404040204" pitchFamily="34" charset="0"/>
+              <a:cs typeface="Verdana" panose="020B0604030504040204" pitchFamily="34" charset="0"/>
+            </a:endParaRPr>
           </a:p>
           <a:p>
             <a:pPr>
+              <a:spcBef>
+                <a:spcPts val="300"/>
+              </a:spcBef>
               <a:spcAft>
-                <a:spcPts val="600"/>
+                <a:spcPts val="100"/>
               </a:spcAft>
             </a:pPr>
             <a:r>
-              <a:rPr lang="en-GB" sz="800" dirty="0">
-                <a:solidFill>
-                  <a:sysClr val="windowText" lastClr="000000"/>
-                </a:solidFill>
-                <a:latin typeface="Helvetica" pitchFamily="2" charset="0"/>
-                <a:ea typeface="Verdana" panose="020B0604030504040204" pitchFamily="34" charset="0"/>
-                <a:cs typeface="Arial" panose="020B0604020202020204" pitchFamily="34" charset="0"/>
-              </a:rPr>
-              <a:t>I care about making human bodies more robust and long lasting, well-designed </a:t>
-            </a:r>
-            <a:r>
-              <a:rPr lang="en-GB" sz="800" dirty="0" err="1">
-                <a:solidFill>
-                  <a:sysClr val="windowText" lastClr="000000"/>
-                </a:solidFill>
-                <a:latin typeface="Helvetica" pitchFamily="2" charset="0"/>
-                <a:ea typeface="Verdana" panose="020B0604030504040204" pitchFamily="34" charset="0"/>
-                <a:cs typeface="Arial" panose="020B0604020202020204" pitchFamily="34" charset="0"/>
-              </a:rPr>
-              <a:t>multiomics</a:t>
-            </a:r>
-            <a:r>
-              <a:rPr lang="en-GB" sz="800" dirty="0">
-                <a:solidFill>
-                  <a:sysClr val="windowText" lastClr="000000"/>
-                </a:solidFill>
-                <a:latin typeface="Helvetica" pitchFamily="2" charset="0"/>
-                <a:ea typeface="Verdana" panose="020B0604030504040204" pitchFamily="34" charset="0"/>
-                <a:cs typeface="Arial" panose="020B0604020202020204" pitchFamily="34" charset="0"/>
-              </a:rPr>
-              <a:t> pipelines and maximising thinking time for scientists by automating tedious research tasks. </a:t>
-            </a:r>
-          </a:p>
-          <a:p>
-            <a:pPr>
+              <a:rPr lang="en-US" sz="600" b="1" spc="30" dirty="0">
+                <a:solidFill>
+                  <a:srgbClr val="5F6060"/>
+                </a:solidFill>
+                <a:latin typeface="Geneva" panose="020B0503030404040204" pitchFamily="34" charset="0"/>
+                <a:ea typeface="Geneva" panose="020B0503030404040204" pitchFamily="34" charset="0"/>
+                <a:cs typeface="Verdana" panose="020B0604030504040204" pitchFamily="34" charset="0"/>
+              </a:rPr>
+              <a:t>Virology training | </a:t>
+            </a:r>
+            <a:r>
+              <a:rPr lang="en-US" sz="600" spc="30" dirty="0">
+                <a:solidFill>
+                  <a:srgbClr val="5F6060"/>
+                </a:solidFill>
+                <a:latin typeface="Geneva" panose="020B0503030404040204" pitchFamily="34" charset="0"/>
+                <a:ea typeface="Geneva" panose="020B0503030404040204" pitchFamily="34" charset="0"/>
+                <a:cs typeface="Verdana" panose="020B0604030504040204" pitchFamily="34" charset="0"/>
+              </a:rPr>
+              <a:t>Batavia Biosciences B.V., Leiden, NL (July - Oct 2023)</a:t>
+            </a:r>
+          </a:p>
+          <a:p>
+            <a:pPr marL="403200" lvl="1" indent="-144000">
               <a:spcBef>
                 <a:spcPts val="200"/>
               </a:spcBef>
               <a:spcAft>
                 <a:spcPts val="600"/>
               </a:spcAft>
+              <a:buFont typeface="Arial" panose="020B0604020202020204" pitchFamily="34" charset="0"/>
+              <a:buChar char="•"/>
             </a:pPr>
             <a:r>
-              <a:rPr lang="en-GB" sz="800" b="1" dirty="0">
-                <a:solidFill>
-                  <a:sysClr val="windowText" lastClr="000000"/>
-                </a:solidFill>
-                <a:latin typeface="Helvetica" pitchFamily="2" charset="0"/>
-                <a:ea typeface="Verdana" panose="020B0604030504040204" pitchFamily="34" charset="0"/>
-                <a:cs typeface="Arial" panose="020B0604020202020204" pitchFamily="34" charset="0"/>
-              </a:rPr>
-              <a:t>What I can do in a nutshell: </a:t>
-            </a:r>
-          </a:p>
-          <a:p>
-            <a:pPr marL="428400" indent="-144000">
+              <a:rPr lang="en-US" sz="600" spc="30" dirty="0">
+                <a:solidFill>
+                  <a:srgbClr val="5F6060"/>
+                </a:solidFill>
+                <a:latin typeface="Geneva" panose="020B0503030404040204" pitchFamily="34" charset="0"/>
+                <a:ea typeface="Geneva" panose="020B0503030404040204" pitchFamily="34" charset="0"/>
+                <a:cs typeface="Verdana" panose="020B0604030504040204" pitchFamily="34" charset="0"/>
+              </a:rPr>
+              <a:t>Generation of clinical-grade Adenovirus 5-based vectors for miRNA therapy.</a:t>
+            </a:r>
+            <a:endParaRPr lang="en-US" sz="600" b="1" spc="30" dirty="0">
+              <a:solidFill>
+                <a:srgbClr val="5F6060"/>
+              </a:solidFill>
+              <a:latin typeface="Geneva" panose="020B0503030404040204" pitchFamily="34" charset="0"/>
+              <a:ea typeface="Geneva" panose="020B0503030404040204" pitchFamily="34" charset="0"/>
+              <a:cs typeface="Verdana" panose="020B0604030504040204" pitchFamily="34" charset="0"/>
+            </a:endParaRPr>
+          </a:p>
+          <a:p>
+            <a:pPr>
+              <a:spcBef>
+                <a:spcPts val="300"/>
+              </a:spcBef>
+              <a:spcAft>
+                <a:spcPts val="100"/>
+              </a:spcAft>
+            </a:pPr>
+            <a:r>
+              <a:rPr lang="en-US" sz="600" b="1" spc="30" dirty="0">
+                <a:solidFill>
+                  <a:srgbClr val="5F6060"/>
+                </a:solidFill>
+                <a:latin typeface="Geneva" panose="020B0503030404040204" pitchFamily="34" charset="0"/>
+                <a:ea typeface="Geneva" panose="020B0503030404040204" pitchFamily="34" charset="0"/>
+                <a:cs typeface="Verdana" panose="020B0604030504040204" pitchFamily="34" charset="0"/>
+              </a:rPr>
+              <a:t>Honours Project | </a:t>
+            </a:r>
+            <a:r>
+              <a:rPr lang="en-US" sz="600" spc="30" dirty="0">
+                <a:solidFill>
+                  <a:srgbClr val="5F6060"/>
+                </a:solidFill>
+                <a:latin typeface="Geneva" panose="020B0503030404040204" pitchFamily="34" charset="0"/>
+                <a:ea typeface="Geneva" panose="020B0503030404040204" pitchFamily="34" charset="0"/>
+                <a:cs typeface="Verdana" panose="020B0604030504040204" pitchFamily="34" charset="0"/>
+              </a:rPr>
+              <a:t>Genome Damage and Stability Centre, University of Sussex, UK (Sept 2018 – Feb - 2019)</a:t>
+            </a:r>
+          </a:p>
+          <a:p>
+            <a:pPr marL="403200" lvl="1" indent="-144000">
+              <a:spcBef>
+                <a:spcPts val="200"/>
+              </a:spcBef>
               <a:spcAft>
                 <a:spcPts val="100"/>
               </a:spcAft>
@@ -3287,19 +4288,27 @@
               <a:buChar char="•"/>
             </a:pPr>
             <a:r>
-              <a:rPr lang="en-GB" sz="800" dirty="0">
-                <a:solidFill>
-                  <a:sysClr val="windowText" lastClr="000000"/>
-                </a:solidFill>
-                <a:latin typeface="Helvetica" pitchFamily="2" charset="0"/>
-                <a:ea typeface="Verdana" panose="020B0604030504040204" pitchFamily="34" charset="0"/>
-                <a:cs typeface="Arial" panose="020B0604020202020204" pitchFamily="34" charset="0"/>
-              </a:rPr>
-              <a:t>Design, perform &amp; analyse -omics projects from start (cell culture &amp; sample collection) to finish (viz &amp; interpretation) </a:t>
-            </a:r>
-          </a:p>
-          <a:p>
-            <a:pPr marL="428400" indent="-144000">
+              <a:rPr lang="en-GB" sz="600" spc="30" dirty="0">
+                <a:solidFill>
+                  <a:srgbClr val="5F6060"/>
+                </a:solidFill>
+                <a:latin typeface="Geneva" panose="020B0503030404040204" pitchFamily="34" charset="0"/>
+                <a:ea typeface="Geneva" panose="020B0503030404040204" pitchFamily="34" charset="0"/>
+                <a:cs typeface="Verdana" panose="020B0604030504040204" pitchFamily="34" charset="0"/>
+              </a:rPr>
+              <a:t>Structure-function analysis of the DNA helicase factor Cdc45 in Saccharomyces pombe</a:t>
+            </a:r>
+            <a:endParaRPr lang="en-US" sz="600" spc="30" dirty="0">
+              <a:solidFill>
+                <a:srgbClr val="5F6060"/>
+              </a:solidFill>
+              <a:latin typeface="Geneva" panose="020B0503030404040204" pitchFamily="34" charset="0"/>
+              <a:ea typeface="Geneva" panose="020B0503030404040204" pitchFamily="34" charset="0"/>
+              <a:cs typeface="Verdana" panose="020B0604030504040204" pitchFamily="34" charset="0"/>
+            </a:endParaRPr>
+          </a:p>
+          <a:p>
+            <a:pPr marL="403200" lvl="1" indent="-144000">
               <a:spcAft>
                 <a:spcPts val="100"/>
               </a:spcAft>
@@ -3307,1187 +4316,529 @@
               <a:buChar char="•"/>
             </a:pPr>
             <a:r>
-              <a:rPr lang="en-GB" sz="800" dirty="0">
-                <a:solidFill>
-                  <a:sysClr val="windowText" lastClr="000000"/>
-                </a:solidFill>
-                <a:latin typeface="Helvetica" pitchFamily="2" charset="0"/>
-                <a:ea typeface="Verdana" panose="020B0604030504040204" pitchFamily="34" charset="0"/>
-                <a:cs typeface="Arial" panose="020B0604020202020204" pitchFamily="34" charset="0"/>
-              </a:rPr>
-              <a:t>WGS, </a:t>
-            </a:r>
-            <a:r>
-              <a:rPr lang="en-GB" sz="800" dirty="0" err="1">
-                <a:solidFill>
-                  <a:sysClr val="windowText" lastClr="000000"/>
-                </a:solidFill>
-                <a:latin typeface="Helvetica" pitchFamily="2" charset="0"/>
-                <a:ea typeface="Verdana" panose="020B0604030504040204" pitchFamily="34" charset="0"/>
-                <a:cs typeface="Arial" panose="020B0604020202020204" pitchFamily="34" charset="0"/>
-              </a:rPr>
-              <a:t>ChIP</a:t>
-            </a:r>
-            <a:r>
-              <a:rPr lang="en-GB" sz="800" dirty="0">
-                <a:solidFill>
-                  <a:sysClr val="windowText" lastClr="000000"/>
-                </a:solidFill>
-                <a:latin typeface="Helvetica" pitchFamily="2" charset="0"/>
-                <a:ea typeface="Verdana" panose="020B0604030504040204" pitchFamily="34" charset="0"/>
-                <a:cs typeface="Arial" panose="020B0604020202020204" pitchFamily="34" charset="0"/>
-              </a:rPr>
-              <a:t>, RNA-</a:t>
-            </a:r>
-            <a:r>
-              <a:rPr lang="en-GB" sz="800" dirty="0" err="1">
-                <a:solidFill>
-                  <a:sysClr val="windowText" lastClr="000000"/>
-                </a:solidFill>
-                <a:latin typeface="Helvetica" pitchFamily="2" charset="0"/>
-                <a:ea typeface="Verdana" panose="020B0604030504040204" pitchFamily="34" charset="0"/>
-                <a:cs typeface="Arial" panose="020B0604020202020204" pitchFamily="34" charset="0"/>
-              </a:rPr>
-              <a:t>seq</a:t>
-            </a:r>
-            <a:r>
-              <a:rPr lang="en-GB" sz="800" dirty="0">
-                <a:solidFill>
-                  <a:sysClr val="windowText" lastClr="000000"/>
-                </a:solidFill>
-                <a:latin typeface="Helvetica" pitchFamily="2" charset="0"/>
-                <a:ea typeface="Verdana" panose="020B0604030504040204" pitchFamily="34" charset="0"/>
-                <a:cs typeface="Arial" panose="020B0604020202020204" pitchFamily="34" charset="0"/>
-              </a:rPr>
-              <a:t> (bulk, small, single cell, ATAC) </a:t>
-            </a:r>
-          </a:p>
-          <a:p>
-            <a:pPr marL="428400" indent="-144000">
+              <a:rPr lang="en-US" sz="600" spc="30" dirty="0">
+                <a:solidFill>
+                  <a:srgbClr val="5F6060"/>
+                </a:solidFill>
+                <a:latin typeface="Geneva" panose="020B0503030404040204" pitchFamily="34" charset="0"/>
+                <a:ea typeface="Geneva" panose="020B0503030404040204" pitchFamily="34" charset="0"/>
+                <a:cs typeface="Verdana" panose="020B0604030504040204" pitchFamily="34" charset="0"/>
+              </a:rPr>
+              <a:t>S. pombe culture and Cre-lox-mediated insertion of Cdc45 mutants generated by error-prone PCR &amp; tertiary protein structure modelling of temperature-sensitive Cdc45 mutants (PyMOL).</a:t>
+            </a:r>
+          </a:p>
+          <a:p>
+            <a:pPr>
+              <a:spcBef>
+                <a:spcPts val="600"/>
+              </a:spcBef>
               <a:spcAft>
                 <a:spcPts val="100"/>
+              </a:spcAft>
+            </a:pPr>
+            <a:r>
+              <a:rPr lang="en-US" sz="600" b="1" spc="30" dirty="0">
+                <a:solidFill>
+                  <a:srgbClr val="5F6060"/>
+                </a:solidFill>
+                <a:latin typeface="Geneva" panose="020B0503030404040204" pitchFamily="34" charset="0"/>
+                <a:ea typeface="Geneva" panose="020B0503030404040204" pitchFamily="34" charset="0"/>
+                <a:cs typeface="Verdana" panose="020B0604030504040204" pitchFamily="34" charset="0"/>
+              </a:rPr>
+              <a:t>Junior Research Associate | </a:t>
+            </a:r>
+            <a:r>
+              <a:rPr lang="en-US" sz="600" spc="30" dirty="0">
+                <a:solidFill>
+                  <a:srgbClr val="5F6060"/>
+                </a:solidFill>
+                <a:latin typeface="Geneva" panose="020B0503030404040204" pitchFamily="34" charset="0"/>
+                <a:ea typeface="Geneva" panose="020B0503030404040204" pitchFamily="34" charset="0"/>
+                <a:cs typeface="Verdana" panose="020B0604030504040204" pitchFamily="34" charset="0"/>
+              </a:rPr>
+              <a:t>Evolution, Behaviour and Environment Department, University of Sussex, UK (June – Sept 2018)</a:t>
+            </a:r>
+          </a:p>
+          <a:p>
+            <a:pPr marL="403200" lvl="1" indent="-144000">
+              <a:spcBef>
+                <a:spcPts val="200"/>
+              </a:spcBef>
+              <a:spcAft>
+                <a:spcPts val="300"/>
               </a:spcAft>
               <a:buFont typeface="Arial" panose="020B0604020202020204" pitchFamily="34" charset="0"/>
               <a:buChar char="•"/>
             </a:pPr>
             <a:r>
-              <a:rPr lang="en-GB" sz="800" dirty="0">
-                <a:solidFill>
-                  <a:sysClr val="windowText" lastClr="000000"/>
-                </a:solidFill>
-                <a:latin typeface="Helvetica" pitchFamily="2" charset="0"/>
-                <a:ea typeface="Verdana" panose="020B0604030504040204" pitchFamily="34" charset="0"/>
-                <a:cs typeface="Arial" panose="020B0604020202020204" pitchFamily="34" charset="0"/>
-              </a:rPr>
-              <a:t>Coding, computational biology, pipeline development &amp; ML (Unix/</a:t>
-            </a:r>
-            <a:r>
-              <a:rPr lang="en-GB" sz="800" dirty="0" err="1">
-                <a:solidFill>
-                  <a:sysClr val="windowText" lastClr="000000"/>
-                </a:solidFill>
-                <a:latin typeface="Helvetica" pitchFamily="2" charset="0"/>
-                <a:ea typeface="Verdana" panose="020B0604030504040204" pitchFamily="34" charset="0"/>
-                <a:cs typeface="Arial" panose="020B0604020202020204" pitchFamily="34" charset="0"/>
-              </a:rPr>
-              <a:t>NextFlow</a:t>
-            </a:r>
-            <a:r>
-              <a:rPr lang="en-GB" sz="800" dirty="0">
-                <a:solidFill>
-                  <a:sysClr val="windowText" lastClr="000000"/>
-                </a:solidFill>
-                <a:latin typeface="Helvetica" pitchFamily="2" charset="0"/>
-                <a:ea typeface="Verdana" panose="020B0604030504040204" pitchFamily="34" charset="0"/>
-                <a:cs typeface="Arial" panose="020B0604020202020204" pitchFamily="34" charset="0"/>
-              </a:rPr>
-              <a:t>, R, Python + various libraries) </a:t>
-            </a:r>
-          </a:p>
-          <a:p>
-            <a:pPr marL="428400" indent="-144000">
+              <a:rPr lang="en-GB" sz="600" spc="30" dirty="0">
+                <a:solidFill>
+                  <a:srgbClr val="5F6060"/>
+                </a:solidFill>
+                <a:latin typeface="Geneva" panose="020B0503030404040204" pitchFamily="34" charset="0"/>
+                <a:ea typeface="Geneva" panose="020B0503030404040204" pitchFamily="34" charset="0"/>
+                <a:cs typeface="Verdana" panose="020B0604030504040204" pitchFamily="34" charset="0"/>
+              </a:rPr>
+              <a:t>Used single nucleotide polymorphism data (from the 1000 genomes project) and </a:t>
+            </a:r>
+            <a:r>
+              <a:rPr lang="en-GB" sz="600" i="1" spc="30" dirty="0">
+                <a:solidFill>
+                  <a:srgbClr val="5F6060"/>
+                </a:solidFill>
+                <a:latin typeface="Geneva" panose="020B0503030404040204" pitchFamily="34" charset="0"/>
+                <a:ea typeface="Geneva" panose="020B0503030404040204" pitchFamily="34" charset="0"/>
+                <a:cs typeface="Verdana" panose="020B0604030504040204" pitchFamily="34" charset="0"/>
+              </a:rPr>
+              <a:t>de novo </a:t>
+            </a:r>
+            <a:r>
+              <a:rPr lang="en-GB" sz="600" spc="30" dirty="0">
+                <a:solidFill>
+                  <a:srgbClr val="5F6060"/>
+                </a:solidFill>
+                <a:latin typeface="Geneva" panose="020B0503030404040204" pitchFamily="34" charset="0"/>
+                <a:ea typeface="Geneva" panose="020B0503030404040204" pitchFamily="34" charset="0"/>
+                <a:cs typeface="Verdana" panose="020B0604030504040204" pitchFamily="34" charset="0"/>
+              </a:rPr>
+              <a:t>mutation data (from multiple studies) to estimate the variation of the effective population size across the human genome.</a:t>
+            </a:r>
+            <a:endParaRPr lang="en-US" sz="600" spc="30" dirty="0">
+              <a:solidFill>
+                <a:srgbClr val="5F6060"/>
+              </a:solidFill>
+              <a:latin typeface="Geneva" panose="020B0503030404040204" pitchFamily="34" charset="0"/>
+              <a:ea typeface="Geneva" panose="020B0503030404040204" pitchFamily="34" charset="0"/>
+              <a:cs typeface="Verdana" panose="020B0604030504040204" pitchFamily="34" charset="0"/>
+            </a:endParaRPr>
+          </a:p>
+          <a:p>
+            <a:pPr algn="ctr">
+              <a:spcBef>
+                <a:spcPts val="1800"/>
+              </a:spcBef>
               <a:spcAft>
-                <a:spcPts val="100"/>
+                <a:spcPts val="1200"/>
               </a:spcAft>
-              <a:buFont typeface="Arial" panose="020B0604020202020204" pitchFamily="34" charset="0"/>
-              <a:buChar char="•"/>
             </a:pPr>
             <a:r>
-              <a:rPr lang="en-GB" sz="800" dirty="0">
-                <a:solidFill>
-                  <a:sysClr val="windowText" lastClr="000000"/>
-                </a:solidFill>
-                <a:latin typeface="Helvetica" pitchFamily="2" charset="0"/>
-                <a:ea typeface="Verdana" panose="020B0604030504040204" pitchFamily="34" charset="0"/>
-                <a:cs typeface="Arial" panose="020B0604020202020204" pitchFamily="34" charset="0"/>
-              </a:rPr>
-              <a:t>Functional genomics (GWAS, </a:t>
-            </a:r>
-            <a:r>
-              <a:rPr lang="en-GB" sz="800" dirty="0" err="1">
-                <a:solidFill>
-                  <a:sysClr val="windowText" lastClr="000000"/>
-                </a:solidFill>
-                <a:latin typeface="Helvetica" pitchFamily="2" charset="0"/>
-                <a:ea typeface="Verdana" panose="020B0604030504040204" pitchFamily="34" charset="0"/>
-                <a:cs typeface="Arial" panose="020B0604020202020204" pitchFamily="34" charset="0"/>
-              </a:rPr>
-              <a:t>eQTL</a:t>
-            </a:r>
-            <a:r>
-              <a:rPr lang="en-GB" sz="800" dirty="0">
-                <a:solidFill>
-                  <a:sysClr val="windowText" lastClr="000000"/>
-                </a:solidFill>
-                <a:latin typeface="Helvetica" pitchFamily="2" charset="0"/>
-                <a:ea typeface="Verdana" panose="020B0604030504040204" pitchFamily="34" charset="0"/>
-                <a:cs typeface="Arial" panose="020B0604020202020204" pitchFamily="34" charset="0"/>
-              </a:rPr>
-              <a:t>) </a:t>
-            </a:r>
-          </a:p>
-          <a:p>
-            <a:pPr marL="428400" indent="-144000">
-              <a:spcAft>
-                <a:spcPts val="100"/>
-              </a:spcAft>
-              <a:buFont typeface="Arial" panose="020B0604020202020204" pitchFamily="34" charset="0"/>
-              <a:buChar char="•"/>
-            </a:pPr>
-            <a:r>
-              <a:rPr lang="en-GB" sz="800" dirty="0">
-                <a:solidFill>
-                  <a:sysClr val="windowText" lastClr="000000"/>
-                </a:solidFill>
-                <a:latin typeface="Helvetica" pitchFamily="2" charset="0"/>
-                <a:ea typeface="Verdana" panose="020B0604030504040204" pitchFamily="34" charset="0"/>
-                <a:cs typeface="Arial" panose="020B0604020202020204" pitchFamily="34" charset="0"/>
-              </a:rPr>
-              <a:t>Experience with cells &amp; tissue: vascular smooth muscle &amp; endothelial cells, embryonic stem cells, HEK293T, HeLa, S. pombe, plasmid/siRNA/miRNA transfections, nucleofection, human vein tissue dissection and culture</a:t>
-            </a:r>
-          </a:p>
-          <a:p>
-            <a:pPr marL="428400" indent="-144000">
-              <a:spcAft>
-                <a:spcPts val="100"/>
-              </a:spcAft>
-              <a:buFont typeface="Arial" panose="020B0604020202020204" pitchFamily="34" charset="0"/>
-              <a:buChar char="•"/>
-            </a:pPr>
-            <a:r>
-              <a:rPr lang="en-GB" sz="800" dirty="0">
-                <a:solidFill>
-                  <a:sysClr val="windowText" lastClr="000000"/>
-                </a:solidFill>
-                <a:latin typeface="Helvetica" pitchFamily="2" charset="0"/>
-                <a:ea typeface="Verdana" panose="020B0604030504040204" pitchFamily="34" charset="0"/>
-                <a:cs typeface="Arial" panose="020B0604020202020204" pitchFamily="34" charset="0"/>
-              </a:rPr>
-              <a:t>Experience on the bench: RNA extraction, PCR, RT-qPCR, immunohistochemistry, immunofluorescence, western blot, X-gal staining, flow cytometry. Numerous phenotypic/functional assays </a:t>
-            </a:r>
-          </a:p>
-          <a:p>
-            <a:pPr marL="428400" indent="-144000">
-              <a:spcAft>
-                <a:spcPts val="100"/>
-              </a:spcAft>
-              <a:buFont typeface="Arial" panose="020B0604020202020204" pitchFamily="34" charset="0"/>
-              <a:buChar char="•"/>
-            </a:pPr>
-            <a:r>
-              <a:rPr lang="en-GB" sz="800" dirty="0">
-                <a:solidFill>
-                  <a:sysClr val="windowText" lastClr="000000"/>
-                </a:solidFill>
-                <a:latin typeface="Helvetica" pitchFamily="2" charset="0"/>
-                <a:ea typeface="Verdana" panose="020B0604030504040204" pitchFamily="34" charset="0"/>
-                <a:cs typeface="Arial" panose="020B0604020202020204" pitchFamily="34" charset="0"/>
-              </a:rPr>
-              <a:t>Adenoviral vector production, viral transduction of primary cells &amp; cell lines </a:t>
-            </a:r>
-          </a:p>
-          <a:p>
-            <a:pPr marL="428400" indent="-144000">
-              <a:spcAft>
-                <a:spcPts val="100"/>
-              </a:spcAft>
-              <a:buFont typeface="Arial" panose="020B0604020202020204" pitchFamily="34" charset="0"/>
-              <a:buChar char="•"/>
-            </a:pPr>
-            <a:r>
-              <a:rPr lang="en-GB" sz="800" dirty="0">
-                <a:solidFill>
-                  <a:sysClr val="windowText" lastClr="000000"/>
-                </a:solidFill>
-                <a:latin typeface="Helvetica" pitchFamily="2" charset="0"/>
-                <a:ea typeface="Verdana" panose="020B0604030504040204" pitchFamily="34" charset="0"/>
-                <a:cs typeface="Arial" panose="020B0604020202020204" pitchFamily="34" charset="0"/>
-              </a:rPr>
-              <a:t>I can also make web apps &amp; visualisations using TS/React/D3.js - taught myself how to build biology software products</a:t>
-            </a:r>
-            <a:endParaRPr lang="en-US" sz="800" dirty="0">
+              <a:rPr lang="en-US" sz="700" b="1" spc="100" dirty="0">
+                <a:solidFill>
+                  <a:srgbClr val="5F6060"/>
+                </a:solidFill>
+                <a:latin typeface="Geneva" panose="020B0503030404040204" pitchFamily="34" charset="0"/>
+                <a:ea typeface="Geneva" panose="020B0503030404040204" pitchFamily="34" charset="0"/>
+                <a:cs typeface="Verdana" panose="020B0604030504040204" pitchFamily="34" charset="0"/>
+              </a:rPr>
+              <a:t>TALKS ･ PRESENTATIONS</a:t>
+            </a:r>
+          </a:p>
+          <a:p>
+            <a:r>
+              <a:rPr lang="en-US" sz="600" b="1" spc="30" dirty="0">
+                <a:solidFill>
+                  <a:srgbClr val="5F6060"/>
+                </a:solidFill>
+                <a:latin typeface="Geneva" panose="020B0503030404040204" pitchFamily="34" charset="0"/>
+                <a:ea typeface="Geneva" panose="020B0503030404040204" pitchFamily="34" charset="0"/>
+                <a:cs typeface="Verdana" panose="020B0604030504040204" pitchFamily="34" charset="0"/>
+              </a:rPr>
+              <a:t>Keystone Symposia </a:t>
+            </a:r>
+            <a:r>
+              <a:rPr lang="en-GB" sz="600" b="1" spc="30" dirty="0">
+                <a:solidFill>
+                  <a:srgbClr val="5F6060"/>
+                </a:solidFill>
+                <a:latin typeface="Geneva" panose="020B0503030404040204" pitchFamily="34" charset="0"/>
+                <a:ea typeface="Geneva" panose="020B0503030404040204" pitchFamily="34" charset="0"/>
+                <a:cs typeface="Verdana" panose="020B0604030504040204" pitchFamily="34" charset="0"/>
+              </a:rPr>
+              <a:t>“Small Regulatory RNAs: From Bench to Bedside” with Scholarship by the NIH | </a:t>
+            </a:r>
+            <a:r>
+              <a:rPr lang="en-GB" sz="600" spc="30" dirty="0">
+                <a:solidFill>
+                  <a:srgbClr val="5F6060"/>
+                </a:solidFill>
+                <a:latin typeface="Geneva" panose="020B0503030404040204" pitchFamily="34" charset="0"/>
+                <a:ea typeface="Geneva" panose="020B0503030404040204" pitchFamily="34" charset="0"/>
+                <a:cs typeface="Verdana" panose="020B0604030504040204" pitchFamily="34" charset="0"/>
+              </a:rPr>
+              <a:t>Santa Fe, NM (2022)</a:t>
+            </a:r>
+            <a:endParaRPr lang="en-US" sz="600" spc="30" dirty="0">
               <a:solidFill>
-                <a:sysClr val="windowText" lastClr="000000"/>
+                <a:srgbClr val="5F6060"/>
               </a:solidFill>
-              <a:latin typeface="Helvetica" pitchFamily="2" charset="0"/>
-              <a:ea typeface="Verdana" panose="020B0604030504040204" pitchFamily="34" charset="0"/>
-              <a:cs typeface="Arial" panose="020B0604020202020204" pitchFamily="34" charset="0"/>
+              <a:latin typeface="Geneva" panose="020B0503030404040204" pitchFamily="34" charset="0"/>
+              <a:ea typeface="Geneva" panose="020B0503030404040204" pitchFamily="34" charset="0"/>
+              <a:cs typeface="Verdana" panose="020B0604030504040204" pitchFamily="34" charset="0"/>
             </a:endParaRPr>
           </a:p>
           <a:p>
             <a:pPr>
               <a:spcBef>
-                <a:spcPts val="1200"/>
+                <a:spcPts val="100"/>
               </a:spcBef>
               <a:spcAft>
-                <a:spcPts val="600"/>
+                <a:spcPts val="300"/>
               </a:spcAft>
             </a:pPr>
             <a:r>
-              <a:rPr lang="en-US" sz="1050" b="1" dirty="0">
-                <a:solidFill>
-                  <a:schemeClr val="tx2">
-                    <a:lumMod val="75000"/>
-                  </a:schemeClr>
-                </a:solidFill>
-                <a:latin typeface="Didot" panose="02000503000000020003" pitchFamily="2" charset="-79"/>
-                <a:ea typeface="Verdana" panose="020B0604030504040204" pitchFamily="34" charset="0"/>
-                <a:cs typeface="Didot" panose="02000503000000020003" pitchFamily="2" charset="-79"/>
-              </a:rPr>
-              <a:t>E</a:t>
-            </a:r>
-            <a:r>
-              <a:rPr lang="en-US" sz="900" b="1" dirty="0">
-                <a:solidFill>
-                  <a:schemeClr val="tx2">
-                    <a:lumMod val="75000"/>
-                  </a:schemeClr>
-                </a:solidFill>
-                <a:latin typeface="Didot" panose="02000503000000020003" pitchFamily="2" charset="-79"/>
-                <a:ea typeface="Verdana" panose="020B0604030504040204" pitchFamily="34" charset="0"/>
-                <a:cs typeface="Didot" panose="02000503000000020003" pitchFamily="2" charset="-79"/>
-              </a:rPr>
-              <a:t>XPERIENCE</a:t>
-            </a:r>
-          </a:p>
-          <a:p>
-            <a:r>
-              <a:rPr lang="en-US" sz="800" b="1" dirty="0">
-                <a:solidFill>
-                  <a:sysClr val="windowText" lastClr="000000"/>
-                </a:solidFill>
-                <a:latin typeface="Helvetica" pitchFamily="2" charset="0"/>
-                <a:ea typeface="Verdana" panose="020B0604030504040204" pitchFamily="34" charset="0"/>
-                <a:cs typeface="Arial" panose="020B0604020202020204" pitchFamily="34" charset="0"/>
-              </a:rPr>
-              <a:t>Doctoral Researcher </a:t>
-            </a:r>
-            <a:r>
-              <a:rPr lang="en-US" sz="800" b="1" dirty="0">
-                <a:solidFill>
-                  <a:sysClr val="windowText" lastClr="000000"/>
-                </a:solidFill>
-                <a:latin typeface="Didot" panose="02000503000000020003" pitchFamily="2" charset="-79"/>
-                <a:ea typeface="Verdana" panose="020B0604030504040204" pitchFamily="34" charset="0"/>
-                <a:cs typeface="Didot" panose="02000503000000020003" pitchFamily="2" charset="-79"/>
-              </a:rPr>
-              <a:t>|</a:t>
-            </a:r>
-            <a:r>
-              <a:rPr lang="en-US" sz="800" b="1" dirty="0">
-                <a:solidFill>
-                  <a:sysClr val="windowText" lastClr="000000"/>
-                </a:solidFill>
-                <a:latin typeface="Helvetica" pitchFamily="2" charset="0"/>
-                <a:ea typeface="Verdana" panose="020B0604030504040204" pitchFamily="34" charset="0"/>
-                <a:cs typeface="Arial" panose="020B0604020202020204" pitchFamily="34" charset="0"/>
+              <a:rPr lang="en-US" sz="600" spc="30" dirty="0">
+                <a:solidFill>
+                  <a:srgbClr val="5F6060"/>
+                </a:solidFill>
+                <a:latin typeface="Geneva" panose="020B0503030404040204" pitchFamily="34" charset="0"/>
+                <a:ea typeface="Geneva" panose="020B0503030404040204" pitchFamily="34" charset="0"/>
+                <a:cs typeface="Verdana" panose="020B0604030504040204" pitchFamily="34" charset="0"/>
+              </a:rPr>
+              <a:t>Title: “</a:t>
+            </a:r>
+            <a:r>
+              <a:rPr lang="en-GB" sz="600" spc="30" dirty="0">
+                <a:solidFill>
+                  <a:srgbClr val="5F6060"/>
+                </a:solidFill>
+                <a:latin typeface="Geneva" panose="020B0503030404040204" pitchFamily="34" charset="0"/>
+                <a:ea typeface="Geneva" panose="020B0503030404040204" pitchFamily="34" charset="0"/>
+                <a:cs typeface="Verdana" panose="020B0604030504040204" pitchFamily="34" charset="0"/>
+              </a:rPr>
+              <a:t>Investigating miRNAs regulating vascular smooth muscle cell proliferation”; 1</a:t>
+            </a:r>
+            <a:r>
+              <a:rPr lang="en-GB" sz="600" spc="30" baseline="30000" dirty="0">
+                <a:solidFill>
+                  <a:srgbClr val="5F6060"/>
+                </a:solidFill>
+                <a:latin typeface="Geneva" panose="020B0503030404040204" pitchFamily="34" charset="0"/>
+                <a:ea typeface="Geneva" panose="020B0503030404040204" pitchFamily="34" charset="0"/>
+                <a:cs typeface="Verdana" panose="020B0604030504040204" pitchFamily="34" charset="0"/>
+              </a:rPr>
+              <a:t>st</a:t>
+            </a:r>
+            <a:r>
+              <a:rPr lang="en-GB" sz="600" spc="30" dirty="0">
+                <a:solidFill>
+                  <a:srgbClr val="5F6060"/>
+                </a:solidFill>
+                <a:latin typeface="Geneva" panose="020B0503030404040204" pitchFamily="34" charset="0"/>
+                <a:ea typeface="Geneva" panose="020B0503030404040204" pitchFamily="34" charset="0"/>
+                <a:cs typeface="Verdana" panose="020B0604030504040204" pitchFamily="34" charset="0"/>
+              </a:rPr>
+              <a:t> author</a:t>
+            </a:r>
+            <a:endParaRPr lang="en-GB" sz="600" b="1" spc="30" dirty="0">
+              <a:solidFill>
+                <a:srgbClr val="5F6060"/>
+              </a:solidFill>
+              <a:latin typeface="Geneva" panose="020B0503030404040204" pitchFamily="34" charset="0"/>
+              <a:ea typeface="Geneva" panose="020B0503030404040204" pitchFamily="34" charset="0"/>
+              <a:cs typeface="Verdana" panose="020B0604030504040204" pitchFamily="34" charset="0"/>
+            </a:endParaRPr>
+          </a:p>
+          <a:p>
+            <a:r>
+              <a:rPr lang="en-GB" sz="600" b="1" spc="30" dirty="0">
+                <a:solidFill>
+                  <a:srgbClr val="5F6060"/>
+                </a:solidFill>
+                <a:latin typeface="Geneva" panose="020B0503030404040204" pitchFamily="34" charset="0"/>
+                <a:ea typeface="Geneva" panose="020B0503030404040204" pitchFamily="34" charset="0"/>
+                <a:cs typeface="Verdana" panose="020B0604030504040204" pitchFamily="34" charset="0"/>
+              </a:rPr>
+              <a:t>Cardiovascular Research Institute Maastricht invited talk</a:t>
+            </a:r>
+            <a:r>
+              <a:rPr lang="en-GB" sz="600" b="1" spc="30" dirty="0">
+                <a:solidFill>
+                  <a:srgbClr val="5F6060"/>
+                </a:solidFill>
+                <a:latin typeface="Geneva" panose="020B0503030404040204" pitchFamily="34" charset="0"/>
+                <a:ea typeface="Geneva" panose="020B0503030404040204" pitchFamily="34" charset="0"/>
+                <a:cs typeface="Verdana" panose="020B0604030504040204" pitchFamily="34" charset="0"/>
+                <a:sym typeface="Wingdings" pitchFamily="2" charset="2"/>
+              </a:rPr>
+              <a:t> | </a:t>
+            </a:r>
+            <a:r>
+              <a:rPr lang="en-GB" sz="600" spc="30" dirty="0">
+                <a:solidFill>
+                  <a:srgbClr val="5F6060"/>
+                </a:solidFill>
+                <a:latin typeface="Geneva" panose="020B0503030404040204" pitchFamily="34" charset="0"/>
+                <a:ea typeface="Geneva" panose="020B0503030404040204" pitchFamily="34" charset="0"/>
+                <a:cs typeface="Verdana" panose="020B0604030504040204" pitchFamily="34" charset="0"/>
+                <a:sym typeface="Wingdings" pitchFamily="2" charset="2"/>
+              </a:rPr>
+              <a:t>Virtually (2023)</a:t>
+            </a:r>
+            <a:r>
+              <a:rPr lang="en-GB" sz="600" spc="30" dirty="0">
+                <a:solidFill>
+                  <a:srgbClr val="5F6060"/>
+                </a:solidFill>
+                <a:latin typeface="Geneva" panose="020B0503030404040204" pitchFamily="34" charset="0"/>
+                <a:ea typeface="Geneva" panose="020B0503030404040204" pitchFamily="34" charset="0"/>
+                <a:cs typeface="Verdana" panose="020B0604030504040204" pitchFamily="34" charset="0"/>
               </a:rPr>
               <a:t> </a:t>
-            </a:r>
-            <a:r>
-              <a:rPr lang="en-US" sz="800" dirty="0">
-                <a:solidFill>
-                  <a:schemeClr val="bg2">
-                    <a:lumMod val="25000"/>
-                  </a:schemeClr>
-                </a:solidFill>
-                <a:latin typeface="Helvetica" pitchFamily="2" charset="0"/>
-                <a:ea typeface="Verdana" panose="020B0604030504040204" pitchFamily="34" charset="0"/>
-                <a:cs typeface="Arial" panose="020B0604020202020204" pitchFamily="34" charset="0"/>
-              </a:rPr>
-              <a:t>Queen’s Medical Research Institute, University of Edinburgh (Oct 2019 - Dec 2023)</a:t>
             </a:r>
           </a:p>
           <a:p>
             <a:pPr>
               <a:spcBef>
-                <a:spcPts val="200"/>
+                <a:spcPts val="100"/>
               </a:spcBef>
+              <a:spcAft>
+                <a:spcPts val="300"/>
+              </a:spcAft>
             </a:pPr>
             <a:r>
-              <a:rPr lang="en-US" sz="800" b="1" dirty="0">
-                <a:solidFill>
-                  <a:sysClr val="windowText" lastClr="000000"/>
-                </a:solidFill>
-                <a:latin typeface="Helvetica" pitchFamily="2" charset="0"/>
-                <a:ea typeface="Verdana" panose="020B0604030504040204" pitchFamily="34" charset="0"/>
-                <a:cs typeface="Arial" panose="020B0604020202020204" pitchFamily="34" charset="0"/>
-              </a:rPr>
-              <a:t>Niche: Research at the intersection of wet and dry lab, transcriptomics, vascular biology, RNA biology. </a:t>
+              <a:rPr lang="en-GB" sz="600" spc="30" dirty="0">
+                <a:solidFill>
+                  <a:srgbClr val="5F6060"/>
+                </a:solidFill>
+                <a:latin typeface="Geneva" panose="020B0503030404040204" pitchFamily="34" charset="0"/>
+                <a:ea typeface="Geneva" panose="020B0503030404040204" pitchFamily="34" charset="0"/>
+                <a:cs typeface="Verdana" panose="020B0604030504040204" pitchFamily="34" charset="0"/>
+              </a:rPr>
+              <a:t>“Functional screening identifies novel miRNAs inhibiting Vascular Smooth Muscle Cell proliferation” (2023)</a:t>
+            </a:r>
+            <a:endParaRPr lang="en-GB" sz="600" b="1" spc="30" dirty="0">
+              <a:solidFill>
+                <a:srgbClr val="5F6060"/>
+              </a:solidFill>
+              <a:latin typeface="Geneva" panose="020B0503030404040204" pitchFamily="34" charset="0"/>
+              <a:ea typeface="Geneva" panose="020B0503030404040204" pitchFamily="34" charset="0"/>
+              <a:cs typeface="Verdana" panose="020B0604030504040204" pitchFamily="34" charset="0"/>
+            </a:endParaRPr>
+          </a:p>
+          <a:p>
+            <a:pPr algn="ctr">
+              <a:spcBef>
+                <a:spcPts val="1800"/>
+              </a:spcBef>
+              <a:spcAft>
+                <a:spcPts val="1200"/>
+              </a:spcAft>
+            </a:pPr>
+            <a:r>
+              <a:rPr lang="en-GB" sz="700" b="1" spc="100" dirty="0">
+                <a:solidFill>
+                  <a:srgbClr val="5F6060"/>
+                </a:solidFill>
+                <a:latin typeface="Geneva" panose="020B0503030404040204" pitchFamily="34" charset="0"/>
+                <a:ea typeface="Geneva" panose="020B0503030404040204" pitchFamily="34" charset="0"/>
+                <a:cs typeface="Verdana" panose="020B0604030504040204" pitchFamily="34" charset="0"/>
+              </a:rPr>
+              <a:t>MANUSCRIPTS </a:t>
+            </a:r>
+            <a:r>
+              <a:rPr lang="en-US" sz="700" b="1" spc="100" dirty="0">
+                <a:solidFill>
+                  <a:srgbClr val="5F6060"/>
+                </a:solidFill>
+                <a:latin typeface="Geneva" panose="020B0503030404040204" pitchFamily="34" charset="0"/>
+                <a:ea typeface="Geneva" panose="020B0503030404040204" pitchFamily="34" charset="0"/>
+                <a:cs typeface="Verdana" panose="020B0604030504040204" pitchFamily="34" charset="0"/>
+              </a:rPr>
+              <a:t>･ </a:t>
+            </a:r>
+            <a:r>
+              <a:rPr lang="en-GB" sz="700" b="1" spc="100" dirty="0">
+                <a:solidFill>
+                  <a:srgbClr val="5F6060"/>
+                </a:solidFill>
+                <a:latin typeface="Geneva" panose="020B0503030404040204" pitchFamily="34" charset="0"/>
+                <a:ea typeface="Geneva" panose="020B0503030404040204" pitchFamily="34" charset="0"/>
+                <a:cs typeface="Verdana" panose="020B0604030504040204" pitchFamily="34" charset="0"/>
+              </a:rPr>
+              <a:t>PUBLICATIONS</a:t>
+            </a:r>
+          </a:p>
+          <a:p>
+            <a:pPr>
+              <a:spcAft>
+                <a:spcPts val="300"/>
+              </a:spcAft>
+            </a:pPr>
+            <a:r>
+              <a:rPr lang="en-GB" sz="600" b="1" spc="30" dirty="0">
+                <a:solidFill>
+                  <a:srgbClr val="5F6060"/>
+                </a:solidFill>
+                <a:latin typeface="Geneva" panose="020B0503030404040204" pitchFamily="34" charset="0"/>
+                <a:ea typeface="Geneva" panose="020B0503030404040204" pitchFamily="34" charset="0"/>
+                <a:cs typeface="Verdana" panose="020B0604030504040204" pitchFamily="34" charset="0"/>
+              </a:rPr>
+              <a:t>“Functional screening identifies novel miRNAs inhibiting Vascular Smooth Muscle Cell proliferation” </a:t>
+            </a:r>
+            <a:r>
+              <a:rPr lang="en-GB" sz="600" spc="30" dirty="0">
+                <a:solidFill>
+                  <a:srgbClr val="5F6060"/>
+                </a:solidFill>
+                <a:latin typeface="Geneva" panose="020B0503030404040204" pitchFamily="34" charset="0"/>
+                <a:ea typeface="Geneva" panose="020B0503030404040204" pitchFamily="34" charset="0"/>
+                <a:cs typeface="Verdana" panose="020B0604030504040204" pitchFamily="34" charset="0"/>
+              </a:rPr>
+              <a:t>1</a:t>
+            </a:r>
+            <a:r>
+              <a:rPr lang="en-GB" sz="600" spc="30" baseline="30000" dirty="0">
+                <a:solidFill>
+                  <a:srgbClr val="5F6060"/>
+                </a:solidFill>
+                <a:latin typeface="Geneva" panose="020B0503030404040204" pitchFamily="34" charset="0"/>
+                <a:ea typeface="Geneva" panose="020B0503030404040204" pitchFamily="34" charset="0"/>
+                <a:cs typeface="Verdana" panose="020B0604030504040204" pitchFamily="34" charset="0"/>
+              </a:rPr>
+              <a:t>st</a:t>
+            </a:r>
+            <a:r>
+              <a:rPr lang="en-GB" sz="600" spc="30" dirty="0">
+                <a:solidFill>
+                  <a:srgbClr val="5F6060"/>
+                </a:solidFill>
+                <a:latin typeface="Geneva" panose="020B0503030404040204" pitchFamily="34" charset="0"/>
+                <a:ea typeface="Geneva" panose="020B0503030404040204" pitchFamily="34" charset="0"/>
+                <a:cs typeface="Verdana" panose="020B0604030504040204" pitchFamily="34" charset="0"/>
+              </a:rPr>
+              <a:t> author, submitted (2023)</a:t>
+            </a:r>
+          </a:p>
+          <a:p>
+            <a:pPr>
+              <a:spcAft>
+                <a:spcPts val="300"/>
+              </a:spcAft>
+            </a:pPr>
+            <a:r>
+              <a:rPr lang="en-GB" sz="600" b="1" spc="30" dirty="0">
+                <a:solidFill>
+                  <a:srgbClr val="5F6060"/>
+                </a:solidFill>
+                <a:latin typeface="Geneva" panose="020B0503030404040204" pitchFamily="34" charset="0"/>
+                <a:ea typeface="Geneva" panose="020B0503030404040204" pitchFamily="34" charset="0"/>
+                <a:cs typeface="Verdana" panose="020B0604030504040204" pitchFamily="34" charset="0"/>
+              </a:rPr>
+              <a:t>“Vascular smooth cell function and dysfunction controlled by non-coding RNA” </a:t>
+            </a:r>
+            <a:r>
+              <a:rPr lang="en-GB" sz="600" spc="30" dirty="0">
+                <a:solidFill>
+                  <a:srgbClr val="5F6060"/>
+                </a:solidFill>
+                <a:latin typeface="Geneva" panose="020B0503030404040204" pitchFamily="34" charset="0"/>
+                <a:ea typeface="Geneva" panose="020B0503030404040204" pitchFamily="34" charset="0"/>
+                <a:cs typeface="Verdana" panose="020B0604030504040204" pitchFamily="34" charset="0"/>
+              </a:rPr>
+              <a:t>Invited review article, 1</a:t>
+            </a:r>
+            <a:r>
+              <a:rPr lang="en-GB" sz="600" spc="30" baseline="30000" dirty="0">
+                <a:solidFill>
+                  <a:srgbClr val="5F6060"/>
+                </a:solidFill>
+                <a:latin typeface="Geneva" panose="020B0503030404040204" pitchFamily="34" charset="0"/>
+                <a:ea typeface="Geneva" panose="020B0503030404040204" pitchFamily="34" charset="0"/>
+                <a:cs typeface="Verdana" panose="020B0604030504040204" pitchFamily="34" charset="0"/>
+              </a:rPr>
+              <a:t>st</a:t>
+            </a:r>
+            <a:r>
+              <a:rPr lang="en-GB" sz="600" spc="30" dirty="0">
+                <a:solidFill>
+                  <a:srgbClr val="5F6060"/>
+                </a:solidFill>
+                <a:latin typeface="Geneva" panose="020B0503030404040204" pitchFamily="34" charset="0"/>
+                <a:ea typeface="Geneva" panose="020B0503030404040204" pitchFamily="34" charset="0"/>
+                <a:cs typeface="Verdana" panose="020B0604030504040204" pitchFamily="34" charset="0"/>
+              </a:rPr>
+              <a:t> author, submitted (2023)</a:t>
+            </a:r>
+          </a:p>
+          <a:p>
+            <a:pPr>
+              <a:spcAft>
+                <a:spcPts val="300"/>
+              </a:spcAft>
+            </a:pPr>
+            <a:r>
+              <a:rPr lang="en-GB" sz="600" b="1" spc="30" dirty="0">
+                <a:solidFill>
+                  <a:srgbClr val="5F6060"/>
+                </a:solidFill>
+                <a:latin typeface="Geneva" panose="020B0503030404040204" pitchFamily="34" charset="0"/>
+                <a:ea typeface="Geneva" panose="020B0503030404040204" pitchFamily="34" charset="0"/>
+                <a:cs typeface="Verdana" panose="020B0604030504040204" pitchFamily="34" charset="0"/>
+              </a:rPr>
+              <a:t>"Extracellular vesicles from a human embryonic stem cell-derived endothelial cell product induce angiogenesis with high efficiency at very low input and contain miRNAs with novel proangiogenic function”</a:t>
+            </a:r>
+            <a:r>
+              <a:rPr lang="en-GB" sz="600" spc="30" dirty="0">
+                <a:solidFill>
+                  <a:srgbClr val="5F6060"/>
+                </a:solidFill>
+                <a:latin typeface="Geneva" panose="020B0503030404040204" pitchFamily="34" charset="0"/>
+                <a:ea typeface="Geneva" panose="020B0503030404040204" pitchFamily="34" charset="0"/>
+                <a:cs typeface="Verdana" panose="020B0604030504040204" pitchFamily="34" charset="0"/>
+              </a:rPr>
+              <a:t> 5</a:t>
+            </a:r>
+            <a:r>
+              <a:rPr lang="en-GB" sz="600" spc="30" baseline="30000" dirty="0">
+                <a:solidFill>
+                  <a:srgbClr val="5F6060"/>
+                </a:solidFill>
+                <a:latin typeface="Geneva" panose="020B0503030404040204" pitchFamily="34" charset="0"/>
+                <a:ea typeface="Geneva" panose="020B0503030404040204" pitchFamily="34" charset="0"/>
+                <a:cs typeface="Verdana" panose="020B0604030504040204" pitchFamily="34" charset="0"/>
+              </a:rPr>
+              <a:t>th</a:t>
+            </a:r>
+            <a:r>
+              <a:rPr lang="en-GB" sz="600" spc="30" dirty="0">
+                <a:solidFill>
+                  <a:srgbClr val="5F6060"/>
+                </a:solidFill>
+                <a:latin typeface="Geneva" panose="020B0503030404040204" pitchFamily="34" charset="0"/>
+                <a:ea typeface="Geneva" panose="020B0503030404040204" pitchFamily="34" charset="0"/>
+                <a:cs typeface="Verdana" panose="020B0604030504040204" pitchFamily="34" charset="0"/>
+              </a:rPr>
+              <a:t> author, in review (2023)</a:t>
             </a:r>
           </a:p>
           <a:p>
             <a:pPr>
               <a:spcBef>
-                <a:spcPts val="200"/>
-              </a:spcBef>
-            </a:pPr>
-            <a:r>
-              <a:rPr lang="en-US" sz="800" b="1" dirty="0">
-                <a:solidFill>
-                  <a:sysClr val="windowText" lastClr="000000"/>
-                </a:solidFill>
-                <a:latin typeface="Helvetica" pitchFamily="2" charset="0"/>
-                <a:ea typeface="Verdana" panose="020B0604030504040204" pitchFamily="34" charset="0"/>
-                <a:cs typeface="Arial" panose="020B0604020202020204" pitchFamily="34" charset="0"/>
-              </a:rPr>
-              <a:t>Focus: </a:t>
-            </a:r>
-            <a:r>
-              <a:rPr lang="en-US" sz="800" b="1" i="1" dirty="0">
-                <a:solidFill>
-                  <a:sysClr val="windowText" lastClr="000000"/>
-                </a:solidFill>
-                <a:latin typeface="Helvetica" pitchFamily="2" charset="0"/>
-                <a:ea typeface="Verdana" panose="020B0604030504040204" pitchFamily="34" charset="0"/>
-                <a:cs typeface="Arial" panose="020B0604020202020204" pitchFamily="34" charset="0"/>
-              </a:rPr>
-              <a:t>in silico </a:t>
-            </a:r>
-            <a:r>
-              <a:rPr lang="en-US" sz="800" b="1" dirty="0">
-                <a:solidFill>
-                  <a:sysClr val="windowText" lastClr="000000"/>
-                </a:solidFill>
-                <a:latin typeface="Helvetica" pitchFamily="2" charset="0"/>
-                <a:ea typeface="Verdana" panose="020B0604030504040204" pitchFamily="34" charset="0"/>
-                <a:cs typeface="Arial" panose="020B0604020202020204" pitchFamily="34" charset="0"/>
-              </a:rPr>
-              <a:t>transcriptomics &amp; data science</a:t>
-            </a:r>
-          </a:p>
-          <a:p>
-            <a:pPr marL="284400" lvl="1">
-              <a:spcBef>
-                <a:spcPts val="600"/>
-              </a:spcBef>
-            </a:pPr>
-            <a:r>
-              <a:rPr lang="en-US" sz="900" b="1" dirty="0">
-                <a:solidFill>
-                  <a:schemeClr val="tx1"/>
-                </a:solidFill>
-                <a:latin typeface="Didot" panose="02000503000000020003" pitchFamily="2" charset="-79"/>
-                <a:ea typeface="Verdana" panose="020B0604030504040204" pitchFamily="34" charset="0"/>
-                <a:cs typeface="Didot" panose="02000503000000020003" pitchFamily="2" charset="-79"/>
-              </a:rPr>
-              <a:t>Project 1: Identification of novel therapeutic miRNAs for vein graft failure – </a:t>
-            </a:r>
-            <a:r>
-              <a:rPr lang="en-US" sz="900" b="1" i="1" dirty="0">
-                <a:solidFill>
-                  <a:schemeClr val="tx1"/>
-                </a:solidFill>
-                <a:latin typeface="Didot" panose="02000503000000020003" pitchFamily="2" charset="-79"/>
-                <a:ea typeface="Verdana" panose="020B0604030504040204" pitchFamily="34" charset="0"/>
-                <a:cs typeface="Didot" panose="02000503000000020003" pitchFamily="2" charset="-79"/>
-              </a:rPr>
-              <a:t>in vitro </a:t>
-            </a:r>
-            <a:r>
-              <a:rPr lang="en-US" sz="900" b="1" dirty="0">
-                <a:solidFill>
-                  <a:schemeClr val="tx1"/>
-                </a:solidFill>
-                <a:latin typeface="Didot" panose="02000503000000020003" pitchFamily="2" charset="-79"/>
-                <a:ea typeface="Verdana" panose="020B0604030504040204" pitchFamily="34" charset="0"/>
-                <a:cs typeface="Didot" panose="02000503000000020003" pitchFamily="2" charset="-79"/>
-              </a:rPr>
-              <a:t>&amp; </a:t>
-            </a:r>
-            <a:r>
-              <a:rPr lang="en-US" sz="900" b="1" i="1" dirty="0">
-                <a:solidFill>
-                  <a:schemeClr val="tx1"/>
-                </a:solidFill>
-                <a:latin typeface="Didot" panose="02000503000000020003" pitchFamily="2" charset="-79"/>
-                <a:ea typeface="Verdana" panose="020B0604030504040204" pitchFamily="34" charset="0"/>
-                <a:cs typeface="Didot" panose="02000503000000020003" pitchFamily="2" charset="-79"/>
-              </a:rPr>
-              <a:t>in silico</a:t>
-            </a:r>
-          </a:p>
-          <a:p>
-            <a:pPr marL="712800" lvl="1" indent="-144000">
-              <a:spcBef>
-                <a:spcPts val="200"/>
-              </a:spcBef>
-              <a:buFont typeface="Arial" panose="020B0604020202020204" pitchFamily="34" charset="0"/>
-              <a:buChar char="•"/>
-            </a:pPr>
-            <a:r>
-              <a:rPr lang="en-GB" sz="800" dirty="0">
-                <a:solidFill>
-                  <a:sysClr val="windowText" lastClr="000000"/>
-                </a:solidFill>
-                <a:latin typeface="Helvetica" pitchFamily="2" charset="0"/>
-                <a:ea typeface="Verdana" panose="020B0604030504040204" pitchFamily="34" charset="0"/>
-                <a:cs typeface="Arial" panose="020B0604020202020204" pitchFamily="34" charset="0"/>
-              </a:rPr>
-              <a:t>Assessed the effect of 2000+ miRNAs on proliferation &amp; viability via a high-throughput screen. Selected candidates.</a:t>
-            </a:r>
-            <a:endParaRPr lang="en-US" sz="800" dirty="0">
-              <a:solidFill>
-                <a:sysClr val="windowText" lastClr="000000"/>
-              </a:solidFill>
-              <a:latin typeface="Helvetica" pitchFamily="2" charset="0"/>
-              <a:ea typeface="Verdana" panose="020B0604030504040204" pitchFamily="34" charset="0"/>
-              <a:cs typeface="Arial" panose="020B0604020202020204" pitchFamily="34" charset="0"/>
-            </a:endParaRPr>
-          </a:p>
-          <a:p>
-            <a:pPr marL="712800" lvl="1" indent="-144000">
-              <a:buFont typeface="Arial" panose="020B0604020202020204" pitchFamily="34" charset="0"/>
-              <a:buChar char="•"/>
-            </a:pPr>
-            <a:r>
-              <a:rPr lang="en-GB" sz="800" dirty="0">
-                <a:solidFill>
-                  <a:sysClr val="windowText" lastClr="000000"/>
-                </a:solidFill>
-                <a:latin typeface="Helvetica" pitchFamily="2" charset="0"/>
-                <a:ea typeface="Verdana" panose="020B0604030504040204" pitchFamily="34" charset="0"/>
-                <a:cs typeface="Arial" panose="020B0604020202020204" pitchFamily="34" charset="0"/>
-              </a:rPr>
-              <a:t>Evaluated the top candidates as potential therapeutics &amp; studied their mechanism of action (</a:t>
-            </a:r>
-            <a:r>
-              <a:rPr lang="en-GB" sz="800" i="1" dirty="0">
-                <a:solidFill>
-                  <a:sysClr val="windowText" lastClr="000000"/>
-                </a:solidFill>
-                <a:latin typeface="Helvetica" pitchFamily="2" charset="0"/>
-                <a:ea typeface="Verdana" panose="020B0604030504040204" pitchFamily="34" charset="0"/>
-                <a:cs typeface="Arial" panose="020B0604020202020204" pitchFamily="34" charset="0"/>
-              </a:rPr>
-              <a:t>in vitro / ex vivo / </a:t>
-            </a:r>
-            <a:r>
-              <a:rPr lang="en-GB" sz="800" i="1" dirty="0" err="1">
-                <a:solidFill>
-                  <a:sysClr val="windowText" lastClr="000000"/>
-                </a:solidFill>
-                <a:latin typeface="Helvetica" pitchFamily="2" charset="0"/>
-                <a:ea typeface="Verdana" panose="020B0604030504040204" pitchFamily="34" charset="0"/>
-                <a:cs typeface="Arial" panose="020B0604020202020204" pitchFamily="34" charset="0"/>
-              </a:rPr>
-              <a:t>RNAseq</a:t>
-            </a:r>
-            <a:r>
-              <a:rPr lang="en-GB" sz="800" dirty="0">
-                <a:solidFill>
-                  <a:sysClr val="windowText" lastClr="000000"/>
-                </a:solidFill>
-                <a:latin typeface="Helvetica" pitchFamily="2" charset="0"/>
-                <a:ea typeface="Verdana" panose="020B0604030504040204" pitchFamily="34" charset="0"/>
-                <a:cs typeface="Arial" panose="020B0604020202020204" pitchFamily="34" charset="0"/>
-              </a:rPr>
-              <a:t>)</a:t>
-            </a:r>
-            <a:endParaRPr lang="en-US" sz="800" dirty="0">
-              <a:solidFill>
-                <a:sysClr val="windowText" lastClr="000000"/>
-              </a:solidFill>
-              <a:latin typeface="Helvetica" pitchFamily="2" charset="0"/>
-              <a:ea typeface="Verdana" panose="020B0604030504040204" pitchFamily="34" charset="0"/>
-              <a:cs typeface="Arial" panose="020B0604020202020204" pitchFamily="34" charset="0"/>
-            </a:endParaRPr>
-          </a:p>
-          <a:p>
-            <a:pPr marL="712800" lvl="1" indent="-144000">
-              <a:spcAft>
-                <a:spcPts val="600"/>
-              </a:spcAft>
-              <a:buFont typeface="Arial" panose="020B0604020202020204" pitchFamily="34" charset="0"/>
-              <a:buChar char="•"/>
-            </a:pPr>
-            <a:r>
-              <a:rPr lang="en-GB" sz="800" dirty="0">
-                <a:solidFill>
-                  <a:sysClr val="windowText" lastClr="000000"/>
-                </a:solidFill>
-                <a:latin typeface="Helvetica" pitchFamily="2" charset="0"/>
-                <a:ea typeface="Verdana" panose="020B0604030504040204" pitchFamily="34" charset="0"/>
-                <a:cs typeface="Arial" panose="020B0604020202020204" pitchFamily="34" charset="0"/>
-              </a:rPr>
-              <a:t>Testing adenoviral delivery systems in the vasculature &amp; identified the most efficient</a:t>
-            </a:r>
-            <a:endParaRPr lang="en-US" sz="800" dirty="0">
-              <a:solidFill>
-                <a:sysClr val="windowText" lastClr="000000"/>
-              </a:solidFill>
-              <a:latin typeface="Helvetica" pitchFamily="2" charset="0"/>
-              <a:ea typeface="Verdana" panose="020B0604030504040204" pitchFamily="34" charset="0"/>
-              <a:cs typeface="Arial" panose="020B0604020202020204" pitchFamily="34" charset="0"/>
-            </a:endParaRPr>
-          </a:p>
-          <a:p>
-            <a:pPr marL="284400" lvl="1"/>
-            <a:r>
-              <a:rPr lang="en-US" sz="900" b="1" dirty="0">
-                <a:solidFill>
-                  <a:schemeClr val="tx1"/>
-                </a:solidFill>
-                <a:latin typeface="Didot" panose="02000503000000020003" pitchFamily="2" charset="-79"/>
-                <a:ea typeface="Verdana" panose="020B0604030504040204" pitchFamily="34" charset="0"/>
-                <a:cs typeface="Didot" panose="02000503000000020003" pitchFamily="2" charset="-79"/>
-              </a:rPr>
-              <a:t>Project 2: Studying endogenous miRNA loci that become deregulated in response to injurious stimuli in vascular smooth muscle cells – </a:t>
-            </a:r>
-            <a:r>
-              <a:rPr lang="en-US" sz="900" b="1" i="1" dirty="0">
-                <a:solidFill>
-                  <a:schemeClr val="tx1"/>
-                </a:solidFill>
-                <a:latin typeface="Didot" panose="02000503000000020003" pitchFamily="2" charset="-79"/>
-                <a:ea typeface="Verdana" panose="020B0604030504040204" pitchFamily="34" charset="0"/>
-                <a:cs typeface="Didot" panose="02000503000000020003" pitchFamily="2" charset="-79"/>
-              </a:rPr>
-              <a:t>in silico </a:t>
-            </a:r>
-            <a:r>
-              <a:rPr lang="en-US" sz="900" b="1" dirty="0">
-                <a:solidFill>
-                  <a:schemeClr val="tx1"/>
-                </a:solidFill>
-                <a:latin typeface="Didot" panose="02000503000000020003" pitchFamily="2" charset="-79"/>
-                <a:ea typeface="Verdana" panose="020B0604030504040204" pitchFamily="34" charset="0"/>
-                <a:cs typeface="Didot" panose="02000503000000020003" pitchFamily="2" charset="-79"/>
-              </a:rPr>
-              <a:t>&amp; </a:t>
-            </a:r>
-            <a:r>
-              <a:rPr lang="en-US" sz="900" b="1" i="1" dirty="0">
-                <a:solidFill>
-                  <a:schemeClr val="tx1"/>
-                </a:solidFill>
-                <a:latin typeface="Didot" panose="02000503000000020003" pitchFamily="2" charset="-79"/>
-                <a:ea typeface="Verdana" panose="020B0604030504040204" pitchFamily="34" charset="0"/>
-                <a:cs typeface="Didot" panose="02000503000000020003" pitchFamily="2" charset="-79"/>
-              </a:rPr>
-              <a:t>in vitro</a:t>
-            </a:r>
-            <a:endParaRPr lang="en-US" sz="900" b="1" dirty="0">
-              <a:solidFill>
-                <a:schemeClr val="tx1"/>
-              </a:solidFill>
-              <a:latin typeface="Didot" panose="02000503000000020003" pitchFamily="2" charset="-79"/>
-              <a:ea typeface="Verdana" panose="020B0604030504040204" pitchFamily="34" charset="0"/>
-              <a:cs typeface="Didot" panose="02000503000000020003" pitchFamily="2" charset="-79"/>
-            </a:endParaRPr>
-          </a:p>
-          <a:p>
-            <a:pPr marL="712800" lvl="1" indent="-144000">
-              <a:spcBef>
-                <a:spcPts val="200"/>
-              </a:spcBef>
-              <a:buFont typeface="Arial" panose="020B0604020202020204" pitchFamily="34" charset="0"/>
-              <a:buChar char="•"/>
-            </a:pPr>
-            <a:r>
-              <a:rPr lang="en-GB" sz="800" dirty="0">
-                <a:solidFill>
-                  <a:sysClr val="windowText" lastClr="000000"/>
-                </a:solidFill>
-                <a:latin typeface="Helvetica" pitchFamily="2" charset="0"/>
-                <a:ea typeface="Verdana" panose="020B0604030504040204" pitchFamily="34" charset="0"/>
-                <a:cs typeface="Arial" panose="020B0604020202020204" pitchFamily="34" charset="0"/>
-              </a:rPr>
-              <a:t>Developed transcriptomics &amp; genomics pipelines with R, Python, Unix and </a:t>
-            </a:r>
-            <a:r>
-              <a:rPr lang="en-GB" sz="800" dirty="0" err="1">
-                <a:solidFill>
-                  <a:sysClr val="windowText" lastClr="000000"/>
-                </a:solidFill>
-                <a:latin typeface="Helvetica" pitchFamily="2" charset="0"/>
-                <a:ea typeface="Verdana" panose="020B0604030504040204" pitchFamily="34" charset="0"/>
-                <a:cs typeface="Arial" panose="020B0604020202020204" pitchFamily="34" charset="0"/>
-              </a:rPr>
-              <a:t>NextFlow</a:t>
-            </a:r>
-            <a:endParaRPr lang="en-US" sz="800" dirty="0">
-              <a:solidFill>
-                <a:sysClr val="windowText" lastClr="000000"/>
-              </a:solidFill>
-              <a:latin typeface="Helvetica" pitchFamily="2" charset="0"/>
-              <a:ea typeface="Verdana" panose="020B0604030504040204" pitchFamily="34" charset="0"/>
-              <a:cs typeface="Arial" panose="020B0604020202020204" pitchFamily="34" charset="0"/>
-            </a:endParaRPr>
-          </a:p>
-          <a:p>
-            <a:pPr marL="712800" lvl="1" indent="-144000">
-              <a:buFont typeface="Arial" panose="020B0604020202020204" pitchFamily="34" charset="0"/>
-              <a:buChar char="•"/>
-            </a:pPr>
-            <a:r>
-              <a:rPr lang="en-GB" sz="800" dirty="0">
-                <a:solidFill>
-                  <a:sysClr val="windowText" lastClr="000000"/>
-                </a:solidFill>
-                <a:latin typeface="Helvetica" pitchFamily="2" charset="0"/>
-                <a:ea typeface="Verdana" panose="020B0604030504040204" pitchFamily="34" charset="0"/>
-                <a:cs typeface="Arial" panose="020B0604020202020204" pitchFamily="34" charset="0"/>
-              </a:rPr>
-              <a:t>Analysis of time-series data (ML &amp; non-ML methods)</a:t>
-            </a:r>
-          </a:p>
-          <a:p>
-            <a:pPr marL="712800" lvl="1" indent="-144000">
-              <a:buFont typeface="Arial" panose="020B0604020202020204" pitchFamily="34" charset="0"/>
-              <a:buChar char="•"/>
-            </a:pPr>
-            <a:r>
-              <a:rPr lang="en-GB" sz="800" dirty="0">
-                <a:solidFill>
-                  <a:sysClr val="windowText" lastClr="000000"/>
-                </a:solidFill>
-                <a:latin typeface="Helvetica" pitchFamily="2" charset="0"/>
-                <a:ea typeface="Verdana" panose="020B0604030504040204" pitchFamily="34" charset="0"/>
-                <a:cs typeface="Arial" panose="020B0604020202020204" pitchFamily="34" charset="0"/>
-              </a:rPr>
-              <a:t>Analysis of in-house &amp; public RNA-sequencing datasets (bulk, small &amp; single cell)</a:t>
-            </a:r>
-          </a:p>
-          <a:p>
-            <a:pPr marL="712800" lvl="1" indent="-144000">
-              <a:spcAft>
-                <a:spcPts val="600"/>
-              </a:spcAft>
-              <a:buFont typeface="Arial" panose="020B0604020202020204" pitchFamily="34" charset="0"/>
-              <a:buChar char="•"/>
-            </a:pPr>
-            <a:r>
-              <a:rPr lang="en-GB" sz="800" dirty="0">
-                <a:solidFill>
-                  <a:sysClr val="windowText" lastClr="000000"/>
-                </a:solidFill>
-                <a:latin typeface="Helvetica" pitchFamily="2" charset="0"/>
-                <a:ea typeface="Verdana" panose="020B0604030504040204" pitchFamily="34" charset="0"/>
-                <a:cs typeface="Arial" panose="020B0604020202020204" pitchFamily="34" charset="0"/>
-              </a:rPr>
-              <a:t>Functional genomics-based evaluation of the loci of interest using GWAS/</a:t>
-            </a:r>
-            <a:r>
-              <a:rPr lang="en-GB" sz="800" dirty="0" err="1">
-                <a:solidFill>
-                  <a:sysClr val="windowText" lastClr="000000"/>
-                </a:solidFill>
-                <a:latin typeface="Helvetica" pitchFamily="2" charset="0"/>
-                <a:ea typeface="Verdana" panose="020B0604030504040204" pitchFamily="34" charset="0"/>
-                <a:cs typeface="Arial" panose="020B0604020202020204" pitchFamily="34" charset="0"/>
-              </a:rPr>
-              <a:t>eQTL</a:t>
-            </a:r>
-            <a:endParaRPr lang="en-US" sz="800" dirty="0">
-              <a:solidFill>
-                <a:sysClr val="windowText" lastClr="000000"/>
-              </a:solidFill>
-              <a:latin typeface="Helvetica" pitchFamily="2" charset="0"/>
-              <a:ea typeface="Verdana" panose="020B0604030504040204" pitchFamily="34" charset="0"/>
-              <a:cs typeface="Arial" panose="020B0604020202020204" pitchFamily="34" charset="0"/>
-            </a:endParaRPr>
-          </a:p>
-          <a:p>
-            <a:pPr marL="284400" lvl="1"/>
-            <a:r>
-              <a:rPr lang="en-US" sz="900" b="1" dirty="0">
-                <a:solidFill>
-                  <a:schemeClr val="tx1"/>
-                </a:solidFill>
-                <a:latin typeface="Didot" panose="02000503000000020003" pitchFamily="2" charset="-79"/>
-                <a:ea typeface="Verdana" panose="020B0604030504040204" pitchFamily="34" charset="0"/>
-                <a:cs typeface="Didot" panose="02000503000000020003" pitchFamily="2" charset="-79"/>
-              </a:rPr>
-              <a:t>Project 3: </a:t>
-            </a:r>
-            <a:r>
-              <a:rPr lang="en-GB" sz="900" b="1" dirty="0">
-                <a:solidFill>
-                  <a:schemeClr val="tx1"/>
-                </a:solidFill>
-                <a:latin typeface="Didot" panose="02000503000000020003" pitchFamily="2" charset="-79"/>
-                <a:ea typeface="Verdana" panose="020B0604030504040204" pitchFamily="34" charset="0"/>
-                <a:cs typeface="Didot" panose="02000503000000020003" pitchFamily="2" charset="-79"/>
-              </a:rPr>
-              <a:t> Evaluation of all human miRNAs by predicting processing efficiency </a:t>
-            </a:r>
-            <a:r>
-              <a:rPr lang="en-US" sz="900" b="1" dirty="0">
-                <a:solidFill>
-                  <a:schemeClr val="tx1"/>
-                </a:solidFill>
-                <a:latin typeface="Didot" panose="02000503000000020003" pitchFamily="2" charset="-79"/>
-                <a:ea typeface="Verdana" panose="020B0604030504040204" pitchFamily="34" charset="0"/>
-                <a:cs typeface="Didot" panose="02000503000000020003" pitchFamily="2" charset="-79"/>
-              </a:rPr>
-              <a:t>– </a:t>
-            </a:r>
-            <a:r>
-              <a:rPr lang="en-US" sz="900" b="1" i="1" dirty="0">
-                <a:solidFill>
-                  <a:schemeClr val="tx1"/>
-                </a:solidFill>
-                <a:latin typeface="Didot" panose="02000503000000020003" pitchFamily="2" charset="-79"/>
-                <a:ea typeface="Verdana" panose="020B0604030504040204" pitchFamily="34" charset="0"/>
-                <a:cs typeface="Didot" panose="02000503000000020003" pitchFamily="2" charset="-79"/>
-              </a:rPr>
-              <a:t>in silico</a:t>
-            </a:r>
-            <a:endParaRPr lang="en-GB" sz="900" b="1" dirty="0">
-              <a:solidFill>
-                <a:schemeClr val="tx1"/>
-              </a:solidFill>
-              <a:latin typeface="Didot" panose="02000503000000020003" pitchFamily="2" charset="-79"/>
-              <a:ea typeface="Verdana" panose="020B0604030504040204" pitchFamily="34" charset="0"/>
-              <a:cs typeface="Didot" panose="02000503000000020003" pitchFamily="2" charset="-79"/>
-            </a:endParaRPr>
-          </a:p>
-          <a:p>
-            <a:pPr marL="568800" lvl="1">
-              <a:spcBef>
-                <a:spcPts val="200"/>
+                <a:spcPts val="300"/>
               </a:spcBef>
               <a:spcAft>
-                <a:spcPts val="600"/>
+                <a:spcPts val="300"/>
               </a:spcAft>
             </a:pPr>
             <a:r>
-              <a:rPr lang="en-GB" sz="800" dirty="0">
-                <a:solidFill>
-                  <a:sysClr val="windowText" lastClr="000000"/>
-                </a:solidFill>
-                <a:latin typeface="Helvetica" pitchFamily="2" charset="0"/>
-                <a:ea typeface="Verdana" panose="020B0604030504040204" pitchFamily="34" charset="0"/>
-                <a:cs typeface="Arial" panose="020B0604020202020204" pitchFamily="34" charset="0"/>
-              </a:rPr>
-              <a:t>I used sequence and structural determinants associated with Drosha recognition and subsequent increased mature miRNA expression to identified the most optimal miRNAs that make the most sense to research and work with for translational projects</a:t>
-            </a:r>
-            <a:endParaRPr lang="en-US" sz="800" dirty="0">
+              <a:rPr lang="en-GB" sz="600" i="1" spc="30" dirty="0">
+                <a:solidFill>
+                  <a:srgbClr val="5F6060"/>
+                </a:solidFill>
+                <a:latin typeface="Geneva" panose="020B0503030404040204" pitchFamily="34" charset="0"/>
+                <a:ea typeface="Geneva" panose="020B0503030404040204" pitchFamily="34" charset="0"/>
+                <a:cs typeface="Verdana" panose="020B0604030504040204" pitchFamily="34" charset="0"/>
+              </a:rPr>
+              <a:t>Two more manuscripts in development</a:t>
+            </a:r>
+            <a:endParaRPr lang="en-US" sz="600" b="1" spc="30" dirty="0">
               <a:solidFill>
-                <a:sysClr val="windowText" lastClr="000000"/>
+                <a:srgbClr val="5F6060"/>
               </a:solidFill>
-              <a:latin typeface="Helvetica" pitchFamily="2" charset="0"/>
-              <a:ea typeface="Verdana" panose="020B0604030504040204" pitchFamily="34" charset="0"/>
-              <a:cs typeface="Arial" panose="020B0604020202020204" pitchFamily="34" charset="0"/>
+              <a:latin typeface="Geneva" panose="020B0503030404040204" pitchFamily="34" charset="0"/>
+              <a:ea typeface="Geneva" panose="020B0503030404040204" pitchFamily="34" charset="0"/>
+              <a:cs typeface="Verdana" panose="020B0604030504040204" pitchFamily="34" charset="0"/>
             </a:endParaRPr>
-          </a:p>
-          <a:p>
-            <a:pPr marL="284400" lvl="1">
-              <a:spcBef>
-                <a:spcPts val="200"/>
-              </a:spcBef>
-            </a:pPr>
-            <a:r>
-              <a:rPr lang="en-US" sz="900" b="1" dirty="0">
-                <a:solidFill>
-                  <a:schemeClr val="tx1"/>
-                </a:solidFill>
-                <a:latin typeface="Didot" panose="02000503000000020003" pitchFamily="2" charset="-79"/>
-                <a:ea typeface="Verdana" panose="020B0604030504040204" pitchFamily="34" charset="0"/>
-                <a:cs typeface="Didot" panose="02000503000000020003" pitchFamily="2" charset="-79"/>
-              </a:rPr>
-              <a:t>Also involved in:</a:t>
-            </a:r>
-          </a:p>
-          <a:p>
-            <a:pPr marL="712800" lvl="1" indent="-144000">
-              <a:spcBef>
-                <a:spcPts val="200"/>
-              </a:spcBef>
-              <a:buFont typeface="Arial" panose="020B0604020202020204" pitchFamily="34" charset="0"/>
-              <a:buChar char="•"/>
-            </a:pPr>
-            <a:r>
-              <a:rPr lang="en-US" sz="800" dirty="0">
-                <a:solidFill>
-                  <a:sysClr val="windowText" lastClr="000000"/>
-                </a:solidFill>
-                <a:latin typeface="Helvetica" pitchFamily="2" charset="0"/>
-                <a:ea typeface="Verdana" panose="020B0604030504040204" pitchFamily="34" charset="0"/>
-                <a:cs typeface="Arial" panose="020B0604020202020204" pitchFamily="34" charset="0"/>
-              </a:rPr>
-              <a:t>A project on extracellular vesicles derived from a stem cell-derived endothelial cell product who's potent angiogenic effect could be harnessed for blood supply restoration in the infracted heart</a:t>
-            </a:r>
-          </a:p>
-          <a:p>
-            <a:pPr marL="712800" lvl="1" indent="-144000">
-              <a:buFont typeface="Arial" panose="020B0604020202020204" pitchFamily="34" charset="0"/>
-              <a:buChar char="•"/>
-            </a:pPr>
-            <a:r>
-              <a:rPr lang="en-US" sz="800" dirty="0">
-                <a:solidFill>
-                  <a:sysClr val="windowText" lastClr="000000"/>
-                </a:solidFill>
-                <a:latin typeface="Helvetica" pitchFamily="2" charset="0"/>
-                <a:ea typeface="Verdana" panose="020B0604030504040204" pitchFamily="34" charset="0"/>
-                <a:cs typeface="Arial" panose="020B0604020202020204" pitchFamily="34" charset="0"/>
-              </a:rPr>
-              <a:t>Extracellular vesicle isolation and RNA-sequencing analysis (small &amp; bulk)</a:t>
-            </a:r>
-          </a:p>
-          <a:p>
-            <a:pPr marL="712800" lvl="1" indent="-144000">
-              <a:buFont typeface="Arial" panose="020B0604020202020204" pitchFamily="34" charset="0"/>
-              <a:buChar char="•"/>
-            </a:pPr>
-            <a:r>
-              <a:rPr lang="en-US" sz="800" dirty="0">
-                <a:solidFill>
-                  <a:sysClr val="windowText" lastClr="000000"/>
-                </a:solidFill>
-                <a:latin typeface="Helvetica" pitchFamily="2" charset="0"/>
-                <a:ea typeface="Verdana" panose="020B0604030504040204" pitchFamily="34" charset="0"/>
-                <a:cs typeface="Arial" panose="020B0604020202020204" pitchFamily="34" charset="0"/>
-              </a:rPr>
-              <a:t>Teaching new lab members (students and post-doctoral)</a:t>
-            </a:r>
-          </a:p>
-          <a:p>
-            <a:endParaRPr lang="en-US" sz="800" dirty="0">
-              <a:solidFill>
-                <a:sysClr val="windowText" lastClr="000000"/>
-              </a:solidFill>
-              <a:latin typeface="Helvetica" pitchFamily="2" charset="0"/>
-              <a:ea typeface="Verdana" panose="020B0604030504040204" pitchFamily="34" charset="0"/>
-              <a:cs typeface="Arial" panose="020B0604020202020204" pitchFamily="34" charset="0"/>
-            </a:endParaRPr>
-          </a:p>
-          <a:p>
-            <a:r>
-              <a:rPr lang="en-US" sz="800" b="1" dirty="0">
-                <a:solidFill>
-                  <a:sysClr val="windowText" lastClr="000000"/>
-                </a:solidFill>
-                <a:latin typeface="Helvetica" pitchFamily="2" charset="0"/>
-                <a:ea typeface="Verdana" panose="020B0604030504040204" pitchFamily="34" charset="0"/>
-                <a:cs typeface="Arial" panose="020B0604020202020204" pitchFamily="34" charset="0"/>
-              </a:rPr>
-              <a:t>BBSRC CASE internship </a:t>
-            </a:r>
-            <a:r>
-              <a:rPr lang="en-US" sz="800" b="1" dirty="0">
-                <a:solidFill>
-                  <a:sysClr val="windowText" lastClr="000000"/>
-                </a:solidFill>
-                <a:latin typeface="Didot" panose="02000503000000020003" pitchFamily="2" charset="-79"/>
-                <a:ea typeface="Verdana" panose="020B0604030504040204" pitchFamily="34" charset="0"/>
-                <a:cs typeface="Didot" panose="02000503000000020003" pitchFamily="2" charset="-79"/>
-              </a:rPr>
-              <a:t>|</a:t>
-            </a:r>
-            <a:r>
-              <a:rPr lang="en-US" sz="800" b="1" dirty="0">
-                <a:solidFill>
-                  <a:sysClr val="windowText" lastClr="000000"/>
-                </a:solidFill>
-                <a:latin typeface="Helvetica" pitchFamily="2" charset="0"/>
-                <a:ea typeface="Verdana" panose="020B0604030504040204" pitchFamily="34" charset="0"/>
-                <a:cs typeface="Arial" panose="020B0604020202020204" pitchFamily="34" charset="0"/>
-              </a:rPr>
-              <a:t> </a:t>
-            </a:r>
-            <a:r>
-              <a:rPr lang="en-US" sz="800" dirty="0">
-                <a:solidFill>
-                  <a:schemeClr val="bg2">
-                    <a:lumMod val="25000"/>
-                  </a:schemeClr>
-                </a:solidFill>
-                <a:latin typeface="Helvetica" pitchFamily="2" charset="0"/>
-                <a:ea typeface="Verdana" panose="020B0604030504040204" pitchFamily="34" charset="0"/>
-                <a:cs typeface="Arial" panose="020B0604020202020204" pitchFamily="34" charset="0"/>
-              </a:rPr>
-              <a:t>Batavia Biosciences B.V., Leiden, NL (June – August 2023)</a:t>
-            </a:r>
-          </a:p>
-          <a:p>
-            <a:pPr marL="428400" lvl="1" indent="-144000">
-              <a:spcBef>
-                <a:spcPts val="200"/>
-              </a:spcBef>
-              <a:buFont typeface="Arial" panose="020B0604020202020204" pitchFamily="34" charset="0"/>
-              <a:buChar char="•"/>
-            </a:pPr>
-            <a:r>
-              <a:rPr lang="en-US" sz="800" dirty="0">
-                <a:solidFill>
-                  <a:sysClr val="windowText" lastClr="000000"/>
-                </a:solidFill>
-                <a:latin typeface="Helvetica" pitchFamily="2" charset="0"/>
-                <a:ea typeface="Verdana" panose="020B0604030504040204" pitchFamily="34" charset="0"/>
-                <a:cs typeface="Arial" panose="020B0604020202020204" pitchFamily="34" charset="0"/>
-              </a:rPr>
-              <a:t>Training on the generation of clinical-grade Adenovirus 5-based vectors for miRNA therapy.</a:t>
-            </a:r>
-          </a:p>
-          <a:p>
-            <a:endParaRPr lang="en-US" sz="800" b="1" dirty="0">
-              <a:solidFill>
-                <a:sysClr val="windowText" lastClr="000000"/>
-              </a:solidFill>
-              <a:latin typeface="Helvetica" pitchFamily="2" charset="0"/>
-              <a:ea typeface="Verdana" panose="020B0604030504040204" pitchFamily="34" charset="0"/>
-              <a:cs typeface="Arial" panose="020B0604020202020204" pitchFamily="34" charset="0"/>
-            </a:endParaRPr>
-          </a:p>
-          <a:p>
-            <a:r>
-              <a:rPr lang="en-US" sz="800" b="1" dirty="0" err="1">
-                <a:solidFill>
-                  <a:sysClr val="windowText" lastClr="000000"/>
-                </a:solidFill>
-                <a:latin typeface="Helvetica" pitchFamily="2" charset="0"/>
-                <a:ea typeface="Verdana" panose="020B0604030504040204" pitchFamily="34" charset="0"/>
-                <a:cs typeface="Arial" panose="020B0604020202020204" pitchFamily="34" charset="0"/>
-              </a:rPr>
-              <a:t>Honours</a:t>
-            </a:r>
-            <a:r>
-              <a:rPr lang="en-US" sz="800" b="1" dirty="0">
-                <a:solidFill>
-                  <a:sysClr val="windowText" lastClr="000000"/>
-                </a:solidFill>
-                <a:latin typeface="Helvetica" pitchFamily="2" charset="0"/>
-                <a:ea typeface="Verdana" panose="020B0604030504040204" pitchFamily="34" charset="0"/>
-                <a:cs typeface="Arial" panose="020B0604020202020204" pitchFamily="34" charset="0"/>
-              </a:rPr>
-              <a:t> Project </a:t>
-            </a:r>
-            <a:r>
-              <a:rPr lang="en-US" sz="800" b="1" dirty="0">
-                <a:solidFill>
-                  <a:sysClr val="windowText" lastClr="000000"/>
-                </a:solidFill>
-                <a:latin typeface="Didot" panose="02000503000000020003" pitchFamily="2" charset="-79"/>
-                <a:ea typeface="Verdana" panose="020B0604030504040204" pitchFamily="34" charset="0"/>
-                <a:cs typeface="Didot" panose="02000503000000020003" pitchFamily="2" charset="-79"/>
-              </a:rPr>
-              <a:t>|</a:t>
-            </a:r>
-            <a:r>
-              <a:rPr lang="en-US" sz="800" b="1" dirty="0">
-                <a:solidFill>
-                  <a:sysClr val="windowText" lastClr="000000"/>
-                </a:solidFill>
-                <a:latin typeface="Helvetica" pitchFamily="2" charset="0"/>
-                <a:ea typeface="Verdana" panose="020B0604030504040204" pitchFamily="34" charset="0"/>
-                <a:cs typeface="Arial" panose="020B0604020202020204" pitchFamily="34" charset="0"/>
-              </a:rPr>
-              <a:t> </a:t>
-            </a:r>
-            <a:r>
-              <a:rPr lang="en-US" sz="800" dirty="0">
-                <a:solidFill>
-                  <a:schemeClr val="bg2">
-                    <a:lumMod val="25000"/>
-                  </a:schemeClr>
-                </a:solidFill>
-                <a:latin typeface="Helvetica" pitchFamily="2" charset="0"/>
-                <a:ea typeface="Verdana" panose="020B0604030504040204" pitchFamily="34" charset="0"/>
-                <a:cs typeface="Arial" panose="020B0604020202020204" pitchFamily="34" charset="0"/>
-              </a:rPr>
-              <a:t>Genome Damage and Stability Centre, University of Sussex (Sept 2018 - Feb 2019)</a:t>
-            </a:r>
-          </a:p>
-          <a:p>
-            <a:pPr marL="284400" lvl="1">
-              <a:spcBef>
-                <a:spcPts val="600"/>
-              </a:spcBef>
-            </a:pPr>
-            <a:r>
-              <a:rPr lang="en-GB" sz="900" b="1" dirty="0">
-                <a:solidFill>
-                  <a:sysClr val="windowText" lastClr="000000"/>
-                </a:solidFill>
-                <a:latin typeface="Didot" panose="02000503000000020003" pitchFamily="2" charset="-79"/>
-                <a:ea typeface="Verdana" panose="020B0604030504040204" pitchFamily="34" charset="0"/>
-                <a:cs typeface="Didot" panose="02000503000000020003" pitchFamily="2" charset="-79"/>
-              </a:rPr>
-              <a:t>Project: Structure-function analysis of the DNA helicase factor Cdc45 in </a:t>
-            </a:r>
-            <a:r>
-              <a:rPr lang="en-GB" sz="900" b="1" i="1" dirty="0">
-                <a:solidFill>
-                  <a:sysClr val="windowText" lastClr="000000"/>
-                </a:solidFill>
-                <a:latin typeface="Didot" panose="02000503000000020003" pitchFamily="2" charset="-79"/>
-                <a:ea typeface="Verdana" panose="020B0604030504040204" pitchFamily="34" charset="0"/>
-                <a:cs typeface="Didot" panose="02000503000000020003" pitchFamily="2" charset="-79"/>
-              </a:rPr>
-              <a:t>Saccharomyces pombe</a:t>
-            </a:r>
-            <a:endParaRPr lang="en-US" sz="900" b="1" i="1" dirty="0">
-              <a:solidFill>
-                <a:sysClr val="windowText" lastClr="000000"/>
-              </a:solidFill>
-              <a:latin typeface="Didot" panose="02000503000000020003" pitchFamily="2" charset="-79"/>
-              <a:ea typeface="Verdana" panose="020B0604030504040204" pitchFamily="34" charset="0"/>
-              <a:cs typeface="Didot" panose="02000503000000020003" pitchFamily="2" charset="-79"/>
-            </a:endParaRPr>
-          </a:p>
-          <a:p>
-            <a:pPr marL="712800" lvl="1" indent="-144000">
-              <a:spcBef>
-                <a:spcPts val="200"/>
-              </a:spcBef>
-              <a:buFont typeface="Arial" panose="020B0604020202020204" pitchFamily="34" charset="0"/>
-              <a:buChar char="•"/>
-            </a:pPr>
-            <a:r>
-              <a:rPr lang="en-US" sz="800" dirty="0">
-                <a:solidFill>
-                  <a:sysClr val="windowText" lastClr="000000"/>
-                </a:solidFill>
-                <a:latin typeface="Helvetica" pitchFamily="2" charset="0"/>
-                <a:ea typeface="Verdana" panose="020B0604030504040204" pitchFamily="34" charset="0"/>
-                <a:cs typeface="Arial" panose="020B0604020202020204" pitchFamily="34" charset="0"/>
-              </a:rPr>
-              <a:t>S. pombe culture and Cre-lox-mediated insertion of Cdc45 mutants generated by error-prone PCR.</a:t>
-            </a:r>
-          </a:p>
-          <a:p>
-            <a:pPr marL="712800" lvl="1" indent="-144000">
-              <a:spcAft>
-                <a:spcPts val="600"/>
-              </a:spcAft>
-              <a:buFont typeface="Arial" panose="020B0604020202020204" pitchFamily="34" charset="0"/>
-              <a:buChar char="•"/>
-            </a:pPr>
-            <a:r>
-              <a:rPr lang="en-US" sz="800" dirty="0">
-                <a:solidFill>
-                  <a:sysClr val="windowText" lastClr="000000"/>
-                </a:solidFill>
-                <a:latin typeface="Helvetica" pitchFamily="2" charset="0"/>
-                <a:ea typeface="Verdana" panose="020B0604030504040204" pitchFamily="34" charset="0"/>
-                <a:cs typeface="Arial" panose="020B0604020202020204" pitchFamily="34" charset="0"/>
-              </a:rPr>
-              <a:t>Tertiary protein structure modelling of temperature-sensitive Cdc45 mutants (</a:t>
-            </a:r>
-            <a:r>
-              <a:rPr lang="en-US" sz="800" dirty="0" err="1">
-                <a:solidFill>
-                  <a:sysClr val="windowText" lastClr="000000"/>
-                </a:solidFill>
-                <a:latin typeface="Helvetica" pitchFamily="2" charset="0"/>
-                <a:ea typeface="Verdana" panose="020B0604030504040204" pitchFamily="34" charset="0"/>
-                <a:cs typeface="Arial" panose="020B0604020202020204" pitchFamily="34" charset="0"/>
-              </a:rPr>
-              <a:t>PyMOL</a:t>
-            </a:r>
-            <a:r>
-              <a:rPr lang="en-US" sz="800" dirty="0">
-                <a:solidFill>
-                  <a:sysClr val="windowText" lastClr="000000"/>
-                </a:solidFill>
-                <a:latin typeface="Helvetica" pitchFamily="2" charset="0"/>
-                <a:ea typeface="Verdana" panose="020B0604030504040204" pitchFamily="34" charset="0"/>
-                <a:cs typeface="Arial" panose="020B0604020202020204" pitchFamily="34" charset="0"/>
-              </a:rPr>
-              <a:t>).</a:t>
-            </a:r>
-          </a:p>
-          <a:p>
-            <a:pPr>
-              <a:spcBef>
-                <a:spcPts val="600"/>
-              </a:spcBef>
-            </a:pPr>
-            <a:r>
-              <a:rPr lang="en-US" sz="800" b="1" dirty="0">
-                <a:solidFill>
-                  <a:sysClr val="windowText" lastClr="000000"/>
-                </a:solidFill>
-                <a:latin typeface="Helvetica" pitchFamily="2" charset="0"/>
-                <a:ea typeface="Verdana" panose="020B0604030504040204" pitchFamily="34" charset="0"/>
-                <a:cs typeface="Arial" panose="020B0604020202020204" pitchFamily="34" charset="0"/>
-              </a:rPr>
-              <a:t>Junior Research Associate </a:t>
-            </a:r>
-            <a:r>
-              <a:rPr lang="en-US" sz="800" b="1" dirty="0">
-                <a:solidFill>
-                  <a:sysClr val="windowText" lastClr="000000"/>
-                </a:solidFill>
-                <a:latin typeface="Didot" panose="02000503000000020003" pitchFamily="2" charset="-79"/>
-                <a:ea typeface="Verdana" panose="020B0604030504040204" pitchFamily="34" charset="0"/>
-                <a:cs typeface="Didot" panose="02000503000000020003" pitchFamily="2" charset="-79"/>
-              </a:rPr>
-              <a:t>|</a:t>
-            </a:r>
-            <a:r>
-              <a:rPr lang="en-US" sz="800" b="1" dirty="0">
-                <a:solidFill>
-                  <a:sysClr val="windowText" lastClr="000000"/>
-                </a:solidFill>
-                <a:latin typeface="Helvetica" pitchFamily="2" charset="0"/>
-                <a:ea typeface="Verdana" panose="020B0604030504040204" pitchFamily="34" charset="0"/>
-                <a:cs typeface="Arial" panose="020B0604020202020204" pitchFamily="34" charset="0"/>
-              </a:rPr>
-              <a:t> </a:t>
-            </a:r>
-            <a:r>
-              <a:rPr lang="en-US" sz="800" dirty="0">
-                <a:solidFill>
-                  <a:schemeClr val="bg2">
-                    <a:lumMod val="25000"/>
-                  </a:schemeClr>
-                </a:solidFill>
-                <a:latin typeface="Helvetica" pitchFamily="2" charset="0"/>
-                <a:ea typeface="Verdana" panose="020B0604030504040204" pitchFamily="34" charset="0"/>
-                <a:cs typeface="Arial" panose="020B0604020202020204" pitchFamily="34" charset="0"/>
-              </a:rPr>
-              <a:t>Evolution, </a:t>
-            </a:r>
-            <a:r>
-              <a:rPr lang="en-US" sz="800" dirty="0" err="1">
-                <a:solidFill>
-                  <a:schemeClr val="bg2">
-                    <a:lumMod val="25000"/>
-                  </a:schemeClr>
-                </a:solidFill>
-                <a:latin typeface="Helvetica" pitchFamily="2" charset="0"/>
-                <a:ea typeface="Verdana" panose="020B0604030504040204" pitchFamily="34" charset="0"/>
-                <a:cs typeface="Arial" panose="020B0604020202020204" pitchFamily="34" charset="0"/>
-              </a:rPr>
-              <a:t>Behaviour</a:t>
-            </a:r>
-            <a:r>
-              <a:rPr lang="en-US" sz="800" dirty="0">
-                <a:solidFill>
-                  <a:schemeClr val="bg2">
-                    <a:lumMod val="25000"/>
-                  </a:schemeClr>
-                </a:solidFill>
-                <a:latin typeface="Helvetica" pitchFamily="2" charset="0"/>
-                <a:ea typeface="Verdana" panose="020B0604030504040204" pitchFamily="34" charset="0"/>
-                <a:cs typeface="Arial" panose="020B0604020202020204" pitchFamily="34" charset="0"/>
-              </a:rPr>
-              <a:t> and Environment Department, University of Sussex (Jun - Sept 2018)</a:t>
-            </a:r>
           </a:p>
           <a:p>
             <a:pPr marL="428400" lvl="1" indent="-144000">
@@ -4500,308 +4851,23 @@
               <a:buFont typeface="Arial" panose="020B0604020202020204" pitchFamily="34" charset="0"/>
               <a:buChar char="•"/>
             </a:pPr>
-            <a:r>
-              <a:rPr lang="en-GB" sz="800" dirty="0">
-                <a:solidFill>
-                  <a:sysClr val="windowText" lastClr="000000"/>
-                </a:solidFill>
-                <a:latin typeface="Helvetica" pitchFamily="2" charset="0"/>
-                <a:ea typeface="Verdana" panose="020B0604030504040204" pitchFamily="34" charset="0"/>
-                <a:cs typeface="Arial" panose="020B0604020202020204" pitchFamily="34" charset="0"/>
-              </a:rPr>
-              <a:t>Used single nucleotide polymorphism data (from the 1000 genomes project) and </a:t>
-            </a:r>
-            <a:r>
-              <a:rPr lang="en-GB" sz="800" i="1" dirty="0">
-                <a:solidFill>
-                  <a:sysClr val="windowText" lastClr="000000"/>
-                </a:solidFill>
-                <a:latin typeface="Helvetica" pitchFamily="2" charset="0"/>
-                <a:ea typeface="Verdana" panose="020B0604030504040204" pitchFamily="34" charset="0"/>
-                <a:cs typeface="Arial" panose="020B0604020202020204" pitchFamily="34" charset="0"/>
-              </a:rPr>
-              <a:t>de novo </a:t>
-            </a:r>
-            <a:r>
-              <a:rPr lang="en-GB" sz="800" dirty="0">
-                <a:solidFill>
-                  <a:sysClr val="windowText" lastClr="000000"/>
-                </a:solidFill>
-                <a:latin typeface="Helvetica" pitchFamily="2" charset="0"/>
-                <a:ea typeface="Verdana" panose="020B0604030504040204" pitchFamily="34" charset="0"/>
-                <a:cs typeface="Arial" panose="020B0604020202020204" pitchFamily="34" charset="0"/>
-              </a:rPr>
-              <a:t>mutation data (from multiple studies) to estimate the variation of the effective population size across the human genome.</a:t>
-            </a:r>
-            <a:endParaRPr lang="en-US" sz="800" dirty="0">
+            <a:endParaRPr lang="en-US" sz="600" dirty="0">
               <a:solidFill>
-                <a:sysClr val="windowText" lastClr="000000"/>
+                <a:srgbClr val="5F6060"/>
               </a:solidFill>
-              <a:latin typeface="Helvetica" pitchFamily="2" charset="0"/>
-              <a:ea typeface="Verdana" panose="020B0604030504040204" pitchFamily="34" charset="0"/>
-              <a:cs typeface="Arial" panose="020B0604020202020204" pitchFamily="34" charset="0"/>
+              <a:latin typeface="Geneva" panose="020B0503030404040204" pitchFamily="34" charset="0"/>
+              <a:ea typeface="Geneva" panose="020B0503030404040204" pitchFamily="34" charset="0"/>
+              <a:cs typeface="Verdana" panose="020B0604030504040204" pitchFamily="34" charset="0"/>
             </a:endParaRPr>
           </a:p>
-          <a:p>
-            <a:pPr>
-              <a:spcBef>
-                <a:spcPts val="1200"/>
-              </a:spcBef>
-              <a:spcAft>
-                <a:spcPts val="600"/>
-              </a:spcAft>
-            </a:pPr>
-            <a:r>
-              <a:rPr lang="en-US" sz="1050" b="1" dirty="0">
-                <a:solidFill>
-                  <a:schemeClr val="tx2">
-                    <a:lumMod val="75000"/>
-                  </a:schemeClr>
-                </a:solidFill>
-                <a:latin typeface="Didot" panose="02000503000000020003" pitchFamily="2" charset="-79"/>
-                <a:ea typeface="Verdana" panose="020B0604030504040204" pitchFamily="34" charset="0"/>
-                <a:cs typeface="Didot" panose="02000503000000020003" pitchFamily="2" charset="-79"/>
-              </a:rPr>
-              <a:t>E</a:t>
-            </a:r>
-            <a:r>
-              <a:rPr lang="en-US" sz="900" b="1" dirty="0">
-                <a:solidFill>
-                  <a:schemeClr val="tx2">
-                    <a:lumMod val="75000"/>
-                  </a:schemeClr>
-                </a:solidFill>
-                <a:latin typeface="Didot" panose="02000503000000020003" pitchFamily="2" charset="-79"/>
-                <a:ea typeface="Verdana" panose="020B0604030504040204" pitchFamily="34" charset="0"/>
-                <a:cs typeface="Didot" panose="02000503000000020003" pitchFamily="2" charset="-79"/>
-              </a:rPr>
-              <a:t>DUCATION</a:t>
-            </a:r>
-          </a:p>
-          <a:p>
-            <a:pPr>
-              <a:spcAft>
-                <a:spcPts val="600"/>
-              </a:spcAft>
-            </a:pPr>
-            <a:r>
-              <a:rPr lang="en-US" sz="800" b="1" dirty="0">
-                <a:solidFill>
-                  <a:sysClr val="windowText" lastClr="000000"/>
-                </a:solidFill>
-                <a:latin typeface="Helvetica" pitchFamily="2" charset="0"/>
-                <a:ea typeface="Verdana" panose="020B0604030504040204" pitchFamily="34" charset="0"/>
-                <a:cs typeface="Arial" panose="020B0604020202020204" pitchFamily="34" charset="0"/>
-              </a:rPr>
-              <a:t>PhD Vascular Biology </a:t>
-            </a:r>
-            <a:r>
-              <a:rPr lang="en-US" sz="800" b="1" dirty="0">
-                <a:solidFill>
-                  <a:sysClr val="windowText" lastClr="000000"/>
-                </a:solidFill>
-                <a:latin typeface="Didot" panose="02000503000000020003" pitchFamily="2" charset="-79"/>
-                <a:ea typeface="Verdana" panose="020B0604030504040204" pitchFamily="34" charset="0"/>
-                <a:cs typeface="Didot" panose="02000503000000020003" pitchFamily="2" charset="-79"/>
-              </a:rPr>
-              <a:t>|</a:t>
-            </a:r>
-            <a:r>
-              <a:rPr lang="en-US" sz="800" b="1" dirty="0">
-                <a:solidFill>
-                  <a:sysClr val="windowText" lastClr="000000"/>
-                </a:solidFill>
-                <a:latin typeface="Helvetica" pitchFamily="2" charset="0"/>
-                <a:ea typeface="Verdana" panose="020B0604030504040204" pitchFamily="34" charset="0"/>
-                <a:cs typeface="Arial" panose="020B0604020202020204" pitchFamily="34" charset="0"/>
-              </a:rPr>
-              <a:t> </a:t>
-            </a:r>
-            <a:r>
-              <a:rPr lang="en-US" sz="800" dirty="0">
-                <a:solidFill>
-                  <a:schemeClr val="bg2">
-                    <a:lumMod val="25000"/>
-                  </a:schemeClr>
-                </a:solidFill>
-                <a:latin typeface="Helvetica" pitchFamily="2" charset="0"/>
-                <a:ea typeface="Verdana" panose="020B0604030504040204" pitchFamily="34" charset="0"/>
-                <a:cs typeface="Arial" panose="020B0604020202020204" pitchFamily="34" charset="0"/>
-              </a:rPr>
-              <a:t>Queen’s Medical Research Institute, University of Edinburgh (Oct 2019 - Dec 2023)</a:t>
-            </a:r>
-          </a:p>
-          <a:p>
-            <a:r>
-              <a:rPr lang="en-US" sz="800" b="1" dirty="0">
-                <a:solidFill>
-                  <a:sysClr val="windowText" lastClr="000000"/>
-                </a:solidFill>
-                <a:latin typeface="Helvetica" pitchFamily="2" charset="0"/>
-                <a:ea typeface="Verdana" panose="020B0604030504040204" pitchFamily="34" charset="0"/>
-                <a:cs typeface="Arial" panose="020B0604020202020204" pitchFamily="34" charset="0"/>
-              </a:rPr>
-              <a:t>BSc Genetics</a:t>
-            </a:r>
-            <a:r>
-              <a:rPr lang="en-US" sz="800" b="1" dirty="0">
-                <a:solidFill>
-                  <a:sysClr val="windowText" lastClr="000000"/>
-                </a:solidFill>
-                <a:latin typeface="Didot" panose="02000503000000020003" pitchFamily="2" charset="-79"/>
-                <a:ea typeface="Verdana" panose="020B0604030504040204" pitchFamily="34" charset="0"/>
-                <a:cs typeface="Didot" panose="02000503000000020003" pitchFamily="2" charset="-79"/>
-              </a:rPr>
-              <a:t> | </a:t>
-            </a:r>
-            <a:r>
-              <a:rPr lang="en-US" sz="800" dirty="0">
-                <a:solidFill>
-                  <a:schemeClr val="bg2">
-                    <a:lumMod val="25000"/>
-                  </a:schemeClr>
-                </a:solidFill>
-                <a:latin typeface="Helvetica" pitchFamily="2" charset="0"/>
-                <a:ea typeface="Verdana" panose="020B0604030504040204" pitchFamily="34" charset="0"/>
-                <a:cs typeface="Arial" panose="020B0604020202020204" pitchFamily="34" charset="0"/>
-              </a:rPr>
-              <a:t>School of Life Sciences, University of Sussex (Sept 2016 - Jun 2019)</a:t>
-            </a:r>
-          </a:p>
-          <a:p>
-            <a:pPr marL="428400" lvl="1" indent="-144000">
-              <a:spcBef>
-                <a:spcPts val="200"/>
-              </a:spcBef>
-              <a:spcAft>
-                <a:spcPts val="600"/>
-              </a:spcAft>
-              <a:buFont typeface="Arial" panose="020B0604020202020204" pitchFamily="34" charset="0"/>
-              <a:buChar char="•"/>
-            </a:pPr>
-            <a:r>
-              <a:rPr lang="en-GB" sz="800" dirty="0">
-                <a:solidFill>
-                  <a:sysClr val="windowText" lastClr="000000"/>
-                </a:solidFill>
-                <a:latin typeface="Helvetica" pitchFamily="2" charset="0"/>
-                <a:ea typeface="Verdana" panose="020B0604030504040204" pitchFamily="34" charset="0"/>
-                <a:cs typeface="Arial" panose="020B0604020202020204" pitchFamily="34" charset="0"/>
-              </a:rPr>
-              <a:t>Genetics society: Chair (Sept 2017 - Jun 2018); President (Sept 2018 - Jun 2019)</a:t>
-            </a:r>
-            <a:endParaRPr lang="en-US" sz="800" dirty="0">
-              <a:solidFill>
-                <a:sysClr val="windowText" lastClr="000000"/>
-              </a:solidFill>
-              <a:latin typeface="Helvetica" pitchFamily="2" charset="0"/>
-              <a:ea typeface="Verdana" panose="020B0604030504040204" pitchFamily="34" charset="0"/>
-              <a:cs typeface="Arial" panose="020B0604020202020204" pitchFamily="34" charset="0"/>
-            </a:endParaRPr>
-          </a:p>
-        </p:txBody>
-      </p:sp>
-      <p:sp>
-        <p:nvSpPr>
-          <p:cNvPr id="7" name="TextBox 6">
+        </p:txBody>
+      </p:sp>
+      <p:sp>
+        <p:nvSpPr>
+          <p:cNvPr id="6" name="Rectangle 5">
             <a:extLst>
               <a:ext uri="{FF2B5EF4-FFF2-40B4-BE49-F238E27FC236}">
-                <a16:creationId xmlns:a16="http://schemas.microsoft.com/office/drawing/2014/main" id="{8D727411-B9B7-2F29-6A01-E4B363058767}"/>
-              </a:ext>
-            </a:extLst>
-          </p:cNvPr>
-          <p:cNvSpPr txBox="1"/>
-          <p:nvPr/>
-        </p:nvSpPr>
-        <p:spPr>
-          <a:xfrm>
-            <a:off x="3429000" y="174932"/>
-            <a:ext cx="1465971" cy="477054"/>
-          </a:xfrm>
-          <a:prstGeom prst="rect">
-            <a:avLst/>
-          </a:prstGeom>
-          <a:noFill/>
-        </p:spPr>
-        <p:txBody>
-          <a:bodyPr wrap="square">
-            <a:spAutoFit/>
-          </a:bodyPr>
-          <a:lstStyle/>
-          <a:p>
-            <a:r>
-              <a:rPr lang="en-US" sz="900" dirty="0">
-                <a:solidFill>
-                  <a:schemeClr val="tx2"/>
-                </a:solidFill>
-                <a:latin typeface="Didot" panose="02000503000000020003" pitchFamily="2" charset="-79"/>
-                <a:cs typeface="Didot" panose="02000503000000020003" pitchFamily="2" charset="-79"/>
-              </a:rPr>
-              <a:t>effie@effie.bio</a:t>
-            </a:r>
-          </a:p>
-          <a:p>
-            <a:r>
-              <a:rPr lang="en-US" sz="800" dirty="0">
-                <a:solidFill>
-                  <a:schemeClr val="tx2"/>
-                </a:solidFill>
-                <a:latin typeface="New Peninim MT" pitchFamily="2" charset="-79"/>
-                <a:cs typeface="New Peninim MT" pitchFamily="2" charset="-79"/>
-              </a:rPr>
-              <a:t>+44 07513616835</a:t>
-            </a:r>
-          </a:p>
-          <a:p>
-            <a:r>
-              <a:rPr lang="en-US" sz="800" dirty="0">
-                <a:solidFill>
-                  <a:schemeClr val="tx2"/>
-                </a:solidFill>
-                <a:latin typeface="New Peninim MT" pitchFamily="2" charset="-79"/>
-                <a:cs typeface="New Peninim MT" pitchFamily="2" charset="-79"/>
-              </a:rPr>
-              <a:t>+1 (628) 200 4004</a:t>
-            </a:r>
-          </a:p>
-        </p:txBody>
-      </p:sp>
-    </p:spTree>
-    <p:extLst>
-      <p:ext uri="{BB962C8B-B14F-4D97-AF65-F5344CB8AC3E}">
-        <p14:creationId xmlns:p14="http://schemas.microsoft.com/office/powerpoint/2010/main" val="1434231088"/>
-      </p:ext>
-    </p:extLst>
-  </p:cSld>
-  <p:clrMapOvr>
-    <a:masterClrMapping/>
-  </p:clrMapOvr>
-</p:sld>
-</file>
-
-<file path=ppt/slides/slide2.xml><?xml version="1.0" encoding="utf-8"?>
-<p:sld xmlns:a="http://schemas.openxmlformats.org/drawingml/2006/main" xmlns:r="http://schemas.openxmlformats.org/officeDocument/2006/relationships" xmlns:p="http://schemas.openxmlformats.org/presentationml/2006/main">
-  <p:cSld>
-    <p:spTree>
-      <p:nvGrpSpPr>
-        <p:cNvPr id="1" name=""/>
-        <p:cNvGrpSpPr/>
-        <p:nvPr/>
-      </p:nvGrpSpPr>
-      <p:grpSpPr>
-        <a:xfrm>
-          <a:off x="0" y="0"/>
-          <a:ext cx="0" cy="0"/>
-          <a:chOff x="0" y="0"/>
-          <a:chExt cx="0" cy="0"/>
-        </a:xfrm>
-      </p:grpSpPr>
-      <p:sp>
-        <p:nvSpPr>
-          <p:cNvPr id="9" name="Rectangle 8">
-            <a:extLst>
-              <a:ext uri="{FF2B5EF4-FFF2-40B4-BE49-F238E27FC236}">
-                <a16:creationId xmlns:a16="http://schemas.microsoft.com/office/drawing/2014/main" id="{28382F68-4125-707E-DA6E-82097F543E2A}"/>
+                <a16:creationId xmlns:a16="http://schemas.microsoft.com/office/drawing/2014/main" id="{18F88A03-5D93-DA23-2E8B-FF7D342043D9}"/>
               </a:ext>
             </a:extLst>
           </p:cNvPr>
@@ -4810,14 +4876,14 @@
         </p:nvSpPr>
         <p:spPr>
           <a:xfrm>
-            <a:off x="0" y="729429"/>
-            <a:ext cx="6858000" cy="9176571"/>
+            <a:off x="0" y="1236067"/>
+            <a:ext cx="6858000" cy="215444"/>
           </a:xfrm>
           <a:prstGeom prst="rect">
             <a:avLst/>
           </a:prstGeom>
           <a:solidFill>
-            <a:schemeClr val="bg1"/>
+            <a:srgbClr val="F0F0F0"/>
           </a:solidFill>
           <a:ln>
             <a:noFill/>
@@ -4826,7 +4892,7 @@
         <p:style>
           <a:lnRef idx="2">
             <a:schemeClr val="accent1">
-              <a:shade val="50000"/>
+              <a:shade val="15000"/>
             </a:schemeClr>
           </a:lnRef>
           <a:fillRef idx="1">
@@ -4844,1083 +4910,385 @@
           <a:lstStyle/>
           <a:p>
             <a:pPr algn="ctr"/>
-            <a:endParaRPr lang="en-US"/>
-          </a:p>
-        </p:txBody>
-      </p:sp>
-      <p:sp>
-        <p:nvSpPr>
-          <p:cNvPr id="5" name="Rectangle 4">
+            <a:endParaRPr lang="en-US">
+              <a:solidFill>
+                <a:srgbClr val="5F6060"/>
+              </a:solidFill>
+              <a:latin typeface="Geneva" panose="020B0503030404040204" pitchFamily="34" charset="0"/>
+              <a:ea typeface="Geneva" panose="020B0503030404040204" pitchFamily="34" charset="0"/>
+            </a:endParaRPr>
+          </a:p>
+        </p:txBody>
+      </p:sp>
+      <p:grpSp>
+        <p:nvGrpSpPr>
+          <p:cNvPr id="14" name="Group 13">
             <a:extLst>
               <a:ext uri="{FF2B5EF4-FFF2-40B4-BE49-F238E27FC236}">
-                <a16:creationId xmlns:a16="http://schemas.microsoft.com/office/drawing/2014/main" id="{983ACC00-9659-413D-7DE9-EDADCCD210A1}"/>
+                <a16:creationId xmlns:a16="http://schemas.microsoft.com/office/drawing/2014/main" id="{FABA8A3B-B9DA-8DBB-C767-6B6834ECC8D3}"/>
               </a:ext>
             </a:extLst>
           </p:cNvPr>
-          <p:cNvSpPr/>
+          <p:cNvGrpSpPr/>
           <p:nvPr/>
-        </p:nvSpPr>
+        </p:nvGrpSpPr>
+        <p:grpSpPr>
+          <a:xfrm>
+            <a:off x="2279457" y="1236067"/>
+            <a:ext cx="2621156" cy="218899"/>
+            <a:chOff x="2279457" y="848727"/>
+            <a:chExt cx="2621156" cy="218899"/>
+          </a:xfrm>
+        </p:grpSpPr>
+        <p:grpSp>
+          <p:nvGrpSpPr>
+            <p:cNvPr id="12" name="Group 11">
+              <a:extLst>
+                <a:ext uri="{FF2B5EF4-FFF2-40B4-BE49-F238E27FC236}">
+                  <a16:creationId xmlns:a16="http://schemas.microsoft.com/office/drawing/2014/main" id="{4824DBB7-FDA3-C2C3-7D53-20140A06B8B5}"/>
+                </a:ext>
+              </a:extLst>
+            </p:cNvPr>
+            <p:cNvGrpSpPr/>
+            <p:nvPr/>
+          </p:nvGrpSpPr>
+          <p:grpSpPr>
+            <a:xfrm>
+              <a:off x="2279457" y="848727"/>
+              <a:ext cx="2621156" cy="218899"/>
+              <a:chOff x="1320924" y="848727"/>
+              <a:chExt cx="2621156" cy="218899"/>
+            </a:xfrm>
+          </p:grpSpPr>
+          <p:sp>
+            <p:nvSpPr>
+              <p:cNvPr id="7" name="TextBox 6">
+                <a:extLst>
+                  <a:ext uri="{FF2B5EF4-FFF2-40B4-BE49-F238E27FC236}">
+                    <a16:creationId xmlns:a16="http://schemas.microsoft.com/office/drawing/2014/main" id="{8D727411-B9B7-2F29-6A01-E4B363058767}"/>
+                  </a:ext>
+                </a:extLst>
+              </p:cNvPr>
+              <p:cNvSpPr txBox="1"/>
+              <p:nvPr/>
+            </p:nvSpPr>
+            <p:spPr>
+              <a:xfrm>
+                <a:off x="1320924" y="852182"/>
+                <a:ext cx="915871" cy="215444"/>
+              </a:xfrm>
+              <a:prstGeom prst="rect">
+                <a:avLst/>
+              </a:prstGeom>
+              <a:noFill/>
+            </p:spPr>
+            <p:txBody>
+              <a:bodyPr wrap="square">
+                <a:spAutoFit/>
+              </a:bodyPr>
+              <a:lstStyle/>
+              <a:p>
+                <a:pPr algn="r"/>
+                <a:r>
+                  <a:rPr lang="en-US" sz="800" dirty="0">
+                    <a:solidFill>
+                      <a:srgbClr val="5F6060"/>
+                    </a:solidFill>
+                    <a:latin typeface="Geneva" panose="020B0503030404040204" pitchFamily="34" charset="0"/>
+                    <a:ea typeface="Geneva" panose="020B0503030404040204" pitchFamily="34" charset="0"/>
+                    <a:cs typeface="Verdana" panose="020B0604030504040204" pitchFamily="34" charset="0"/>
+                  </a:rPr>
+                  <a:t>effie@effie.bio</a:t>
+                </a:r>
+                <a:endParaRPr lang="en-US" sz="700" dirty="0">
+                  <a:solidFill>
+                    <a:srgbClr val="5F6060"/>
+                  </a:solidFill>
+                  <a:latin typeface="Geneva" panose="020B0503030404040204" pitchFamily="34" charset="0"/>
+                  <a:ea typeface="Geneva" panose="020B0503030404040204" pitchFamily="34" charset="0"/>
+                  <a:cs typeface="Verdana" panose="020B0604030504040204" pitchFamily="34" charset="0"/>
+                </a:endParaRPr>
+              </a:p>
+            </p:txBody>
+          </p:sp>
+          <p:sp>
+            <p:nvSpPr>
+              <p:cNvPr id="9" name="TextBox 8">
+                <a:extLst>
+                  <a:ext uri="{FF2B5EF4-FFF2-40B4-BE49-F238E27FC236}">
+                    <a16:creationId xmlns:a16="http://schemas.microsoft.com/office/drawing/2014/main" id="{305F376A-A1B1-7D5B-BA7C-0F58B4596E4D}"/>
+                  </a:ext>
+                </a:extLst>
+              </p:cNvPr>
+              <p:cNvSpPr txBox="1"/>
+              <p:nvPr/>
+            </p:nvSpPr>
+            <p:spPr>
+              <a:xfrm>
+                <a:off x="2704141" y="848727"/>
+                <a:ext cx="1237939" cy="215444"/>
+              </a:xfrm>
+              <a:prstGeom prst="rect">
+                <a:avLst/>
+              </a:prstGeom>
+              <a:noFill/>
+            </p:spPr>
+            <p:txBody>
+              <a:bodyPr wrap="square">
+                <a:spAutoFit/>
+              </a:bodyPr>
+              <a:lstStyle/>
+              <a:p>
+                <a:r>
+                  <a:rPr lang="en-US" sz="800" dirty="0">
+                    <a:solidFill>
+                      <a:srgbClr val="5F6060"/>
+                    </a:solidFill>
+                    <a:latin typeface="Geneva" panose="020B0503030404040204" pitchFamily="34" charset="0"/>
+                    <a:ea typeface="Geneva" panose="020B0503030404040204" pitchFamily="34" charset="0"/>
+                    <a:cs typeface="Verdana" panose="020B0604030504040204" pitchFamily="34" charset="0"/>
+                  </a:rPr>
+                  <a:t>+1 (628) 200 4004</a:t>
+                </a:r>
+                <a:endParaRPr lang="en-US" dirty="0">
+                  <a:solidFill>
+                    <a:srgbClr val="5F6060"/>
+                  </a:solidFill>
+                  <a:latin typeface="Geneva" panose="020B0503030404040204" pitchFamily="34" charset="0"/>
+                  <a:ea typeface="Geneva" panose="020B0503030404040204" pitchFamily="34" charset="0"/>
+                </a:endParaRPr>
+              </a:p>
+            </p:txBody>
+          </p:sp>
+        </p:grpSp>
+        <p:sp>
+          <p:nvSpPr>
+            <p:cNvPr id="13" name="TextBox 12">
+              <a:extLst>
+                <a:ext uri="{FF2B5EF4-FFF2-40B4-BE49-F238E27FC236}">
+                  <a16:creationId xmlns:a16="http://schemas.microsoft.com/office/drawing/2014/main" id="{EC74932F-34C1-DEF3-E174-EA5A99D06650}"/>
+                </a:ext>
+              </a:extLst>
+            </p:cNvPr>
+            <p:cNvSpPr txBox="1"/>
+            <p:nvPr/>
+          </p:nvSpPr>
+          <p:spPr>
+            <a:xfrm>
+              <a:off x="2900879" y="852182"/>
+              <a:ext cx="1056242" cy="215444"/>
+            </a:xfrm>
+            <a:prstGeom prst="rect">
+              <a:avLst/>
+            </a:prstGeom>
+            <a:noFill/>
+          </p:spPr>
+          <p:txBody>
+            <a:bodyPr wrap="square">
+              <a:spAutoFit/>
+            </a:bodyPr>
+            <a:lstStyle/>
+            <a:p>
+              <a:pPr algn="ctr"/>
+              <a:r>
+                <a:rPr lang="en-US" sz="800" dirty="0">
+                  <a:solidFill>
+                    <a:srgbClr val="5F6060"/>
+                  </a:solidFill>
+                  <a:latin typeface="Geneva" panose="020B0503030404040204" pitchFamily="34" charset="0"/>
+                  <a:ea typeface="Geneva" panose="020B0503030404040204" pitchFamily="34" charset="0"/>
+                  <a:cs typeface="Verdana" panose="020B0604030504040204" pitchFamily="34" charset="0"/>
+                </a:rPr>
+                <a:t>|</a:t>
+              </a:r>
+            </a:p>
+          </p:txBody>
+        </p:sp>
+      </p:grpSp>
+      <p:cxnSp>
+        <p:nvCxnSpPr>
+          <p:cNvPr id="3" name="Straight Connector 2">
+            <a:extLst>
+              <a:ext uri="{FF2B5EF4-FFF2-40B4-BE49-F238E27FC236}">
+                <a16:creationId xmlns:a16="http://schemas.microsoft.com/office/drawing/2014/main" id="{31D14BAD-F61B-15F3-20CA-9D210BCAFC32}"/>
+              </a:ext>
+            </a:extLst>
+          </p:cNvPr>
+          <p:cNvCxnSpPr>
+            <a:cxnSpLocks/>
+          </p:cNvCxnSpPr>
+          <p:nvPr/>
+        </p:nvCxnSpPr>
         <p:spPr>
           <a:xfrm>
-            <a:off x="358775" y="810929"/>
-            <a:ext cx="6140450" cy="6063258"/>
+            <a:off x="548638" y="2134712"/>
+            <a:ext cx="5760720" cy="0"/>
           </a:xfrm>
-          <a:prstGeom prst="rect">
+          <a:prstGeom prst="line">
             <a:avLst/>
           </a:prstGeom>
-          <a:noFill/>
-          <a:ln>
-            <a:noFill/>
+          <a:ln w="12700">
+            <a:solidFill>
+              <a:schemeClr val="bg1">
+                <a:lumMod val="85000"/>
+              </a:schemeClr>
+            </a:solidFill>
           </a:ln>
         </p:spPr>
         <p:style>
-          <a:lnRef idx="2">
-            <a:schemeClr val="accent1">
-              <a:shade val="50000"/>
-            </a:schemeClr>
+          <a:lnRef idx="1">
+            <a:schemeClr val="accent1"/>
           </a:lnRef>
-          <a:fillRef idx="1">
+          <a:fillRef idx="0">
             <a:schemeClr val="accent1"/>
           </a:fillRef>
           <a:effectRef idx="0">
             <a:schemeClr val="accent1"/>
           </a:effectRef>
           <a:fontRef idx="minor">
-            <a:schemeClr val="lt1"/>
+            <a:schemeClr val="tx1"/>
           </a:fontRef>
         </p:style>
-        <p:txBody>
-          <a:bodyPr rtlCol="0" anchor="t"/>
-          <a:lstStyle/>
-          <a:p>
-            <a:pPr>
-              <a:spcBef>
-                <a:spcPts val="1200"/>
-              </a:spcBef>
-              <a:spcAft>
-                <a:spcPts val="600"/>
-              </a:spcAft>
-            </a:pPr>
-            <a:r>
-              <a:rPr lang="en-GB" sz="1050" b="1" dirty="0">
-                <a:solidFill>
-                  <a:schemeClr val="tx2">
-                    <a:lumMod val="75000"/>
-                  </a:schemeClr>
-                </a:solidFill>
-                <a:latin typeface="Didot" panose="02000503000000020003" pitchFamily="2" charset="-79"/>
-                <a:ea typeface="Verdana" panose="020B0604030504040204" pitchFamily="34" charset="0"/>
-                <a:cs typeface="Didot" panose="02000503000000020003" pitchFamily="2" charset="-79"/>
-              </a:rPr>
-              <a:t>M</a:t>
-            </a:r>
-            <a:r>
-              <a:rPr lang="en-GB" sz="900" b="1" dirty="0">
-                <a:solidFill>
-                  <a:schemeClr val="tx2">
-                    <a:lumMod val="75000"/>
-                  </a:schemeClr>
-                </a:solidFill>
-                <a:latin typeface="Didot" panose="02000503000000020003" pitchFamily="2" charset="-79"/>
-                <a:ea typeface="Verdana" panose="020B0604030504040204" pitchFamily="34" charset="0"/>
-                <a:cs typeface="Didot" panose="02000503000000020003" pitchFamily="2" charset="-79"/>
-              </a:rPr>
-              <a:t>ANUSCRIPTS &amp; PUBLICATIONS</a:t>
-            </a:r>
-            <a:endParaRPr lang="en-GB" sz="800" b="1" dirty="0">
-              <a:solidFill>
-                <a:schemeClr val="tx2">
-                  <a:lumMod val="75000"/>
-                </a:schemeClr>
-              </a:solidFill>
-              <a:latin typeface="Didot" panose="02000503000000020003" pitchFamily="2" charset="-79"/>
-              <a:ea typeface="Verdana" panose="020B0604030504040204" pitchFamily="34" charset="0"/>
-              <a:cs typeface="Didot" panose="02000503000000020003" pitchFamily="2" charset="-79"/>
-            </a:endParaRPr>
-          </a:p>
-          <a:p>
-            <a:pPr>
-              <a:spcAft>
-                <a:spcPts val="600"/>
-              </a:spcAft>
-            </a:pPr>
-            <a:r>
-              <a:rPr lang="en-GB" sz="800" b="1" dirty="0">
-                <a:solidFill>
-                  <a:sysClr val="windowText" lastClr="000000"/>
-                </a:solidFill>
-                <a:latin typeface="Helvetica" pitchFamily="2" charset="0"/>
-                <a:ea typeface="Verdana" panose="020B0604030504040204" pitchFamily="34" charset="0"/>
-                <a:cs typeface="Arial" panose="020B0604020202020204" pitchFamily="34" charset="0"/>
-              </a:rPr>
-              <a:t>“Functional screening identifies novel miRNAs inhibiting Vascular Smooth Muscle Cell proliferation”</a:t>
-            </a:r>
-            <a:r>
-              <a:rPr lang="en-GB" sz="800" dirty="0">
-                <a:solidFill>
-                  <a:sysClr val="windowText" lastClr="000000"/>
-                </a:solidFill>
-                <a:latin typeface="Helvetica" pitchFamily="2" charset="0"/>
-                <a:ea typeface="Verdana" panose="020B0604030504040204" pitchFamily="34" charset="0"/>
-                <a:cs typeface="Arial" panose="020B0604020202020204" pitchFamily="34" charset="0"/>
-              </a:rPr>
-              <a:t>; 1</a:t>
-            </a:r>
-            <a:r>
-              <a:rPr lang="en-GB" sz="800" baseline="30000" dirty="0">
-                <a:solidFill>
-                  <a:sysClr val="windowText" lastClr="000000"/>
-                </a:solidFill>
-                <a:latin typeface="Helvetica" pitchFamily="2" charset="0"/>
-                <a:ea typeface="Verdana" panose="020B0604030504040204" pitchFamily="34" charset="0"/>
-                <a:cs typeface="Arial" panose="020B0604020202020204" pitchFamily="34" charset="0"/>
-              </a:rPr>
-              <a:t>st</a:t>
-            </a:r>
-            <a:r>
-              <a:rPr lang="en-GB" sz="800" dirty="0">
-                <a:solidFill>
-                  <a:sysClr val="windowText" lastClr="000000"/>
-                </a:solidFill>
-                <a:latin typeface="Helvetica" pitchFamily="2" charset="0"/>
-                <a:ea typeface="Verdana" panose="020B0604030504040204" pitchFamily="34" charset="0"/>
-                <a:cs typeface="Arial" panose="020B0604020202020204" pitchFamily="34" charset="0"/>
-              </a:rPr>
-              <a:t> author, Manuscript submitted (2023)</a:t>
-            </a:r>
-          </a:p>
-          <a:p>
-            <a:pPr>
-              <a:spcAft>
-                <a:spcPts val="600"/>
-              </a:spcAft>
-            </a:pPr>
-            <a:r>
-              <a:rPr lang="en-GB" sz="800" b="1" dirty="0">
-                <a:solidFill>
-                  <a:sysClr val="windowText" lastClr="000000"/>
-                </a:solidFill>
-                <a:latin typeface="Helvetica" pitchFamily="2" charset="0"/>
-                <a:ea typeface="Verdana" panose="020B0604030504040204" pitchFamily="34" charset="0"/>
-                <a:cs typeface="Arial" panose="020B0604020202020204" pitchFamily="34" charset="0"/>
-              </a:rPr>
-              <a:t>“Vascular smooth cell function and dysfunction controlled by non-coding RNA” </a:t>
-            </a:r>
-            <a:r>
-              <a:rPr lang="en-GB" sz="800" dirty="0">
-                <a:solidFill>
-                  <a:sysClr val="windowText" lastClr="000000"/>
-                </a:solidFill>
-                <a:latin typeface="Helvetica" pitchFamily="2" charset="0"/>
-                <a:ea typeface="Verdana" panose="020B0604030504040204" pitchFamily="34" charset="0"/>
-                <a:cs typeface="Arial" panose="020B0604020202020204" pitchFamily="34" charset="0"/>
-              </a:rPr>
-              <a:t>Invited review article, submitted (2023)</a:t>
-            </a:r>
-          </a:p>
-          <a:p>
-            <a:pPr>
-              <a:spcAft>
-                <a:spcPts val="600"/>
-              </a:spcAft>
-            </a:pPr>
-            <a:r>
-              <a:rPr lang="en-GB" sz="800" b="1" dirty="0">
-                <a:solidFill>
-                  <a:sysClr val="windowText" lastClr="000000"/>
-                </a:solidFill>
-                <a:latin typeface="Helvetica" pitchFamily="2" charset="0"/>
-                <a:ea typeface="Verdana" panose="020B0604030504040204" pitchFamily="34" charset="0"/>
-                <a:cs typeface="Arial" panose="020B0604020202020204" pitchFamily="34" charset="0"/>
-              </a:rPr>
-              <a:t>"Extracellular vesicles from a human embryonic stem cell-derived endothelial cell product induce angiogenesis with high efficiency at very low input and contain miRNAs with novel proangiogenic function”</a:t>
-            </a:r>
-            <a:r>
-              <a:rPr lang="en-GB" sz="800" dirty="0">
-                <a:solidFill>
-                  <a:sysClr val="windowText" lastClr="000000"/>
-                </a:solidFill>
-                <a:latin typeface="Helvetica" pitchFamily="2" charset="0"/>
-                <a:ea typeface="Verdana" panose="020B0604030504040204" pitchFamily="34" charset="0"/>
-                <a:cs typeface="Arial" panose="020B0604020202020204" pitchFamily="34" charset="0"/>
-              </a:rPr>
-              <a:t>; 5</a:t>
-            </a:r>
-            <a:r>
-              <a:rPr lang="en-GB" sz="800" baseline="30000" dirty="0">
-                <a:solidFill>
-                  <a:sysClr val="windowText" lastClr="000000"/>
-                </a:solidFill>
-                <a:latin typeface="Helvetica" pitchFamily="2" charset="0"/>
-                <a:ea typeface="Verdana" panose="020B0604030504040204" pitchFamily="34" charset="0"/>
-                <a:cs typeface="Arial" panose="020B0604020202020204" pitchFamily="34" charset="0"/>
-              </a:rPr>
-              <a:t>th</a:t>
-            </a:r>
-            <a:r>
-              <a:rPr lang="en-GB" sz="800" dirty="0">
-                <a:solidFill>
-                  <a:sysClr val="windowText" lastClr="000000"/>
-                </a:solidFill>
-                <a:latin typeface="Helvetica" pitchFamily="2" charset="0"/>
-                <a:ea typeface="Verdana" panose="020B0604030504040204" pitchFamily="34" charset="0"/>
-                <a:cs typeface="Arial" panose="020B0604020202020204" pitchFamily="34" charset="0"/>
-              </a:rPr>
-              <a:t> author, Manuscript submitted (2023)</a:t>
-            </a:r>
-          </a:p>
-          <a:p>
-            <a:pPr>
-              <a:spcAft>
-                <a:spcPts val="600"/>
-              </a:spcAft>
-            </a:pPr>
-            <a:r>
-              <a:rPr lang="en-GB" sz="800" i="1" dirty="0">
-                <a:solidFill>
-                  <a:schemeClr val="bg2">
-                    <a:lumMod val="50000"/>
-                  </a:schemeClr>
-                </a:solidFill>
-                <a:latin typeface="Helvetica" pitchFamily="2" charset="0"/>
-                <a:ea typeface="Verdana" panose="020B0604030504040204" pitchFamily="34" charset="0"/>
-                <a:cs typeface="Arial" panose="020B0604020202020204" pitchFamily="34" charset="0"/>
-              </a:rPr>
-              <a:t>Two more manuscripts in development</a:t>
-            </a:r>
-            <a:endParaRPr lang="en-US" sz="800" b="1" dirty="0">
-              <a:solidFill>
-                <a:schemeClr val="tx2">
-                  <a:lumMod val="75000"/>
-                </a:schemeClr>
-              </a:solidFill>
-              <a:latin typeface="Didot" panose="02000503000000020003" pitchFamily="2" charset="-79"/>
-              <a:ea typeface="Verdana" panose="020B0604030504040204" pitchFamily="34" charset="0"/>
-              <a:cs typeface="Didot" panose="02000503000000020003" pitchFamily="2" charset="-79"/>
-            </a:endParaRPr>
-          </a:p>
-          <a:p>
-            <a:pPr>
-              <a:spcBef>
-                <a:spcPts val="1200"/>
-              </a:spcBef>
-              <a:spcAft>
-                <a:spcPts val="600"/>
-              </a:spcAft>
-            </a:pPr>
-            <a:r>
-              <a:rPr lang="en-US" sz="1050" b="1" dirty="0">
-                <a:solidFill>
-                  <a:schemeClr val="tx2">
-                    <a:lumMod val="75000"/>
-                  </a:schemeClr>
-                </a:solidFill>
-                <a:latin typeface="Didot" panose="02000503000000020003" pitchFamily="2" charset="-79"/>
-                <a:ea typeface="Verdana" panose="020B0604030504040204" pitchFamily="34" charset="0"/>
-                <a:cs typeface="Didot" panose="02000503000000020003" pitchFamily="2" charset="-79"/>
-              </a:rPr>
-              <a:t>C</a:t>
-            </a:r>
-            <a:r>
-              <a:rPr lang="en-US" sz="900" b="1" dirty="0">
-                <a:solidFill>
-                  <a:schemeClr val="tx2">
-                    <a:lumMod val="75000"/>
-                  </a:schemeClr>
-                </a:solidFill>
-                <a:latin typeface="Didot" panose="02000503000000020003" pitchFamily="2" charset="-79"/>
-                <a:ea typeface="Verdana" panose="020B0604030504040204" pitchFamily="34" charset="0"/>
-                <a:cs typeface="Didot" panose="02000503000000020003" pitchFamily="2" charset="-79"/>
-              </a:rPr>
-              <a:t>ODING</a:t>
-            </a:r>
-          </a:p>
-          <a:p>
-            <a:pPr>
-              <a:spcAft>
-                <a:spcPts val="600"/>
-              </a:spcAft>
-            </a:pPr>
-            <a:r>
-              <a:rPr lang="en-US" sz="800" b="1" dirty="0">
-                <a:solidFill>
-                  <a:schemeClr val="bg2">
-                    <a:lumMod val="25000"/>
-                  </a:schemeClr>
-                </a:solidFill>
-                <a:latin typeface="Helvetica" pitchFamily="2" charset="0"/>
-                <a:ea typeface="Verdana" panose="020B0604030504040204" pitchFamily="34" charset="0"/>
-                <a:cs typeface="Arial" panose="020B0604020202020204" pitchFamily="34" charset="0"/>
-              </a:rPr>
-              <a:t>I can code in:</a:t>
-            </a:r>
-            <a:r>
-              <a:rPr lang="en-US" sz="800" b="1" dirty="0">
-                <a:solidFill>
-                  <a:sysClr val="windowText" lastClr="000000"/>
-                </a:solidFill>
-                <a:latin typeface="Helvetica" pitchFamily="2" charset="0"/>
-                <a:ea typeface="Verdana" panose="020B0604030504040204" pitchFamily="34" charset="0"/>
-                <a:cs typeface="Arial" panose="020B0604020202020204" pitchFamily="34" charset="0"/>
-              </a:rPr>
-              <a:t> </a:t>
-            </a:r>
-            <a:r>
-              <a:rPr lang="en-US" sz="800" dirty="0">
-                <a:solidFill>
-                  <a:schemeClr val="bg2">
-                    <a:lumMod val="25000"/>
-                  </a:schemeClr>
-                </a:solidFill>
-                <a:latin typeface="Helvetica" pitchFamily="2" charset="0"/>
-                <a:ea typeface="Verdana" panose="020B0604030504040204" pitchFamily="34" charset="0"/>
-                <a:cs typeface="Arial" panose="020B0604020202020204" pitchFamily="34" charset="0"/>
-              </a:rPr>
-              <a:t>Python, R, Bash, SQL, Typescript, HTML5/CSS. </a:t>
-            </a:r>
-          </a:p>
-          <a:p>
-            <a:pPr>
-              <a:spcAft>
-                <a:spcPts val="600"/>
-              </a:spcAft>
-            </a:pPr>
-            <a:r>
-              <a:rPr lang="en-US" sz="800" b="1" dirty="0">
-                <a:solidFill>
-                  <a:schemeClr val="bg2">
-                    <a:lumMod val="25000"/>
-                  </a:schemeClr>
-                </a:solidFill>
-                <a:latin typeface="Helvetica" pitchFamily="2" charset="0"/>
-                <a:ea typeface="Verdana" panose="020B0604030504040204" pitchFamily="34" charset="0"/>
-                <a:cs typeface="Arial" panose="020B0604020202020204" pitchFamily="34" charset="0"/>
-              </a:rPr>
-              <a:t>Tools/platforms:</a:t>
-            </a:r>
-            <a:r>
-              <a:rPr lang="en-US" sz="800" dirty="0">
-                <a:solidFill>
-                  <a:schemeClr val="bg2">
-                    <a:lumMod val="25000"/>
-                  </a:schemeClr>
-                </a:solidFill>
-                <a:latin typeface="Helvetica" pitchFamily="2" charset="0"/>
-                <a:ea typeface="Verdana" panose="020B0604030504040204" pitchFamily="34" charset="0"/>
-                <a:cs typeface="Arial" panose="020B0604020202020204" pitchFamily="34" charset="0"/>
-              </a:rPr>
-              <a:t> Git/</a:t>
-            </a:r>
-            <a:r>
-              <a:rPr lang="en-US" sz="800" dirty="0" err="1">
-                <a:solidFill>
-                  <a:schemeClr val="bg2">
-                    <a:lumMod val="25000"/>
-                  </a:schemeClr>
-                </a:solidFill>
-                <a:latin typeface="Helvetica" pitchFamily="2" charset="0"/>
-                <a:ea typeface="Verdana" panose="020B0604030504040204" pitchFamily="34" charset="0"/>
-                <a:cs typeface="Arial" panose="020B0604020202020204" pitchFamily="34" charset="0"/>
-              </a:rPr>
-              <a:t>Github</a:t>
-            </a:r>
-            <a:r>
-              <a:rPr lang="en-US" sz="800" dirty="0">
-                <a:solidFill>
-                  <a:schemeClr val="bg2">
-                    <a:lumMod val="25000"/>
-                  </a:schemeClr>
-                </a:solidFill>
-                <a:latin typeface="Helvetica" pitchFamily="2" charset="0"/>
-                <a:ea typeface="Verdana" panose="020B0604030504040204" pitchFamily="34" charset="0"/>
-                <a:cs typeface="Arial" panose="020B0604020202020204" pitchFamily="34" charset="0"/>
-              </a:rPr>
-              <a:t>, </a:t>
-            </a:r>
-            <a:r>
-              <a:rPr lang="en-US" sz="800" dirty="0" err="1">
-                <a:solidFill>
-                  <a:schemeClr val="bg2">
-                    <a:lumMod val="25000"/>
-                  </a:schemeClr>
-                </a:solidFill>
-                <a:latin typeface="Helvetica" pitchFamily="2" charset="0"/>
-                <a:ea typeface="Verdana" panose="020B0604030504040204" pitchFamily="34" charset="0"/>
-                <a:cs typeface="Arial" panose="020B0604020202020204" pitchFamily="34" charset="0"/>
-              </a:rPr>
-              <a:t>NextFlow</a:t>
-            </a:r>
-            <a:r>
-              <a:rPr lang="en-US" sz="800" dirty="0">
-                <a:solidFill>
-                  <a:schemeClr val="bg2">
-                    <a:lumMod val="25000"/>
-                  </a:schemeClr>
-                </a:solidFill>
-                <a:latin typeface="Helvetica" pitchFamily="2" charset="0"/>
-                <a:ea typeface="Verdana" panose="020B0604030504040204" pitchFamily="34" charset="0"/>
-                <a:cs typeface="Arial" panose="020B0604020202020204" pitchFamily="34" charset="0"/>
-              </a:rPr>
-              <a:t>, Snakemake, Puppeteer, </a:t>
-            </a:r>
-            <a:r>
-              <a:rPr lang="en-US" sz="800" dirty="0" err="1">
-                <a:solidFill>
-                  <a:schemeClr val="bg2">
-                    <a:lumMod val="25000"/>
-                  </a:schemeClr>
-                </a:solidFill>
-                <a:latin typeface="Helvetica" pitchFamily="2" charset="0"/>
-                <a:ea typeface="Verdana" panose="020B0604030504040204" pitchFamily="34" charset="0"/>
-                <a:cs typeface="Arial" panose="020B0604020202020204" pitchFamily="34" charset="0"/>
-              </a:rPr>
-              <a:t>Conda</a:t>
-            </a:r>
-            <a:r>
-              <a:rPr lang="en-US" sz="800" dirty="0">
-                <a:solidFill>
-                  <a:schemeClr val="bg2">
-                    <a:lumMod val="25000"/>
-                  </a:schemeClr>
-                </a:solidFill>
-                <a:latin typeface="Helvetica" pitchFamily="2" charset="0"/>
-                <a:ea typeface="Verdana" panose="020B0604030504040204" pitchFamily="34" charset="0"/>
-                <a:cs typeface="Arial" panose="020B0604020202020204" pitchFamily="34" charset="0"/>
-              </a:rPr>
-              <a:t>/Mamba, </a:t>
-            </a:r>
-            <a:r>
-              <a:rPr lang="en-US" sz="800" dirty="0" err="1">
-                <a:solidFill>
-                  <a:schemeClr val="bg2">
-                    <a:lumMod val="25000"/>
-                  </a:schemeClr>
-                </a:solidFill>
-                <a:latin typeface="Helvetica" pitchFamily="2" charset="0"/>
-                <a:ea typeface="Verdana" panose="020B0604030504040204" pitchFamily="34" charset="0"/>
-                <a:cs typeface="Arial" panose="020B0604020202020204" pitchFamily="34" charset="0"/>
-              </a:rPr>
-              <a:t>FastAPI</a:t>
-            </a:r>
-            <a:r>
-              <a:rPr lang="en-US" sz="800" dirty="0">
-                <a:solidFill>
-                  <a:schemeClr val="bg2">
-                    <a:lumMod val="25000"/>
-                  </a:schemeClr>
-                </a:solidFill>
-                <a:latin typeface="Helvetica" pitchFamily="2" charset="0"/>
-                <a:ea typeface="Verdana" panose="020B0604030504040204" pitchFamily="34" charset="0"/>
-                <a:cs typeface="Arial" panose="020B0604020202020204" pitchFamily="34" charset="0"/>
-              </a:rPr>
-              <a:t>, AWS</a:t>
-            </a:r>
-          </a:p>
-          <a:p>
-            <a:pPr>
-              <a:spcBef>
-                <a:spcPts val="1200"/>
-              </a:spcBef>
-              <a:spcAft>
-                <a:spcPts val="600"/>
-              </a:spcAft>
-            </a:pPr>
-            <a:r>
-              <a:rPr lang="en-US" sz="1050" b="1" dirty="0">
-                <a:solidFill>
-                  <a:schemeClr val="tx2">
-                    <a:lumMod val="75000"/>
-                  </a:schemeClr>
-                </a:solidFill>
-                <a:latin typeface="Didot" panose="02000503000000020003" pitchFamily="2" charset="-79"/>
-                <a:ea typeface="Verdana" panose="020B0604030504040204" pitchFamily="34" charset="0"/>
-                <a:cs typeface="Didot" panose="02000503000000020003" pitchFamily="2" charset="-79"/>
-              </a:rPr>
-              <a:t>P</a:t>
-            </a:r>
-            <a:r>
-              <a:rPr lang="en-US" sz="900" b="1" dirty="0">
-                <a:solidFill>
-                  <a:schemeClr val="tx2">
-                    <a:lumMod val="75000"/>
-                  </a:schemeClr>
-                </a:solidFill>
-                <a:latin typeface="Didot" panose="02000503000000020003" pitchFamily="2" charset="-79"/>
-                <a:ea typeface="Verdana" panose="020B0604030504040204" pitchFamily="34" charset="0"/>
-                <a:cs typeface="Didot" panose="02000503000000020003" pitchFamily="2" charset="-79"/>
-              </a:rPr>
-              <a:t>ERSONAL PROJECTS</a:t>
-            </a:r>
-          </a:p>
-          <a:p>
-            <a:pPr>
-              <a:spcAft>
-                <a:spcPts val="600"/>
-              </a:spcAft>
-            </a:pPr>
-            <a:r>
-              <a:rPr lang="en-US" sz="800" b="1" dirty="0">
-                <a:solidFill>
-                  <a:sysClr val="windowText" lastClr="000000"/>
-                </a:solidFill>
-                <a:latin typeface="Helvetica" pitchFamily="2" charset="0"/>
-                <a:ea typeface="Verdana" panose="020B0604030504040204" pitchFamily="34" charset="0"/>
-                <a:cs typeface="Arial" panose="020B0604020202020204" pitchFamily="34" charset="0"/>
-              </a:rPr>
-              <a:t>Drylab Inc, maximizing time spent on thinking for scientists</a:t>
-            </a:r>
-            <a:r>
-              <a:rPr lang="en-US" sz="800" b="1" dirty="0">
-                <a:solidFill>
-                  <a:sysClr val="windowText" lastClr="000000"/>
-                </a:solidFill>
-                <a:latin typeface="Didot" panose="02000503000000020003" pitchFamily="2" charset="-79"/>
-                <a:ea typeface="Verdana" panose="020B0604030504040204" pitchFamily="34" charset="0"/>
-                <a:cs typeface="Didot" panose="02000503000000020003" pitchFamily="2" charset="-79"/>
-              </a:rPr>
-              <a:t>|</a:t>
-            </a:r>
-            <a:r>
-              <a:rPr lang="en-US" sz="800" b="1" dirty="0">
-                <a:solidFill>
-                  <a:sysClr val="windowText" lastClr="000000"/>
-                </a:solidFill>
-                <a:latin typeface="Helvetica" pitchFamily="2" charset="0"/>
-                <a:ea typeface="Verdana" panose="020B0604030504040204" pitchFamily="34" charset="0"/>
-                <a:cs typeface="Arial" panose="020B0604020202020204" pitchFamily="34" charset="0"/>
-              </a:rPr>
-              <a:t> </a:t>
-            </a:r>
-            <a:r>
-              <a:rPr lang="en-US" sz="800" dirty="0">
-                <a:solidFill>
-                  <a:sysClr val="windowText" lastClr="000000"/>
-                </a:solidFill>
-                <a:latin typeface="Helvetica" pitchFamily="2" charset="0"/>
-                <a:ea typeface="Verdana" panose="020B0604030504040204" pitchFamily="34" charset="0"/>
-                <a:cs typeface="Arial" panose="020B0604020202020204" pitchFamily="34" charset="0"/>
-              </a:rPr>
-              <a:t>To be launched in 2023</a:t>
-            </a:r>
-            <a:endParaRPr lang="en-GB" sz="800" dirty="0">
-              <a:solidFill>
-                <a:sysClr val="windowText" lastClr="000000"/>
-              </a:solidFill>
-              <a:latin typeface="Helvetica" pitchFamily="2" charset="0"/>
-              <a:ea typeface="Verdana" panose="020B0604030504040204" pitchFamily="34" charset="0"/>
-              <a:cs typeface="Arial" panose="020B0604020202020204" pitchFamily="34" charset="0"/>
-            </a:endParaRPr>
-          </a:p>
-          <a:p>
-            <a:pPr>
-              <a:spcAft>
-                <a:spcPts val="600"/>
-              </a:spcAft>
-            </a:pPr>
-            <a:r>
-              <a:rPr lang="en-GB" sz="800" dirty="0">
-                <a:solidFill>
-                  <a:sysClr val="windowText" lastClr="000000"/>
-                </a:solidFill>
-                <a:latin typeface="Helvetica" pitchFamily="2" charset="0"/>
-                <a:ea typeface="Verdana" panose="020B0604030504040204" pitchFamily="34" charset="0"/>
-                <a:cs typeface="Arial" panose="020B0604020202020204" pitchFamily="34" charset="0"/>
-              </a:rPr>
-              <a:t>I am interested in task automation and “autopiloting” aspects of biology research so I can use the time saved on thinking and planning, &amp; keen to share what I have made with the community.</a:t>
-            </a:r>
-          </a:p>
-          <a:p>
-            <a:pPr>
-              <a:spcAft>
-                <a:spcPts val="600"/>
-              </a:spcAft>
-            </a:pPr>
-            <a:r>
-              <a:rPr lang="en-GB" sz="800" dirty="0">
-                <a:solidFill>
-                  <a:sysClr val="windowText" lastClr="000000"/>
-                </a:solidFill>
-                <a:latin typeface="Helvetica" pitchFamily="2" charset="0"/>
-                <a:ea typeface="Verdana" panose="020B0604030504040204" pitchFamily="34" charset="0"/>
-                <a:cs typeface="Arial" panose="020B0604020202020204" pitchFamily="34" charset="0"/>
-              </a:rPr>
-              <a:t>Currently building a minimalistic but advanced and easy-to-use genome browser. </a:t>
-            </a:r>
-            <a:r>
-              <a:rPr lang="en-GB" sz="800" dirty="0" err="1">
-                <a:solidFill>
-                  <a:sysClr val="windowText" lastClr="000000"/>
-                </a:solidFill>
-                <a:latin typeface="Helvetica" pitchFamily="2" charset="0"/>
-                <a:ea typeface="Verdana" panose="020B0604030504040204" pitchFamily="34" charset="0"/>
-                <a:cs typeface="Arial" panose="020B0604020202020204" pitchFamily="34" charset="0"/>
-              </a:rPr>
-              <a:t>Next.js</a:t>
-            </a:r>
-            <a:r>
-              <a:rPr lang="en-GB" sz="800" dirty="0">
-                <a:solidFill>
-                  <a:sysClr val="windowText" lastClr="000000"/>
-                </a:solidFill>
-                <a:latin typeface="Helvetica" pitchFamily="2" charset="0"/>
-                <a:ea typeface="Verdana" panose="020B0604030504040204" pitchFamily="34" charset="0"/>
-                <a:cs typeface="Arial" panose="020B0604020202020204" pitchFamily="34" charset="0"/>
-              </a:rPr>
-              <a:t>/React-based frontend and a python backend, using the Ensembl REST API. Optimising for high-speed and very easy, fast browsing using the touch bar/mouse and keyboard shortcuts. </a:t>
-            </a:r>
-          </a:p>
-          <a:p>
-            <a:pPr>
-              <a:spcAft>
-                <a:spcPts val="200"/>
-              </a:spcAft>
-            </a:pPr>
-            <a:r>
-              <a:rPr lang="en-GB" sz="800" b="1" dirty="0">
-                <a:solidFill>
-                  <a:sysClr val="windowText" lastClr="000000"/>
-                </a:solidFill>
-                <a:latin typeface="Helvetica" pitchFamily="2" charset="0"/>
-                <a:ea typeface="Verdana" panose="020B0604030504040204" pitchFamily="34" charset="0"/>
-                <a:cs typeface="Arial" panose="020B0604020202020204" pitchFamily="34" charset="0"/>
-              </a:rPr>
-              <a:t>I am including:</a:t>
-            </a:r>
-          </a:p>
-          <a:p>
-            <a:pPr marL="428400" indent="-144000">
-              <a:spcBef>
-                <a:spcPts val="200"/>
-              </a:spcBef>
-              <a:buFont typeface="Arial" panose="020B0604020202020204" pitchFamily="34" charset="0"/>
-              <a:buChar char="•"/>
-            </a:pPr>
-            <a:r>
-              <a:rPr lang="en-GB" sz="800" dirty="0">
-                <a:solidFill>
-                  <a:sysClr val="windowText" lastClr="000000"/>
-                </a:solidFill>
-                <a:latin typeface="Helvetica" pitchFamily="2" charset="0"/>
-                <a:ea typeface="Verdana" panose="020B0604030504040204" pitchFamily="34" charset="0"/>
-                <a:cs typeface="Arial" panose="020B0604020202020204" pitchFamily="34" charset="0"/>
-              </a:rPr>
-              <a:t>connection to genomic/transcriptomic data repositories to view alignments (IGV fails at this)</a:t>
-            </a:r>
-          </a:p>
-          <a:p>
-            <a:pPr marL="428400" indent="-144000">
-              <a:buFont typeface="Arial" panose="020B0604020202020204" pitchFamily="34" charset="0"/>
-              <a:buChar char="•"/>
-            </a:pPr>
-            <a:r>
-              <a:rPr lang="en-GB" sz="800" dirty="0">
-                <a:solidFill>
-                  <a:sysClr val="windowText" lastClr="000000"/>
-                </a:solidFill>
-                <a:latin typeface="Helvetica" pitchFamily="2" charset="0"/>
-                <a:ea typeface="Verdana" panose="020B0604030504040204" pitchFamily="34" charset="0"/>
-                <a:cs typeface="Arial" panose="020B0604020202020204" pitchFamily="34" charset="0"/>
-              </a:rPr>
-              <a:t>features for easy download of annotation data in multiple formats, including high-quality, customisable images for publication (all current browsers fail at this)</a:t>
-            </a:r>
-          </a:p>
-          <a:p>
-            <a:pPr marL="428400" indent="-144000">
-              <a:spcAft>
-                <a:spcPts val="600"/>
-              </a:spcAft>
-              <a:buFont typeface="Arial" panose="020B0604020202020204" pitchFamily="34" charset="0"/>
-              <a:buChar char="•"/>
-            </a:pPr>
-            <a:r>
-              <a:rPr lang="en-GB" sz="800" dirty="0">
-                <a:solidFill>
-                  <a:sysClr val="windowText" lastClr="000000"/>
-                </a:solidFill>
-                <a:latin typeface="Helvetica" pitchFamily="2" charset="0"/>
-                <a:ea typeface="Verdana" panose="020B0604030504040204" pitchFamily="34" charset="0"/>
-                <a:cs typeface="Arial" panose="020B0604020202020204" pitchFamily="34" charset="0"/>
-              </a:rPr>
-              <a:t>a log-in feature, through which the user can access their own old browser searches, data downloads, and images</a:t>
-            </a:r>
-            <a:endParaRPr lang="en-US" sz="800" b="1" dirty="0">
-              <a:solidFill>
-                <a:schemeClr val="tx2">
-                  <a:lumMod val="75000"/>
-                </a:schemeClr>
-              </a:solidFill>
-              <a:latin typeface="Didot" panose="02000503000000020003" pitchFamily="2" charset="-79"/>
-              <a:ea typeface="Verdana" panose="020B0604030504040204" pitchFamily="34" charset="0"/>
-              <a:cs typeface="Didot" panose="02000503000000020003" pitchFamily="2" charset="-79"/>
-            </a:endParaRPr>
-          </a:p>
-          <a:p>
-            <a:pPr>
-              <a:spcBef>
-                <a:spcPts val="1200"/>
-              </a:spcBef>
-              <a:spcAft>
-                <a:spcPts val="600"/>
-              </a:spcAft>
-            </a:pPr>
-            <a:r>
-              <a:rPr lang="en-US" sz="1050" b="1" dirty="0">
-                <a:solidFill>
-                  <a:schemeClr val="tx2">
-                    <a:lumMod val="75000"/>
-                  </a:schemeClr>
-                </a:solidFill>
-                <a:latin typeface="Didot" panose="02000503000000020003" pitchFamily="2" charset="-79"/>
-                <a:ea typeface="Verdana" panose="020B0604030504040204" pitchFamily="34" charset="0"/>
-                <a:cs typeface="Didot" panose="02000503000000020003" pitchFamily="2" charset="-79"/>
-              </a:rPr>
-              <a:t>C</a:t>
-            </a:r>
-            <a:r>
-              <a:rPr lang="en-US" sz="900" b="1" dirty="0">
-                <a:solidFill>
-                  <a:schemeClr val="tx2">
-                    <a:lumMod val="75000"/>
-                  </a:schemeClr>
-                </a:solidFill>
-                <a:latin typeface="Didot" panose="02000503000000020003" pitchFamily="2" charset="-79"/>
-                <a:ea typeface="Verdana" panose="020B0604030504040204" pitchFamily="34" charset="0"/>
-                <a:cs typeface="Didot" panose="02000503000000020003" pitchFamily="2" charset="-79"/>
-              </a:rPr>
-              <a:t>ONFERENCES ･ TALKS ･ PRESENTATIONS</a:t>
-            </a:r>
-          </a:p>
-          <a:p>
-            <a:r>
-              <a:rPr lang="en-US" sz="800" b="1" dirty="0">
-                <a:solidFill>
-                  <a:sysClr val="windowText" lastClr="000000"/>
-                </a:solidFill>
-                <a:latin typeface="Helvetica" pitchFamily="2" charset="0"/>
-                <a:ea typeface="Verdana" panose="020B0604030504040204" pitchFamily="34" charset="0"/>
-                <a:cs typeface="Arial" panose="020B0604020202020204" pitchFamily="34" charset="0"/>
-              </a:rPr>
-              <a:t>Keystone Symposia </a:t>
-            </a:r>
-            <a:r>
-              <a:rPr lang="en-GB" sz="800" b="1" dirty="0">
-                <a:solidFill>
-                  <a:sysClr val="windowText" lastClr="000000"/>
-                </a:solidFill>
-                <a:latin typeface="Helvetica" pitchFamily="2" charset="0"/>
-                <a:ea typeface="Verdana" panose="020B0604030504040204" pitchFamily="34" charset="0"/>
-                <a:cs typeface="Arial" panose="020B0604020202020204" pitchFamily="34" charset="0"/>
-              </a:rPr>
-              <a:t>“Small Regulatory RNAs: From Bench to Bedside”</a:t>
-            </a:r>
-            <a:r>
-              <a:rPr lang="en-GB" sz="800" b="1" dirty="0">
-                <a:solidFill>
-                  <a:sysClr val="windowText" lastClr="000000"/>
-                </a:solidFill>
-                <a:latin typeface="Didot" panose="02000503000000020003" pitchFamily="2" charset="-79"/>
-                <a:ea typeface="Verdana" panose="020B0604030504040204" pitchFamily="34" charset="0"/>
-                <a:cs typeface="Didot" panose="02000503000000020003" pitchFamily="2" charset="-79"/>
-              </a:rPr>
-              <a:t> | </a:t>
-            </a:r>
-            <a:r>
-              <a:rPr lang="en-GB" sz="800" dirty="0">
-                <a:solidFill>
-                  <a:sysClr val="windowText" lastClr="000000"/>
-                </a:solidFill>
-                <a:latin typeface="Helvetica" pitchFamily="2" charset="0"/>
-                <a:ea typeface="Verdana" panose="020B0604030504040204" pitchFamily="34" charset="0"/>
-                <a:cs typeface="Arial" panose="020B0604020202020204" pitchFamily="34" charset="0"/>
-              </a:rPr>
-              <a:t>Santa Fe, NM (2022)</a:t>
-            </a:r>
-            <a:endParaRPr lang="en-US" sz="800" dirty="0">
-              <a:solidFill>
-                <a:sysClr val="windowText" lastClr="000000"/>
-              </a:solidFill>
-              <a:latin typeface="Helvetica" pitchFamily="2" charset="0"/>
-              <a:ea typeface="Verdana" panose="020B0604030504040204" pitchFamily="34" charset="0"/>
-              <a:cs typeface="Arial" panose="020B0604020202020204" pitchFamily="34" charset="0"/>
-            </a:endParaRPr>
-          </a:p>
-          <a:p>
-            <a:r>
-              <a:rPr lang="en-US" sz="800" dirty="0">
-                <a:solidFill>
-                  <a:sysClr val="windowText" lastClr="000000"/>
-                </a:solidFill>
-                <a:latin typeface="Helvetica" pitchFamily="2" charset="0"/>
-                <a:ea typeface="Verdana" panose="020B0604030504040204" pitchFamily="34" charset="0"/>
-                <a:cs typeface="Arial" panose="020B0604020202020204" pitchFamily="34" charset="0"/>
-              </a:rPr>
-              <a:t>Title: “</a:t>
-            </a:r>
-            <a:r>
-              <a:rPr lang="en-GB" sz="800" dirty="0">
-                <a:solidFill>
-                  <a:sysClr val="windowText" lastClr="000000"/>
-                </a:solidFill>
-                <a:latin typeface="Helvetica" pitchFamily="2" charset="0"/>
-                <a:ea typeface="Verdana" panose="020B0604030504040204" pitchFamily="34" charset="0"/>
-                <a:cs typeface="Arial" panose="020B0604020202020204" pitchFamily="34" charset="0"/>
-              </a:rPr>
-              <a:t>Investigating miRNAs regulating vascular smooth muscle cell proliferation”; 1</a:t>
-            </a:r>
-            <a:r>
-              <a:rPr lang="en-GB" sz="800" baseline="30000" dirty="0">
-                <a:solidFill>
-                  <a:sysClr val="windowText" lastClr="000000"/>
-                </a:solidFill>
-                <a:latin typeface="Helvetica" pitchFamily="2" charset="0"/>
-                <a:ea typeface="Verdana" panose="020B0604030504040204" pitchFamily="34" charset="0"/>
-                <a:cs typeface="Arial" panose="020B0604020202020204" pitchFamily="34" charset="0"/>
-              </a:rPr>
-              <a:t>st</a:t>
-            </a:r>
-            <a:r>
-              <a:rPr lang="en-GB" sz="800" dirty="0">
-                <a:solidFill>
-                  <a:sysClr val="windowText" lastClr="000000"/>
-                </a:solidFill>
-                <a:latin typeface="Helvetica" pitchFamily="2" charset="0"/>
-                <a:ea typeface="Verdana" panose="020B0604030504040204" pitchFamily="34" charset="0"/>
-                <a:cs typeface="Arial" panose="020B0604020202020204" pitchFamily="34" charset="0"/>
-              </a:rPr>
-              <a:t> author</a:t>
-            </a:r>
-          </a:p>
-          <a:p>
-            <a:endParaRPr lang="en-GB" sz="800" b="1" dirty="0">
-              <a:solidFill>
-                <a:sysClr val="windowText" lastClr="000000"/>
-              </a:solidFill>
-              <a:latin typeface="Helvetica" pitchFamily="2" charset="0"/>
-              <a:ea typeface="Verdana" panose="020B0604030504040204" pitchFamily="34" charset="0"/>
-              <a:cs typeface="Arial" panose="020B0604020202020204" pitchFamily="34" charset="0"/>
-            </a:endParaRPr>
-          </a:p>
-          <a:p>
-            <a:r>
-              <a:rPr lang="en-GB" sz="800" b="1" dirty="0">
-                <a:solidFill>
-                  <a:sysClr val="windowText" lastClr="000000"/>
-                </a:solidFill>
-                <a:latin typeface="Helvetica" pitchFamily="2" charset="0"/>
-                <a:ea typeface="Verdana" panose="020B0604030504040204" pitchFamily="34" charset="0"/>
-                <a:cs typeface="Arial" panose="020B0604020202020204" pitchFamily="34" charset="0"/>
-              </a:rPr>
-              <a:t>Cardiovascular Research Institute Maastricht invited talk</a:t>
-            </a:r>
-            <a:r>
-              <a:rPr lang="en-GB" sz="800" b="1" dirty="0">
-                <a:solidFill>
-                  <a:sysClr val="windowText" lastClr="000000"/>
-                </a:solidFill>
-                <a:latin typeface="Didot" panose="02000503000000020003" pitchFamily="2" charset="-79"/>
-                <a:ea typeface="Verdana" panose="020B0604030504040204" pitchFamily="34" charset="0"/>
-                <a:cs typeface="Didot" panose="02000503000000020003" pitchFamily="2" charset="-79"/>
-                <a:sym typeface="Wingdings" pitchFamily="2" charset="2"/>
-              </a:rPr>
-              <a:t> | </a:t>
-            </a:r>
-            <a:r>
-              <a:rPr lang="en-GB" sz="800" dirty="0">
-                <a:solidFill>
-                  <a:sysClr val="windowText" lastClr="000000"/>
-                </a:solidFill>
-                <a:latin typeface="Helvetica" pitchFamily="2" charset="0"/>
-                <a:ea typeface="Verdana" panose="020B0604030504040204" pitchFamily="34" charset="0"/>
-                <a:cs typeface="Arial" panose="020B0604020202020204" pitchFamily="34" charset="0"/>
-                <a:sym typeface="Wingdings" pitchFamily="2" charset="2"/>
-              </a:rPr>
-              <a:t>Virtually (2023)</a:t>
-            </a:r>
-            <a:r>
-              <a:rPr lang="en-GB" sz="800" dirty="0">
-                <a:solidFill>
-                  <a:sysClr val="windowText" lastClr="000000"/>
-                </a:solidFill>
-                <a:latin typeface="Helvetica" pitchFamily="2" charset="0"/>
-                <a:ea typeface="Verdana" panose="020B0604030504040204" pitchFamily="34" charset="0"/>
-                <a:cs typeface="Arial" panose="020B0604020202020204" pitchFamily="34" charset="0"/>
-              </a:rPr>
-              <a:t> </a:t>
-            </a:r>
-          </a:p>
-          <a:p>
-            <a:pPr>
-              <a:spcAft>
-                <a:spcPts val="600"/>
-              </a:spcAft>
-            </a:pPr>
-            <a:r>
-              <a:rPr lang="en-GB" sz="800" dirty="0">
-                <a:solidFill>
-                  <a:sysClr val="windowText" lastClr="000000"/>
-                </a:solidFill>
-                <a:latin typeface="Helvetica" pitchFamily="2" charset="0"/>
-                <a:ea typeface="Verdana" panose="020B0604030504040204" pitchFamily="34" charset="0"/>
-                <a:cs typeface="Arial" panose="020B0604020202020204" pitchFamily="34" charset="0"/>
-              </a:rPr>
-              <a:t>“Functional screening identifies novel miRNAs inhibiting Vascular Smooth Muscle Cell proliferation” (2023)</a:t>
-            </a:r>
-            <a:endParaRPr lang="en-US" sz="800" dirty="0">
-              <a:solidFill>
-                <a:sysClr val="windowText" lastClr="000000"/>
-              </a:solidFill>
-              <a:latin typeface="Helvetica" pitchFamily="2" charset="0"/>
-              <a:ea typeface="Verdana" panose="020B0604030504040204" pitchFamily="34" charset="0"/>
-              <a:cs typeface="Arial" panose="020B0604020202020204" pitchFamily="34" charset="0"/>
-            </a:endParaRPr>
-          </a:p>
-        </p:txBody>
-      </p:sp>
-      <p:sp>
-        <p:nvSpPr>
-          <p:cNvPr id="3" name="Rectangle 2">
+      </p:cxnSp>
+      <p:cxnSp>
+        <p:nvCxnSpPr>
+          <p:cNvPr id="10" name="Straight Connector 9">
             <a:extLst>
               <a:ext uri="{FF2B5EF4-FFF2-40B4-BE49-F238E27FC236}">
-                <a16:creationId xmlns:a16="http://schemas.microsoft.com/office/drawing/2014/main" id="{C10B7159-66C7-983A-E941-FA69587B3F43}"/>
+                <a16:creationId xmlns:a16="http://schemas.microsoft.com/office/drawing/2014/main" id="{C1473AEF-FC66-E56E-77C0-27C64608CE5C}"/>
               </a:ext>
             </a:extLst>
           </p:cNvPr>
-          <p:cNvSpPr/>
+          <p:cNvCxnSpPr>
+            <a:cxnSpLocks/>
+          </p:cNvCxnSpPr>
           <p:nvPr/>
-        </p:nvSpPr>
+        </p:nvCxnSpPr>
         <p:spPr>
           <a:xfrm>
-            <a:off x="1390389" y="43909"/>
-            <a:ext cx="2162482" cy="716692"/>
+            <a:off x="539494" y="3645804"/>
+            <a:ext cx="5760720" cy="0"/>
           </a:xfrm>
-          <a:prstGeom prst="rect">
+          <a:prstGeom prst="line">
             <a:avLst/>
           </a:prstGeom>
-          <a:noFill/>
-          <a:ln>
-            <a:noFill/>
+          <a:ln w="12700">
+            <a:solidFill>
+              <a:schemeClr val="bg1">
+                <a:lumMod val="85000"/>
+              </a:schemeClr>
+            </a:solidFill>
           </a:ln>
         </p:spPr>
         <p:style>
-          <a:lnRef idx="2">
-            <a:schemeClr val="accent1">
-              <a:shade val="50000"/>
-            </a:schemeClr>
+          <a:lnRef idx="1">
+            <a:schemeClr val="accent1"/>
           </a:lnRef>
-          <a:fillRef idx="1">
+          <a:fillRef idx="0">
             <a:schemeClr val="accent1"/>
           </a:fillRef>
           <a:effectRef idx="0">
             <a:schemeClr val="accent1"/>
           </a:effectRef>
           <a:fontRef idx="minor">
-            <a:schemeClr val="lt1"/>
+            <a:schemeClr val="tx1"/>
           </a:fontRef>
         </p:style>
-        <p:txBody>
-          <a:bodyPr rtlCol="0" anchor="ctr"/>
-          <a:lstStyle/>
-          <a:p>
-            <a:pPr algn="r"/>
-            <a:r>
-              <a:rPr lang="en-US" sz="2000" dirty="0">
-                <a:solidFill>
-                  <a:schemeClr val="tx1"/>
-                </a:solidFill>
-                <a:latin typeface="Didot" panose="02000503000000020003" pitchFamily="2" charset="-79"/>
-                <a:cs typeface="Didot" panose="02000503000000020003" pitchFamily="2" charset="-79"/>
-              </a:rPr>
-              <a:t>Eftychia Klimi </a:t>
-            </a:r>
-            <a:r>
-              <a:rPr lang="en-US" sz="2800" dirty="0">
-                <a:solidFill>
-                  <a:schemeClr val="tx1"/>
-                </a:solidFill>
-                <a:latin typeface="Didot" panose="02000503000000020003" pitchFamily="2" charset="-79"/>
-                <a:cs typeface="Didot" panose="02000503000000020003" pitchFamily="2" charset="-79"/>
-              </a:rPr>
-              <a:t>|</a:t>
-            </a:r>
-            <a:endParaRPr lang="en-US" sz="2000" dirty="0">
-              <a:solidFill>
-                <a:schemeClr val="tx1"/>
-              </a:solidFill>
-              <a:latin typeface="Didot" panose="02000503000000020003" pitchFamily="2" charset="-79"/>
-              <a:cs typeface="Didot" panose="02000503000000020003" pitchFamily="2" charset="-79"/>
-            </a:endParaRPr>
-          </a:p>
-        </p:txBody>
-      </p:sp>
-      <p:sp>
-        <p:nvSpPr>
-          <p:cNvPr id="6" name="TextBox 5">
+      </p:cxnSp>
+      <p:cxnSp>
+        <p:nvCxnSpPr>
+          <p:cNvPr id="11" name="Straight Connector 10">
             <a:extLst>
               <a:ext uri="{FF2B5EF4-FFF2-40B4-BE49-F238E27FC236}">
-                <a16:creationId xmlns:a16="http://schemas.microsoft.com/office/drawing/2014/main" id="{E331416C-03D5-6EA1-6235-F7D44FFB6B5E}"/>
+                <a16:creationId xmlns:a16="http://schemas.microsoft.com/office/drawing/2014/main" id="{B83B2ED1-F370-018F-1A6C-0668B1A7A17D}"/>
               </a:ext>
             </a:extLst>
           </p:cNvPr>
-          <p:cNvSpPr txBox="1"/>
+          <p:cNvCxnSpPr>
+            <a:cxnSpLocks/>
+          </p:cNvCxnSpPr>
           <p:nvPr/>
-        </p:nvSpPr>
+        </p:nvCxnSpPr>
         <p:spPr>
           <a:xfrm>
-            <a:off x="3429000" y="174932"/>
-            <a:ext cx="1465971" cy="477054"/>
+            <a:off x="539494" y="7486088"/>
+            <a:ext cx="5760720" cy="0"/>
           </a:xfrm>
-          <a:prstGeom prst="rect">
+          <a:prstGeom prst="line">
             <a:avLst/>
           </a:prstGeom>
-          <a:noFill/>
+          <a:ln w="12700">
+            <a:solidFill>
+              <a:schemeClr val="bg1">
+                <a:lumMod val="85000"/>
+              </a:schemeClr>
+            </a:solidFill>
+          </a:ln>
         </p:spPr>
-        <p:txBody>
-          <a:bodyPr wrap="square">
-            <a:spAutoFit/>
-          </a:bodyPr>
-          <a:lstStyle/>
-          <a:p>
-            <a:r>
-              <a:rPr lang="en-US" sz="900" dirty="0">
-                <a:solidFill>
-                  <a:schemeClr val="tx2"/>
-                </a:solidFill>
-                <a:latin typeface="Didot" panose="02000503000000020003" pitchFamily="2" charset="-79"/>
-                <a:cs typeface="Didot" panose="02000503000000020003" pitchFamily="2" charset="-79"/>
-              </a:rPr>
-              <a:t>effie@effie.bio</a:t>
-            </a:r>
-          </a:p>
-          <a:p>
-            <a:r>
-              <a:rPr lang="en-US" sz="800" dirty="0">
-                <a:solidFill>
-                  <a:schemeClr val="tx2"/>
-                </a:solidFill>
-                <a:latin typeface="New Peninim MT" pitchFamily="2" charset="-79"/>
-                <a:cs typeface="New Peninim MT" pitchFamily="2" charset="-79"/>
-              </a:rPr>
-              <a:t>+44 07513616835</a:t>
-            </a:r>
-          </a:p>
-          <a:p>
-            <a:r>
-              <a:rPr lang="en-US" sz="800" dirty="0">
-                <a:solidFill>
-                  <a:schemeClr val="tx2"/>
-                </a:solidFill>
-                <a:latin typeface="New Peninim MT" pitchFamily="2" charset="-79"/>
-                <a:cs typeface="New Peninim MT" pitchFamily="2" charset="-79"/>
-              </a:rPr>
-              <a:t>+1 (628) 200 4004</a:t>
-            </a:r>
-          </a:p>
-        </p:txBody>
-      </p:sp>
+        <p:style>
+          <a:lnRef idx="1">
+            <a:schemeClr val="accent1"/>
+          </a:lnRef>
+          <a:fillRef idx="0">
+            <a:schemeClr val="accent1"/>
+          </a:fillRef>
+          <a:effectRef idx="0">
+            <a:schemeClr val="accent1"/>
+          </a:effectRef>
+          <a:fontRef idx="minor">
+            <a:schemeClr val="tx1"/>
+          </a:fontRef>
+        </p:style>
+      </p:cxnSp>
+      <p:cxnSp>
+        <p:nvCxnSpPr>
+          <p:cNvPr id="15" name="Straight Connector 14">
+            <a:extLst>
+              <a:ext uri="{FF2B5EF4-FFF2-40B4-BE49-F238E27FC236}">
+                <a16:creationId xmlns:a16="http://schemas.microsoft.com/office/drawing/2014/main" id="{ADE65788-2958-9529-141F-EF0C53C631AF}"/>
+              </a:ext>
+            </a:extLst>
+          </p:cNvPr>
+          <p:cNvCxnSpPr>
+            <a:cxnSpLocks/>
+          </p:cNvCxnSpPr>
+          <p:nvPr/>
+        </p:nvCxnSpPr>
+        <p:spPr>
+          <a:xfrm>
+            <a:off x="548635" y="8439967"/>
+            <a:ext cx="5760720" cy="0"/>
+          </a:xfrm>
+          <a:prstGeom prst="line">
+            <a:avLst/>
+          </a:prstGeom>
+          <a:ln w="12700">
+            <a:solidFill>
+              <a:schemeClr val="bg1">
+                <a:lumMod val="85000"/>
+              </a:schemeClr>
+            </a:solidFill>
+          </a:ln>
+        </p:spPr>
+        <p:style>
+          <a:lnRef idx="1">
+            <a:schemeClr val="accent1"/>
+          </a:lnRef>
+          <a:fillRef idx="0">
+            <a:schemeClr val="accent1"/>
+          </a:fillRef>
+          <a:effectRef idx="0">
+            <a:schemeClr val="accent1"/>
+          </a:effectRef>
+          <a:fontRef idx="minor">
+            <a:schemeClr val="tx1"/>
+          </a:fontRef>
+        </p:style>
+      </p:cxnSp>
     </p:spTree>
     <p:extLst>
       <p:ext uri="{BB962C8B-B14F-4D97-AF65-F5344CB8AC3E}">
-        <p14:creationId xmlns:p14="http://schemas.microsoft.com/office/powerpoint/2010/main" val="663397617"/>
+        <p14:creationId xmlns:p14="http://schemas.microsoft.com/office/powerpoint/2010/main" val="1691519795"/>
       </p:ext>
     </p:extLst>
   </p:cSld>
@@ -6189,4 +5557,299 @@
     </a:ext>
   </a:extLst>
 </a:theme>
+</file>
+
+<file path=ppt/theme/theme2.xml><?xml version="1.0" encoding="utf-8"?>
+<a:theme xmlns:a="http://schemas.openxmlformats.org/drawingml/2006/main" name="Office Theme">
+  <a:themeElements>
+    <a:clrScheme name="Office">
+      <a:dk1>
+        <a:sysClr val="windowText" lastClr="000000"/>
+      </a:dk1>
+      <a:lt1>
+        <a:sysClr val="window" lastClr="FFFFFF"/>
+      </a:lt1>
+      <a:dk2>
+        <a:srgbClr val="44546A"/>
+      </a:dk2>
+      <a:lt2>
+        <a:srgbClr val="E7E6E6"/>
+      </a:lt2>
+      <a:accent1>
+        <a:srgbClr val="4472C4"/>
+      </a:accent1>
+      <a:accent2>
+        <a:srgbClr val="ED7D31"/>
+      </a:accent2>
+      <a:accent3>
+        <a:srgbClr val="A5A5A5"/>
+      </a:accent3>
+      <a:accent4>
+        <a:srgbClr val="FFC000"/>
+      </a:accent4>
+      <a:accent5>
+        <a:srgbClr val="5B9BD5"/>
+      </a:accent5>
+      <a:accent6>
+        <a:srgbClr val="70AD47"/>
+      </a:accent6>
+      <a:hlink>
+        <a:srgbClr val="0563C1"/>
+      </a:hlink>
+      <a:folHlink>
+        <a:srgbClr val="954F72"/>
+      </a:folHlink>
+    </a:clrScheme>
+    <a:fontScheme name="Office">
+      <a:majorFont>
+        <a:latin typeface="Calibri Light" panose="020F0302020204030204"/>
+        <a:ea typeface=""/>
+        <a:cs typeface=""/>
+        <a:font script="Jpan" typeface="游ゴシック Light"/>
+        <a:font script="Hang" typeface="맑은 고딕"/>
+        <a:font script="Hans" typeface="等线 Light"/>
+        <a:font script="Hant" typeface="新細明體"/>
+        <a:font script="Arab" typeface="Times New Roman"/>
+        <a:font script="Hebr" typeface="Times New Roman"/>
+        <a:font script="Thai" typeface="Angsana New"/>
+        <a:font script="Ethi" typeface="Nyala"/>
+        <a:font script="Beng" typeface="Vrinda"/>
+        <a:font script="Gujr" typeface="Shruti"/>
+        <a:font script="Khmr" typeface="MoolBoran"/>
+        <a:font script="Knda" typeface="Tunga"/>
+        <a:font script="Guru" typeface="Raavi"/>
+        <a:font script="Cans" typeface="Euphemia"/>
+        <a:font script="Cher" typeface="Plantagenet Cherokee"/>
+        <a:font script="Yiii" typeface="Microsoft Yi Baiti"/>
+        <a:font script="Tibt" typeface="Microsoft Himalaya"/>
+        <a:font script="Thaa" typeface="MV Boli"/>
+        <a:font script="Deva" typeface="Mangal"/>
+        <a:font script="Telu" typeface="Gautami"/>
+        <a:font script="Taml" typeface="Latha"/>
+        <a:font script="Syrc" typeface="Estrangelo Edessa"/>
+        <a:font script="Orya" typeface="Kalinga"/>
+        <a:font script="Mlym" typeface="Kartika"/>
+        <a:font script="Laoo" typeface="DokChampa"/>
+        <a:font script="Sinh" typeface="Iskoola Pota"/>
+        <a:font script="Mong" typeface="Mongolian Baiti"/>
+        <a:font script="Viet" typeface="Times New Roman"/>
+        <a:font script="Uigh" typeface="Microsoft Uighur"/>
+        <a:font script="Geor" typeface="Sylfaen"/>
+        <a:font script="Armn" typeface="Arial"/>
+        <a:font script="Bugi" typeface="Leelawadee UI"/>
+        <a:font script="Bopo" typeface="Microsoft JhengHei"/>
+        <a:font script="Java" typeface="Javanese Text"/>
+        <a:font script="Lisu" typeface="Segoe UI"/>
+        <a:font script="Mymr" typeface="Myanmar Text"/>
+        <a:font script="Nkoo" typeface="Ebrima"/>
+        <a:font script="Olck" typeface="Nirmala UI"/>
+        <a:font script="Osma" typeface="Ebrima"/>
+        <a:font script="Phag" typeface="Phagspa"/>
+        <a:font script="Syrn" typeface="Estrangelo Edessa"/>
+        <a:font script="Syrj" typeface="Estrangelo Edessa"/>
+        <a:font script="Syre" typeface="Estrangelo Edessa"/>
+        <a:font script="Sora" typeface="Nirmala UI"/>
+        <a:font script="Tale" typeface="Microsoft Tai Le"/>
+        <a:font script="Talu" typeface="Microsoft New Tai Lue"/>
+        <a:font script="Tfng" typeface="Ebrima"/>
+      </a:majorFont>
+      <a:minorFont>
+        <a:latin typeface="Calibri" panose="020F0502020204030204"/>
+        <a:ea typeface=""/>
+        <a:cs typeface=""/>
+        <a:font script="Jpan" typeface="游ゴシック"/>
+        <a:font script="Hang" typeface="맑은 고딕"/>
+        <a:font script="Hans" typeface="等线"/>
+        <a:font script="Hant" typeface="新細明體"/>
+        <a:font script="Arab" typeface="Arial"/>
+        <a:font script="Hebr" typeface="Arial"/>
+        <a:font script="Thai" typeface="Cordia New"/>
+        <a:font script="Ethi" typeface="Nyala"/>
+        <a:font script="Beng" typeface="Vrinda"/>
+        <a:font script="Gujr" typeface="Shruti"/>
+        <a:font script="Khmr" typeface="DaunPenh"/>
+        <a:font script="Knda" typeface="Tunga"/>
+        <a:font script="Guru" typeface="Raavi"/>
+        <a:font script="Cans" typeface="Euphemia"/>
+        <a:font script="Cher" typeface="Plantagenet Cherokee"/>
+        <a:font script="Yiii" typeface="Microsoft Yi Baiti"/>
+        <a:font script="Tibt" typeface="Microsoft Himalaya"/>
+        <a:font script="Thaa" typeface="MV Boli"/>
+        <a:font script="Deva" typeface="Mangal"/>
+        <a:font script="Telu" typeface="Gautami"/>
+        <a:font script="Taml" typeface="Latha"/>
+        <a:font script="Syrc" typeface="Estrangelo Edessa"/>
+        <a:font script="Orya" typeface="Kalinga"/>
+        <a:font script="Mlym" typeface="Kartika"/>
+        <a:font script="Laoo" typeface="DokChampa"/>
+        <a:font script="Sinh" typeface="Iskoola Pota"/>
+        <a:font script="Mong" typeface="Mongolian Baiti"/>
+        <a:font script="Viet" typeface="Arial"/>
+        <a:font script="Uigh" typeface="Microsoft Uighur"/>
+        <a:font script="Geor" typeface="Sylfaen"/>
+        <a:font script="Armn" typeface="Arial"/>
+        <a:font script="Bugi" typeface="Leelawadee UI"/>
+        <a:font script="Bopo" typeface="Microsoft JhengHei"/>
+        <a:font script="Java" typeface="Javanese Text"/>
+        <a:font script="Lisu" typeface="Segoe UI"/>
+        <a:font script="Mymr" typeface="Myanmar Text"/>
+        <a:font script="Nkoo" typeface="Ebrima"/>
+        <a:font script="Olck" typeface="Nirmala UI"/>
+        <a:font script="Osma" typeface="Ebrima"/>
+        <a:font script="Phag" typeface="Phagspa"/>
+        <a:font script="Syrn" typeface="Estrangelo Edessa"/>
+        <a:font script="Syrj" typeface="Estrangelo Edessa"/>
+        <a:font script="Syre" typeface="Estrangelo Edessa"/>
+        <a:font script="Sora" typeface="Nirmala UI"/>
+        <a:font script="Tale" typeface="Microsoft Tai Le"/>
+        <a:font script="Talu" typeface="Microsoft New Tai Lue"/>
+        <a:font script="Tfng" typeface="Ebrima"/>
+      </a:minorFont>
+    </a:fontScheme>
+    <a:fmtScheme name="Office">
+      <a:fillStyleLst>
+        <a:solidFill>
+          <a:schemeClr val="phClr"/>
+        </a:solidFill>
+        <a:gradFill rotWithShape="1">
+          <a:gsLst>
+            <a:gs pos="0">
+              <a:schemeClr val="phClr">
+                <a:lumMod val="110000"/>
+                <a:satMod val="105000"/>
+                <a:tint val="67000"/>
+              </a:schemeClr>
+            </a:gs>
+            <a:gs pos="50000">
+              <a:schemeClr val="phClr">
+                <a:lumMod val="105000"/>
+                <a:satMod val="103000"/>
+                <a:tint val="73000"/>
+              </a:schemeClr>
+            </a:gs>
+            <a:gs pos="100000">
+              <a:schemeClr val="phClr">
+                <a:lumMod val="105000"/>
+                <a:satMod val="109000"/>
+                <a:tint val="81000"/>
+              </a:schemeClr>
+            </a:gs>
+          </a:gsLst>
+          <a:lin ang="5400000" scaled="0"/>
+        </a:gradFill>
+        <a:gradFill rotWithShape="1">
+          <a:gsLst>
+            <a:gs pos="0">
+              <a:schemeClr val="phClr">
+                <a:satMod val="103000"/>
+                <a:lumMod val="102000"/>
+                <a:tint val="94000"/>
+              </a:schemeClr>
+            </a:gs>
+            <a:gs pos="50000">
+              <a:schemeClr val="phClr">
+                <a:satMod val="110000"/>
+                <a:lumMod val="100000"/>
+                <a:shade val="100000"/>
+              </a:schemeClr>
+            </a:gs>
+            <a:gs pos="100000">
+              <a:schemeClr val="phClr">
+                <a:lumMod val="99000"/>
+                <a:satMod val="120000"/>
+                <a:shade val="78000"/>
+              </a:schemeClr>
+            </a:gs>
+          </a:gsLst>
+          <a:lin ang="5400000" scaled="0"/>
+        </a:gradFill>
+      </a:fillStyleLst>
+      <a:lnStyleLst>
+        <a:ln w="6350" cap="flat" cmpd="sng" algn="ctr">
+          <a:solidFill>
+            <a:schemeClr val="phClr"/>
+          </a:solidFill>
+          <a:prstDash val="solid"/>
+          <a:miter lim="800000"/>
+        </a:ln>
+        <a:ln w="12700" cap="flat" cmpd="sng" algn="ctr">
+          <a:solidFill>
+            <a:schemeClr val="phClr"/>
+          </a:solidFill>
+          <a:prstDash val="solid"/>
+          <a:miter lim="800000"/>
+        </a:ln>
+        <a:ln w="19050" cap="flat" cmpd="sng" algn="ctr">
+          <a:solidFill>
+            <a:schemeClr val="phClr"/>
+          </a:solidFill>
+          <a:prstDash val="solid"/>
+          <a:miter lim="800000"/>
+        </a:ln>
+      </a:lnStyleLst>
+      <a:effectStyleLst>
+        <a:effectStyle>
+          <a:effectLst/>
+        </a:effectStyle>
+        <a:effectStyle>
+          <a:effectLst/>
+        </a:effectStyle>
+        <a:effectStyle>
+          <a:effectLst>
+            <a:outerShdw blurRad="57150" dist="19050" dir="5400000" algn="ctr" rotWithShape="0">
+              <a:srgbClr val="000000">
+                <a:alpha val="63000"/>
+              </a:srgbClr>
+            </a:outerShdw>
+          </a:effectLst>
+        </a:effectStyle>
+      </a:effectStyleLst>
+      <a:bgFillStyleLst>
+        <a:solidFill>
+          <a:schemeClr val="phClr"/>
+        </a:solidFill>
+        <a:solidFill>
+          <a:schemeClr val="phClr">
+            <a:tint val="95000"/>
+            <a:satMod val="170000"/>
+          </a:schemeClr>
+        </a:solidFill>
+        <a:gradFill rotWithShape="1">
+          <a:gsLst>
+            <a:gs pos="0">
+              <a:schemeClr val="phClr">
+                <a:tint val="93000"/>
+                <a:satMod val="150000"/>
+                <a:shade val="98000"/>
+                <a:lumMod val="102000"/>
+              </a:schemeClr>
+            </a:gs>
+            <a:gs pos="50000">
+              <a:schemeClr val="phClr">
+                <a:tint val="98000"/>
+                <a:satMod val="130000"/>
+                <a:shade val="90000"/>
+                <a:lumMod val="103000"/>
+              </a:schemeClr>
+            </a:gs>
+            <a:gs pos="100000">
+              <a:schemeClr val="phClr">
+                <a:shade val="63000"/>
+                <a:satMod val="120000"/>
+              </a:schemeClr>
+            </a:gs>
+          </a:gsLst>
+          <a:lin ang="5400000" scaled="0"/>
+        </a:gradFill>
+      </a:bgFillStyleLst>
+    </a:fmtScheme>
+  </a:themeElements>
+  <a:objectDefaults/>
+  <a:extraClrSchemeLst/>
+  <a:extLst>
+    <a:ext uri="{05A4C25C-085E-4340-85A3-A5531E510DB2}">
+      <thm15:themeFamily xmlns:thm15="http://schemas.microsoft.com/office/thememl/2012/main" name="Office Theme" id="{62F939B6-93AF-4DB8-9C6B-D6C7DFDC589F}" vid="{4A3C46E8-61CC-4603-A589-7422A47A8E4A}"/>
+    </a:ext>
+  </a:extLst>
+</a:theme>
 </file>
--- a/public/resume.pptx
+++ b/public/resume.pptx
@@ -607,7 +607,7 @@
           <a:p>
             <a:fld id="{0C0FD1C1-C5B8-2D48-B2BF-F14BF3E5678C}" type="datetimeFigureOut">
               <a:rPr lang="en-US" smtClean="0"/>
-              <a:t>10/9/23</a:t>
+              <a:t>10/16/23</a:t>
             </a:fld>
             <a:endParaRPr lang="en-US"/>
           </a:p>
@@ -777,7 +777,7 @@
           <a:p>
             <a:fld id="{0C0FD1C1-C5B8-2D48-B2BF-F14BF3E5678C}" type="datetimeFigureOut">
               <a:rPr lang="en-US" smtClean="0"/>
-              <a:t>10/9/23</a:t>
+              <a:t>10/16/23</a:t>
             </a:fld>
             <a:endParaRPr lang="en-US"/>
           </a:p>
@@ -957,7 +957,7 @@
           <a:p>
             <a:fld id="{0C0FD1C1-C5B8-2D48-B2BF-F14BF3E5678C}" type="datetimeFigureOut">
               <a:rPr lang="en-US" smtClean="0"/>
-              <a:t>10/9/23</a:t>
+              <a:t>10/16/23</a:t>
             </a:fld>
             <a:endParaRPr lang="en-US"/>
           </a:p>
@@ -1127,7 +1127,7 @@
           <a:p>
             <a:fld id="{0C0FD1C1-C5B8-2D48-B2BF-F14BF3E5678C}" type="datetimeFigureOut">
               <a:rPr lang="en-US" smtClean="0"/>
-              <a:t>10/9/23</a:t>
+              <a:t>10/16/23</a:t>
             </a:fld>
             <a:endParaRPr lang="en-US"/>
           </a:p>
@@ -1371,7 +1371,7 @@
           <a:p>
             <a:fld id="{0C0FD1C1-C5B8-2D48-B2BF-F14BF3E5678C}" type="datetimeFigureOut">
               <a:rPr lang="en-US" smtClean="0"/>
-              <a:t>10/9/23</a:t>
+              <a:t>10/16/23</a:t>
             </a:fld>
             <a:endParaRPr lang="en-US"/>
           </a:p>
@@ -1603,7 +1603,7 @@
           <a:p>
             <a:fld id="{0C0FD1C1-C5B8-2D48-B2BF-F14BF3E5678C}" type="datetimeFigureOut">
               <a:rPr lang="en-US" smtClean="0"/>
-              <a:t>10/9/23</a:t>
+              <a:t>10/16/23</a:t>
             </a:fld>
             <a:endParaRPr lang="en-US"/>
           </a:p>
@@ -1970,7 +1970,7 @@
           <a:p>
             <a:fld id="{0C0FD1C1-C5B8-2D48-B2BF-F14BF3E5678C}" type="datetimeFigureOut">
               <a:rPr lang="en-US" smtClean="0"/>
-              <a:t>10/9/23</a:t>
+              <a:t>10/16/23</a:t>
             </a:fld>
             <a:endParaRPr lang="en-US"/>
           </a:p>
@@ -2088,7 +2088,7 @@
           <a:p>
             <a:fld id="{0C0FD1C1-C5B8-2D48-B2BF-F14BF3E5678C}" type="datetimeFigureOut">
               <a:rPr lang="en-US" smtClean="0"/>
-              <a:t>10/9/23</a:t>
+              <a:t>10/16/23</a:t>
             </a:fld>
             <a:endParaRPr lang="en-US"/>
           </a:p>
@@ -2183,7 +2183,7 @@
           <a:p>
             <a:fld id="{0C0FD1C1-C5B8-2D48-B2BF-F14BF3E5678C}" type="datetimeFigureOut">
               <a:rPr lang="en-US" smtClean="0"/>
-              <a:t>10/9/23</a:t>
+              <a:t>10/16/23</a:t>
             </a:fld>
             <a:endParaRPr lang="en-US"/>
           </a:p>
@@ -2460,7 +2460,7 @@
           <a:p>
             <a:fld id="{0C0FD1C1-C5B8-2D48-B2BF-F14BF3E5678C}" type="datetimeFigureOut">
               <a:rPr lang="en-US" smtClean="0"/>
-              <a:t>10/9/23</a:t>
+              <a:t>10/16/23</a:t>
             </a:fld>
             <a:endParaRPr lang="en-US"/>
           </a:p>
@@ -2717,7 +2717,7 @@
           <a:p>
             <a:fld id="{0C0FD1C1-C5B8-2D48-B2BF-F14BF3E5678C}" type="datetimeFigureOut">
               <a:rPr lang="en-US" smtClean="0"/>
-              <a:t>10/9/23</a:t>
+              <a:t>10/16/23</a:t>
             </a:fld>
             <a:endParaRPr lang="en-US"/>
           </a:p>
@@ -2933,7 +2933,7 @@
           <a:p>
             <a:fld id="{0C0FD1C1-C5B8-2D48-B2BF-F14BF3E5678C}" type="datetimeFigureOut">
               <a:rPr lang="en-US" smtClean="0"/>
-              <a:t>10/9/23</a:t>
+              <a:t>10/16/23</a:t>
             </a:fld>
             <a:endParaRPr lang="en-US"/>
           </a:p>
@@ -3413,7 +3413,7 @@
         <p:spPr>
           <a:xfrm>
             <a:off x="461557" y="1945245"/>
-            <a:ext cx="5934881" cy="7684161"/>
+            <a:ext cx="5996393" cy="7684161"/>
           </a:xfrm>
           <a:prstGeom prst="rect">
             <a:avLst/>
@@ -3511,7 +3511,7 @@
                 <a:ea typeface="Geneva" panose="020B0503030404040204" pitchFamily="34" charset="0"/>
                 <a:cs typeface="Verdana" panose="020B0604030504040204" pitchFamily="34" charset="0"/>
               </a:rPr>
-              <a:t>NextFlow, React, Node.js, </a:t>
+              <a:t>NextFlow, Node.js, React, </a:t>
             </a:r>
             <a:r>
               <a:rPr lang="en-US" sz="600" spc="30" dirty="0">
@@ -3554,7 +3554,7 @@
                 <a:ea typeface="Geneva" panose="020B0503030404040204" pitchFamily="34" charset="0"/>
                 <a:cs typeface="Verdana" panose="020B0604030504040204" pitchFamily="34" charset="0"/>
               </a:rPr>
-              <a:t>WGS &amp; </a:t>
+              <a:t>WGS/WGBS &amp; </a:t>
             </a:r>
             <a:r>
               <a:rPr lang="en-GB" sz="600" spc="30" dirty="0">
@@ -3565,7 +3565,51 @@
                 <a:ea typeface="Geneva" panose="020B0503030404040204" pitchFamily="34" charset="0"/>
                 <a:cs typeface="Verdana" panose="020B0604030504040204" pitchFamily="34" charset="0"/>
               </a:rPr>
-              <a:t>RNA sequencing (bulk, small, single cell) analysis (fastQC, STAR, Cell Ranger, TrimGalore, Samtools)</a:t>
+              <a:t>bulk/small/single cell RNA </a:t>
+            </a:r>
+            <a:r>
+              <a:rPr lang="en-GB" sz="600" spc="30" dirty="0" err="1">
+                <a:solidFill>
+                  <a:srgbClr val="5F6060"/>
+                </a:solidFill>
+                <a:latin typeface="Geneva" panose="020B0503030404040204" pitchFamily="34" charset="0"/>
+                <a:ea typeface="Geneva" panose="020B0503030404040204" pitchFamily="34" charset="0"/>
+                <a:cs typeface="Verdana" panose="020B0604030504040204" pitchFamily="34" charset="0"/>
+              </a:rPr>
+              <a:t>seq</a:t>
+            </a:r>
+            <a:r>
+              <a:rPr lang="en-GB" sz="600" spc="30" dirty="0">
+                <a:solidFill>
+                  <a:srgbClr val="5F6060"/>
+                </a:solidFill>
+                <a:latin typeface="Geneva" panose="020B0503030404040204" pitchFamily="34" charset="0"/>
+                <a:ea typeface="Geneva" panose="020B0503030404040204" pitchFamily="34" charset="0"/>
+                <a:cs typeface="Verdana" panose="020B0604030504040204" pitchFamily="34" charset="0"/>
+              </a:rPr>
+              <a:t> analysis (fastQC, STAR, Cell Ranger, TrimGalore, </a:t>
+            </a:r>
+            <a:r>
+              <a:rPr lang="en-GB" sz="600" spc="30" dirty="0" err="1">
+                <a:solidFill>
+                  <a:srgbClr val="5F6060"/>
+                </a:solidFill>
+                <a:latin typeface="Geneva" panose="020B0503030404040204" pitchFamily="34" charset="0"/>
+                <a:ea typeface="Geneva" panose="020B0503030404040204" pitchFamily="34" charset="0"/>
+                <a:cs typeface="Verdana" panose="020B0604030504040204" pitchFamily="34" charset="0"/>
+              </a:rPr>
+              <a:t>Bismark</a:t>
+            </a:r>
+            <a:r>
+              <a:rPr lang="en-GB" sz="600" spc="30" dirty="0">
+                <a:solidFill>
+                  <a:srgbClr val="5F6060"/>
+                </a:solidFill>
+                <a:latin typeface="Geneva" panose="020B0503030404040204" pitchFamily="34" charset="0"/>
+                <a:ea typeface="Geneva" panose="020B0503030404040204" pitchFamily="34" charset="0"/>
+                <a:cs typeface="Verdana" panose="020B0604030504040204" pitchFamily="34" charset="0"/>
+              </a:rPr>
+              <a:t>)</a:t>
             </a:r>
           </a:p>
           <a:p>
@@ -3586,7 +3630,7 @@
                 <a:ea typeface="Geneva" panose="020B0503030404040204" pitchFamily="34" charset="0"/>
                 <a:cs typeface="Verdana" panose="020B0604030504040204" pitchFamily="34" charset="0"/>
               </a:rPr>
-              <a:t>Genomics: </a:t>
+              <a:t>Genomics &amp; epigenomics: </a:t>
             </a:r>
             <a:r>
               <a:rPr lang="en-GB" sz="600" spc="30" dirty="0">
@@ -3597,7 +3641,73 @@
                 <a:ea typeface="Geneva" panose="020B0503030404040204" pitchFamily="34" charset="0"/>
                 <a:cs typeface="Verdana" panose="020B0604030504040204" pitchFamily="34" charset="0"/>
               </a:rPr>
-              <a:t>GWAS/eQTL analysis</a:t>
+              <a:t>Genetic analysis (VCF/plink, GWAS/</a:t>
+            </a:r>
+            <a:r>
+              <a:rPr lang="en-GB" sz="600" spc="30" dirty="0" err="1">
+                <a:solidFill>
+                  <a:srgbClr val="5F6060"/>
+                </a:solidFill>
+                <a:latin typeface="Geneva" panose="020B0503030404040204" pitchFamily="34" charset="0"/>
+                <a:ea typeface="Geneva" panose="020B0503030404040204" pitchFamily="34" charset="0"/>
+                <a:cs typeface="Verdana" panose="020B0604030504040204" pitchFamily="34" charset="0"/>
+              </a:rPr>
+              <a:t>eQTL</a:t>
+            </a:r>
+            <a:r>
+              <a:rPr lang="en-GB" sz="600" spc="30" dirty="0">
+                <a:solidFill>
+                  <a:srgbClr val="5F6060"/>
+                </a:solidFill>
+                <a:latin typeface="Geneva" panose="020B0503030404040204" pitchFamily="34" charset="0"/>
+                <a:ea typeface="Geneva" panose="020B0503030404040204" pitchFamily="34" charset="0"/>
+                <a:cs typeface="Verdana" panose="020B0604030504040204" pitchFamily="34" charset="0"/>
+              </a:rPr>
+              <a:t>), differential methylation analysis (</a:t>
+            </a:r>
+            <a:r>
+              <a:rPr lang="en-GB" sz="600" spc="30" dirty="0" err="1">
+                <a:solidFill>
+                  <a:srgbClr val="5F6060"/>
+                </a:solidFill>
+                <a:latin typeface="Geneva" panose="020B0503030404040204" pitchFamily="34" charset="0"/>
+                <a:ea typeface="Geneva" panose="020B0503030404040204" pitchFamily="34" charset="0"/>
+                <a:cs typeface="Verdana" panose="020B0604030504040204" pitchFamily="34" charset="0"/>
+              </a:rPr>
+              <a:t>Metilene</a:t>
+            </a:r>
+            <a:r>
+              <a:rPr lang="en-GB" sz="600" spc="30" dirty="0">
+                <a:solidFill>
+                  <a:srgbClr val="5F6060"/>
+                </a:solidFill>
+                <a:latin typeface="Geneva" panose="020B0503030404040204" pitchFamily="34" charset="0"/>
+                <a:ea typeface="Geneva" panose="020B0503030404040204" pitchFamily="34" charset="0"/>
+                <a:cs typeface="Verdana" panose="020B0604030504040204" pitchFamily="34" charset="0"/>
+              </a:rPr>
+              <a:t>), </a:t>
+            </a:r>
+            <a:r>
+              <a:rPr lang="en-GB" sz="600" spc="30" dirty="0" err="1">
+                <a:solidFill>
+                  <a:srgbClr val="5F6060"/>
+                </a:solidFill>
+                <a:latin typeface="Geneva" panose="020B0503030404040204" pitchFamily="34" charset="0"/>
+                <a:ea typeface="Geneva" panose="020B0503030404040204" pitchFamily="34" charset="0"/>
+                <a:cs typeface="Verdana" panose="020B0604030504040204" pitchFamily="34" charset="0"/>
+              </a:rPr>
+              <a:t>ChIP-seq</a:t>
+            </a:r>
+            <a:r>
+              <a:rPr lang="en-GB" sz="600" spc="30" dirty="0">
+                <a:solidFill>
+                  <a:srgbClr val="5F6060"/>
+                </a:solidFill>
+                <a:latin typeface="Geneva" panose="020B0503030404040204" pitchFamily="34" charset="0"/>
+                <a:ea typeface="Geneva" panose="020B0503030404040204" pitchFamily="34" charset="0"/>
+                <a:cs typeface="Verdana" panose="020B0604030504040204" pitchFamily="34" charset="0"/>
+              </a:rPr>
+              <a:t> analysis (MACS2)</a:t>
             </a:r>
             <a:endParaRPr lang="en-US" sz="600" spc="30" dirty="0">
               <a:solidFill>
@@ -3626,7 +3736,18 @@
                 <a:ea typeface="Geneva" panose="020B0503030404040204" pitchFamily="34" charset="0"/>
                 <a:cs typeface="Verdana" panose="020B0604030504040204" pitchFamily="34" charset="0"/>
               </a:rPr>
-              <a:t>Transcriptomics &amp; RNA biology: </a:t>
+              <a:t>Transcriptomics: </a:t>
+            </a:r>
+            <a:r>
+              <a:rPr lang="en-GB" sz="600" spc="30" dirty="0">
+                <a:solidFill>
+                  <a:srgbClr val="5F6060"/>
+                </a:solidFill>
+                <a:latin typeface="Geneva" panose="020B0503030404040204" pitchFamily="34" charset="0"/>
+                <a:ea typeface="Geneva" panose="020B0503030404040204" pitchFamily="34" charset="0"/>
+                <a:cs typeface="Verdana" panose="020B0604030504040204" pitchFamily="34" charset="0"/>
+              </a:rPr>
+              <a:t>DESeq2, </a:t>
             </a:r>
             <a:r>
               <a:rPr lang="en-US" sz="600" spc="30" dirty="0">
@@ -3637,7 +3758,18 @@
                 <a:ea typeface="Geneva" panose="020B0503030404040204" pitchFamily="34" charset="0"/>
                 <a:cs typeface="Verdana" panose="020B0604030504040204" pitchFamily="34" charset="0"/>
               </a:rPr>
-              <a:t>DESeq2, edgeR, limma, SingleCellExperiment, Seurat, </a:t>
+              <a:t>Seurat, </a:t>
+            </a:r>
+            <a:r>
+              <a:rPr lang="en-GB" sz="600" spc="30" dirty="0" err="1">
+                <a:solidFill>
+                  <a:srgbClr val="5F6060"/>
+                </a:solidFill>
+                <a:latin typeface="Geneva" panose="020B0503030404040204" pitchFamily="34" charset="0"/>
+                <a:ea typeface="Geneva" panose="020B0503030404040204" pitchFamily="34" charset="0"/>
+                <a:cs typeface="Verdana" panose="020B0604030504040204" pitchFamily="34" charset="0"/>
+              </a:rPr>
+              <a:t>SingleR</a:t>
             </a:r>
             <a:r>
               <a:rPr lang="en-GB" sz="600" spc="30" dirty="0">
@@ -3648,7 +3780,7 @@
                 <a:ea typeface="Geneva" panose="020B0503030404040204" pitchFamily="34" charset="0"/>
                 <a:cs typeface="Verdana" panose="020B0604030504040204" pitchFamily="34" charset="0"/>
               </a:rPr>
-              <a:t>SingleR, RNAfold</a:t>
+              <a:t>, transcription factor motif enrichment analysis (homer)</a:t>
             </a:r>
           </a:p>
           <a:p>
@@ -3669,7 +3801,7 @@
                 <a:ea typeface="Geneva" panose="020B0503030404040204" pitchFamily="34" charset="0"/>
                 <a:cs typeface="Verdana" panose="020B0604030504040204" pitchFamily="34" charset="0"/>
               </a:rPr>
-              <a:t>Proteomics &amp; protein structure: </a:t>
+              <a:t>Proteomics: </a:t>
             </a:r>
             <a:r>
               <a:rPr lang="en-GB" sz="600" spc="30" dirty="0">
@@ -3680,7 +3812,7 @@
                 <a:ea typeface="Geneva" panose="020B0503030404040204" pitchFamily="34" charset="0"/>
                 <a:cs typeface="Verdana" panose="020B0604030504040204" pitchFamily="34" charset="0"/>
               </a:rPr>
-              <a:t>ProteoWizard, Spectra, MaxQuant, Tandem, SEQUEST, Percolator, PeptideShaker, Msnbase, Cardinal, PyMOL</a:t>
+              <a:t>ProteoWizard, Spectra, MaxQuant, Tandem, SEQUEST, Percolator, PeptideShaker, Msnbase, Cardinal</a:t>
             </a:r>
           </a:p>
           <a:p>
@@ -3701,6 +3833,60 @@
                 <a:ea typeface="Geneva" panose="020B0503030404040204" pitchFamily="34" charset="0"/>
                 <a:cs typeface="Verdana" panose="020B0604030504040204" pitchFamily="34" charset="0"/>
               </a:rPr>
+              <a:t>Computational structural biology: </a:t>
+            </a:r>
+            <a:r>
+              <a:rPr lang="en-GB" sz="600" spc="30" dirty="0">
+                <a:solidFill>
+                  <a:srgbClr val="5F6060"/>
+                </a:solidFill>
+                <a:latin typeface="Geneva" panose="020B0503030404040204" pitchFamily="34" charset="0"/>
+                <a:ea typeface="Geneva" panose="020B0503030404040204" pitchFamily="34" charset="0"/>
+                <a:cs typeface="Verdana" panose="020B0604030504040204" pitchFamily="34" charset="0"/>
+              </a:rPr>
+              <a:t>Protein tertiary structure modelling (PyMOL), RNA secondary structure modelling (</a:t>
+            </a:r>
+            <a:r>
+              <a:rPr lang="en-GB" sz="600" spc="30" dirty="0" err="1">
+                <a:solidFill>
+                  <a:srgbClr val="5F6060"/>
+                </a:solidFill>
+                <a:latin typeface="Geneva" panose="020B0503030404040204" pitchFamily="34" charset="0"/>
+                <a:ea typeface="Geneva" panose="020B0503030404040204" pitchFamily="34" charset="0"/>
+                <a:cs typeface="Verdana" panose="020B0604030504040204" pitchFamily="34" charset="0"/>
+              </a:rPr>
+              <a:t>RNAfold</a:t>
+            </a:r>
+            <a:r>
+              <a:rPr lang="en-GB" sz="600" spc="30" dirty="0">
+                <a:solidFill>
+                  <a:srgbClr val="5F6060"/>
+                </a:solidFill>
+                <a:latin typeface="Geneva" panose="020B0503030404040204" pitchFamily="34" charset="0"/>
+                <a:ea typeface="Geneva" panose="020B0503030404040204" pitchFamily="34" charset="0"/>
+                <a:cs typeface="Verdana" panose="020B0604030504040204" pitchFamily="34" charset="0"/>
+              </a:rPr>
+              <a:t>)</a:t>
+            </a:r>
+          </a:p>
+          <a:p>
+            <a:pPr>
+              <a:spcBef>
+                <a:spcPts val="300"/>
+              </a:spcBef>
+              <a:spcAft>
+                <a:spcPts val="100"/>
+              </a:spcAft>
+            </a:pPr>
+            <a:r>
+              <a:rPr lang="en-GB" sz="600" b="1" spc="30" dirty="0">
+                <a:solidFill>
+                  <a:srgbClr val="5F6060"/>
+                </a:solidFill>
+                <a:latin typeface="Geneva" panose="020B0503030404040204" pitchFamily="34" charset="0"/>
+                <a:ea typeface="Geneva" panose="020B0503030404040204" pitchFamily="34" charset="0"/>
+                <a:cs typeface="Verdana" panose="020B0604030504040204" pitchFamily="34" charset="0"/>
+              </a:rPr>
               <a:t>Culturing of</a:t>
             </a:r>
             <a:r>
@@ -3999,8 +4185,27 @@
                 <a:ea typeface="Geneva" panose="020B0503030404040204" pitchFamily="34" charset="0"/>
                 <a:cs typeface="Verdana" panose="020B0604030504040204" pitchFamily="34" charset="0"/>
               </a:rPr>
-              <a:t>Analysis of time-series data (ML &amp; non-ML methods) </a:t>
-            </a:r>
+              <a:t>Analysis of </a:t>
+            </a:r>
+            <a:r>
+              <a:rPr lang="en-GB" sz="600" spc="30">
+                <a:solidFill>
+                  <a:srgbClr val="5F6060"/>
+                </a:solidFill>
+                <a:latin typeface="Geneva" panose="020B0503030404040204" pitchFamily="34" charset="0"/>
+                <a:ea typeface="Geneva" panose="020B0503030404040204" pitchFamily="34" charset="0"/>
+                <a:cs typeface="Verdana" panose="020B0604030504040204" pitchFamily="34" charset="0"/>
+              </a:rPr>
+              <a:t>time-series data </a:t>
+            </a:r>
+            <a:endParaRPr lang="en-GB" sz="600" spc="30" dirty="0">
+              <a:solidFill>
+                <a:srgbClr val="5F6060"/>
+              </a:solidFill>
+              <a:latin typeface="Geneva" panose="020B0503030404040204" pitchFamily="34" charset="0"/>
+              <a:ea typeface="Geneva" panose="020B0503030404040204" pitchFamily="34" charset="0"/>
+              <a:cs typeface="Verdana" panose="020B0604030504040204" pitchFamily="34" charset="0"/>
+            </a:endParaRPr>
           </a:p>
           <a:p>
             <a:pPr marL="144000">
@@ -5166,7 +5371,7 @@
         </p:nvCxnSpPr>
         <p:spPr>
           <a:xfrm>
-            <a:off x="539494" y="3645804"/>
+            <a:off x="539494" y="3787877"/>
             <a:ext cx="5760720" cy="0"/>
           </a:xfrm>
           <a:prstGeom prst="line">
@@ -5211,7 +5416,7 @@
         </p:nvCxnSpPr>
         <p:spPr>
           <a:xfrm>
-            <a:off x="539494" y="7486088"/>
+            <a:off x="539494" y="7630528"/>
             <a:ext cx="5760720" cy="0"/>
           </a:xfrm>
           <a:prstGeom prst="line">
@@ -5256,7 +5461,7 @@
         </p:nvCxnSpPr>
         <p:spPr>
           <a:xfrm>
-            <a:off x="548635" y="8439967"/>
+            <a:off x="548635" y="8584409"/>
             <a:ext cx="5760720" cy="0"/>
           </a:xfrm>
           <a:prstGeom prst="line">

--- a/public/resume.pptx
+++ b/public/resume.pptx
@@ -474,6 +474,208 @@
     </a:lvl9pPr>
   </p:notesStyle>
 </p:notesMaster>
+</file>
+
+<file path=ppt/notesSlides/notesSlide1.xml><?xml version="1.0" encoding="utf-8"?>
+<p:notes xmlns:a="http://schemas.openxmlformats.org/drawingml/2006/main" xmlns:r="http://schemas.openxmlformats.org/officeDocument/2006/relationships" xmlns:p="http://schemas.openxmlformats.org/presentationml/2006/main">
+  <p:cSld>
+    <p:spTree>
+      <p:nvGrpSpPr>
+        <p:cNvPr id="1" name=""/>
+        <p:cNvGrpSpPr/>
+        <p:nvPr/>
+      </p:nvGrpSpPr>
+      <p:grpSpPr>
+        <a:xfrm>
+          <a:off x="0" y="0"/>
+          <a:ext cx="0" cy="0"/>
+          <a:chOff x="0" y="0"/>
+          <a:chExt cx="0" cy="0"/>
+        </a:xfrm>
+      </p:grpSpPr>
+      <p:sp>
+        <p:nvSpPr>
+          <p:cNvPr id="2" name="Slide Image Placeholder 1"/>
+          <p:cNvSpPr>
+            <a:spLocks noGrp="1" noRot="1" noChangeAspect="1"/>
+          </p:cNvSpPr>
+          <p:nvPr>
+            <p:ph type="sldImg"/>
+          </p:nvPr>
+        </p:nvSpPr>
+        <p:spPr/>
+      </p:sp>
+      <p:sp>
+        <p:nvSpPr>
+          <p:cNvPr id="3" name="Notes Placeholder 2"/>
+          <p:cNvSpPr>
+            <a:spLocks noGrp="1"/>
+          </p:cNvSpPr>
+          <p:nvPr>
+            <p:ph type="body" idx="1"/>
+          </p:nvPr>
+        </p:nvSpPr>
+        <p:spPr/>
+        <p:txBody>
+          <a:bodyPr/>
+          <a:lstStyle/>
+          <a:p>
+            <a:pPr marL="0" marR="0" lvl="0" indent="0" algn="l" defTabSz="914400" rtl="0" eaLnBrk="1" fontAlgn="auto" latinLnBrk="0" hangingPunct="1">
+              <a:lnSpc>
+                <a:spcPct val="100000"/>
+              </a:lnSpc>
+              <a:spcBef>
+                <a:spcPts val="0"/>
+              </a:spcBef>
+              <a:spcAft>
+                <a:spcPts val="0"/>
+              </a:spcAft>
+              <a:buClrTx/>
+              <a:buSzTx/>
+              <a:buFontTx/>
+              <a:buNone/>
+              <a:tabLst/>
+              <a:defRPr/>
+            </a:pPr>
+            <a:r>
+              <a:rPr lang="en-GB" sz="800" b="1" spc="30" dirty="0">
+                <a:solidFill>
+                  <a:srgbClr val="5F6060"/>
+                </a:solidFill>
+                <a:latin typeface="Geneva" panose="020B0503030404040204" pitchFamily="34" charset="0"/>
+                <a:ea typeface="Geneva" panose="020B0503030404040204" pitchFamily="34" charset="0"/>
+                <a:cs typeface="Verdana" panose="020B0604030504040204" pitchFamily="34" charset="0"/>
+              </a:rPr>
+              <a:t>Proteomics: </a:t>
+            </a:r>
+            <a:r>
+              <a:rPr lang="en-GB" sz="800" spc="30" dirty="0" err="1">
+                <a:solidFill>
+                  <a:srgbClr val="5F6060"/>
+                </a:solidFill>
+                <a:latin typeface="Geneva" panose="020B0503030404040204" pitchFamily="34" charset="0"/>
+                <a:ea typeface="Geneva" panose="020B0503030404040204" pitchFamily="34" charset="0"/>
+                <a:cs typeface="Verdana" panose="020B0604030504040204" pitchFamily="34" charset="0"/>
+              </a:rPr>
+              <a:t>ProteoWizard</a:t>
+            </a:r>
+            <a:r>
+              <a:rPr lang="en-GB" sz="800" spc="30" dirty="0">
+                <a:solidFill>
+                  <a:srgbClr val="5F6060"/>
+                </a:solidFill>
+                <a:latin typeface="Geneva" panose="020B0503030404040204" pitchFamily="34" charset="0"/>
+                <a:ea typeface="Geneva" panose="020B0503030404040204" pitchFamily="34" charset="0"/>
+                <a:cs typeface="Verdana" panose="020B0604030504040204" pitchFamily="34" charset="0"/>
+              </a:rPr>
+              <a:t>, Spectra, </a:t>
+            </a:r>
+            <a:r>
+              <a:rPr lang="en-GB" sz="800" spc="30" dirty="0" err="1">
+                <a:solidFill>
+                  <a:srgbClr val="5F6060"/>
+                </a:solidFill>
+                <a:latin typeface="Geneva" panose="020B0503030404040204" pitchFamily="34" charset="0"/>
+                <a:ea typeface="Geneva" panose="020B0503030404040204" pitchFamily="34" charset="0"/>
+                <a:cs typeface="Verdana" panose="020B0604030504040204" pitchFamily="34" charset="0"/>
+              </a:rPr>
+              <a:t>MaxQuant</a:t>
+            </a:r>
+            <a:r>
+              <a:rPr lang="en-GB" sz="800" spc="30" dirty="0">
+                <a:solidFill>
+                  <a:srgbClr val="5F6060"/>
+                </a:solidFill>
+                <a:latin typeface="Geneva" panose="020B0503030404040204" pitchFamily="34" charset="0"/>
+                <a:ea typeface="Geneva" panose="020B0503030404040204" pitchFamily="34" charset="0"/>
+                <a:cs typeface="Verdana" panose="020B0604030504040204" pitchFamily="34" charset="0"/>
+              </a:rPr>
+              <a:t>, Tandem, SEQUEST, Percolator, </a:t>
+            </a:r>
+            <a:r>
+              <a:rPr lang="en-GB" sz="800" spc="30" dirty="0" err="1">
+                <a:solidFill>
+                  <a:srgbClr val="5F6060"/>
+                </a:solidFill>
+                <a:latin typeface="Geneva" panose="020B0503030404040204" pitchFamily="34" charset="0"/>
+                <a:ea typeface="Geneva" panose="020B0503030404040204" pitchFamily="34" charset="0"/>
+                <a:cs typeface="Verdana" panose="020B0604030504040204" pitchFamily="34" charset="0"/>
+              </a:rPr>
+              <a:t>PeptideShaker</a:t>
+            </a:r>
+            <a:r>
+              <a:rPr lang="en-GB" sz="800" spc="30" dirty="0">
+                <a:solidFill>
+                  <a:srgbClr val="5F6060"/>
+                </a:solidFill>
+                <a:latin typeface="Geneva" panose="020B0503030404040204" pitchFamily="34" charset="0"/>
+                <a:ea typeface="Geneva" panose="020B0503030404040204" pitchFamily="34" charset="0"/>
+                <a:cs typeface="Verdana" panose="020B0604030504040204" pitchFamily="34" charset="0"/>
+              </a:rPr>
+              <a:t>, </a:t>
+            </a:r>
+            <a:r>
+              <a:rPr lang="en-GB" sz="800" spc="30" dirty="0" err="1">
+                <a:solidFill>
+                  <a:srgbClr val="5F6060"/>
+                </a:solidFill>
+                <a:latin typeface="Geneva" panose="020B0503030404040204" pitchFamily="34" charset="0"/>
+                <a:ea typeface="Geneva" panose="020B0503030404040204" pitchFamily="34" charset="0"/>
+                <a:cs typeface="Verdana" panose="020B0604030504040204" pitchFamily="34" charset="0"/>
+              </a:rPr>
+              <a:t>Msnbase</a:t>
+            </a:r>
+            <a:r>
+              <a:rPr lang="en-GB" sz="800" spc="30" dirty="0">
+                <a:solidFill>
+                  <a:srgbClr val="5F6060"/>
+                </a:solidFill>
+                <a:latin typeface="Geneva" panose="020B0503030404040204" pitchFamily="34" charset="0"/>
+                <a:ea typeface="Geneva" panose="020B0503030404040204" pitchFamily="34" charset="0"/>
+                <a:cs typeface="Verdana" panose="020B0604030504040204" pitchFamily="34" charset="0"/>
+              </a:rPr>
+              <a:t>, Cardinal</a:t>
+            </a:r>
+          </a:p>
+          <a:p>
+            <a:endParaRPr lang="en-US" dirty="0"/>
+          </a:p>
+        </p:txBody>
+      </p:sp>
+      <p:sp>
+        <p:nvSpPr>
+          <p:cNvPr id="4" name="Slide Number Placeholder 3"/>
+          <p:cNvSpPr>
+            <a:spLocks noGrp="1"/>
+          </p:cNvSpPr>
+          <p:nvPr>
+            <p:ph type="sldNum" sz="quarter" idx="5"/>
+          </p:nvPr>
+        </p:nvSpPr>
+        <p:spPr/>
+        <p:txBody>
+          <a:bodyPr/>
+          <a:lstStyle/>
+          <a:p>
+            <a:fld id="{B28D88CC-001E-9649-B8C7-59E766CAF7BF}" type="slidenum">
+              <a:rPr lang="en-US" smtClean="0"/>
+              <a:t>1</a:t>
+            </a:fld>
+            <a:endParaRPr lang="en-US"/>
+          </a:p>
+        </p:txBody>
+      </p:sp>
+    </p:spTree>
+    <p:extLst>
+      <p:ext uri="{BB962C8B-B14F-4D97-AF65-F5344CB8AC3E}">
+        <p14:creationId xmlns:p14="http://schemas.microsoft.com/office/powerpoint/2010/main" val="885081377"/>
+      </p:ext>
+    </p:extLst>
+  </p:cSld>
+  <p:clrMapOvr>
+    <a:masterClrMapping/>
+  </p:clrMapOvr>
+</p:notes>
 </file>
 
 <file path=ppt/slideLayouts/slideLayout1.xml><?xml version="1.0" encoding="utf-8"?>
@@ -3801,7 +4003,7 @@
                 <a:ea typeface="Geneva" panose="020B0503030404040204" pitchFamily="34" charset="0"/>
                 <a:cs typeface="Verdana" panose="020B0604030504040204" pitchFamily="34" charset="0"/>
               </a:rPr>
-              <a:t>Proteomics: </a:t>
+              <a:t>Computational structural biology: </a:t>
             </a:r>
             <a:r>
               <a:rPr lang="en-GB" sz="600" spc="30" dirty="0">
@@ -3812,7 +4014,29 @@
                 <a:ea typeface="Geneva" panose="020B0503030404040204" pitchFamily="34" charset="0"/>
                 <a:cs typeface="Verdana" panose="020B0604030504040204" pitchFamily="34" charset="0"/>
               </a:rPr>
-              <a:t>ProteoWizard, Spectra, MaxQuant, Tandem, SEQUEST, Percolator, PeptideShaker, Msnbase, Cardinal</a:t>
+              <a:t>Protein tertiary structure modelling (PyMOL), RNA secondary structure modelling (</a:t>
+            </a:r>
+            <a:r>
+              <a:rPr lang="en-GB" sz="600" spc="30" dirty="0" err="1">
+                <a:solidFill>
+                  <a:srgbClr val="5F6060"/>
+                </a:solidFill>
+                <a:latin typeface="Geneva" panose="020B0503030404040204" pitchFamily="34" charset="0"/>
+                <a:ea typeface="Geneva" panose="020B0503030404040204" pitchFamily="34" charset="0"/>
+                <a:cs typeface="Verdana" panose="020B0604030504040204" pitchFamily="34" charset="0"/>
+              </a:rPr>
+              <a:t>RNAfold</a:t>
+            </a:r>
+            <a:r>
+              <a:rPr lang="en-GB" sz="600" spc="30" dirty="0">
+                <a:solidFill>
+                  <a:srgbClr val="5F6060"/>
+                </a:solidFill>
+                <a:latin typeface="Geneva" panose="020B0503030404040204" pitchFamily="34" charset="0"/>
+                <a:ea typeface="Geneva" panose="020B0503030404040204" pitchFamily="34" charset="0"/>
+                <a:cs typeface="Verdana" panose="020B0604030504040204" pitchFamily="34" charset="0"/>
+              </a:rPr>
+              <a:t>)</a:t>
             </a:r>
           </a:p>
           <a:p>
@@ -3833,7 +4057,7 @@
                 <a:ea typeface="Geneva" panose="020B0503030404040204" pitchFamily="34" charset="0"/>
                 <a:cs typeface="Verdana" panose="020B0604030504040204" pitchFamily="34" charset="0"/>
               </a:rPr>
-              <a:t>Computational structural biology: </a:t>
+              <a:t>Culturing of</a:t>
             </a:r>
             <a:r>
               <a:rPr lang="en-GB" sz="600" spc="30" dirty="0">
@@ -3844,18 +4068,28 @@
                 <a:ea typeface="Geneva" panose="020B0503030404040204" pitchFamily="34" charset="0"/>
                 <a:cs typeface="Verdana" panose="020B0604030504040204" pitchFamily="34" charset="0"/>
               </a:rPr>
-              <a:t>Protein tertiary structure modelling (PyMOL), RNA secondary structure modelling (</a:t>
-            </a:r>
-            <a:r>
-              <a:rPr lang="en-GB" sz="600" spc="30" dirty="0" err="1">
-                <a:solidFill>
-                  <a:srgbClr val="5F6060"/>
-                </a:solidFill>
-                <a:latin typeface="Geneva" panose="020B0503030404040204" pitchFamily="34" charset="0"/>
-                <a:ea typeface="Geneva" panose="020B0503030404040204" pitchFamily="34" charset="0"/>
-                <a:cs typeface="Verdana" panose="020B0604030504040204" pitchFamily="34" charset="0"/>
-              </a:rPr>
-              <a:t>RNAfold</a:t>
+              <a:t> vascular smooth muscle &amp; endothelial cells, embryonic stem cells, HeLa, HEK293T, human vein tissue</a:t>
+            </a:r>
+          </a:p>
+          <a:p>
+            <a:pPr>
+              <a:spcBef>
+                <a:spcPts val="300"/>
+              </a:spcBef>
+              <a:spcAft>
+                <a:spcPts val="300"/>
+              </a:spcAft>
+            </a:pPr>
+            <a:r>
+              <a:rPr lang="en-GB" sz="600" b="1" spc="30" dirty="0">
+                <a:solidFill>
+                  <a:srgbClr val="5F6060"/>
+                </a:solidFill>
+                <a:latin typeface="Geneva" panose="020B0503030404040204" pitchFamily="34" charset="0"/>
+                <a:ea typeface="Geneva" panose="020B0503030404040204" pitchFamily="34" charset="0"/>
+                <a:cs typeface="Verdana" panose="020B0604030504040204" pitchFamily="34" charset="0"/>
+              </a:rPr>
+              <a:t>Wet lab: </a:t>
             </a:r>
             <a:r>
               <a:rPr lang="en-GB" sz="600" spc="30" dirty="0">
@@ -3866,8 +4100,45 @@
                 <a:ea typeface="Geneva" panose="020B0503030404040204" pitchFamily="34" charset="0"/>
                 <a:cs typeface="Verdana" panose="020B0604030504040204" pitchFamily="34" charset="0"/>
               </a:rPr>
-              <a:t>)</a:t>
-            </a:r>
+              <a:t>RNA extraction, RT-qPCR, immuno-histochemistry/fluorescence, western blot, X-gal staining, FACS, transfections</a:t>
+            </a:r>
+            <a:endParaRPr lang="en-US" sz="600" b="1" spc="30" dirty="0">
+              <a:solidFill>
+                <a:srgbClr val="5F6060"/>
+              </a:solidFill>
+              <a:latin typeface="Geneva" panose="020B0503030404040204" pitchFamily="34" charset="0"/>
+              <a:ea typeface="Geneva" panose="020B0503030404040204" pitchFamily="34" charset="0"/>
+              <a:cs typeface="Verdana" panose="020B0604030504040204" pitchFamily="34" charset="0"/>
+            </a:endParaRPr>
+          </a:p>
+          <a:p>
+            <a:pPr algn="ctr">
+              <a:spcBef>
+                <a:spcPts val="1800"/>
+              </a:spcBef>
+              <a:spcAft>
+                <a:spcPts val="1200"/>
+              </a:spcAft>
+            </a:pPr>
+            <a:r>
+              <a:rPr lang="en-US" sz="700" b="1" spc="100" dirty="0">
+                <a:solidFill>
+                  <a:srgbClr val="5F6060"/>
+                </a:solidFill>
+                <a:latin typeface="Geneva" panose="020B0503030404040204" pitchFamily="34" charset="0"/>
+                <a:ea typeface="Geneva" panose="020B0503030404040204" pitchFamily="34" charset="0"/>
+                <a:cs typeface="Verdana" panose="020B0604030504040204" pitchFamily="34" charset="0"/>
+              </a:rPr>
+              <a:t>EXPERIENCE</a:t>
+            </a:r>
+            <a:endParaRPr lang="en-US" sz="600" b="1" spc="100" dirty="0">
+              <a:solidFill>
+                <a:srgbClr val="5F6060"/>
+              </a:solidFill>
+              <a:latin typeface="Geneva" panose="020B0503030404040204" pitchFamily="34" charset="0"/>
+              <a:ea typeface="Geneva" panose="020B0503030404040204" pitchFamily="34" charset="0"/>
+              <a:cs typeface="Verdana" panose="020B0604030504040204" pitchFamily="34" charset="0"/>
+            </a:endParaRPr>
           </a:p>
           <a:p>
             <a:pPr>
@@ -3879,107 +4150,6 @@
               </a:spcAft>
             </a:pPr>
             <a:r>
-              <a:rPr lang="en-GB" sz="600" b="1" spc="30" dirty="0">
-                <a:solidFill>
-                  <a:srgbClr val="5F6060"/>
-                </a:solidFill>
-                <a:latin typeface="Geneva" panose="020B0503030404040204" pitchFamily="34" charset="0"/>
-                <a:ea typeface="Geneva" panose="020B0503030404040204" pitchFamily="34" charset="0"/>
-                <a:cs typeface="Verdana" panose="020B0604030504040204" pitchFamily="34" charset="0"/>
-              </a:rPr>
-              <a:t>Culturing of</a:t>
-            </a:r>
-            <a:r>
-              <a:rPr lang="en-GB" sz="600" spc="30" dirty="0">
-                <a:solidFill>
-                  <a:srgbClr val="5F6060"/>
-                </a:solidFill>
-                <a:latin typeface="Geneva" panose="020B0503030404040204" pitchFamily="34" charset="0"/>
-                <a:ea typeface="Geneva" panose="020B0503030404040204" pitchFamily="34" charset="0"/>
-                <a:cs typeface="Verdana" panose="020B0604030504040204" pitchFamily="34" charset="0"/>
-              </a:rPr>
-              <a:t> vascular smooth muscle &amp; endothelial cells, embryonic stem cells, HeLa, HEK293T, human vein tissue</a:t>
-            </a:r>
-          </a:p>
-          <a:p>
-            <a:pPr>
-              <a:spcBef>
-                <a:spcPts val="300"/>
-              </a:spcBef>
-              <a:spcAft>
-                <a:spcPts val="300"/>
-              </a:spcAft>
-            </a:pPr>
-            <a:r>
-              <a:rPr lang="en-GB" sz="600" b="1" spc="30" dirty="0">
-                <a:solidFill>
-                  <a:srgbClr val="5F6060"/>
-                </a:solidFill>
-                <a:latin typeface="Geneva" panose="020B0503030404040204" pitchFamily="34" charset="0"/>
-                <a:ea typeface="Geneva" panose="020B0503030404040204" pitchFamily="34" charset="0"/>
-                <a:cs typeface="Verdana" panose="020B0604030504040204" pitchFamily="34" charset="0"/>
-              </a:rPr>
-              <a:t>Wet lab: </a:t>
-            </a:r>
-            <a:r>
-              <a:rPr lang="en-GB" sz="600" spc="30" dirty="0">
-                <a:solidFill>
-                  <a:srgbClr val="5F6060"/>
-                </a:solidFill>
-                <a:latin typeface="Geneva" panose="020B0503030404040204" pitchFamily="34" charset="0"/>
-                <a:ea typeface="Geneva" panose="020B0503030404040204" pitchFamily="34" charset="0"/>
-                <a:cs typeface="Verdana" panose="020B0604030504040204" pitchFamily="34" charset="0"/>
-              </a:rPr>
-              <a:t>RNA extraction, RT-qPCR, immuno-histochemistry/fluorescence, western blot, X-gal staining, FACS, transfections</a:t>
-            </a:r>
-            <a:endParaRPr lang="en-US" sz="600" b="1" spc="30" dirty="0">
-              <a:solidFill>
-                <a:srgbClr val="5F6060"/>
-              </a:solidFill>
-              <a:latin typeface="Geneva" panose="020B0503030404040204" pitchFamily="34" charset="0"/>
-              <a:ea typeface="Geneva" panose="020B0503030404040204" pitchFamily="34" charset="0"/>
-              <a:cs typeface="Verdana" panose="020B0604030504040204" pitchFamily="34" charset="0"/>
-            </a:endParaRPr>
-          </a:p>
-          <a:p>
-            <a:pPr algn="ctr">
-              <a:spcBef>
-                <a:spcPts val="1800"/>
-              </a:spcBef>
-              <a:spcAft>
-                <a:spcPts val="1200"/>
-              </a:spcAft>
-            </a:pPr>
-            <a:r>
-              <a:rPr lang="en-US" sz="700" b="1" spc="100" dirty="0">
-                <a:solidFill>
-                  <a:srgbClr val="5F6060"/>
-                </a:solidFill>
-                <a:latin typeface="Geneva" panose="020B0503030404040204" pitchFamily="34" charset="0"/>
-                <a:ea typeface="Geneva" panose="020B0503030404040204" pitchFamily="34" charset="0"/>
-                <a:cs typeface="Verdana" panose="020B0604030504040204" pitchFamily="34" charset="0"/>
-              </a:rPr>
-              <a:t>EXPERIENCE</a:t>
-            </a:r>
-            <a:endParaRPr lang="en-US" sz="600" b="1" spc="100" dirty="0">
-              <a:solidFill>
-                <a:srgbClr val="5F6060"/>
-              </a:solidFill>
-              <a:latin typeface="Geneva" panose="020B0503030404040204" pitchFamily="34" charset="0"/>
-              <a:ea typeface="Geneva" panose="020B0503030404040204" pitchFamily="34" charset="0"/>
-              <a:cs typeface="Verdana" panose="020B0604030504040204" pitchFamily="34" charset="0"/>
-            </a:endParaRPr>
-          </a:p>
-          <a:p>
-            <a:pPr>
-              <a:spcBef>
-                <a:spcPts val="300"/>
-              </a:spcBef>
-              <a:spcAft>
-                <a:spcPts val="100"/>
-              </a:spcAft>
-            </a:pPr>
-            <a:r>
               <a:rPr lang="en-US" sz="600" b="1" spc="30" dirty="0">
                 <a:solidFill>
                   <a:srgbClr val="5F6060"/>
@@ -4185,27 +4355,8 @@
                 <a:ea typeface="Geneva" panose="020B0503030404040204" pitchFamily="34" charset="0"/>
                 <a:cs typeface="Verdana" panose="020B0604030504040204" pitchFamily="34" charset="0"/>
               </a:rPr>
-              <a:t>Analysis of </a:t>
-            </a:r>
-            <a:r>
-              <a:rPr lang="en-GB" sz="600" spc="30">
-                <a:solidFill>
-                  <a:srgbClr val="5F6060"/>
-                </a:solidFill>
-                <a:latin typeface="Geneva" panose="020B0503030404040204" pitchFamily="34" charset="0"/>
-                <a:ea typeface="Geneva" panose="020B0503030404040204" pitchFamily="34" charset="0"/>
-                <a:cs typeface="Verdana" panose="020B0604030504040204" pitchFamily="34" charset="0"/>
-              </a:rPr>
-              <a:t>time-series data </a:t>
-            </a:r>
-            <a:endParaRPr lang="en-GB" sz="600" spc="30" dirty="0">
-              <a:solidFill>
-                <a:srgbClr val="5F6060"/>
-              </a:solidFill>
-              <a:latin typeface="Geneva" panose="020B0503030404040204" pitchFamily="34" charset="0"/>
-              <a:ea typeface="Geneva" panose="020B0503030404040204" pitchFamily="34" charset="0"/>
-              <a:cs typeface="Verdana" panose="020B0604030504040204" pitchFamily="34" charset="0"/>
-            </a:endParaRPr>
+              <a:t>Analysis of time-series data </a:t>
+            </a:r>
           </a:p>
           <a:p>
             <a:pPr marL="144000">
@@ -5371,7 +5522,7 @@
         </p:nvCxnSpPr>
         <p:spPr>
           <a:xfrm>
-            <a:off x="539494" y="3787877"/>
+            <a:off x="539494" y="3639954"/>
             <a:ext cx="5760720" cy="0"/>
           </a:xfrm>
           <a:prstGeom prst="line">
@@ -5416,7 +5567,7 @@
         </p:nvCxnSpPr>
         <p:spPr>
           <a:xfrm>
-            <a:off x="539494" y="7630528"/>
+            <a:off x="539494" y="7482603"/>
             <a:ext cx="5760720" cy="0"/>
           </a:xfrm>
           <a:prstGeom prst="line">
@@ -5461,7 +5612,7 @@
         </p:nvCxnSpPr>
         <p:spPr>
           <a:xfrm>
-            <a:off x="548635" y="8584409"/>
+            <a:off x="548635" y="8443213"/>
             <a:ext cx="5760720" cy="0"/>
           </a:xfrm>
           <a:prstGeom prst="line">

--- a/public/resume.pptx
+++ b/public/resume.pptx
@@ -5029,7 +5029,18 @@
                 <a:ea typeface="Geneva" panose="020B0503030404040204" pitchFamily="34" charset="0"/>
                 <a:cs typeface="Verdana" panose="020B0604030504040204" pitchFamily="34" charset="0"/>
               </a:rPr>
-              <a:t>“Functional screening identifies novel miRNAs inhibiting Vascular Smooth Muscle Cell proliferation” </a:t>
+              <a:t>Functional screening identifies novel miRNAs inhibiting Vascular Smooth Muscle </a:t>
+            </a:r>
+            <a:r>
+              <a:rPr lang="en-GB" sz="600" b="1" spc="30">
+                <a:solidFill>
+                  <a:srgbClr val="5F6060"/>
+                </a:solidFill>
+                <a:latin typeface="Geneva" panose="020B0503030404040204" pitchFamily="34" charset="0"/>
+                <a:ea typeface="Geneva" panose="020B0503030404040204" pitchFamily="34" charset="0"/>
+                <a:cs typeface="Verdana" panose="020B0604030504040204" pitchFamily="34" charset="0"/>
+              </a:rPr>
+              <a:t>Cell proliferation </a:t>
             </a:r>
             <a:r>
               <a:rPr lang="en-GB" sz="600" spc="30" dirty="0">
@@ -5080,7 +5091,7 @@
                 <a:ea typeface="Geneva" panose="020B0503030404040204" pitchFamily="34" charset="0"/>
                 <a:cs typeface="Verdana" panose="020B0604030504040204" pitchFamily="34" charset="0"/>
               </a:rPr>
-              <a:t>“Vascular smooth cell function and dysfunction controlled by non-coding RNA” </a:t>
+              <a:t>Vascular smooth cell function and dysfunction controlled by non-coding RNA </a:t>
             </a:r>
             <a:r>
               <a:rPr lang="en-GB" sz="600" spc="30" dirty="0">
@@ -5131,7 +5142,7 @@
                 <a:ea typeface="Geneva" panose="020B0503030404040204" pitchFamily="34" charset="0"/>
                 <a:cs typeface="Verdana" panose="020B0604030504040204" pitchFamily="34" charset="0"/>
               </a:rPr>
-              <a:t>"Extracellular vesicles from a human embryonic stem cell-derived endothelial cell product induce angiogenesis with high efficiency at very low input and contain miRNAs with novel proangiogenic function”</a:t>
+              <a:t>Extracellular vesicles from a human embryonic stem cell-derived endothelial cell product induce angiogenesis with high efficiency at very low input and contain miRNAs with novel proangiogenic function</a:t>
             </a:r>
             <a:r>
               <a:rPr lang="en-GB" sz="600" spc="30" dirty="0">
@@ -5177,7 +5188,7 @@
               </a:spcAft>
             </a:pPr>
             <a:r>
-              <a:rPr lang="en-GB" sz="600" i="1" spc="30" dirty="0">
+              <a:rPr lang="en-GB" sz="600" spc="30" dirty="0">
                 <a:solidFill>
                   <a:srgbClr val="5F6060"/>
                 </a:solidFill>

--- a/public/resume.pptx
+++ b/public/resume.pptx
@@ -208,7 +208,7 @@
           <a:p>
             <a:fld id="{46F0D23E-2BF3-2647-800D-9C446CFC92E7}" type="datetimeFigureOut">
               <a:rPr lang="en-US" smtClean="0"/>
-              <a:t>10/16/23</a:t>
+              <a:t>10/18/23</a:t>
             </a:fld>
             <a:endParaRPr lang="en-US"/>
           </a:p>
@@ -809,7 +809,7 @@
           <a:p>
             <a:fld id="{0C0FD1C1-C5B8-2D48-B2BF-F14BF3E5678C}" type="datetimeFigureOut">
               <a:rPr lang="en-US" smtClean="0"/>
-              <a:t>10/16/23</a:t>
+              <a:t>10/18/23</a:t>
             </a:fld>
             <a:endParaRPr lang="en-US"/>
           </a:p>
@@ -979,7 +979,7 @@
           <a:p>
             <a:fld id="{0C0FD1C1-C5B8-2D48-B2BF-F14BF3E5678C}" type="datetimeFigureOut">
               <a:rPr lang="en-US" smtClean="0"/>
-              <a:t>10/16/23</a:t>
+              <a:t>10/18/23</a:t>
             </a:fld>
             <a:endParaRPr lang="en-US"/>
           </a:p>
@@ -1159,7 +1159,7 @@
           <a:p>
             <a:fld id="{0C0FD1C1-C5B8-2D48-B2BF-F14BF3E5678C}" type="datetimeFigureOut">
               <a:rPr lang="en-US" smtClean="0"/>
-              <a:t>10/16/23</a:t>
+              <a:t>10/18/23</a:t>
             </a:fld>
             <a:endParaRPr lang="en-US"/>
           </a:p>
@@ -1329,7 +1329,7 @@
           <a:p>
             <a:fld id="{0C0FD1C1-C5B8-2D48-B2BF-F14BF3E5678C}" type="datetimeFigureOut">
               <a:rPr lang="en-US" smtClean="0"/>
-              <a:t>10/16/23</a:t>
+              <a:t>10/18/23</a:t>
             </a:fld>
             <a:endParaRPr lang="en-US"/>
           </a:p>
@@ -1573,7 +1573,7 @@
           <a:p>
             <a:fld id="{0C0FD1C1-C5B8-2D48-B2BF-F14BF3E5678C}" type="datetimeFigureOut">
               <a:rPr lang="en-US" smtClean="0"/>
-              <a:t>10/16/23</a:t>
+              <a:t>10/18/23</a:t>
             </a:fld>
             <a:endParaRPr lang="en-US"/>
           </a:p>
@@ -1805,7 +1805,7 @@
           <a:p>
             <a:fld id="{0C0FD1C1-C5B8-2D48-B2BF-F14BF3E5678C}" type="datetimeFigureOut">
               <a:rPr lang="en-US" smtClean="0"/>
-              <a:t>10/16/23</a:t>
+              <a:t>10/18/23</a:t>
             </a:fld>
             <a:endParaRPr lang="en-US"/>
           </a:p>
@@ -2172,7 +2172,7 @@
           <a:p>
             <a:fld id="{0C0FD1C1-C5B8-2D48-B2BF-F14BF3E5678C}" type="datetimeFigureOut">
               <a:rPr lang="en-US" smtClean="0"/>
-              <a:t>10/16/23</a:t>
+              <a:t>10/18/23</a:t>
             </a:fld>
             <a:endParaRPr lang="en-US"/>
           </a:p>
@@ -2290,7 +2290,7 @@
           <a:p>
             <a:fld id="{0C0FD1C1-C5B8-2D48-B2BF-F14BF3E5678C}" type="datetimeFigureOut">
               <a:rPr lang="en-US" smtClean="0"/>
-              <a:t>10/16/23</a:t>
+              <a:t>10/18/23</a:t>
             </a:fld>
             <a:endParaRPr lang="en-US"/>
           </a:p>
@@ -2385,7 +2385,7 @@
           <a:p>
             <a:fld id="{0C0FD1C1-C5B8-2D48-B2BF-F14BF3E5678C}" type="datetimeFigureOut">
               <a:rPr lang="en-US" smtClean="0"/>
-              <a:t>10/16/23</a:t>
+              <a:t>10/18/23</a:t>
             </a:fld>
             <a:endParaRPr lang="en-US"/>
           </a:p>
@@ -2662,7 +2662,7 @@
           <a:p>
             <a:fld id="{0C0FD1C1-C5B8-2D48-B2BF-F14BF3E5678C}" type="datetimeFigureOut">
               <a:rPr lang="en-US" smtClean="0"/>
-              <a:t>10/16/23</a:t>
+              <a:t>10/18/23</a:t>
             </a:fld>
             <a:endParaRPr lang="en-US"/>
           </a:p>
@@ -2919,7 +2919,7 @@
           <a:p>
             <a:fld id="{0C0FD1C1-C5B8-2D48-B2BF-F14BF3E5678C}" type="datetimeFigureOut">
               <a:rPr lang="en-US" smtClean="0"/>
-              <a:t>10/16/23</a:t>
+              <a:t>10/18/23</a:t>
             </a:fld>
             <a:endParaRPr lang="en-US"/>
           </a:p>
@@ -3135,7 +3135,7 @@
           <a:p>
             <a:fld id="{0C0FD1C1-C5B8-2D48-B2BF-F14BF3E5678C}" type="datetimeFigureOut">
               <a:rPr lang="en-US" smtClean="0"/>
-              <a:t>10/16/23</a:t>
+              <a:t>10/18/23</a:t>
             </a:fld>
             <a:endParaRPr lang="en-US"/>
           </a:p>
@@ -3589,7 +3589,7 @@
             <a:r>
               <a:rPr lang="en-US" sz="2800" spc="600" dirty="0">
                 <a:solidFill>
-                  <a:srgbClr val="5F6060"/>
+                  <a:srgbClr val="4F5050"/>
                 </a:solidFill>
                 <a:latin typeface="Geneva" panose="020B0503030404040204" pitchFamily="34" charset="0"/>
                 <a:ea typeface="Geneva" panose="020B0503030404040204" pitchFamily="34" charset="0"/>
@@ -3614,8 +3614,8 @@
         </p:nvSpPr>
         <p:spPr>
           <a:xfrm>
-            <a:off x="461557" y="1945245"/>
-            <a:ext cx="5996393" cy="7684161"/>
+            <a:off x="332152" y="1937294"/>
+            <a:ext cx="6193685" cy="7684161"/>
           </a:xfrm>
           <a:prstGeom prst="rect">
             <a:avLst/>
@@ -3656,7 +3656,7 @@
             <a:r>
               <a:rPr lang="en-US" sz="700" b="1" spc="100" dirty="0">
                 <a:solidFill>
-                  <a:srgbClr val="5F6060"/>
+                  <a:srgbClr val="4F5050"/>
                 </a:solidFill>
                 <a:latin typeface="Geneva" panose="020B0503030404040204" pitchFamily="34" charset="0"/>
                 <a:ea typeface="Geneva" panose="020B0503030404040204" pitchFamily="34" charset="0"/>
@@ -3666,7 +3666,7 @@
             </a:r>
             <a:endParaRPr lang="en-US" sz="600" b="1" spc="100" dirty="0">
               <a:solidFill>
-                <a:srgbClr val="5F6060"/>
+                <a:srgbClr val="4F5050"/>
               </a:solidFill>
               <a:latin typeface="Geneva" panose="020B0503030404040204" pitchFamily="34" charset="0"/>
               <a:ea typeface="Geneva" panose="020B0503030404040204" pitchFamily="34" charset="0"/>
@@ -3685,7 +3685,7 @@
             <a:r>
               <a:rPr lang="en-US" sz="600" b="1" spc="30" dirty="0">
                 <a:solidFill>
-                  <a:srgbClr val="5F6060"/>
+                  <a:srgbClr val="4F5050"/>
                 </a:solidFill>
                 <a:latin typeface="Geneva" panose="020B0503030404040204" pitchFamily="34" charset="0"/>
                 <a:ea typeface="Geneva" panose="020B0503030404040204" pitchFamily="34" charset="0"/>
@@ -3696,7 +3696,7 @@
             <a:r>
               <a:rPr lang="en-US" sz="600" spc="30" dirty="0">
                 <a:solidFill>
-                  <a:srgbClr val="5F6060"/>
+                  <a:srgbClr val="4F5050"/>
                 </a:solidFill>
                 <a:latin typeface="Geneva" panose="020B0503030404040204" pitchFamily="34" charset="0"/>
                 <a:ea typeface="Geneva" panose="020B0503030404040204" pitchFamily="34" charset="0"/>
@@ -3707,7 +3707,7 @@
             <a:r>
               <a:rPr lang="en-GB" sz="600" spc="30" dirty="0">
                 <a:solidFill>
-                  <a:srgbClr val="5F6060"/>
+                  <a:srgbClr val="4F5050"/>
                 </a:solidFill>
                 <a:latin typeface="Geneva" panose="020B0503030404040204" pitchFamily="34" charset="0"/>
                 <a:ea typeface="Geneva" panose="020B0503030404040204" pitchFamily="34" charset="0"/>
@@ -3718,7 +3718,7 @@
             <a:r>
               <a:rPr lang="en-US" sz="600" spc="30" dirty="0">
                 <a:solidFill>
-                  <a:srgbClr val="5F6060"/>
+                  <a:srgbClr val="4F5050"/>
                 </a:solidFill>
                 <a:latin typeface="Geneva" panose="020B0503030404040204" pitchFamily="34" charset="0"/>
                 <a:ea typeface="Geneva" panose="020B0503030404040204" pitchFamily="34" charset="0"/>
@@ -3739,79 +3739,57 @@
             <a:r>
               <a:rPr lang="en-US" sz="600" b="1" spc="30" dirty="0">
                 <a:solidFill>
-                  <a:srgbClr val="5F6060"/>
-                </a:solidFill>
-                <a:latin typeface="Geneva" panose="020B0503030404040204" pitchFamily="34" charset="0"/>
-                <a:ea typeface="Geneva" panose="020B0503030404040204" pitchFamily="34" charset="0"/>
-                <a:cs typeface="Verdana" panose="020B0604030504040204" pitchFamily="34" charset="0"/>
-              </a:rPr>
-              <a:t>Raw sequencing analysis: </a:t>
+                  <a:srgbClr val="4F5050"/>
+                </a:solidFill>
+                <a:latin typeface="Geneva" panose="020B0503030404040204" pitchFamily="34" charset="0"/>
+                <a:ea typeface="Geneva" panose="020B0503030404040204" pitchFamily="34" charset="0"/>
+                <a:cs typeface="Verdana" panose="020B0604030504040204" pitchFamily="34" charset="0"/>
+              </a:rPr>
+              <a:t>Raw sequencing pre-processing: </a:t>
             </a:r>
             <a:r>
               <a:rPr lang="en-US" sz="600" spc="30" dirty="0">
                 <a:solidFill>
-                  <a:srgbClr val="5F6060"/>
-                </a:solidFill>
-                <a:latin typeface="Geneva" panose="020B0503030404040204" pitchFamily="34" charset="0"/>
-                <a:ea typeface="Geneva" panose="020B0503030404040204" pitchFamily="34" charset="0"/>
-                <a:cs typeface="Verdana" panose="020B0604030504040204" pitchFamily="34" charset="0"/>
-              </a:rPr>
-              <a:t>WGS/WGBS &amp; </a:t>
+                  <a:srgbClr val="4F5050"/>
+                </a:solidFill>
+                <a:latin typeface="Geneva" panose="020B0503030404040204" pitchFamily="34" charset="0"/>
+                <a:ea typeface="Geneva" panose="020B0503030404040204" pitchFamily="34" charset="0"/>
+                <a:cs typeface="Verdana" panose="020B0604030504040204" pitchFamily="34" charset="0"/>
+              </a:rPr>
+              <a:t>WGS/WGBS, </a:t>
+            </a:r>
+            <a:r>
+              <a:rPr lang="en-US" sz="600" spc="30" dirty="0" err="1">
+                <a:solidFill>
+                  <a:srgbClr val="4F5050"/>
+                </a:solidFill>
+                <a:latin typeface="Geneva" panose="020B0503030404040204" pitchFamily="34" charset="0"/>
+                <a:ea typeface="Geneva" panose="020B0503030404040204" pitchFamily="34" charset="0"/>
+                <a:cs typeface="Verdana" panose="020B0604030504040204" pitchFamily="34" charset="0"/>
+              </a:rPr>
+              <a:t>ChIP</a:t>
+            </a:r>
+            <a:r>
+              <a:rPr lang="en-US" sz="600" spc="30" dirty="0">
+                <a:solidFill>
+                  <a:srgbClr val="4F5050"/>
+                </a:solidFill>
+                <a:latin typeface="Geneva" panose="020B0503030404040204" pitchFamily="34" charset="0"/>
+                <a:ea typeface="Geneva" panose="020B0503030404040204" pitchFamily="34" charset="0"/>
+                <a:cs typeface="Verdana" panose="020B0604030504040204" pitchFamily="34" charset="0"/>
+              </a:rPr>
+              <a:t>-seq, ATAC-seq, </a:t>
             </a:r>
             <a:r>
               <a:rPr lang="en-GB" sz="600" spc="30" dirty="0">
                 <a:solidFill>
-                  <a:srgbClr val="5F6060"/>
-                </a:solidFill>
-                <a:latin typeface="Geneva" panose="020B0503030404040204" pitchFamily="34" charset="0"/>
-                <a:ea typeface="Geneva" panose="020B0503030404040204" pitchFamily="34" charset="0"/>
-                <a:cs typeface="Verdana" panose="020B0604030504040204" pitchFamily="34" charset="0"/>
-              </a:rPr>
-              <a:t>bulk/small/single cell RNA </a:t>
-            </a:r>
-            <a:r>
-              <a:rPr lang="en-GB" sz="600" spc="30" dirty="0" err="1">
-                <a:solidFill>
-                  <a:srgbClr val="5F6060"/>
-                </a:solidFill>
-                <a:latin typeface="Geneva" panose="020B0503030404040204" pitchFamily="34" charset="0"/>
-                <a:ea typeface="Geneva" panose="020B0503030404040204" pitchFamily="34" charset="0"/>
-                <a:cs typeface="Verdana" panose="020B0604030504040204" pitchFamily="34" charset="0"/>
-              </a:rPr>
-              <a:t>seq</a:t>
-            </a:r>
-            <a:r>
-              <a:rPr lang="en-GB" sz="600" spc="30" dirty="0">
-                <a:solidFill>
-                  <a:srgbClr val="5F6060"/>
-                </a:solidFill>
-                <a:latin typeface="Geneva" panose="020B0503030404040204" pitchFamily="34" charset="0"/>
-                <a:ea typeface="Geneva" panose="020B0503030404040204" pitchFamily="34" charset="0"/>
-                <a:cs typeface="Verdana" panose="020B0604030504040204" pitchFamily="34" charset="0"/>
-              </a:rPr>
-              <a:t> analysis (fastQC, STAR, Cell Ranger, TrimGalore, </a:t>
-            </a:r>
-            <a:r>
-              <a:rPr lang="en-GB" sz="600" spc="30" dirty="0" err="1">
-                <a:solidFill>
-                  <a:srgbClr val="5F6060"/>
-                </a:solidFill>
-                <a:latin typeface="Geneva" panose="020B0503030404040204" pitchFamily="34" charset="0"/>
-                <a:ea typeface="Geneva" panose="020B0503030404040204" pitchFamily="34" charset="0"/>
-                <a:cs typeface="Verdana" panose="020B0604030504040204" pitchFamily="34" charset="0"/>
-              </a:rPr>
-              <a:t>Bismark</a:t>
-            </a:r>
-            <a:r>
-              <a:rPr lang="en-GB" sz="600" spc="30" dirty="0">
-                <a:solidFill>
-                  <a:srgbClr val="5F6060"/>
-                </a:solidFill>
-                <a:latin typeface="Geneva" panose="020B0503030404040204" pitchFamily="34" charset="0"/>
-                <a:ea typeface="Geneva" panose="020B0503030404040204" pitchFamily="34" charset="0"/>
-                <a:cs typeface="Verdana" panose="020B0604030504040204" pitchFamily="34" charset="0"/>
-              </a:rPr>
-              <a:t>)</a:t>
+                  <a:srgbClr val="4F5050"/>
+                </a:solidFill>
+                <a:latin typeface="Geneva" panose="020B0503030404040204" pitchFamily="34" charset="0"/>
+                <a:ea typeface="Geneva" panose="020B0503030404040204" pitchFamily="34" charset="0"/>
+                <a:cs typeface="Verdana" panose="020B0604030504040204" pitchFamily="34" charset="0"/>
+              </a:rPr>
+              <a:t>bulk/small/single cell RNAseq analysis</a:t>
             </a:r>
           </a:p>
           <a:p>
@@ -3826,29 +3804,29 @@
             <a:r>
               <a:rPr lang="en-GB" sz="600" b="1" spc="30" dirty="0">
                 <a:solidFill>
-                  <a:srgbClr val="5F6060"/>
-                </a:solidFill>
-                <a:latin typeface="Geneva" panose="020B0503030404040204" pitchFamily="34" charset="0"/>
-                <a:ea typeface="Geneva" panose="020B0503030404040204" pitchFamily="34" charset="0"/>
-                <a:cs typeface="Verdana" panose="020B0604030504040204" pitchFamily="34" charset="0"/>
-              </a:rPr>
-              <a:t>Genomics &amp; epigenomics: </a:t>
+                  <a:srgbClr val="4F5050"/>
+                </a:solidFill>
+                <a:latin typeface="Geneva" panose="020B0503030404040204" pitchFamily="34" charset="0"/>
+                <a:ea typeface="Geneva" panose="020B0503030404040204" pitchFamily="34" charset="0"/>
+                <a:cs typeface="Verdana" panose="020B0604030504040204" pitchFamily="34" charset="0"/>
+              </a:rPr>
+              <a:t>Genomics: </a:t>
             </a:r>
             <a:r>
               <a:rPr lang="en-GB" sz="600" spc="30" dirty="0">
                 <a:solidFill>
-                  <a:srgbClr val="5F6060"/>
-                </a:solidFill>
-                <a:latin typeface="Geneva" panose="020B0503030404040204" pitchFamily="34" charset="0"/>
-                <a:ea typeface="Geneva" panose="020B0503030404040204" pitchFamily="34" charset="0"/>
-                <a:cs typeface="Verdana" panose="020B0604030504040204" pitchFamily="34" charset="0"/>
-              </a:rPr>
-              <a:t>Genetic analysis (VCF/plink, GWAS/</a:t>
+                  <a:srgbClr val="4F5050"/>
+                </a:solidFill>
+                <a:latin typeface="Geneva" panose="020B0503030404040204" pitchFamily="34" charset="0"/>
+                <a:ea typeface="Geneva" panose="020B0503030404040204" pitchFamily="34" charset="0"/>
+                <a:cs typeface="Verdana" panose="020B0604030504040204" pitchFamily="34" charset="0"/>
+              </a:rPr>
+              <a:t>Variant calling (SNPs/indels &amp; structural variants), GWAS/</a:t>
             </a:r>
             <a:r>
               <a:rPr lang="en-GB" sz="600" spc="30" dirty="0" err="1">
                 <a:solidFill>
-                  <a:srgbClr val="5F6060"/>
+                  <a:srgbClr val="4F5050"/>
                 </a:solidFill>
                 <a:latin typeface="Geneva" panose="020B0503030404040204" pitchFamily="34" charset="0"/>
                 <a:ea typeface="Geneva" panose="020B0503030404040204" pitchFamily="34" charset="0"/>
@@ -3859,66 +3837,14 @@
             <a:r>
               <a:rPr lang="en-GB" sz="600" spc="30" dirty="0">
                 <a:solidFill>
-                  <a:srgbClr val="5F6060"/>
-                </a:solidFill>
-                <a:latin typeface="Geneva" panose="020B0503030404040204" pitchFamily="34" charset="0"/>
-                <a:ea typeface="Geneva" panose="020B0503030404040204" pitchFamily="34" charset="0"/>
-                <a:cs typeface="Verdana" panose="020B0604030504040204" pitchFamily="34" charset="0"/>
-              </a:rPr>
-              <a:t>), differential methylation analysis (</a:t>
-            </a:r>
-            <a:r>
-              <a:rPr lang="en-GB" sz="600" spc="30" dirty="0" err="1">
-                <a:solidFill>
-                  <a:srgbClr val="5F6060"/>
-                </a:solidFill>
-                <a:latin typeface="Geneva" panose="020B0503030404040204" pitchFamily="34" charset="0"/>
-                <a:ea typeface="Geneva" panose="020B0503030404040204" pitchFamily="34" charset="0"/>
-                <a:cs typeface="Verdana" panose="020B0604030504040204" pitchFamily="34" charset="0"/>
-              </a:rPr>
-              <a:t>Metilene</a:t>
-            </a:r>
-            <a:r>
-              <a:rPr lang="en-GB" sz="600" spc="30" dirty="0">
-                <a:solidFill>
-                  <a:srgbClr val="5F6060"/>
-                </a:solidFill>
-                <a:latin typeface="Geneva" panose="020B0503030404040204" pitchFamily="34" charset="0"/>
-                <a:ea typeface="Geneva" panose="020B0503030404040204" pitchFamily="34" charset="0"/>
-                <a:cs typeface="Verdana" panose="020B0604030504040204" pitchFamily="34" charset="0"/>
-              </a:rPr>
-              <a:t>), </a:t>
-            </a:r>
-            <a:r>
-              <a:rPr lang="en-GB" sz="600" spc="30" dirty="0" err="1">
-                <a:solidFill>
-                  <a:srgbClr val="5F6060"/>
-                </a:solidFill>
-                <a:latin typeface="Geneva" panose="020B0503030404040204" pitchFamily="34" charset="0"/>
-                <a:ea typeface="Geneva" panose="020B0503030404040204" pitchFamily="34" charset="0"/>
-                <a:cs typeface="Verdana" panose="020B0604030504040204" pitchFamily="34" charset="0"/>
-              </a:rPr>
-              <a:t>ChIP-seq</a:t>
-            </a:r>
-            <a:r>
-              <a:rPr lang="en-GB" sz="600" spc="30" dirty="0">
-                <a:solidFill>
-                  <a:srgbClr val="5F6060"/>
-                </a:solidFill>
-                <a:latin typeface="Geneva" panose="020B0503030404040204" pitchFamily="34" charset="0"/>
-                <a:ea typeface="Geneva" panose="020B0503030404040204" pitchFamily="34" charset="0"/>
-                <a:cs typeface="Verdana" panose="020B0604030504040204" pitchFamily="34" charset="0"/>
-              </a:rPr>
-              <a:t> analysis (MACS2)</a:t>
-            </a:r>
-            <a:endParaRPr lang="en-US" sz="600" spc="30" dirty="0">
-              <a:solidFill>
-                <a:srgbClr val="5F6060"/>
-              </a:solidFill>
-              <a:latin typeface="Geneva" panose="020B0503030404040204" pitchFamily="34" charset="0"/>
-              <a:ea typeface="Geneva" panose="020B0503030404040204" pitchFamily="34" charset="0"/>
-              <a:cs typeface="Verdana" panose="020B0604030504040204" pitchFamily="34" charset="0"/>
-            </a:endParaRPr>
+                  <a:srgbClr val="4F5050"/>
+                </a:solidFill>
+                <a:latin typeface="Geneva" panose="020B0503030404040204" pitchFamily="34" charset="0"/>
+                <a:ea typeface="Geneva" panose="020B0503030404040204" pitchFamily="34" charset="0"/>
+                <a:cs typeface="Verdana" panose="020B0604030504040204" pitchFamily="34" charset="0"/>
+              </a:rPr>
+              <a:t> analyses</a:t>
+            </a:r>
           </a:p>
           <a:p>
             <a:pPr>
@@ -3932,57 +3858,68 @@
             <a:r>
               <a:rPr lang="en-GB" sz="600" b="1" spc="30" dirty="0">
                 <a:solidFill>
-                  <a:srgbClr val="5F6060"/>
-                </a:solidFill>
-                <a:latin typeface="Geneva" panose="020B0503030404040204" pitchFamily="34" charset="0"/>
-                <a:ea typeface="Geneva" panose="020B0503030404040204" pitchFamily="34" charset="0"/>
-                <a:cs typeface="Verdana" panose="020B0604030504040204" pitchFamily="34" charset="0"/>
-              </a:rPr>
-              <a:t>Transcriptomics: </a:t>
+                  <a:srgbClr val="4F5050"/>
+                </a:solidFill>
+                <a:latin typeface="Geneva" panose="020B0503030404040204" pitchFamily="34" charset="0"/>
+                <a:ea typeface="Geneva" panose="020B0503030404040204" pitchFamily="34" charset="0"/>
+                <a:cs typeface="Verdana" panose="020B0604030504040204" pitchFamily="34" charset="0"/>
+              </a:rPr>
+              <a:t>Epigenomics: </a:t>
             </a:r>
             <a:r>
               <a:rPr lang="en-GB" sz="600" spc="30" dirty="0">
                 <a:solidFill>
-                  <a:srgbClr val="5F6060"/>
-                </a:solidFill>
-                <a:latin typeface="Geneva" panose="020B0503030404040204" pitchFamily="34" charset="0"/>
-                <a:ea typeface="Geneva" panose="020B0503030404040204" pitchFamily="34" charset="0"/>
-                <a:cs typeface="Verdana" panose="020B0604030504040204" pitchFamily="34" charset="0"/>
-              </a:rPr>
-              <a:t>DESeq2, </a:t>
-            </a:r>
-            <a:r>
-              <a:rPr lang="en-US" sz="600" spc="30" dirty="0">
-                <a:solidFill>
-                  <a:srgbClr val="5F6060"/>
-                </a:solidFill>
-                <a:latin typeface="Geneva" panose="020B0503030404040204" pitchFamily="34" charset="0"/>
-                <a:ea typeface="Geneva" panose="020B0503030404040204" pitchFamily="34" charset="0"/>
-                <a:cs typeface="Verdana" panose="020B0604030504040204" pitchFamily="34" charset="0"/>
-              </a:rPr>
-              <a:t>Seurat, </a:t>
+                  <a:srgbClr val="4F5050"/>
+                </a:solidFill>
+                <a:latin typeface="Geneva" panose="020B0503030404040204" pitchFamily="34" charset="0"/>
+                <a:ea typeface="Geneva" panose="020B0503030404040204" pitchFamily="34" charset="0"/>
+                <a:cs typeface="Verdana" panose="020B0604030504040204" pitchFamily="34" charset="0"/>
+              </a:rPr>
+              <a:t>Differentially methyl. region analysis, </a:t>
             </a:r>
             <a:r>
               <a:rPr lang="en-GB" sz="600" spc="30" dirty="0" err="1">
                 <a:solidFill>
-                  <a:srgbClr val="5F6060"/>
-                </a:solidFill>
-                <a:latin typeface="Geneva" panose="020B0503030404040204" pitchFamily="34" charset="0"/>
-                <a:ea typeface="Geneva" panose="020B0503030404040204" pitchFamily="34" charset="0"/>
-                <a:cs typeface="Verdana" panose="020B0604030504040204" pitchFamily="34" charset="0"/>
-              </a:rPr>
-              <a:t>SingleR</a:t>
+                  <a:srgbClr val="4F5050"/>
+                </a:solidFill>
+                <a:latin typeface="Geneva" panose="020B0503030404040204" pitchFamily="34" charset="0"/>
+                <a:ea typeface="Geneva" panose="020B0503030404040204" pitchFamily="34" charset="0"/>
+                <a:cs typeface="Verdana" panose="020B0604030504040204" pitchFamily="34" charset="0"/>
+              </a:rPr>
+              <a:t>ChIP</a:t>
             </a:r>
             <a:r>
               <a:rPr lang="en-GB" sz="600" spc="30" dirty="0">
                 <a:solidFill>
-                  <a:srgbClr val="5F6060"/>
-                </a:solidFill>
-                <a:latin typeface="Geneva" panose="020B0503030404040204" pitchFamily="34" charset="0"/>
-                <a:ea typeface="Geneva" panose="020B0503030404040204" pitchFamily="34" charset="0"/>
-                <a:cs typeface="Verdana" panose="020B0604030504040204" pitchFamily="34" charset="0"/>
-              </a:rPr>
-              <a:t>, transcription factor motif enrichment analysis (homer)</a:t>
+                  <a:srgbClr val="4F5050"/>
+                </a:solidFill>
+                <a:latin typeface="Geneva" panose="020B0503030404040204" pitchFamily="34" charset="0"/>
+                <a:ea typeface="Geneva" panose="020B0503030404040204" pitchFamily="34" charset="0"/>
+                <a:cs typeface="Verdana" panose="020B0604030504040204" pitchFamily="34" charset="0"/>
+              </a:rPr>
+              <a:t>- &amp; ATAC-</a:t>
+            </a:r>
+            <a:r>
+              <a:rPr lang="en-GB" sz="600" spc="30" dirty="0" err="1">
+                <a:solidFill>
+                  <a:srgbClr val="4F5050"/>
+                </a:solidFill>
+                <a:latin typeface="Geneva" panose="020B0503030404040204" pitchFamily="34" charset="0"/>
+                <a:ea typeface="Geneva" panose="020B0503030404040204" pitchFamily="34" charset="0"/>
+                <a:cs typeface="Verdana" panose="020B0604030504040204" pitchFamily="34" charset="0"/>
+              </a:rPr>
+              <a:t>seq</a:t>
+            </a:r>
+            <a:r>
+              <a:rPr lang="en-GB" sz="600" spc="30" dirty="0">
+                <a:solidFill>
+                  <a:srgbClr val="4F5050"/>
+                </a:solidFill>
+                <a:latin typeface="Geneva" panose="020B0503030404040204" pitchFamily="34" charset="0"/>
+                <a:ea typeface="Geneva" panose="020B0503030404040204" pitchFamily="34" charset="0"/>
+                <a:cs typeface="Verdana" panose="020B0604030504040204" pitchFamily="34" charset="0"/>
+              </a:rPr>
+              <a:t> peak calling &amp; downstream analysis, HOMER-based TF analyses</a:t>
             </a:r>
           </a:p>
           <a:p>
@@ -3997,46 +3934,24 @@
             <a:r>
               <a:rPr lang="en-GB" sz="600" b="1" spc="30" dirty="0">
                 <a:solidFill>
-                  <a:srgbClr val="5F6060"/>
-                </a:solidFill>
-                <a:latin typeface="Geneva" panose="020B0503030404040204" pitchFamily="34" charset="0"/>
-                <a:ea typeface="Geneva" panose="020B0503030404040204" pitchFamily="34" charset="0"/>
-                <a:cs typeface="Verdana" panose="020B0604030504040204" pitchFamily="34" charset="0"/>
-              </a:rPr>
-              <a:t>Computational structural biology: </a:t>
+                  <a:srgbClr val="4F5050"/>
+                </a:solidFill>
+                <a:latin typeface="Geneva" panose="020B0503030404040204" pitchFamily="34" charset="0"/>
+                <a:ea typeface="Geneva" panose="020B0503030404040204" pitchFamily="34" charset="0"/>
+                <a:cs typeface="Verdana" panose="020B0604030504040204" pitchFamily="34" charset="0"/>
+              </a:rPr>
+              <a:t>Transcriptomics: </a:t>
             </a:r>
             <a:r>
               <a:rPr lang="en-GB" sz="600" spc="30" dirty="0">
                 <a:solidFill>
-                  <a:srgbClr val="5F6060"/>
-                </a:solidFill>
-                <a:latin typeface="Geneva" panose="020B0503030404040204" pitchFamily="34" charset="0"/>
-                <a:ea typeface="Geneva" panose="020B0503030404040204" pitchFamily="34" charset="0"/>
-                <a:cs typeface="Verdana" panose="020B0604030504040204" pitchFamily="34" charset="0"/>
-              </a:rPr>
-              <a:t>Protein tertiary structure modelling (PyMOL), RNA secondary structure modelling (</a:t>
-            </a:r>
-            <a:r>
-              <a:rPr lang="en-GB" sz="600" spc="30" dirty="0" err="1">
-                <a:solidFill>
-                  <a:srgbClr val="5F6060"/>
-                </a:solidFill>
-                <a:latin typeface="Geneva" panose="020B0503030404040204" pitchFamily="34" charset="0"/>
-                <a:ea typeface="Geneva" panose="020B0503030404040204" pitchFamily="34" charset="0"/>
-                <a:cs typeface="Verdana" panose="020B0604030504040204" pitchFamily="34" charset="0"/>
-              </a:rPr>
-              <a:t>RNAfold</a:t>
-            </a:r>
-            <a:r>
-              <a:rPr lang="en-GB" sz="600" spc="30" dirty="0">
-                <a:solidFill>
-                  <a:srgbClr val="5F6060"/>
-                </a:solidFill>
-                <a:latin typeface="Geneva" panose="020B0503030404040204" pitchFamily="34" charset="0"/>
-                <a:ea typeface="Geneva" panose="020B0503030404040204" pitchFamily="34" charset="0"/>
-                <a:cs typeface="Verdana" panose="020B0604030504040204" pitchFamily="34" charset="0"/>
-              </a:rPr>
-              <a:t>)</a:t>
+                  <a:srgbClr val="4F5050"/>
+                </a:solidFill>
+                <a:latin typeface="Geneva" panose="020B0503030404040204" pitchFamily="34" charset="0"/>
+                <a:ea typeface="Geneva" panose="020B0503030404040204" pitchFamily="34" charset="0"/>
+                <a:cs typeface="Verdana" panose="020B0604030504040204" pitchFamily="34" charset="0"/>
+              </a:rPr>
+              <a:t>Differential expression analysis, single cell RNAseq clustering/marker identification/integration, gene set enrichment analyses</a:t>
             </a:r>
           </a:p>
           <a:p>
@@ -4051,7 +3966,61 @@
             <a:r>
               <a:rPr lang="en-GB" sz="600" b="1" spc="30" dirty="0">
                 <a:solidFill>
-                  <a:srgbClr val="5F6060"/>
+                  <a:srgbClr val="4F5050"/>
+                </a:solidFill>
+                <a:latin typeface="Geneva" panose="020B0503030404040204" pitchFamily="34" charset="0"/>
+                <a:ea typeface="Geneva" panose="020B0503030404040204" pitchFamily="34" charset="0"/>
+                <a:cs typeface="Verdana" panose="020B0604030504040204" pitchFamily="34" charset="0"/>
+              </a:rPr>
+              <a:t>Computational structural biology: </a:t>
+            </a:r>
+            <a:r>
+              <a:rPr lang="en-GB" sz="600" spc="30" dirty="0">
+                <a:solidFill>
+                  <a:srgbClr val="4F5050"/>
+                </a:solidFill>
+                <a:latin typeface="Geneva" panose="020B0503030404040204" pitchFamily="34" charset="0"/>
+                <a:ea typeface="Geneva" panose="020B0503030404040204" pitchFamily="34" charset="0"/>
+                <a:cs typeface="Verdana" panose="020B0604030504040204" pitchFamily="34" charset="0"/>
+              </a:rPr>
+              <a:t>Protein tertiary structure modelling (PyMOL), RNA secondary structure modelling (</a:t>
+            </a:r>
+            <a:r>
+              <a:rPr lang="en-GB" sz="600" spc="30" dirty="0" err="1">
+                <a:solidFill>
+                  <a:srgbClr val="4F5050"/>
+                </a:solidFill>
+                <a:latin typeface="Geneva" panose="020B0503030404040204" pitchFamily="34" charset="0"/>
+                <a:ea typeface="Geneva" panose="020B0503030404040204" pitchFamily="34" charset="0"/>
+                <a:cs typeface="Verdana" panose="020B0604030504040204" pitchFamily="34" charset="0"/>
+              </a:rPr>
+              <a:t>RNAfold</a:t>
+            </a:r>
+            <a:r>
+              <a:rPr lang="en-GB" sz="600" spc="30" dirty="0">
+                <a:solidFill>
+                  <a:srgbClr val="4F5050"/>
+                </a:solidFill>
+                <a:latin typeface="Geneva" panose="020B0503030404040204" pitchFamily="34" charset="0"/>
+                <a:ea typeface="Geneva" panose="020B0503030404040204" pitchFamily="34" charset="0"/>
+                <a:cs typeface="Verdana" panose="020B0604030504040204" pitchFamily="34" charset="0"/>
+              </a:rPr>
+              <a:t>)</a:t>
+            </a:r>
+          </a:p>
+          <a:p>
+            <a:pPr>
+              <a:spcBef>
+                <a:spcPts val="300"/>
+              </a:spcBef>
+              <a:spcAft>
+                <a:spcPts val="100"/>
+              </a:spcAft>
+            </a:pPr>
+            <a:r>
+              <a:rPr lang="en-GB" sz="600" b="1" spc="30" dirty="0">
+                <a:solidFill>
+                  <a:srgbClr val="4F5050"/>
                 </a:solidFill>
                 <a:latin typeface="Geneva" panose="020B0503030404040204" pitchFamily="34" charset="0"/>
                 <a:ea typeface="Geneva" panose="020B0503030404040204" pitchFamily="34" charset="0"/>
@@ -4062,7 +4031,7 @@
             <a:r>
               <a:rPr lang="en-GB" sz="600" spc="30" dirty="0">
                 <a:solidFill>
-                  <a:srgbClr val="5F6060"/>
+                  <a:srgbClr val="4F5050"/>
                 </a:solidFill>
                 <a:latin typeface="Geneva" panose="020B0503030404040204" pitchFamily="34" charset="0"/>
                 <a:ea typeface="Geneva" panose="020B0503030404040204" pitchFamily="34" charset="0"/>
@@ -4083,7 +4052,7 @@
             <a:r>
               <a:rPr lang="en-GB" sz="600" b="1" spc="30" dirty="0">
                 <a:solidFill>
-                  <a:srgbClr val="5F6060"/>
+                  <a:srgbClr val="4F5050"/>
                 </a:solidFill>
                 <a:latin typeface="Geneva" panose="020B0503030404040204" pitchFamily="34" charset="0"/>
                 <a:ea typeface="Geneva" panose="020B0503030404040204" pitchFamily="34" charset="0"/>
@@ -4094,17 +4063,28 @@
             <a:r>
               <a:rPr lang="en-GB" sz="600" spc="30" dirty="0">
                 <a:solidFill>
-                  <a:srgbClr val="5F6060"/>
-                </a:solidFill>
-                <a:latin typeface="Geneva" panose="020B0503030404040204" pitchFamily="34" charset="0"/>
-                <a:ea typeface="Geneva" panose="020B0503030404040204" pitchFamily="34" charset="0"/>
-                <a:cs typeface="Verdana" panose="020B0604030504040204" pitchFamily="34" charset="0"/>
-              </a:rPr>
-              <a:t>RNA extraction, RT-qPCR, immuno-histochemistry/fluorescence, western blot, X-gal staining, FACS, transfections</a:t>
+                  <a:srgbClr val="4F5050"/>
+                </a:solidFill>
+                <a:latin typeface="Geneva" panose="020B0503030404040204" pitchFamily="34" charset="0"/>
+                <a:ea typeface="Geneva" panose="020B0503030404040204" pitchFamily="34" charset="0"/>
+                <a:cs typeface="Verdana" panose="020B0604030504040204" pitchFamily="34" charset="0"/>
+              </a:rPr>
+              <a:t>RNA extraction, RT-qPCR, immuno-histochemistry/fluorescence, western blot, X-gal staining, FACS, transfections, </a:t>
+            </a:r>
+            <a:r>
+              <a:rPr lang="en-GB" sz="600" spc="30">
+                <a:solidFill>
+                  <a:srgbClr val="4F5050"/>
+                </a:solidFill>
+                <a:latin typeface="Geneva" panose="020B0503030404040204" pitchFamily="34" charset="0"/>
+                <a:ea typeface="Geneva" panose="020B0503030404040204" pitchFamily="34" charset="0"/>
+                <a:cs typeface="Verdana" panose="020B0604030504040204" pitchFamily="34" charset="0"/>
+              </a:rPr>
+              <a:t>nuceofections</a:t>
             </a:r>
             <a:endParaRPr lang="en-US" sz="600" b="1" spc="30" dirty="0">
               <a:solidFill>
-                <a:srgbClr val="5F6060"/>
+                <a:srgbClr val="4F5050"/>
               </a:solidFill>
               <a:latin typeface="Geneva" panose="020B0503030404040204" pitchFamily="34" charset="0"/>
               <a:ea typeface="Geneva" panose="020B0503030404040204" pitchFamily="34" charset="0"/>
@@ -4123,7 +4103,7 @@
             <a:r>
               <a:rPr lang="en-US" sz="700" b="1" spc="100" dirty="0">
                 <a:solidFill>
-                  <a:srgbClr val="5F6060"/>
+                  <a:srgbClr val="4F5050"/>
                 </a:solidFill>
                 <a:latin typeface="Geneva" panose="020B0503030404040204" pitchFamily="34" charset="0"/>
                 <a:ea typeface="Geneva" panose="020B0503030404040204" pitchFamily="34" charset="0"/>
@@ -4133,7 +4113,7 @@
             </a:r>
             <a:endParaRPr lang="en-US" sz="600" b="1" spc="100" dirty="0">
               <a:solidFill>
-                <a:srgbClr val="5F6060"/>
+                <a:srgbClr val="4F5050"/>
               </a:solidFill>
               <a:latin typeface="Geneva" panose="020B0503030404040204" pitchFamily="34" charset="0"/>
               <a:ea typeface="Geneva" panose="020B0503030404040204" pitchFamily="34" charset="0"/>
@@ -4152,7 +4132,7 @@
             <a:r>
               <a:rPr lang="en-US" sz="600" b="1" spc="30" dirty="0">
                 <a:solidFill>
-                  <a:srgbClr val="5F6060"/>
+                  <a:srgbClr val="4F5050"/>
                 </a:solidFill>
                 <a:latin typeface="Geneva" panose="020B0503030404040204" pitchFamily="34" charset="0"/>
                 <a:ea typeface="Geneva" panose="020B0503030404040204" pitchFamily="34" charset="0"/>
@@ -4163,7 +4143,7 @@
             <a:r>
               <a:rPr lang="en-US" sz="600" spc="30" dirty="0">
                 <a:solidFill>
-                  <a:srgbClr val="5F6060"/>
+                  <a:srgbClr val="4F5050"/>
                 </a:solidFill>
                 <a:latin typeface="Geneva" panose="020B0503030404040204" pitchFamily="34" charset="0"/>
                 <a:ea typeface="Geneva" panose="020B0503030404040204" pitchFamily="34" charset="0"/>
@@ -4184,7 +4164,7 @@
             <a:r>
               <a:rPr lang="en-GB" sz="600" b="1" spc="30" dirty="0">
                 <a:solidFill>
-                  <a:srgbClr val="5F6060"/>
+                  <a:srgbClr val="4F5050"/>
                 </a:solidFill>
                 <a:latin typeface="Geneva" panose="020B0503030404040204" pitchFamily="34" charset="0"/>
                 <a:ea typeface="Geneva" panose="020B0503030404040204" pitchFamily="34" charset="0"/>
@@ -4195,7 +4175,7 @@
             <a:r>
               <a:rPr lang="en-GB" sz="600" spc="30" dirty="0">
                 <a:solidFill>
-                  <a:srgbClr val="5F6060"/>
+                  <a:srgbClr val="4F5050"/>
                 </a:solidFill>
                 <a:latin typeface="Geneva" panose="020B0503030404040204" pitchFamily="34" charset="0"/>
                 <a:ea typeface="Geneva" panose="020B0503030404040204" pitchFamily="34" charset="0"/>
@@ -4215,7 +4195,7 @@
             <a:r>
               <a:rPr lang="en-GB" sz="600" spc="30" dirty="0">
                 <a:solidFill>
-                  <a:srgbClr val="5F6060"/>
+                  <a:srgbClr val="4F5050"/>
                 </a:solidFill>
                 <a:latin typeface="Geneva" panose="020B0503030404040204" pitchFamily="34" charset="0"/>
                 <a:ea typeface="Geneva" panose="020B0503030404040204" pitchFamily="34" charset="0"/>
@@ -4235,35 +4215,13 @@
             <a:r>
               <a:rPr lang="en-GB" sz="600" spc="30" dirty="0">
                 <a:solidFill>
-                  <a:srgbClr val="5F6060"/>
-                </a:solidFill>
-                <a:latin typeface="Geneva" panose="020B0503030404040204" pitchFamily="34" charset="0"/>
-                <a:ea typeface="Geneva" panose="020B0503030404040204" pitchFamily="34" charset="0"/>
-                <a:cs typeface="Verdana" panose="020B0604030504040204" pitchFamily="34" charset="0"/>
-              </a:rPr>
-              <a:t>Evaluated the top candidates as potential therapeutics &amp; studied their mechanism of action (in vitro / ex vivo / </a:t>
-            </a:r>
-            <a:r>
-              <a:rPr lang="en-GB" sz="600" spc="30" dirty="0" err="1">
-                <a:solidFill>
-                  <a:srgbClr val="5F6060"/>
-                </a:solidFill>
-                <a:latin typeface="Geneva" panose="020B0503030404040204" pitchFamily="34" charset="0"/>
-                <a:ea typeface="Geneva" panose="020B0503030404040204" pitchFamily="34" charset="0"/>
-                <a:cs typeface="Verdana" panose="020B0604030504040204" pitchFamily="34" charset="0"/>
-              </a:rPr>
-              <a:t>RNAseq</a:t>
-            </a:r>
-            <a:r>
-              <a:rPr lang="en-GB" sz="600" spc="30" dirty="0">
-                <a:solidFill>
-                  <a:srgbClr val="5F6060"/>
-                </a:solidFill>
-                <a:latin typeface="Geneva" panose="020B0503030404040204" pitchFamily="34" charset="0"/>
-                <a:ea typeface="Geneva" panose="020B0503030404040204" pitchFamily="34" charset="0"/>
-                <a:cs typeface="Verdana" panose="020B0604030504040204" pitchFamily="34" charset="0"/>
-              </a:rPr>
-              <a:t>) </a:t>
+                  <a:srgbClr val="4F5050"/>
+                </a:solidFill>
+                <a:latin typeface="Geneva" panose="020B0503030404040204" pitchFamily="34" charset="0"/>
+                <a:ea typeface="Geneva" panose="020B0503030404040204" pitchFamily="34" charset="0"/>
+                <a:cs typeface="Verdana" panose="020B0604030504040204" pitchFamily="34" charset="0"/>
+              </a:rPr>
+              <a:t>Evaluated the top candidates as potential therapeutics &amp; studied their mechanism of action (in vitro / ex vivo / RNAseq) </a:t>
             </a:r>
           </a:p>
           <a:p>
@@ -4277,7 +4235,7 @@
             <a:r>
               <a:rPr lang="en-GB" sz="600" spc="30" dirty="0">
                 <a:solidFill>
-                  <a:srgbClr val="5F6060"/>
+                  <a:srgbClr val="4F5050"/>
                 </a:solidFill>
                 <a:latin typeface="Geneva" panose="020B0503030404040204" pitchFamily="34" charset="0"/>
                 <a:ea typeface="Geneva" panose="020B0503030404040204" pitchFamily="34" charset="0"/>
@@ -4298,7 +4256,7 @@
             <a:r>
               <a:rPr lang="en-GB" sz="600" b="1" spc="30" dirty="0">
                 <a:solidFill>
-                  <a:srgbClr val="5F6060"/>
+                  <a:srgbClr val="4F5050"/>
                 </a:solidFill>
                 <a:latin typeface="Geneva" panose="020B0503030404040204" pitchFamily="34" charset="0"/>
                 <a:ea typeface="Geneva" panose="020B0503030404040204" pitchFamily="34" charset="0"/>
@@ -4309,13 +4267,13 @@
             <a:r>
               <a:rPr lang="en-GB" sz="600" spc="30" dirty="0">
                 <a:solidFill>
-                  <a:srgbClr val="5F6060"/>
-                </a:solidFill>
-                <a:latin typeface="Geneva" panose="020B0503030404040204" pitchFamily="34" charset="0"/>
-                <a:ea typeface="Geneva" panose="020B0503030404040204" pitchFamily="34" charset="0"/>
-                <a:cs typeface="Verdana" panose="020B0604030504040204" pitchFamily="34" charset="0"/>
-              </a:rPr>
-              <a:t> Studying endogenous miRNA loci that become deregulated in response to injurious stimuli in vascular smooth muscle cells</a:t>
+                  <a:srgbClr val="4F5050"/>
+                </a:solidFill>
+                <a:latin typeface="Geneva" panose="020B0503030404040204" pitchFamily="34" charset="0"/>
+                <a:ea typeface="Geneva" panose="020B0503030404040204" pitchFamily="34" charset="0"/>
+                <a:cs typeface="Verdana" panose="020B0604030504040204" pitchFamily="34" charset="0"/>
+              </a:rPr>
+              <a:t> Studying endogenous miRNA loci dysregulated in response to injurious stimuli in vascular smooth muscle cells – in vitro &amp; in silico</a:t>
             </a:r>
           </a:p>
           <a:p>
@@ -4329,7 +4287,7 @@
             <a:r>
               <a:rPr lang="en-GB" sz="600" spc="30" dirty="0">
                 <a:solidFill>
-                  <a:srgbClr val="5F6060"/>
+                  <a:srgbClr val="4F5050"/>
                 </a:solidFill>
                 <a:latin typeface="Geneva" panose="020B0503030404040204" pitchFamily="34" charset="0"/>
                 <a:ea typeface="Geneva" panose="020B0503030404040204" pitchFamily="34" charset="0"/>
@@ -4349,13 +4307,13 @@
             <a:r>
               <a:rPr lang="en-GB" sz="600" spc="30" dirty="0">
                 <a:solidFill>
-                  <a:srgbClr val="5F6060"/>
-                </a:solidFill>
-                <a:latin typeface="Geneva" panose="020B0503030404040204" pitchFamily="34" charset="0"/>
-                <a:ea typeface="Geneva" panose="020B0503030404040204" pitchFamily="34" charset="0"/>
-                <a:cs typeface="Verdana" panose="020B0604030504040204" pitchFamily="34" charset="0"/>
-              </a:rPr>
-              <a:t>Analysis of time-series data </a:t>
+                  <a:srgbClr val="4F5050"/>
+                </a:solidFill>
+                <a:latin typeface="Geneva" panose="020B0503030404040204" pitchFamily="34" charset="0"/>
+                <a:ea typeface="Geneva" panose="020B0503030404040204" pitchFamily="34" charset="0"/>
+                <a:cs typeface="Verdana" panose="020B0604030504040204" pitchFamily="34" charset="0"/>
+              </a:rPr>
+              <a:t>Analysis of time-series data (ML &amp; non-ML methods)</a:t>
             </a:r>
           </a:p>
           <a:p>
@@ -4370,7 +4328,7 @@
             <a:r>
               <a:rPr lang="en-GB" sz="600" b="1" spc="30" dirty="0">
                 <a:solidFill>
-                  <a:srgbClr val="5F6060"/>
+                  <a:srgbClr val="4F5050"/>
                 </a:solidFill>
                 <a:latin typeface="Geneva" panose="020B0503030404040204" pitchFamily="34" charset="0"/>
                 <a:ea typeface="Geneva" panose="020B0503030404040204" pitchFamily="34" charset="0"/>
@@ -4381,7 +4339,7 @@
             <a:r>
               <a:rPr lang="en-GB" sz="600" spc="30" dirty="0">
                 <a:solidFill>
-                  <a:srgbClr val="5F6060"/>
+                  <a:srgbClr val="4F5050"/>
                 </a:solidFill>
                 <a:latin typeface="Geneva" panose="020B0503030404040204" pitchFamily="34" charset="0"/>
                 <a:ea typeface="Geneva" panose="020B0503030404040204" pitchFamily="34" charset="0"/>
@@ -4399,7 +4357,7 @@
             <a:r>
               <a:rPr lang="en-GB" sz="600" spc="30" dirty="0">
                 <a:solidFill>
-                  <a:srgbClr val="5F6060"/>
+                  <a:srgbClr val="4F5050"/>
                 </a:solidFill>
                 <a:latin typeface="Geneva" panose="020B0503030404040204" pitchFamily="34" charset="0"/>
                 <a:ea typeface="Geneva" panose="020B0503030404040204" pitchFamily="34" charset="0"/>
@@ -4420,7 +4378,7 @@
             <a:r>
               <a:rPr lang="en-GB" sz="600" b="1" spc="30" dirty="0">
                 <a:solidFill>
-                  <a:srgbClr val="5F6060"/>
+                  <a:srgbClr val="4F5050"/>
                 </a:solidFill>
                 <a:latin typeface="Geneva" panose="020B0503030404040204" pitchFamily="34" charset="0"/>
                 <a:ea typeface="Geneva" panose="020B0503030404040204" pitchFamily="34" charset="0"/>
@@ -4440,7 +4398,7 @@
             <a:r>
               <a:rPr lang="en-GB" sz="600" spc="30" dirty="0">
                 <a:solidFill>
-                  <a:srgbClr val="5F6060"/>
+                  <a:srgbClr val="4F5050"/>
                 </a:solidFill>
                 <a:latin typeface="Geneva" panose="020B0503030404040204" pitchFamily="34" charset="0"/>
                 <a:ea typeface="Geneva" panose="020B0503030404040204" pitchFamily="34" charset="0"/>
@@ -4460,7 +4418,7 @@
             <a:r>
               <a:rPr lang="en-GB" sz="600" spc="30" dirty="0">
                 <a:solidFill>
-                  <a:srgbClr val="5F6060"/>
+                  <a:srgbClr val="4F5050"/>
                 </a:solidFill>
                 <a:latin typeface="Geneva" panose="020B0503030404040204" pitchFamily="34" charset="0"/>
                 <a:ea typeface="Geneva" panose="020B0503030404040204" pitchFamily="34" charset="0"/>
@@ -4470,7 +4428,7 @@
             </a:r>
             <a:endParaRPr lang="en-GB" sz="700" b="1" spc="30" dirty="0">
               <a:solidFill>
-                <a:srgbClr val="5F6060"/>
+                <a:srgbClr val="4F5050"/>
               </a:solidFill>
               <a:latin typeface="Geneva" panose="020B0503030404040204" pitchFamily="34" charset="0"/>
               <a:ea typeface="Geneva" panose="020B0503030404040204" pitchFamily="34" charset="0"/>
@@ -4486,7 +4444,7 @@
             <a:r>
               <a:rPr lang="en-US" sz="600" b="1" spc="30" dirty="0">
                 <a:solidFill>
-                  <a:srgbClr val="5F6060"/>
+                  <a:srgbClr val="4F5050"/>
                 </a:solidFill>
                 <a:latin typeface="Geneva" panose="020B0503030404040204" pitchFamily="34" charset="0"/>
                 <a:ea typeface="Geneva" panose="020B0503030404040204" pitchFamily="34" charset="0"/>
@@ -4497,7 +4455,7 @@
             <a:r>
               <a:rPr lang="en-US" sz="600" spc="30" dirty="0">
                 <a:solidFill>
-                  <a:srgbClr val="5F6060"/>
+                  <a:srgbClr val="4F5050"/>
                 </a:solidFill>
                 <a:latin typeface="Geneva" panose="020B0503030404040204" pitchFamily="34" charset="0"/>
                 <a:ea typeface="Geneva" panose="020B0503030404040204" pitchFamily="34" charset="0"/>
@@ -4520,7 +4478,7 @@
             <a:r>
               <a:rPr lang="en-GB" sz="600" spc="30" dirty="0">
                 <a:solidFill>
-                  <a:srgbClr val="5F6060"/>
+                  <a:srgbClr val="4F5050"/>
                 </a:solidFill>
                 <a:latin typeface="Geneva" panose="020B0503030404040204" pitchFamily="34" charset="0"/>
                 <a:ea typeface="Geneva" panose="020B0503030404040204" pitchFamily="34" charset="0"/>
@@ -4530,7 +4488,7 @@
             </a:r>
             <a:endParaRPr lang="en-US" sz="600" b="1" spc="30" dirty="0">
               <a:solidFill>
-                <a:srgbClr val="5F6060"/>
+                <a:srgbClr val="4F5050"/>
               </a:solidFill>
               <a:latin typeface="Geneva" panose="020B0503030404040204" pitchFamily="34" charset="0"/>
               <a:ea typeface="Geneva" panose="020B0503030404040204" pitchFamily="34" charset="0"/>
@@ -4549,7 +4507,7 @@
             <a:r>
               <a:rPr lang="en-US" sz="600" b="1" spc="30" dirty="0">
                 <a:solidFill>
-                  <a:srgbClr val="5F6060"/>
+                  <a:srgbClr val="4F5050"/>
                 </a:solidFill>
                 <a:latin typeface="Geneva" panose="020B0503030404040204" pitchFamily="34" charset="0"/>
                 <a:ea typeface="Geneva" panose="020B0503030404040204" pitchFamily="34" charset="0"/>
@@ -4560,7 +4518,7 @@
             <a:r>
               <a:rPr lang="en-US" sz="600" spc="30" dirty="0">
                 <a:solidFill>
-                  <a:srgbClr val="5F6060"/>
+                  <a:srgbClr val="4F5050"/>
                 </a:solidFill>
                 <a:latin typeface="Geneva" panose="020B0503030404040204" pitchFamily="34" charset="0"/>
                 <a:ea typeface="Geneva" panose="020B0503030404040204" pitchFamily="34" charset="0"/>
@@ -4583,7 +4541,7 @@
             <a:r>
               <a:rPr lang="en-US" sz="600" spc="30" dirty="0">
                 <a:solidFill>
-                  <a:srgbClr val="5F6060"/>
+                  <a:srgbClr val="4F5050"/>
                 </a:solidFill>
                 <a:latin typeface="Geneva" panose="020B0503030404040204" pitchFamily="34" charset="0"/>
                 <a:ea typeface="Geneva" panose="020B0503030404040204" pitchFamily="34" charset="0"/>
@@ -4593,7 +4551,7 @@
             </a:r>
             <a:endParaRPr lang="en-US" sz="600" b="1" spc="30" dirty="0">
               <a:solidFill>
-                <a:srgbClr val="5F6060"/>
+                <a:srgbClr val="4F5050"/>
               </a:solidFill>
               <a:latin typeface="Geneva" panose="020B0503030404040204" pitchFamily="34" charset="0"/>
               <a:ea typeface="Geneva" panose="020B0503030404040204" pitchFamily="34" charset="0"/>
@@ -4612,7 +4570,7 @@
             <a:r>
               <a:rPr lang="en-US" sz="600" b="1" spc="30" dirty="0">
                 <a:solidFill>
-                  <a:srgbClr val="5F6060"/>
+                  <a:srgbClr val="4F5050"/>
                 </a:solidFill>
                 <a:latin typeface="Geneva" panose="020B0503030404040204" pitchFamily="34" charset="0"/>
                 <a:ea typeface="Geneva" panose="020B0503030404040204" pitchFamily="34" charset="0"/>
@@ -4623,7 +4581,7 @@
             <a:r>
               <a:rPr lang="en-US" sz="600" spc="30" dirty="0">
                 <a:solidFill>
-                  <a:srgbClr val="5F6060"/>
+                  <a:srgbClr val="4F5050"/>
                 </a:solidFill>
                 <a:latin typeface="Geneva" panose="020B0503030404040204" pitchFamily="34" charset="0"/>
                 <a:ea typeface="Geneva" panose="020B0503030404040204" pitchFamily="34" charset="0"/>
@@ -4646,7 +4604,7 @@
             <a:r>
               <a:rPr lang="en-GB" sz="600" spc="30" dirty="0">
                 <a:solidFill>
-                  <a:srgbClr val="5F6060"/>
+                  <a:srgbClr val="4F5050"/>
                 </a:solidFill>
                 <a:latin typeface="Geneva" panose="020B0503030404040204" pitchFamily="34" charset="0"/>
                 <a:ea typeface="Geneva" panose="020B0503030404040204" pitchFamily="34" charset="0"/>
@@ -4656,7 +4614,7 @@
             </a:r>
             <a:endParaRPr lang="en-US" sz="600" spc="30" dirty="0">
               <a:solidFill>
-                <a:srgbClr val="5F6060"/>
+                <a:srgbClr val="4F5050"/>
               </a:solidFill>
               <a:latin typeface="Geneva" panose="020B0503030404040204" pitchFamily="34" charset="0"/>
               <a:ea typeface="Geneva" panose="020B0503030404040204" pitchFamily="34" charset="0"/>
@@ -4674,7 +4632,7 @@
             <a:r>
               <a:rPr lang="en-US" sz="600" spc="30" dirty="0">
                 <a:solidFill>
-                  <a:srgbClr val="5F6060"/>
+                  <a:srgbClr val="4F5050"/>
                 </a:solidFill>
                 <a:latin typeface="Geneva" panose="020B0503030404040204" pitchFamily="34" charset="0"/>
                 <a:ea typeface="Geneva" panose="020B0503030404040204" pitchFamily="34" charset="0"/>
@@ -4695,7 +4653,7 @@
             <a:r>
               <a:rPr lang="en-US" sz="600" b="1" spc="30" dirty="0">
                 <a:solidFill>
-                  <a:srgbClr val="5F6060"/>
+                  <a:srgbClr val="4F5050"/>
                 </a:solidFill>
                 <a:latin typeface="Geneva" panose="020B0503030404040204" pitchFamily="34" charset="0"/>
                 <a:ea typeface="Geneva" panose="020B0503030404040204" pitchFamily="34" charset="0"/>
@@ -4706,7 +4664,7 @@
             <a:r>
               <a:rPr lang="en-US" sz="600" spc="30" dirty="0">
                 <a:solidFill>
-                  <a:srgbClr val="5F6060"/>
+                  <a:srgbClr val="4F5050"/>
                 </a:solidFill>
                 <a:latin typeface="Geneva" panose="020B0503030404040204" pitchFamily="34" charset="0"/>
                 <a:ea typeface="Geneva" panose="020B0503030404040204" pitchFamily="34" charset="0"/>
@@ -4729,7 +4687,7 @@
             <a:r>
               <a:rPr lang="en-GB" sz="600" spc="30" dirty="0">
                 <a:solidFill>
-                  <a:srgbClr val="5F6060"/>
+                  <a:srgbClr val="4F5050"/>
                 </a:solidFill>
                 <a:latin typeface="Geneva" panose="020B0503030404040204" pitchFamily="34" charset="0"/>
                 <a:ea typeface="Geneva" panose="020B0503030404040204" pitchFamily="34" charset="0"/>
@@ -4740,7 +4698,7 @@
             <a:r>
               <a:rPr lang="en-GB" sz="600" i="1" spc="30" dirty="0">
                 <a:solidFill>
-                  <a:srgbClr val="5F6060"/>
+                  <a:srgbClr val="4F5050"/>
                 </a:solidFill>
                 <a:latin typeface="Geneva" panose="020B0503030404040204" pitchFamily="34" charset="0"/>
                 <a:ea typeface="Geneva" panose="020B0503030404040204" pitchFamily="34" charset="0"/>
@@ -4751,7 +4709,7 @@
             <a:r>
               <a:rPr lang="en-GB" sz="600" spc="30" dirty="0">
                 <a:solidFill>
-                  <a:srgbClr val="5F6060"/>
+                  <a:srgbClr val="4F5050"/>
                 </a:solidFill>
                 <a:latin typeface="Geneva" panose="020B0503030404040204" pitchFamily="34" charset="0"/>
                 <a:ea typeface="Geneva" panose="020B0503030404040204" pitchFamily="34" charset="0"/>
@@ -4761,7 +4719,7 @@
             </a:r>
             <a:endParaRPr lang="en-US" sz="600" spc="30" dirty="0">
               <a:solidFill>
-                <a:srgbClr val="5F6060"/>
+                <a:srgbClr val="4F5050"/>
               </a:solidFill>
               <a:latin typeface="Geneva" panose="020B0503030404040204" pitchFamily="34" charset="0"/>
               <a:ea typeface="Geneva" panose="020B0503030404040204" pitchFamily="34" charset="0"/>
@@ -4780,7 +4738,7 @@
             <a:r>
               <a:rPr lang="en-US" sz="700" b="1" spc="100" dirty="0">
                 <a:solidFill>
-                  <a:srgbClr val="5F6060"/>
+                  <a:srgbClr val="4F5050"/>
                 </a:solidFill>
                 <a:latin typeface="Geneva" panose="020B0503030404040204" pitchFamily="34" charset="0"/>
                 <a:ea typeface="Geneva" panose="020B0503030404040204" pitchFamily="34" charset="0"/>
@@ -4793,7 +4751,7 @@
             <a:r>
               <a:rPr lang="en-US" sz="600" b="1" spc="30" dirty="0">
                 <a:solidFill>
-                  <a:srgbClr val="5F6060"/>
+                  <a:srgbClr val="4F5050"/>
                 </a:solidFill>
                 <a:latin typeface="Geneva" panose="020B0503030404040204" pitchFamily="34" charset="0"/>
                 <a:ea typeface="Geneva" panose="020B0503030404040204" pitchFamily="34" charset="0"/>
@@ -4804,7 +4762,7 @@
             <a:r>
               <a:rPr lang="en-GB" sz="600" b="1" spc="30" dirty="0">
                 <a:solidFill>
-                  <a:srgbClr val="5F6060"/>
+                  <a:srgbClr val="4F5050"/>
                 </a:solidFill>
                 <a:latin typeface="Geneva" panose="020B0503030404040204" pitchFamily="34" charset="0"/>
                 <a:ea typeface="Geneva" panose="020B0503030404040204" pitchFamily="34" charset="0"/>
@@ -4815,7 +4773,7 @@
             <a:r>
               <a:rPr lang="en-GB" sz="600" spc="30" dirty="0">
                 <a:solidFill>
-                  <a:srgbClr val="5F6060"/>
+                  <a:srgbClr val="4F5050"/>
                 </a:solidFill>
                 <a:latin typeface="Geneva" panose="020B0503030404040204" pitchFamily="34" charset="0"/>
                 <a:ea typeface="Geneva" panose="020B0503030404040204" pitchFamily="34" charset="0"/>
@@ -4825,7 +4783,7 @@
             </a:r>
             <a:endParaRPr lang="en-US" sz="600" spc="30" dirty="0">
               <a:solidFill>
-                <a:srgbClr val="5F6060"/>
+                <a:srgbClr val="4F5050"/>
               </a:solidFill>
               <a:latin typeface="Geneva" panose="020B0503030404040204" pitchFamily="34" charset="0"/>
               <a:ea typeface="Geneva" panose="020B0503030404040204" pitchFamily="34" charset="0"/>
@@ -4844,7 +4802,7 @@
             <a:r>
               <a:rPr lang="en-US" sz="600" spc="30" dirty="0">
                 <a:solidFill>
-                  <a:srgbClr val="5F6060"/>
+                  <a:srgbClr val="4F5050"/>
                 </a:solidFill>
                 <a:latin typeface="Geneva" panose="020B0503030404040204" pitchFamily="34" charset="0"/>
                 <a:ea typeface="Geneva" panose="020B0503030404040204" pitchFamily="34" charset="0"/>
@@ -4855,7 +4813,7 @@
             <a:r>
               <a:rPr lang="en-GB" sz="600" spc="30" dirty="0">
                 <a:solidFill>
-                  <a:srgbClr val="5F6060"/>
+                  <a:srgbClr val="4F5050"/>
                 </a:solidFill>
                 <a:latin typeface="Geneva" panose="020B0503030404040204" pitchFamily="34" charset="0"/>
                 <a:ea typeface="Geneva" panose="020B0503030404040204" pitchFamily="34" charset="0"/>
@@ -4866,7 +4824,7 @@
             <a:r>
               <a:rPr lang="en-GB" sz="600" spc="30" baseline="30000" dirty="0">
                 <a:solidFill>
-                  <a:srgbClr val="5F6060"/>
+                  <a:srgbClr val="4F5050"/>
                 </a:solidFill>
                 <a:latin typeface="Geneva" panose="020B0503030404040204" pitchFamily="34" charset="0"/>
                 <a:ea typeface="Geneva" panose="020B0503030404040204" pitchFamily="34" charset="0"/>
@@ -4877,7 +4835,7 @@
             <a:r>
               <a:rPr lang="en-GB" sz="600" spc="30" dirty="0">
                 <a:solidFill>
-                  <a:srgbClr val="5F6060"/>
+                  <a:srgbClr val="4F5050"/>
                 </a:solidFill>
                 <a:latin typeface="Geneva" panose="020B0503030404040204" pitchFamily="34" charset="0"/>
                 <a:ea typeface="Geneva" panose="020B0503030404040204" pitchFamily="34" charset="0"/>
@@ -4887,7 +4845,7 @@
             </a:r>
             <a:endParaRPr lang="en-GB" sz="600" b="1" spc="30" dirty="0">
               <a:solidFill>
-                <a:srgbClr val="5F6060"/>
+                <a:srgbClr val="4F5050"/>
               </a:solidFill>
               <a:latin typeface="Geneva" panose="020B0503030404040204" pitchFamily="34" charset="0"/>
               <a:ea typeface="Geneva" panose="020B0503030404040204" pitchFamily="34" charset="0"/>
@@ -4898,7 +4856,7 @@
             <a:r>
               <a:rPr lang="en-GB" sz="600" b="1" spc="30" dirty="0">
                 <a:solidFill>
-                  <a:srgbClr val="5F6060"/>
+                  <a:srgbClr val="4F5050"/>
                 </a:solidFill>
                 <a:latin typeface="Geneva" panose="020B0503030404040204" pitchFamily="34" charset="0"/>
                 <a:ea typeface="Geneva" panose="020B0503030404040204" pitchFamily="34" charset="0"/>
@@ -4909,7 +4867,7 @@
             <a:r>
               <a:rPr lang="en-GB" sz="600" b="1" spc="30" dirty="0">
                 <a:solidFill>
-                  <a:srgbClr val="5F6060"/>
+                  <a:srgbClr val="4F5050"/>
                 </a:solidFill>
                 <a:latin typeface="Geneva" panose="020B0503030404040204" pitchFamily="34" charset="0"/>
                 <a:ea typeface="Geneva" panose="020B0503030404040204" pitchFamily="34" charset="0"/>
@@ -4921,7 +4879,7 @@
             <a:r>
               <a:rPr lang="en-GB" sz="600" spc="30" dirty="0">
                 <a:solidFill>
-                  <a:srgbClr val="5F6060"/>
+                  <a:srgbClr val="4F5050"/>
                 </a:solidFill>
                 <a:latin typeface="Geneva" panose="020B0503030404040204" pitchFamily="34" charset="0"/>
                 <a:ea typeface="Geneva" panose="020B0503030404040204" pitchFamily="34" charset="0"/>
@@ -4933,7 +4891,7 @@
             <a:r>
               <a:rPr lang="en-GB" sz="600" spc="30" dirty="0">
                 <a:solidFill>
-                  <a:srgbClr val="5F6060"/>
+                  <a:srgbClr val="4F5050"/>
                 </a:solidFill>
                 <a:latin typeface="Geneva" panose="020B0503030404040204" pitchFamily="34" charset="0"/>
                 <a:ea typeface="Geneva" panose="020B0503030404040204" pitchFamily="34" charset="0"/>
@@ -4954,7 +4912,7 @@
             <a:r>
               <a:rPr lang="en-GB" sz="600" spc="30" dirty="0">
                 <a:solidFill>
-                  <a:srgbClr val="5F6060"/>
+                  <a:srgbClr val="4F5050"/>
                 </a:solidFill>
                 <a:latin typeface="Geneva" panose="020B0503030404040204" pitchFamily="34" charset="0"/>
                 <a:ea typeface="Geneva" panose="020B0503030404040204" pitchFamily="34" charset="0"/>
@@ -4964,7 +4922,7 @@
             </a:r>
             <a:endParaRPr lang="en-GB" sz="600" b="1" spc="30" dirty="0">
               <a:solidFill>
-                <a:srgbClr val="5F6060"/>
+                <a:srgbClr val="4F5050"/>
               </a:solidFill>
               <a:latin typeface="Geneva" panose="020B0503030404040204" pitchFamily="34" charset="0"/>
               <a:ea typeface="Geneva" panose="020B0503030404040204" pitchFamily="34" charset="0"/>
@@ -4983,7 +4941,7 @@
             <a:r>
               <a:rPr lang="en-GB" sz="700" b="1" spc="100" dirty="0">
                 <a:solidFill>
-                  <a:srgbClr val="5F6060"/>
+                  <a:srgbClr val="4F5050"/>
                 </a:solidFill>
                 <a:latin typeface="Geneva" panose="020B0503030404040204" pitchFamily="34" charset="0"/>
                 <a:ea typeface="Geneva" panose="020B0503030404040204" pitchFamily="34" charset="0"/>
@@ -4994,7 +4952,7 @@
             <a:r>
               <a:rPr lang="en-US" sz="700" b="1" spc="100" dirty="0">
                 <a:solidFill>
-                  <a:srgbClr val="5F6060"/>
+                  <a:srgbClr val="4F5050"/>
                 </a:solidFill>
                 <a:latin typeface="Geneva" panose="020B0503030404040204" pitchFamily="34" charset="0"/>
                 <a:ea typeface="Geneva" panose="020B0503030404040204" pitchFamily="34" charset="0"/>
@@ -5005,7 +4963,7 @@
             <a:r>
               <a:rPr lang="en-GB" sz="700" b="1" spc="100" dirty="0">
                 <a:solidFill>
-                  <a:srgbClr val="5F6060"/>
+                  <a:srgbClr val="4F5050"/>
                 </a:solidFill>
                 <a:latin typeface="Geneva" panose="020B0503030404040204" pitchFamily="34" charset="0"/>
                 <a:ea typeface="Geneva" panose="020B0503030404040204" pitchFamily="34" charset="0"/>
@@ -5023,29 +4981,18 @@
             <a:r>
               <a:rPr lang="en-GB" sz="600" b="1" spc="30" dirty="0">
                 <a:solidFill>
-                  <a:srgbClr val="5F6060"/>
-                </a:solidFill>
-                <a:latin typeface="Geneva" panose="020B0503030404040204" pitchFamily="34" charset="0"/>
-                <a:ea typeface="Geneva" panose="020B0503030404040204" pitchFamily="34" charset="0"/>
-                <a:cs typeface="Verdana" panose="020B0604030504040204" pitchFamily="34" charset="0"/>
-              </a:rPr>
-              <a:t>Functional screening identifies novel miRNAs inhibiting Vascular Smooth Muscle </a:t>
-            </a:r>
-            <a:r>
-              <a:rPr lang="en-GB" sz="600" b="1" spc="30">
-                <a:solidFill>
-                  <a:srgbClr val="5F6060"/>
-                </a:solidFill>
-                <a:latin typeface="Geneva" panose="020B0503030404040204" pitchFamily="34" charset="0"/>
-                <a:ea typeface="Geneva" panose="020B0503030404040204" pitchFamily="34" charset="0"/>
-                <a:cs typeface="Verdana" panose="020B0604030504040204" pitchFamily="34" charset="0"/>
-              </a:rPr>
-              <a:t>Cell proliferation </a:t>
+                  <a:srgbClr val="4F5050"/>
+                </a:solidFill>
+                <a:latin typeface="Geneva" panose="020B0503030404040204" pitchFamily="34" charset="0"/>
+                <a:ea typeface="Geneva" panose="020B0503030404040204" pitchFamily="34" charset="0"/>
+                <a:cs typeface="Verdana" panose="020B0604030504040204" pitchFamily="34" charset="0"/>
+              </a:rPr>
+              <a:t>Functional screening identifies novel miRNAs inhibiting Vascular Smooth Muscle Cell proliferation </a:t>
             </a:r>
             <a:r>
               <a:rPr lang="en-GB" sz="600" spc="30" dirty="0">
                 <a:solidFill>
-                  <a:srgbClr val="5F6060"/>
+                  <a:srgbClr val="4F5050"/>
                 </a:solidFill>
                 <a:latin typeface="Geneva" panose="020B0503030404040204" pitchFamily="34" charset="0"/>
                 <a:ea typeface="Geneva" panose="020B0503030404040204" pitchFamily="34" charset="0"/>
@@ -5056,7 +5003,7 @@
             <a:r>
               <a:rPr lang="en-GB" sz="600" spc="30" baseline="30000" dirty="0">
                 <a:solidFill>
-                  <a:srgbClr val="5F6060"/>
+                  <a:srgbClr val="4F5050"/>
                 </a:solidFill>
                 <a:latin typeface="Geneva" panose="020B0503030404040204" pitchFamily="34" charset="0"/>
                 <a:ea typeface="Geneva" panose="020B0503030404040204" pitchFamily="34" charset="0"/>
@@ -5067,7 +5014,7 @@
             <a:r>
               <a:rPr lang="en-GB" sz="600" spc="30" dirty="0">
                 <a:solidFill>
-                  <a:srgbClr val="5F6060"/>
+                  <a:srgbClr val="4F5050"/>
                 </a:solidFill>
                 <a:latin typeface="Geneva" panose="020B0503030404040204" pitchFamily="34" charset="0"/>
                 <a:ea typeface="Geneva" panose="020B0503030404040204" pitchFamily="34" charset="0"/>
@@ -5085,7 +5032,7 @@
             <a:r>
               <a:rPr lang="en-GB" sz="600" b="1" spc="30" dirty="0">
                 <a:solidFill>
-                  <a:srgbClr val="5F6060"/>
+                  <a:srgbClr val="4F5050"/>
                 </a:solidFill>
                 <a:latin typeface="Geneva" panose="020B0503030404040204" pitchFamily="34" charset="0"/>
                 <a:ea typeface="Geneva" panose="020B0503030404040204" pitchFamily="34" charset="0"/>
@@ -5096,7 +5043,7 @@
             <a:r>
               <a:rPr lang="en-GB" sz="600" spc="30" dirty="0">
                 <a:solidFill>
-                  <a:srgbClr val="5F6060"/>
+                  <a:srgbClr val="4F5050"/>
                 </a:solidFill>
                 <a:latin typeface="Geneva" panose="020B0503030404040204" pitchFamily="34" charset="0"/>
                 <a:ea typeface="Geneva" panose="020B0503030404040204" pitchFamily="34" charset="0"/>
@@ -5107,7 +5054,7 @@
             <a:r>
               <a:rPr lang="en-GB" sz="600" spc="30" baseline="30000" dirty="0">
                 <a:solidFill>
-                  <a:srgbClr val="5F6060"/>
+                  <a:srgbClr val="4F5050"/>
                 </a:solidFill>
                 <a:latin typeface="Geneva" panose="020B0503030404040204" pitchFamily="34" charset="0"/>
                 <a:ea typeface="Geneva" panose="020B0503030404040204" pitchFamily="34" charset="0"/>
@@ -5118,7 +5065,7 @@
             <a:r>
               <a:rPr lang="en-GB" sz="600" spc="30" dirty="0">
                 <a:solidFill>
-                  <a:srgbClr val="5F6060"/>
+                  <a:srgbClr val="4F5050"/>
                 </a:solidFill>
                 <a:latin typeface="Geneva" panose="020B0503030404040204" pitchFamily="34" charset="0"/>
                 <a:ea typeface="Geneva" panose="020B0503030404040204" pitchFamily="34" charset="0"/>
@@ -5136,7 +5083,7 @@
             <a:r>
               <a:rPr lang="en-GB" sz="600" b="1" spc="30" dirty="0">
                 <a:solidFill>
-                  <a:srgbClr val="5F6060"/>
+                  <a:srgbClr val="4F5050"/>
                 </a:solidFill>
                 <a:latin typeface="Geneva" panose="020B0503030404040204" pitchFamily="34" charset="0"/>
                 <a:ea typeface="Geneva" panose="020B0503030404040204" pitchFamily="34" charset="0"/>
@@ -5147,7 +5094,7 @@
             <a:r>
               <a:rPr lang="en-GB" sz="600" spc="30" dirty="0">
                 <a:solidFill>
-                  <a:srgbClr val="5F6060"/>
+                  <a:srgbClr val="4F5050"/>
                 </a:solidFill>
                 <a:latin typeface="Geneva" panose="020B0503030404040204" pitchFamily="34" charset="0"/>
                 <a:ea typeface="Geneva" panose="020B0503030404040204" pitchFamily="34" charset="0"/>
@@ -5158,7 +5105,7 @@
             <a:r>
               <a:rPr lang="en-GB" sz="600" spc="30" baseline="30000" dirty="0">
                 <a:solidFill>
-                  <a:srgbClr val="5F6060"/>
+                  <a:srgbClr val="4F5050"/>
                 </a:solidFill>
                 <a:latin typeface="Geneva" panose="020B0503030404040204" pitchFamily="34" charset="0"/>
                 <a:ea typeface="Geneva" panose="020B0503030404040204" pitchFamily="34" charset="0"/>
@@ -5169,7 +5116,7 @@
             <a:r>
               <a:rPr lang="en-GB" sz="600" spc="30" dirty="0">
                 <a:solidFill>
-                  <a:srgbClr val="5F6060"/>
+                  <a:srgbClr val="4F5050"/>
                 </a:solidFill>
                 <a:latin typeface="Geneva" panose="020B0503030404040204" pitchFamily="34" charset="0"/>
                 <a:ea typeface="Geneva" panose="020B0503030404040204" pitchFamily="34" charset="0"/>
@@ -5190,7 +5137,7 @@
             <a:r>
               <a:rPr lang="en-GB" sz="600" spc="30" dirty="0">
                 <a:solidFill>
-                  <a:srgbClr val="5F6060"/>
+                  <a:srgbClr val="4F5050"/>
                 </a:solidFill>
                 <a:latin typeface="Geneva" panose="020B0503030404040204" pitchFamily="34" charset="0"/>
                 <a:ea typeface="Geneva" panose="020B0503030404040204" pitchFamily="34" charset="0"/>
@@ -5200,7 +5147,7 @@
             </a:r>
             <a:endParaRPr lang="en-US" sz="600" b="1" spc="30" dirty="0">
               <a:solidFill>
-                <a:srgbClr val="5F6060"/>
+                <a:srgbClr val="4F5050"/>
               </a:solidFill>
               <a:latin typeface="Geneva" panose="020B0503030404040204" pitchFamily="34" charset="0"/>
               <a:ea typeface="Geneva" panose="020B0503030404040204" pitchFamily="34" charset="0"/>
@@ -5220,7 +5167,7 @@
             </a:pPr>
             <a:endParaRPr lang="en-US" sz="600" dirty="0">
               <a:solidFill>
-                <a:srgbClr val="5F6060"/>
+                <a:srgbClr val="4F5050"/>
               </a:solidFill>
               <a:latin typeface="Geneva" panose="020B0503030404040204" pitchFamily="34" charset="0"/>
               <a:ea typeface="Geneva" panose="020B0503030404040204" pitchFamily="34" charset="0"/>
@@ -5279,7 +5226,7 @@
             <a:pPr algn="ctr"/>
             <a:endParaRPr lang="en-US">
               <a:solidFill>
-                <a:srgbClr val="5F6060"/>
+                <a:srgbClr val="4F5050"/>
               </a:solidFill>
               <a:latin typeface="Geneva" panose="020B0503030404040204" pitchFamily="34" charset="0"/>
               <a:ea typeface="Geneva" panose="020B0503030404040204" pitchFamily="34" charset="0"/>
@@ -5359,7 +5306,7 @@
                 <a:r>
                   <a:rPr lang="en-US" sz="800" dirty="0">
                     <a:solidFill>
-                      <a:srgbClr val="5F6060"/>
+                      <a:srgbClr val="4F5050"/>
                     </a:solidFill>
                     <a:latin typeface="Geneva" panose="020B0503030404040204" pitchFamily="34" charset="0"/>
                     <a:ea typeface="Geneva" panose="020B0503030404040204" pitchFamily="34" charset="0"/>
@@ -5369,7 +5316,7 @@
                 </a:r>
                 <a:endParaRPr lang="en-US" sz="700" dirty="0">
                   <a:solidFill>
-                    <a:srgbClr val="5F6060"/>
+                    <a:srgbClr val="4F5050"/>
                   </a:solidFill>
                   <a:latin typeface="Geneva" panose="020B0503030404040204" pitchFamily="34" charset="0"/>
                   <a:ea typeface="Geneva" panose="020B0503030404040204" pitchFamily="34" charset="0"/>
@@ -5409,7 +5356,7 @@
                 <a:r>
                   <a:rPr lang="en-US" sz="800" dirty="0">
                     <a:solidFill>
-                      <a:srgbClr val="5F6060"/>
+                      <a:srgbClr val="4F5050"/>
                     </a:solidFill>
                     <a:latin typeface="Geneva" panose="020B0503030404040204" pitchFamily="34" charset="0"/>
                     <a:ea typeface="Geneva" panose="020B0503030404040204" pitchFamily="34" charset="0"/>
@@ -5419,7 +5366,7 @@
                 </a:r>
                 <a:endParaRPr lang="en-US" dirty="0">
                   <a:solidFill>
-                    <a:srgbClr val="5F6060"/>
+                    <a:srgbClr val="4F5050"/>
                   </a:solidFill>
                   <a:latin typeface="Geneva" panose="020B0503030404040204" pitchFamily="34" charset="0"/>
                   <a:ea typeface="Geneva" panose="020B0503030404040204" pitchFamily="34" charset="0"/>
@@ -5460,7 +5407,7 @@
               <a:r>
                 <a:rPr lang="en-US" sz="800" dirty="0">
                   <a:solidFill>
-                    <a:srgbClr val="5F6060"/>
+                    <a:srgbClr val="4F5050"/>
                   </a:solidFill>
                   <a:latin typeface="Geneva" panose="020B0503030404040204" pitchFamily="34" charset="0"/>
                   <a:ea typeface="Geneva" panose="020B0503030404040204" pitchFamily="34" charset="0"/>
@@ -5488,8 +5435,8 @@
         </p:nvCxnSpPr>
         <p:spPr>
           <a:xfrm>
-            <a:off x="548638" y="2134712"/>
-            <a:ext cx="5760720" cy="0"/>
+            <a:off x="411840" y="2134712"/>
+            <a:ext cx="6001883" cy="0"/>
           </a:xfrm>
           <a:prstGeom prst="line">
             <a:avLst/>
@@ -5533,8 +5480,8 @@
         </p:nvCxnSpPr>
         <p:spPr>
           <a:xfrm>
-            <a:off x="539494" y="3639954"/>
-            <a:ext cx="5760720" cy="0"/>
+            <a:off x="414270" y="3783294"/>
+            <a:ext cx="5999453" cy="0"/>
           </a:xfrm>
           <a:prstGeom prst="line">
             <a:avLst/>
@@ -5578,8 +5525,8 @@
         </p:nvCxnSpPr>
         <p:spPr>
           <a:xfrm>
-            <a:off x="539494" y="7482603"/>
-            <a:ext cx="5760720" cy="0"/>
+            <a:off x="410900" y="7625941"/>
+            <a:ext cx="6002823" cy="0"/>
           </a:xfrm>
           <a:prstGeom prst="line">
             <a:avLst/>
@@ -5623,8 +5570,8 @@
         </p:nvCxnSpPr>
         <p:spPr>
           <a:xfrm>
-            <a:off x="548635" y="8443213"/>
-            <a:ext cx="5760720" cy="0"/>
+            <a:off x="410901" y="8581610"/>
+            <a:ext cx="6002822" cy="0"/>
           </a:xfrm>
           <a:prstGeom prst="line">
             <a:avLst/>

--- a/public/resume.pptx
+++ b/public/resume.pptx
@@ -3875,7 +3875,7 @@
                 <a:ea typeface="Geneva" panose="020B0503030404040204" pitchFamily="34" charset="0"/>
                 <a:cs typeface="Verdana" panose="020B0604030504040204" pitchFamily="34" charset="0"/>
               </a:rPr>
-              <a:t>Differentially methyl. region analysis, </a:t>
+              <a:t>Differentially methylated region analysis, </a:t>
             </a:r>
             <a:r>
               <a:rPr lang="en-GB" sz="600" spc="30" dirty="0" err="1">
@@ -4072,7 +4072,7 @@
               <a:t>RNA extraction, RT-qPCR, immuno-histochemistry/fluorescence, western blot, X-gal staining, FACS, transfections, </a:t>
             </a:r>
             <a:r>
-              <a:rPr lang="en-GB" sz="600" spc="30">
+              <a:rPr lang="en-GB" sz="600" spc="30" dirty="0" err="1">
                 <a:solidFill>
                   <a:srgbClr val="4F5050"/>
                 </a:solidFill>
@@ -4461,7 +4461,7 @@
                 <a:ea typeface="Geneva" panose="020B0503030404040204" pitchFamily="34" charset="0"/>
                 <a:cs typeface="Verdana" panose="020B0604030504040204" pitchFamily="34" charset="0"/>
               </a:rPr>
-              <a:t>Collab with Omnia Biosciences, London, UK (Sep - Oct 2023)</a:t>
+              <a:t>Collab with AI Forge, London, UK (Sep - Oct 2023)</a:t>
             </a:r>
           </a:p>
           <a:p>

--- a/public/resume.pptx
+++ b/public/resume.pptx
@@ -3702,7 +3702,29 @@
                 <a:ea typeface="Geneva" panose="020B0503030404040204" pitchFamily="34" charset="0"/>
                 <a:cs typeface="Verdana" panose="020B0604030504040204" pitchFamily="34" charset="0"/>
               </a:rPr>
-              <a:t>R, Python, Bash scripting, </a:t>
+              <a:t>R (</a:t>
+            </a:r>
+            <a:r>
+              <a:rPr lang="en-US" sz="600" spc="30" dirty="0" err="1">
+                <a:solidFill>
+                  <a:srgbClr val="4F5050"/>
+                </a:solidFill>
+                <a:latin typeface="Geneva" panose="020B0503030404040204" pitchFamily="34" charset="0"/>
+                <a:ea typeface="Geneva" panose="020B0503030404040204" pitchFamily="34" charset="0"/>
+                <a:cs typeface="Verdana" panose="020B0604030504040204" pitchFamily="34" charset="0"/>
+              </a:rPr>
+              <a:t>tidyverse</a:t>
+            </a:r>
+            <a:r>
+              <a:rPr lang="en-US" sz="600" spc="30" dirty="0">
+                <a:solidFill>
+                  <a:srgbClr val="4F5050"/>
+                </a:solidFill>
+                <a:latin typeface="Geneva" panose="020B0503030404040204" pitchFamily="34" charset="0"/>
+                <a:ea typeface="Geneva" panose="020B0503030404040204" pitchFamily="34" charset="0"/>
+                <a:cs typeface="Verdana" panose="020B0604030504040204" pitchFamily="34" charset="0"/>
+              </a:rPr>
+              <a:t>, Bioconductor + more), Python (Pandas, NumPy + more), Bash scripting, </a:t>
             </a:r>
             <a:r>
               <a:rPr lang="en-GB" sz="600" spc="30" dirty="0">
@@ -3713,7 +3735,18 @@
                 <a:ea typeface="Geneva" panose="020B0503030404040204" pitchFamily="34" charset="0"/>
                 <a:cs typeface="Verdana" panose="020B0604030504040204" pitchFamily="34" charset="0"/>
               </a:rPr>
-              <a:t>NextFlow, Node.js, React, </a:t>
+              <a:t>NextFlow, Node.js, </a:t>
+            </a:r>
+            <a:r>
+              <a:rPr lang="en-GB" sz="600" spc="30">
+                <a:solidFill>
+                  <a:srgbClr val="4F5050"/>
+                </a:solidFill>
+                <a:latin typeface="Geneva" panose="020B0503030404040204" pitchFamily="34" charset="0"/>
+                <a:ea typeface="Geneva" panose="020B0503030404040204" pitchFamily="34" charset="0"/>
+                <a:cs typeface="Verdana" panose="020B0604030504040204" pitchFamily="34" charset="0"/>
+              </a:rPr>
+              <a:t>React, D3, </a:t>
             </a:r>
             <a:r>
               <a:rPr lang="en-US" sz="600" spc="30" dirty="0">
@@ -3789,7 +3822,29 @@
                 <a:ea typeface="Geneva" panose="020B0503030404040204" pitchFamily="34" charset="0"/>
                 <a:cs typeface="Verdana" panose="020B0604030504040204" pitchFamily="34" charset="0"/>
               </a:rPr>
-              <a:t>bulk/small/single cell RNAseq analysis</a:t>
+              <a:t>bulk/small/single cell RNA-</a:t>
+            </a:r>
+            <a:r>
+              <a:rPr lang="en-GB" sz="600" spc="30" dirty="0" err="1">
+                <a:solidFill>
+                  <a:srgbClr val="4F5050"/>
+                </a:solidFill>
+                <a:latin typeface="Geneva" panose="020B0503030404040204" pitchFamily="34" charset="0"/>
+                <a:ea typeface="Geneva" panose="020B0503030404040204" pitchFamily="34" charset="0"/>
+                <a:cs typeface="Verdana" panose="020B0604030504040204" pitchFamily="34" charset="0"/>
+              </a:rPr>
+              <a:t>seq</a:t>
+            </a:r>
+            <a:r>
+              <a:rPr lang="en-GB" sz="600" spc="30" dirty="0">
+                <a:solidFill>
+                  <a:srgbClr val="4F5050"/>
+                </a:solidFill>
+                <a:latin typeface="Geneva" panose="020B0503030404040204" pitchFamily="34" charset="0"/>
+                <a:ea typeface="Geneva" panose="020B0503030404040204" pitchFamily="34" charset="0"/>
+                <a:cs typeface="Verdana" panose="020B0604030504040204" pitchFamily="34" charset="0"/>
+              </a:rPr>
+              <a:t> analysis</a:t>
             </a:r>
           </a:p>
           <a:p>
@@ -3951,7 +4006,29 @@
                 <a:ea typeface="Geneva" panose="020B0503030404040204" pitchFamily="34" charset="0"/>
                 <a:cs typeface="Verdana" panose="020B0604030504040204" pitchFamily="34" charset="0"/>
               </a:rPr>
-              <a:t>Differential expression analysis, single cell RNAseq clustering/marker identification/integration, gene set enrichment analyses</a:t>
+              <a:t>Differential expression analysis, single cell RNA-</a:t>
+            </a:r>
+            <a:r>
+              <a:rPr lang="en-GB" sz="600" spc="30" dirty="0" err="1">
+                <a:solidFill>
+                  <a:srgbClr val="4F5050"/>
+                </a:solidFill>
+                <a:latin typeface="Geneva" panose="020B0503030404040204" pitchFamily="34" charset="0"/>
+                <a:ea typeface="Geneva" panose="020B0503030404040204" pitchFamily="34" charset="0"/>
+                <a:cs typeface="Verdana" panose="020B0604030504040204" pitchFamily="34" charset="0"/>
+              </a:rPr>
+              <a:t>seq</a:t>
+            </a:r>
+            <a:r>
+              <a:rPr lang="en-GB" sz="600" spc="30" dirty="0">
+                <a:solidFill>
+                  <a:srgbClr val="4F5050"/>
+                </a:solidFill>
+                <a:latin typeface="Geneva" panose="020B0503030404040204" pitchFamily="34" charset="0"/>
+                <a:ea typeface="Geneva" panose="020B0503030404040204" pitchFamily="34" charset="0"/>
+                <a:cs typeface="Verdana" panose="020B0604030504040204" pitchFamily="34" charset="0"/>
+              </a:rPr>
+              <a:t> clustering/marker identification/integration, gene set enrichment analyses</a:t>
             </a:r>
           </a:p>
           <a:p>
@@ -4037,7 +4114,18 @@
                 <a:ea typeface="Geneva" panose="020B0503030404040204" pitchFamily="34" charset="0"/>
                 <a:cs typeface="Verdana" panose="020B0604030504040204" pitchFamily="34" charset="0"/>
               </a:rPr>
-              <a:t> vascular smooth muscle &amp; endothelial cells, embryonic stem cells, HeLa, HEK293T, human vein tissue</a:t>
+              <a:t> vascular smooth muscle &amp; endothelial cells, embryonic stem cells, HeLa, HEK293T, human vein tissue, </a:t>
+            </a:r>
+            <a:r>
+              <a:rPr lang="en-GB" sz="600" i="1" spc="30" dirty="0">
+                <a:solidFill>
+                  <a:srgbClr val="4F5050"/>
+                </a:solidFill>
+                <a:latin typeface="Geneva" panose="020B0503030404040204" pitchFamily="34" charset="0"/>
+                <a:ea typeface="Geneva" panose="020B0503030404040204" pitchFamily="34" charset="0"/>
+                <a:cs typeface="Verdana" panose="020B0604030504040204" pitchFamily="34" charset="0"/>
+              </a:rPr>
+              <a:t>S. pombe</a:t>
             </a:r>
           </a:p>
           <a:p>
@@ -4069,18 +4157,7 @@
                 <a:ea typeface="Geneva" panose="020B0503030404040204" pitchFamily="34" charset="0"/>
                 <a:cs typeface="Verdana" panose="020B0604030504040204" pitchFamily="34" charset="0"/>
               </a:rPr>
-              <a:t>RNA extraction, RT-qPCR, immuno-histochemistry/fluorescence, western blot, X-gal staining, FACS, transfections, </a:t>
-            </a:r>
-            <a:r>
-              <a:rPr lang="en-GB" sz="600" spc="30" dirty="0" err="1">
-                <a:solidFill>
-                  <a:srgbClr val="4F5050"/>
-                </a:solidFill>
-                <a:latin typeface="Geneva" panose="020B0503030404040204" pitchFamily="34" charset="0"/>
-                <a:ea typeface="Geneva" panose="020B0503030404040204" pitchFamily="34" charset="0"/>
-                <a:cs typeface="Verdana" panose="020B0604030504040204" pitchFamily="34" charset="0"/>
-              </a:rPr>
-              <a:t>nuceofections</a:t>
+              <a:t>RNA extraction, RT-qPCR, cloning, transfections, nucleofections, immuno-histochemistry/fluorescence, western blot, X-gal staining, FACS</a:t>
             </a:r>
             <a:endParaRPr lang="en-US" sz="600" b="1" spc="30" dirty="0">
               <a:solidFill>
@@ -4181,7 +4258,51 @@
                 <a:ea typeface="Geneva" panose="020B0503030404040204" pitchFamily="34" charset="0"/>
                 <a:cs typeface="Verdana" panose="020B0604030504040204" pitchFamily="34" charset="0"/>
               </a:rPr>
-              <a:t> Identification of novel therapeutic miRNAs for vein graft failure – in vitro &amp; in silico </a:t>
+              <a:t> Identification of novel therapeutic miRNAs for vein graft failure – </a:t>
+            </a:r>
+            <a:r>
+              <a:rPr lang="en-GB" sz="600" i="1" spc="30" dirty="0">
+                <a:solidFill>
+                  <a:srgbClr val="4F5050"/>
+                </a:solidFill>
+                <a:latin typeface="Geneva" panose="020B0503030404040204" pitchFamily="34" charset="0"/>
+                <a:ea typeface="Geneva" panose="020B0503030404040204" pitchFamily="34" charset="0"/>
+                <a:cs typeface="Verdana" panose="020B0604030504040204" pitchFamily="34" charset="0"/>
+              </a:rPr>
+              <a:t>in vitro</a:t>
+            </a:r>
+            <a:r>
+              <a:rPr lang="en-GB" sz="600" spc="30" dirty="0">
+                <a:solidFill>
+                  <a:srgbClr val="4F5050"/>
+                </a:solidFill>
+                <a:latin typeface="Geneva" panose="020B0503030404040204" pitchFamily="34" charset="0"/>
+                <a:ea typeface="Geneva" panose="020B0503030404040204" pitchFamily="34" charset="0"/>
+                <a:cs typeface="Verdana" panose="020B0604030504040204" pitchFamily="34" charset="0"/>
+              </a:rPr>
+              <a:t> &amp; </a:t>
+            </a:r>
+            <a:r>
+              <a:rPr lang="en-GB" sz="600" i="1" spc="30" dirty="0">
+                <a:solidFill>
+                  <a:srgbClr val="4F5050"/>
+                </a:solidFill>
+                <a:latin typeface="Geneva" panose="020B0503030404040204" pitchFamily="34" charset="0"/>
+                <a:ea typeface="Geneva" panose="020B0503030404040204" pitchFamily="34" charset="0"/>
+                <a:cs typeface="Verdana" panose="020B0604030504040204" pitchFamily="34" charset="0"/>
+              </a:rPr>
+              <a:t>in silico</a:t>
+            </a:r>
+            <a:r>
+              <a:rPr lang="en-GB" sz="600" spc="30" dirty="0">
+                <a:solidFill>
+                  <a:srgbClr val="4F5050"/>
+                </a:solidFill>
+                <a:latin typeface="Geneva" panose="020B0503030404040204" pitchFamily="34" charset="0"/>
+                <a:ea typeface="Geneva" panose="020B0503030404040204" pitchFamily="34" charset="0"/>
+                <a:cs typeface="Verdana" panose="020B0604030504040204" pitchFamily="34" charset="0"/>
+              </a:rPr>
+              <a:t> </a:t>
             </a:r>
           </a:p>
           <a:p>
@@ -4221,7 +4342,73 @@
                 <a:ea typeface="Geneva" panose="020B0503030404040204" pitchFamily="34" charset="0"/>
                 <a:cs typeface="Verdana" panose="020B0604030504040204" pitchFamily="34" charset="0"/>
               </a:rPr>
-              <a:t>Evaluated the top candidates as potential therapeutics &amp; studied their mechanism of action (in vitro / ex vivo / RNAseq) </a:t>
+              <a:t>Evaluated the top candidates as potential therapeutics &amp; studied their mechanism of action (</a:t>
+            </a:r>
+            <a:r>
+              <a:rPr lang="en-GB" sz="600" i="1" spc="30" dirty="0">
+                <a:solidFill>
+                  <a:srgbClr val="4F5050"/>
+                </a:solidFill>
+                <a:latin typeface="Geneva" panose="020B0503030404040204" pitchFamily="34" charset="0"/>
+                <a:ea typeface="Geneva" panose="020B0503030404040204" pitchFamily="34" charset="0"/>
+                <a:cs typeface="Verdana" panose="020B0604030504040204" pitchFamily="34" charset="0"/>
+              </a:rPr>
+              <a:t>in vitro</a:t>
+            </a:r>
+            <a:r>
+              <a:rPr lang="en-GB" sz="600" spc="30" dirty="0">
+                <a:solidFill>
+                  <a:srgbClr val="4F5050"/>
+                </a:solidFill>
+                <a:latin typeface="Geneva" panose="020B0503030404040204" pitchFamily="34" charset="0"/>
+                <a:ea typeface="Geneva" panose="020B0503030404040204" pitchFamily="34" charset="0"/>
+                <a:cs typeface="Verdana" panose="020B0604030504040204" pitchFamily="34" charset="0"/>
+              </a:rPr>
+              <a:t> / </a:t>
+            </a:r>
+            <a:r>
+              <a:rPr lang="en-GB" sz="600" i="1" spc="30" dirty="0">
+                <a:solidFill>
+                  <a:srgbClr val="4F5050"/>
+                </a:solidFill>
+                <a:latin typeface="Geneva" panose="020B0503030404040204" pitchFamily="34" charset="0"/>
+                <a:ea typeface="Geneva" panose="020B0503030404040204" pitchFamily="34" charset="0"/>
+                <a:cs typeface="Verdana" panose="020B0604030504040204" pitchFamily="34" charset="0"/>
+              </a:rPr>
+              <a:t>ex vivo</a:t>
+            </a:r>
+            <a:r>
+              <a:rPr lang="en-GB" sz="600" spc="30" dirty="0">
+                <a:solidFill>
+                  <a:srgbClr val="4F5050"/>
+                </a:solidFill>
+                <a:latin typeface="Geneva" panose="020B0503030404040204" pitchFamily="34" charset="0"/>
+                <a:ea typeface="Geneva" panose="020B0503030404040204" pitchFamily="34" charset="0"/>
+                <a:cs typeface="Verdana" panose="020B0604030504040204" pitchFamily="34" charset="0"/>
+              </a:rPr>
+              <a:t> / RNA-</a:t>
+            </a:r>
+            <a:r>
+              <a:rPr lang="en-GB" sz="600" spc="30" dirty="0" err="1">
+                <a:solidFill>
+                  <a:srgbClr val="4F5050"/>
+                </a:solidFill>
+                <a:latin typeface="Geneva" panose="020B0503030404040204" pitchFamily="34" charset="0"/>
+                <a:ea typeface="Geneva" panose="020B0503030404040204" pitchFamily="34" charset="0"/>
+                <a:cs typeface="Verdana" panose="020B0604030504040204" pitchFamily="34" charset="0"/>
+              </a:rPr>
+              <a:t>seq</a:t>
+            </a:r>
+            <a:r>
+              <a:rPr lang="en-GB" sz="600" spc="30" dirty="0">
+                <a:solidFill>
+                  <a:srgbClr val="4F5050"/>
+                </a:solidFill>
+                <a:latin typeface="Geneva" panose="020B0503030404040204" pitchFamily="34" charset="0"/>
+                <a:ea typeface="Geneva" panose="020B0503030404040204" pitchFamily="34" charset="0"/>
+                <a:cs typeface="Verdana" panose="020B0604030504040204" pitchFamily="34" charset="0"/>
+              </a:rPr>
+              <a:t>) </a:t>
             </a:r>
           </a:p>
           <a:p>
@@ -4273,7 +4460,40 @@
                 <a:ea typeface="Geneva" panose="020B0503030404040204" pitchFamily="34" charset="0"/>
                 <a:cs typeface="Verdana" panose="020B0604030504040204" pitchFamily="34" charset="0"/>
               </a:rPr>
-              <a:t> Studying endogenous miRNA loci dysregulated in response to injurious stimuli in vascular smooth muscle cells – in vitro &amp; in silico</a:t>
+              <a:t> Studying endogenous miRNA loci dysregulated in response to injurious stimuli in vascular smooth muscle cells – </a:t>
+            </a:r>
+            <a:r>
+              <a:rPr lang="en-GB" sz="600" i="1" spc="30" dirty="0">
+                <a:solidFill>
+                  <a:srgbClr val="4F5050"/>
+                </a:solidFill>
+                <a:latin typeface="Geneva" panose="020B0503030404040204" pitchFamily="34" charset="0"/>
+                <a:ea typeface="Geneva" panose="020B0503030404040204" pitchFamily="34" charset="0"/>
+                <a:cs typeface="Verdana" panose="020B0604030504040204" pitchFamily="34" charset="0"/>
+              </a:rPr>
+              <a:t>in vitro</a:t>
+            </a:r>
+            <a:r>
+              <a:rPr lang="en-GB" sz="600" spc="30" dirty="0">
+                <a:solidFill>
+                  <a:srgbClr val="4F5050"/>
+                </a:solidFill>
+                <a:latin typeface="Geneva" panose="020B0503030404040204" pitchFamily="34" charset="0"/>
+                <a:ea typeface="Geneva" panose="020B0503030404040204" pitchFamily="34" charset="0"/>
+                <a:cs typeface="Verdana" panose="020B0604030504040204" pitchFamily="34" charset="0"/>
+              </a:rPr>
+              <a:t> &amp; </a:t>
+            </a:r>
+            <a:r>
+              <a:rPr lang="en-GB" sz="600" i="1" spc="30" dirty="0">
+                <a:solidFill>
+                  <a:srgbClr val="4F5050"/>
+                </a:solidFill>
+                <a:latin typeface="Geneva" panose="020B0503030404040204" pitchFamily="34" charset="0"/>
+                <a:ea typeface="Geneva" panose="020B0503030404040204" pitchFamily="34" charset="0"/>
+                <a:cs typeface="Verdana" panose="020B0604030504040204" pitchFamily="34" charset="0"/>
+              </a:rPr>
+              <a:t>in silico</a:t>
             </a:r>
           </a:p>
           <a:p>
@@ -4345,7 +4565,29 @@
                 <a:ea typeface="Geneva" panose="020B0503030404040204" pitchFamily="34" charset="0"/>
                 <a:cs typeface="Verdana" panose="020B0604030504040204" pitchFamily="34" charset="0"/>
               </a:rPr>
-              <a:t> Evaluation of all human miRNAs by predicting processing efficiency – in silico </a:t>
+              <a:t> Evaluation of all human miRNAs by predicting processing efficiency – </a:t>
+            </a:r>
+            <a:r>
+              <a:rPr lang="en-GB" sz="600" i="1" spc="30" dirty="0">
+                <a:solidFill>
+                  <a:srgbClr val="4F5050"/>
+                </a:solidFill>
+                <a:latin typeface="Geneva" panose="020B0503030404040204" pitchFamily="34" charset="0"/>
+                <a:ea typeface="Geneva" panose="020B0503030404040204" pitchFamily="34" charset="0"/>
+                <a:cs typeface="Verdana" panose="020B0604030504040204" pitchFamily="34" charset="0"/>
+              </a:rPr>
+              <a:t>in silico</a:t>
+            </a:r>
+            <a:r>
+              <a:rPr lang="en-GB" sz="600" spc="30" dirty="0">
+                <a:solidFill>
+                  <a:srgbClr val="4F5050"/>
+                </a:solidFill>
+                <a:latin typeface="Geneva" panose="020B0503030404040204" pitchFamily="34" charset="0"/>
+                <a:ea typeface="Geneva" panose="020B0503030404040204" pitchFamily="34" charset="0"/>
+                <a:cs typeface="Verdana" panose="020B0604030504040204" pitchFamily="34" charset="0"/>
+              </a:rPr>
+              <a:t> </a:t>
             </a:r>
           </a:p>
           <a:p>
@@ -4424,7 +4666,29 @@
                 <a:ea typeface="Geneva" panose="020B0503030404040204" pitchFamily="34" charset="0"/>
                 <a:cs typeface="Verdana" panose="020B0604030504040204" pitchFamily="34" charset="0"/>
               </a:rPr>
-              <a:t>Extracellular vesicle isolation and RNA-sequencing analysis of their contents</a:t>
+              <a:t>Extracellular vesicle isolation and RNA-</a:t>
+            </a:r>
+            <a:r>
+              <a:rPr lang="en-GB" sz="600" spc="30" dirty="0" err="1">
+                <a:solidFill>
+                  <a:srgbClr val="4F5050"/>
+                </a:solidFill>
+                <a:latin typeface="Geneva" panose="020B0503030404040204" pitchFamily="34" charset="0"/>
+                <a:ea typeface="Geneva" panose="020B0503030404040204" pitchFamily="34" charset="0"/>
+                <a:cs typeface="Verdana" panose="020B0604030504040204" pitchFamily="34" charset="0"/>
+              </a:rPr>
+              <a:t>seq</a:t>
+            </a:r>
+            <a:r>
+              <a:rPr lang="en-GB" sz="600" spc="30" dirty="0">
+                <a:solidFill>
+                  <a:srgbClr val="4F5050"/>
+                </a:solidFill>
+                <a:latin typeface="Geneva" panose="020B0503030404040204" pitchFamily="34" charset="0"/>
+                <a:ea typeface="Geneva" panose="020B0503030404040204" pitchFamily="34" charset="0"/>
+                <a:cs typeface="Verdana" panose="020B0604030504040204" pitchFamily="34" charset="0"/>
+              </a:rPr>
+              <a:t> analysis of their contents</a:t>
             </a:r>
             <a:endParaRPr lang="en-GB" sz="700" b="1" spc="30" dirty="0">
               <a:solidFill>
@@ -4442,6 +4706,17 @@
               </a:spcBef>
             </a:pPr>
             <a:r>
+              <a:rPr lang="en-US" sz="600" b="1" spc="30" dirty="0" err="1">
+                <a:solidFill>
+                  <a:srgbClr val="4F5050"/>
+                </a:solidFill>
+                <a:latin typeface="Geneva" panose="020B0503030404040204" pitchFamily="34" charset="0"/>
+                <a:ea typeface="Geneva" panose="020B0503030404040204" pitchFamily="34" charset="0"/>
+                <a:cs typeface="Verdana" panose="020B0604030504040204" pitchFamily="34" charset="0"/>
+              </a:rPr>
+              <a:t>Multiomics</a:t>
+            </a:r>
+            <a:r>
               <a:rPr lang="en-US" sz="600" b="1" spc="30" dirty="0">
                 <a:solidFill>
                   <a:srgbClr val="4F5050"/>
@@ -4450,7 +4725,7 @@
                 <a:ea typeface="Geneva" panose="020B0503030404040204" pitchFamily="34" charset="0"/>
                 <a:cs typeface="Verdana" panose="020B0604030504040204" pitchFamily="34" charset="0"/>
               </a:rPr>
-              <a:t>Multiomics pipeline development for cancer precision medicine | </a:t>
+              <a:t> pipeline development for cancer precision medicine | </a:t>
             </a:r>
             <a:r>
               <a:rPr lang="en-US" sz="600" spc="30" dirty="0">
@@ -4484,7 +4759,29 @@
                 <a:ea typeface="Geneva" panose="020B0503030404040204" pitchFamily="34" charset="0"/>
                 <a:cs typeface="Verdana" panose="020B0604030504040204" pitchFamily="34" charset="0"/>
               </a:rPr>
-              <a:t>Constructed multimodal multiomics pipelines including genomics, epigenomics, transcriptomics and proteomics datasets</a:t>
+              <a:t>Constructed multimodal </a:t>
+            </a:r>
+            <a:r>
+              <a:rPr lang="en-GB" sz="600" spc="30" dirty="0" err="1">
+                <a:solidFill>
+                  <a:srgbClr val="4F5050"/>
+                </a:solidFill>
+                <a:latin typeface="Geneva" panose="020B0503030404040204" pitchFamily="34" charset="0"/>
+                <a:ea typeface="Geneva" panose="020B0503030404040204" pitchFamily="34" charset="0"/>
+                <a:cs typeface="Verdana" panose="020B0604030504040204" pitchFamily="34" charset="0"/>
+              </a:rPr>
+              <a:t>multiomics</a:t>
+            </a:r>
+            <a:r>
+              <a:rPr lang="en-GB" sz="600" spc="30" dirty="0">
+                <a:solidFill>
+                  <a:srgbClr val="4F5050"/>
+                </a:solidFill>
+                <a:latin typeface="Geneva" panose="020B0503030404040204" pitchFamily="34" charset="0"/>
+                <a:ea typeface="Geneva" panose="020B0503030404040204" pitchFamily="34" charset="0"/>
+                <a:cs typeface="Verdana" panose="020B0604030504040204" pitchFamily="34" charset="0"/>
+              </a:rPr>
+              <a:t> pipelines including genomics, epigenomics, transcriptomics and proteomics datasets</a:t>
             </a:r>
             <a:endParaRPr lang="en-US" sz="600" b="1" spc="30" dirty="0">
               <a:solidFill>
@@ -4547,7 +4844,7 @@
                 <a:ea typeface="Geneva" panose="020B0503030404040204" pitchFamily="34" charset="0"/>
                 <a:cs typeface="Verdana" panose="020B0604030504040204" pitchFamily="34" charset="0"/>
               </a:rPr>
-              <a:t>Generation of clinical-grade Adenovirus 5-based vectors for miRNA therapy.</a:t>
+              <a:t>Generation of clinical-grade Adenovirus 5-based vectors</a:t>
             </a:r>
             <a:endParaRPr lang="en-US" sz="600" b="1" spc="30" dirty="0">
               <a:solidFill>
@@ -4610,9 +4907,20 @@
                 <a:ea typeface="Geneva" panose="020B0503030404040204" pitchFamily="34" charset="0"/>
                 <a:cs typeface="Verdana" panose="020B0604030504040204" pitchFamily="34" charset="0"/>
               </a:rPr>
-              <a:t>Structure-function analysis of the DNA helicase factor Cdc45 in Saccharomyces pombe</a:t>
-            </a:r>
-            <a:endParaRPr lang="en-US" sz="600" spc="30" dirty="0">
+              <a:t>Structure-function analysis of the DNA helicase factor Cdc45 in </a:t>
+            </a:r>
+            <a:r>
+              <a:rPr lang="en-GB" sz="600" i="1" spc="30" dirty="0">
+                <a:solidFill>
+                  <a:srgbClr val="4F5050"/>
+                </a:solidFill>
+                <a:latin typeface="Geneva" panose="020B0503030404040204" pitchFamily="34" charset="0"/>
+                <a:ea typeface="Geneva" panose="020B0503030404040204" pitchFamily="34" charset="0"/>
+                <a:cs typeface="Verdana" panose="020B0604030504040204" pitchFamily="34" charset="0"/>
+              </a:rPr>
+              <a:t>Saccharomyces pombe</a:t>
+            </a:r>
+            <a:endParaRPr lang="en-US" sz="600" i="1" spc="30" dirty="0">
               <a:solidFill>
                 <a:srgbClr val="4F5050"/>
               </a:solidFill>
@@ -4630,6 +4938,17 @@
               <a:buChar char="•"/>
             </a:pPr>
             <a:r>
+              <a:rPr lang="en-US" sz="600" i="1" spc="30" dirty="0">
+                <a:solidFill>
+                  <a:srgbClr val="4F5050"/>
+                </a:solidFill>
+                <a:latin typeface="Geneva" panose="020B0503030404040204" pitchFamily="34" charset="0"/>
+                <a:ea typeface="Geneva" panose="020B0503030404040204" pitchFamily="34" charset="0"/>
+                <a:cs typeface="Verdana" panose="020B0604030504040204" pitchFamily="34" charset="0"/>
+              </a:rPr>
+              <a:t>S. pombe </a:t>
+            </a:r>
+            <a:r>
               <a:rPr lang="en-US" sz="600" spc="30" dirty="0">
                 <a:solidFill>
                   <a:srgbClr val="4F5050"/>
@@ -4638,7 +4957,7 @@
                 <a:ea typeface="Geneva" panose="020B0503030404040204" pitchFamily="34" charset="0"/>
                 <a:cs typeface="Verdana" panose="020B0604030504040204" pitchFamily="34" charset="0"/>
               </a:rPr>
-              <a:t>S. pombe culture and Cre-lox-mediated insertion of Cdc45 mutants generated by error-prone PCR &amp; tertiary protein structure modelling of temperature-sensitive Cdc45 mutants (PyMOL).</a:t>
+              <a:t>culture and Cre-lox-mediated insertion of Cdc45 mutants generated by error-prone PCR &amp; tertiary protein structure modelling of temperature-sensitive Cdc45 mutants (PyMOL)</a:t>
             </a:r>
           </a:p>
           <a:p>
@@ -4715,7 +5034,7 @@
                 <a:ea typeface="Geneva" panose="020B0503030404040204" pitchFamily="34" charset="0"/>
                 <a:cs typeface="Verdana" panose="020B0604030504040204" pitchFamily="34" charset="0"/>
               </a:rPr>
-              <a:t>mutation data (from multiple studies) to estimate the variation of the effective population size across the human genome.</a:t>
+              <a:t>mutation data (from multiple studies) to estimate the variation of the effective population size across the human genome</a:t>
             </a:r>
             <a:endParaRPr lang="en-US" sz="600" spc="30" dirty="0">
               <a:solidFill>
@@ -5020,7 +5339,7 @@
                 <a:ea typeface="Geneva" panose="020B0503030404040204" pitchFamily="34" charset="0"/>
                 <a:cs typeface="Verdana" panose="020B0604030504040204" pitchFamily="34" charset="0"/>
               </a:rPr>
-              <a:t> author, submitted (2023)</a:t>
+              <a:t> author, manuscript in development (2023)</a:t>
             </a:r>
           </a:p>
           <a:p>
@@ -5049,7 +5368,7 @@
                 <a:ea typeface="Geneva" panose="020B0503030404040204" pitchFamily="34" charset="0"/>
                 <a:cs typeface="Verdana" panose="020B0604030504040204" pitchFamily="34" charset="0"/>
               </a:rPr>
-              <a:t>Invited review article, 1</a:t>
+              <a:t>Invited review article, joint 1</a:t>
             </a:r>
             <a:r>
               <a:rPr lang="en-GB" sz="600" spc="30" baseline="30000" dirty="0">
@@ -5071,7 +5390,7 @@
                 <a:ea typeface="Geneva" panose="020B0503030404040204" pitchFamily="34" charset="0"/>
                 <a:cs typeface="Verdana" panose="020B0604030504040204" pitchFamily="34" charset="0"/>
               </a:rPr>
-              <a:t> author, submitted (2023)</a:t>
+              <a:t> author, invited review (2023)</a:t>
             </a:r>
           </a:p>
           <a:p>
@@ -5124,55 +5443,6 @@
               </a:rPr>
               <a:t> author, in review (2023)</a:t>
             </a:r>
-          </a:p>
-          <a:p>
-            <a:pPr>
-              <a:spcBef>
-                <a:spcPts val="300"/>
-              </a:spcBef>
-              <a:spcAft>
-                <a:spcPts val="300"/>
-              </a:spcAft>
-            </a:pPr>
-            <a:r>
-              <a:rPr lang="en-GB" sz="600" spc="30" dirty="0">
-                <a:solidFill>
-                  <a:srgbClr val="4F5050"/>
-                </a:solidFill>
-                <a:latin typeface="Geneva" panose="020B0503030404040204" pitchFamily="34" charset="0"/>
-                <a:ea typeface="Geneva" panose="020B0503030404040204" pitchFamily="34" charset="0"/>
-                <a:cs typeface="Verdana" panose="020B0604030504040204" pitchFamily="34" charset="0"/>
-              </a:rPr>
-              <a:t>Two more manuscripts in development</a:t>
-            </a:r>
-            <a:endParaRPr lang="en-US" sz="600" b="1" spc="30" dirty="0">
-              <a:solidFill>
-                <a:srgbClr val="4F5050"/>
-              </a:solidFill>
-              <a:latin typeface="Geneva" panose="020B0503030404040204" pitchFamily="34" charset="0"/>
-              <a:ea typeface="Geneva" panose="020B0503030404040204" pitchFamily="34" charset="0"/>
-              <a:cs typeface="Verdana" panose="020B0604030504040204" pitchFamily="34" charset="0"/>
-            </a:endParaRPr>
-          </a:p>
-          <a:p>
-            <a:pPr marL="428400" lvl="1" indent="-144000">
-              <a:spcBef>
-                <a:spcPts val="200"/>
-              </a:spcBef>
-              <a:spcAft>
-                <a:spcPts val="600"/>
-              </a:spcAft>
-              <a:buFont typeface="Arial" panose="020B0604020202020204" pitchFamily="34" charset="0"/>
-              <a:buChar char="•"/>
-            </a:pPr>
-            <a:endParaRPr lang="en-US" sz="600" dirty="0">
-              <a:solidFill>
-                <a:srgbClr val="4F5050"/>
-              </a:solidFill>
-              <a:latin typeface="Geneva" panose="020B0503030404040204" pitchFamily="34" charset="0"/>
-              <a:ea typeface="Geneva" panose="020B0503030404040204" pitchFamily="34" charset="0"/>
-              <a:cs typeface="Verdana" panose="020B0604030504040204" pitchFamily="34" charset="0"/>
-            </a:endParaRPr>
           </a:p>
         </p:txBody>
       </p:sp>
@@ -5304,7 +5574,7 @@
               <a:p>
                 <a:pPr algn="r"/>
                 <a:r>
-                  <a:rPr lang="en-US" sz="800" dirty="0">
+                  <a:rPr lang="en-US" sz="800" dirty="0" err="1">
                     <a:solidFill>
                       <a:srgbClr val="4F5050"/>
                     </a:solidFill>

--- a/public/resume.pptx
+++ b/public/resume.pptx
@@ -208,7 +208,7 @@
           <a:p>
             <a:fld id="{46F0D23E-2BF3-2647-800D-9C446CFC92E7}" type="datetimeFigureOut">
               <a:rPr lang="en-US" smtClean="0"/>
-              <a:t>10/18/23</a:t>
+              <a:t>3/25/24</a:t>
             </a:fld>
             <a:endParaRPr lang="en-US"/>
           </a:p>
@@ -809,7 +809,7 @@
           <a:p>
             <a:fld id="{0C0FD1C1-C5B8-2D48-B2BF-F14BF3E5678C}" type="datetimeFigureOut">
               <a:rPr lang="en-US" smtClean="0"/>
-              <a:t>10/18/23</a:t>
+              <a:t>3/25/24</a:t>
             </a:fld>
             <a:endParaRPr lang="en-US"/>
           </a:p>
@@ -979,7 +979,7 @@
           <a:p>
             <a:fld id="{0C0FD1C1-C5B8-2D48-B2BF-F14BF3E5678C}" type="datetimeFigureOut">
               <a:rPr lang="en-US" smtClean="0"/>
-              <a:t>10/18/23</a:t>
+              <a:t>3/25/24</a:t>
             </a:fld>
             <a:endParaRPr lang="en-US"/>
           </a:p>
@@ -1159,7 +1159,7 @@
           <a:p>
             <a:fld id="{0C0FD1C1-C5B8-2D48-B2BF-F14BF3E5678C}" type="datetimeFigureOut">
               <a:rPr lang="en-US" smtClean="0"/>
-              <a:t>10/18/23</a:t>
+              <a:t>3/25/24</a:t>
             </a:fld>
             <a:endParaRPr lang="en-US"/>
           </a:p>
@@ -1329,7 +1329,7 @@
           <a:p>
             <a:fld id="{0C0FD1C1-C5B8-2D48-B2BF-F14BF3E5678C}" type="datetimeFigureOut">
               <a:rPr lang="en-US" smtClean="0"/>
-              <a:t>10/18/23</a:t>
+              <a:t>3/25/24</a:t>
             </a:fld>
             <a:endParaRPr lang="en-US"/>
           </a:p>
@@ -1573,7 +1573,7 @@
           <a:p>
             <a:fld id="{0C0FD1C1-C5B8-2D48-B2BF-F14BF3E5678C}" type="datetimeFigureOut">
               <a:rPr lang="en-US" smtClean="0"/>
-              <a:t>10/18/23</a:t>
+              <a:t>3/25/24</a:t>
             </a:fld>
             <a:endParaRPr lang="en-US"/>
           </a:p>
@@ -1805,7 +1805,7 @@
           <a:p>
             <a:fld id="{0C0FD1C1-C5B8-2D48-B2BF-F14BF3E5678C}" type="datetimeFigureOut">
               <a:rPr lang="en-US" smtClean="0"/>
-              <a:t>10/18/23</a:t>
+              <a:t>3/25/24</a:t>
             </a:fld>
             <a:endParaRPr lang="en-US"/>
           </a:p>
@@ -2172,7 +2172,7 @@
           <a:p>
             <a:fld id="{0C0FD1C1-C5B8-2D48-B2BF-F14BF3E5678C}" type="datetimeFigureOut">
               <a:rPr lang="en-US" smtClean="0"/>
-              <a:t>10/18/23</a:t>
+              <a:t>3/25/24</a:t>
             </a:fld>
             <a:endParaRPr lang="en-US"/>
           </a:p>
@@ -2290,7 +2290,7 @@
           <a:p>
             <a:fld id="{0C0FD1C1-C5B8-2D48-B2BF-F14BF3E5678C}" type="datetimeFigureOut">
               <a:rPr lang="en-US" smtClean="0"/>
-              <a:t>10/18/23</a:t>
+              <a:t>3/25/24</a:t>
             </a:fld>
             <a:endParaRPr lang="en-US"/>
           </a:p>
@@ -2385,7 +2385,7 @@
           <a:p>
             <a:fld id="{0C0FD1C1-C5B8-2D48-B2BF-F14BF3E5678C}" type="datetimeFigureOut">
               <a:rPr lang="en-US" smtClean="0"/>
-              <a:t>10/18/23</a:t>
+              <a:t>3/25/24</a:t>
             </a:fld>
             <a:endParaRPr lang="en-US"/>
           </a:p>
@@ -2662,7 +2662,7 @@
           <a:p>
             <a:fld id="{0C0FD1C1-C5B8-2D48-B2BF-F14BF3E5678C}" type="datetimeFigureOut">
               <a:rPr lang="en-US" smtClean="0"/>
-              <a:t>10/18/23</a:t>
+              <a:t>3/25/24</a:t>
             </a:fld>
             <a:endParaRPr lang="en-US"/>
           </a:p>
@@ -2919,7 +2919,7 @@
           <a:p>
             <a:fld id="{0C0FD1C1-C5B8-2D48-B2BF-F14BF3E5678C}" type="datetimeFigureOut">
               <a:rPr lang="en-US" smtClean="0"/>
-              <a:t>10/18/23</a:t>
+              <a:t>3/25/24</a:t>
             </a:fld>
             <a:endParaRPr lang="en-US"/>
           </a:p>
@@ -3135,7 +3135,7 @@
           <a:p>
             <a:fld id="{0C0FD1C1-C5B8-2D48-B2BF-F14BF3E5678C}" type="datetimeFigureOut">
               <a:rPr lang="en-US" smtClean="0"/>
-              <a:t>10/18/23</a:t>
+              <a:t>3/25/24</a:t>
             </a:fld>
             <a:endParaRPr lang="en-US"/>
           </a:p>
@@ -3554,7 +3554,7 @@
         </p:nvSpPr>
         <p:spPr>
           <a:xfrm>
-            <a:off x="1770297" y="494150"/>
+            <a:off x="1770297" y="357520"/>
             <a:ext cx="3317396" cy="431456"/>
           </a:xfrm>
           <a:prstGeom prst="rect">
@@ -3614,7 +3614,7 @@
         </p:nvSpPr>
         <p:spPr>
           <a:xfrm>
-            <a:off x="332152" y="1937294"/>
+            <a:off x="332152" y="2234238"/>
             <a:ext cx="6193685" cy="7684161"/>
           </a:xfrm>
           <a:prstGeom prst="rect">
@@ -3735,18 +3735,7 @@
                 <a:ea typeface="Geneva" panose="020B0503030404040204" pitchFamily="34" charset="0"/>
                 <a:cs typeface="Verdana" panose="020B0604030504040204" pitchFamily="34" charset="0"/>
               </a:rPr>
-              <a:t>NextFlow, Node.js, </a:t>
-            </a:r>
-            <a:r>
-              <a:rPr lang="en-GB" sz="600" spc="30">
-                <a:solidFill>
-                  <a:srgbClr val="4F5050"/>
-                </a:solidFill>
-                <a:latin typeface="Geneva" panose="020B0503030404040204" pitchFamily="34" charset="0"/>
-                <a:ea typeface="Geneva" panose="020B0503030404040204" pitchFamily="34" charset="0"/>
-                <a:cs typeface="Verdana" panose="020B0604030504040204" pitchFamily="34" charset="0"/>
-              </a:rPr>
-              <a:t>React, D3, </a:t>
+              <a:t>NextFlow, Node.js, React, D3, </a:t>
             </a:r>
             <a:r>
               <a:rPr lang="en-US" sz="600" spc="30" dirty="0">
@@ -3974,7 +3963,7 @@
                 <a:ea typeface="Geneva" panose="020B0503030404040204" pitchFamily="34" charset="0"/>
                 <a:cs typeface="Verdana" panose="020B0604030504040204" pitchFamily="34" charset="0"/>
               </a:rPr>
-              <a:t> peak calling &amp; downstream analysis, HOMER-based TF analyses</a:t>
+              <a:t> peak calling &amp; downstream analysis</a:t>
             </a:r>
           </a:p>
           <a:p>
@@ -4028,7 +4017,7 @@
                 <a:ea typeface="Geneva" panose="020B0503030404040204" pitchFamily="34" charset="0"/>
                 <a:cs typeface="Verdana" panose="020B0604030504040204" pitchFamily="34" charset="0"/>
               </a:rPr>
-              <a:t> clustering/marker identification/integration, gene set enrichment analyses</a:t>
+              <a:t> clustering/marker identification/integration, GSEA, HOMER-based TF analyses</a:t>
             </a:r>
           </a:p>
           <a:p>
@@ -4215,7 +4204,29 @@
                 <a:ea typeface="Geneva" panose="020B0503030404040204" pitchFamily="34" charset="0"/>
                 <a:cs typeface="Verdana" panose="020B0604030504040204" pitchFamily="34" charset="0"/>
               </a:rPr>
-              <a:t>PhD Research | </a:t>
+              <a:t>PhD Research - Prof Andrew Baker &amp; Dr Abdelaziz </a:t>
+            </a:r>
+            <a:r>
+              <a:rPr lang="en-US" sz="600" b="1" spc="30" dirty="0" err="1">
+                <a:solidFill>
+                  <a:srgbClr val="4F5050"/>
+                </a:solidFill>
+                <a:latin typeface="Geneva" panose="020B0503030404040204" pitchFamily="34" charset="0"/>
+                <a:ea typeface="Geneva" panose="020B0503030404040204" pitchFamily="34" charset="0"/>
+                <a:cs typeface="Verdana" panose="020B0604030504040204" pitchFamily="34" charset="0"/>
+              </a:rPr>
+              <a:t>Beqqali</a:t>
+            </a:r>
+            <a:r>
+              <a:rPr lang="en-US" sz="600" b="1" spc="30" dirty="0">
+                <a:solidFill>
+                  <a:srgbClr val="4F5050"/>
+                </a:solidFill>
+                <a:latin typeface="Geneva" panose="020B0503030404040204" pitchFamily="34" charset="0"/>
+                <a:ea typeface="Geneva" panose="020B0503030404040204" pitchFamily="34" charset="0"/>
+                <a:cs typeface="Verdana" panose="020B0604030504040204" pitchFamily="34" charset="0"/>
+              </a:rPr>
+              <a:t> | </a:t>
             </a:r>
             <a:r>
               <a:rPr lang="en-US" sz="600" spc="30" dirty="0">
@@ -4226,7 +4237,7 @@
                 <a:ea typeface="Geneva" panose="020B0503030404040204" pitchFamily="34" charset="0"/>
                 <a:cs typeface="Verdana" panose="020B0604030504040204" pitchFamily="34" charset="0"/>
               </a:rPr>
-              <a:t>Queen’s Medical Research Institute, University of Edinburgh, UK (Oct 2019 - Nov 2023)</a:t>
+              <a:t>Queen’s Medical Research Institute, University of Edinburgh (Oct 2019 - Apr 2024)</a:t>
             </a:r>
           </a:p>
           <a:p>
@@ -4322,7 +4333,7 @@
                 <a:ea typeface="Geneva" panose="020B0503030404040204" pitchFamily="34" charset="0"/>
                 <a:cs typeface="Verdana" panose="020B0604030504040204" pitchFamily="34" charset="0"/>
               </a:rPr>
-              <a:t>Assessed the effect of 2000+ miRNAs on proliferation &amp; viability via a high-throughput screen</a:t>
+              <a:t>Assessed the effect of 2000+ miRNAs on proliferation &amp; viability via a high-throughput screen.</a:t>
             </a:r>
           </a:p>
           <a:p>
@@ -4408,7 +4419,7 @@
                 <a:ea typeface="Geneva" panose="020B0503030404040204" pitchFamily="34" charset="0"/>
                 <a:cs typeface="Verdana" panose="020B0604030504040204" pitchFamily="34" charset="0"/>
               </a:rPr>
-              <a:t>) </a:t>
+              <a:t>).</a:t>
             </a:r>
           </a:p>
           <a:p>
@@ -4428,7 +4439,7 @@
                 <a:ea typeface="Geneva" panose="020B0503030404040204" pitchFamily="34" charset="0"/>
                 <a:cs typeface="Verdana" panose="020B0604030504040204" pitchFamily="34" charset="0"/>
               </a:rPr>
-              <a:t>Testing adenoviral delivery systems in the vasculature</a:t>
+              <a:t>Testing adenoviral delivery systems in the vasculature.</a:t>
             </a:r>
           </a:p>
           <a:p>
@@ -4513,7 +4524,7 @@
                 <a:ea typeface="Geneva" panose="020B0503030404040204" pitchFamily="34" charset="0"/>
                 <a:cs typeface="Verdana" panose="020B0604030504040204" pitchFamily="34" charset="0"/>
               </a:rPr>
-              <a:t>Developed transcriptomics &amp; genomics pipelines with R, Python, Unix and NextFlow </a:t>
+              <a:t>Developed transcriptomics &amp; genomics pipelines with R, Python, Unix and NextFlow.</a:t>
             </a:r>
           </a:p>
           <a:p>
@@ -4565,36 +4576,35 @@
                 <a:ea typeface="Geneva" panose="020B0503030404040204" pitchFamily="34" charset="0"/>
                 <a:cs typeface="Verdana" panose="020B0604030504040204" pitchFamily="34" charset="0"/>
               </a:rPr>
-              <a:t> Evaluation of all human miRNAs by predicting processing efficiency – </a:t>
-            </a:r>
-            <a:r>
-              <a:rPr lang="en-GB" sz="600" i="1" spc="30" dirty="0">
-                <a:solidFill>
-                  <a:srgbClr val="4F5050"/>
-                </a:solidFill>
-                <a:latin typeface="Geneva" panose="020B0503030404040204" pitchFamily="34" charset="0"/>
-                <a:ea typeface="Geneva" panose="020B0503030404040204" pitchFamily="34" charset="0"/>
-                <a:cs typeface="Verdana" panose="020B0604030504040204" pitchFamily="34" charset="0"/>
-              </a:rPr>
-              <a:t>in silico</a:t>
-            </a:r>
-            <a:r>
-              <a:rPr lang="en-GB" sz="600" spc="30" dirty="0">
-                <a:solidFill>
-                  <a:srgbClr val="4F5050"/>
-                </a:solidFill>
-                <a:latin typeface="Geneva" panose="020B0503030404040204" pitchFamily="34" charset="0"/>
-                <a:ea typeface="Geneva" panose="020B0503030404040204" pitchFamily="34" charset="0"/>
-                <a:cs typeface="Verdana" panose="020B0604030504040204" pitchFamily="34" charset="0"/>
-              </a:rPr>
               <a:t> </a:t>
             </a:r>
-          </a:p>
-          <a:p>
-            <a:pPr marL="259200">
+            <a:r>
+              <a:rPr lang="en-US" sz="600" spc="30" dirty="0">
+                <a:solidFill>
+                  <a:srgbClr val="4F5050"/>
+                </a:solidFill>
+                <a:latin typeface="Geneva" panose="020B0503030404040204" pitchFamily="34" charset="0"/>
+                <a:ea typeface="Geneva" panose="020B0503030404040204" pitchFamily="34" charset="0"/>
+                <a:cs typeface="Verdana" panose="020B0604030504040204" pitchFamily="34" charset="0"/>
+              </a:rPr>
+              <a:t>Dissection of a novel locus implicated in vascular smooth muscle cell biology, MEST/miR-335</a:t>
+            </a:r>
+            <a:endParaRPr lang="en-GB" sz="600" spc="30" dirty="0">
+              <a:solidFill>
+                <a:srgbClr val="4F5050"/>
+              </a:solidFill>
+              <a:latin typeface="Geneva" panose="020B0503030404040204" pitchFamily="34" charset="0"/>
+              <a:ea typeface="Geneva" panose="020B0503030404040204" pitchFamily="34" charset="0"/>
+              <a:cs typeface="Verdana" panose="020B0604030504040204" pitchFamily="34" charset="0"/>
+            </a:endParaRPr>
+          </a:p>
+          <a:p>
+            <a:pPr marL="403200" indent="-144000">
               <a:spcAft>
                 <a:spcPts val="100"/>
               </a:spcAft>
+              <a:buFont typeface="Arial" panose="020B0604020202020204" pitchFamily="34" charset="0"/>
+              <a:buChar char="•"/>
             </a:pPr>
             <a:r>
               <a:rPr lang="en-GB" sz="600" spc="30" dirty="0">
@@ -4605,8 +4615,58 @@
                 <a:ea typeface="Geneva" panose="020B0503030404040204" pitchFamily="34" charset="0"/>
                 <a:cs typeface="Verdana" panose="020B0604030504040204" pitchFamily="34" charset="0"/>
               </a:rPr>
-              <a:t>I used sequence and structural determinants associated with Drosha recognition and subsequent increased mature miRNA expression to identified the most optimal miRNAs that make the most sense to research and work with for translational projects </a:t>
-            </a:r>
+              <a:t>Manipulated the expression of each compartment of the locus (individually or in combinations.</a:t>
+            </a:r>
+          </a:p>
+          <a:p>
+            <a:pPr marL="403200" indent="-144000">
+              <a:spcAft>
+                <a:spcPts val="100"/>
+              </a:spcAft>
+              <a:buFont typeface="Arial" panose="020B0604020202020204" pitchFamily="34" charset="0"/>
+              <a:buChar char="•"/>
+            </a:pPr>
+            <a:r>
+              <a:rPr lang="en-US" sz="600" spc="30" dirty="0">
+                <a:solidFill>
+                  <a:srgbClr val="4F5050"/>
+                </a:solidFill>
+                <a:latin typeface="Geneva" panose="020B0503030404040204" pitchFamily="34" charset="0"/>
+                <a:ea typeface="Geneva" panose="020B0503030404040204" pitchFamily="34" charset="0"/>
+                <a:cs typeface="Verdana" panose="020B0604030504040204" pitchFamily="34" charset="0"/>
+              </a:rPr>
+              <a:t>siRNA, anti-</a:t>
+            </a:r>
+            <a:r>
+              <a:rPr lang="en-US" sz="600" spc="30" dirty="0" err="1">
+                <a:solidFill>
+                  <a:srgbClr val="4F5050"/>
+                </a:solidFill>
+                <a:latin typeface="Geneva" panose="020B0503030404040204" pitchFamily="34" charset="0"/>
+                <a:ea typeface="Geneva" panose="020B0503030404040204" pitchFamily="34" charset="0"/>
+                <a:cs typeface="Verdana" panose="020B0604030504040204" pitchFamily="34" charset="0"/>
+              </a:rPr>
+              <a:t>miR</a:t>
+            </a:r>
+            <a:r>
+              <a:rPr lang="en-US" sz="600" spc="30" dirty="0">
+                <a:solidFill>
+                  <a:srgbClr val="4F5050"/>
+                </a:solidFill>
+                <a:latin typeface="Geneva" panose="020B0503030404040204" pitchFamily="34" charset="0"/>
+                <a:ea typeface="Geneva" panose="020B0503030404040204" pitchFamily="34" charset="0"/>
+                <a:cs typeface="Verdana" panose="020B0604030504040204" pitchFamily="34" charset="0"/>
+              </a:rPr>
+              <a:t>, miRNA mimic, plasmid DNA, transfected into vascular smooth muscle cells individually or in combinations, using lipofectamine or nucleofection.</a:t>
+            </a:r>
+            <a:endParaRPr lang="en-GB" sz="600" spc="30" dirty="0">
+              <a:solidFill>
+                <a:srgbClr val="4F5050"/>
+              </a:solidFill>
+              <a:latin typeface="Geneva" panose="020B0503030404040204" pitchFamily="34" charset="0"/>
+              <a:ea typeface="Geneva" panose="020B0503030404040204" pitchFamily="34" charset="0"/>
+              <a:cs typeface="Verdana" panose="020B0604030504040204" pitchFamily="34" charset="0"/>
+            </a:endParaRPr>
           </a:p>
           <a:p>
             <a:pPr marL="144000">
@@ -4626,6 +4686,78 @@
                 <a:ea typeface="Geneva" panose="020B0503030404040204" pitchFamily="34" charset="0"/>
                 <a:cs typeface="Verdana" panose="020B0604030504040204" pitchFamily="34" charset="0"/>
               </a:rPr>
+              <a:t>Project 4:</a:t>
+            </a:r>
+            <a:r>
+              <a:rPr lang="en-GB" sz="600" spc="30" dirty="0">
+                <a:solidFill>
+                  <a:srgbClr val="4F5050"/>
+                </a:solidFill>
+                <a:latin typeface="Geneva" panose="020B0503030404040204" pitchFamily="34" charset="0"/>
+                <a:ea typeface="Geneva" panose="020B0503030404040204" pitchFamily="34" charset="0"/>
+                <a:cs typeface="Verdana" panose="020B0604030504040204" pitchFamily="34" charset="0"/>
+              </a:rPr>
+              <a:t> Evaluation of all human miRNAs by predicting processing efficiency – </a:t>
+            </a:r>
+            <a:r>
+              <a:rPr lang="en-GB" sz="600" i="1" spc="30" dirty="0">
+                <a:solidFill>
+                  <a:srgbClr val="4F5050"/>
+                </a:solidFill>
+                <a:latin typeface="Geneva" panose="020B0503030404040204" pitchFamily="34" charset="0"/>
+                <a:ea typeface="Geneva" panose="020B0503030404040204" pitchFamily="34" charset="0"/>
+                <a:cs typeface="Verdana" panose="020B0604030504040204" pitchFamily="34" charset="0"/>
+              </a:rPr>
+              <a:t>in silico</a:t>
+            </a:r>
+            <a:r>
+              <a:rPr lang="en-GB" sz="600" spc="30" dirty="0">
+                <a:solidFill>
+                  <a:srgbClr val="4F5050"/>
+                </a:solidFill>
+                <a:latin typeface="Geneva" panose="020B0503030404040204" pitchFamily="34" charset="0"/>
+                <a:ea typeface="Geneva" panose="020B0503030404040204" pitchFamily="34" charset="0"/>
+                <a:cs typeface="Verdana" panose="020B0604030504040204" pitchFamily="34" charset="0"/>
+              </a:rPr>
+              <a:t> </a:t>
+            </a:r>
+          </a:p>
+          <a:p>
+            <a:pPr marL="259200">
+              <a:spcAft>
+                <a:spcPts val="100"/>
+              </a:spcAft>
+            </a:pPr>
+            <a:r>
+              <a:rPr lang="en-GB" sz="600" spc="30" dirty="0">
+                <a:solidFill>
+                  <a:srgbClr val="4F5050"/>
+                </a:solidFill>
+                <a:latin typeface="Geneva" panose="020B0503030404040204" pitchFamily="34" charset="0"/>
+                <a:ea typeface="Geneva" panose="020B0503030404040204" pitchFamily="34" charset="0"/>
+                <a:cs typeface="Verdana" panose="020B0604030504040204" pitchFamily="34" charset="0"/>
+              </a:rPr>
+              <a:t>I used sequence and structural determinants associated with Drosha recognition and subsequent increased mature miRNA expression to identified the most optimal miRNAs that make the most sense to research and work with for translational projects </a:t>
+            </a:r>
+          </a:p>
+          <a:p>
+            <a:pPr marL="144000">
+              <a:spcBef>
+                <a:spcPts val="300"/>
+              </a:spcBef>
+              <a:spcAft>
+                <a:spcPts val="300"/>
+              </a:spcAft>
+            </a:pPr>
+            <a:r>
+              <a:rPr lang="en-GB" sz="600" b="1" spc="30" dirty="0">
+                <a:solidFill>
+                  <a:srgbClr val="4F5050"/>
+                </a:solidFill>
+                <a:latin typeface="Geneva" panose="020B0503030404040204" pitchFamily="34" charset="0"/>
+                <a:ea typeface="Geneva" panose="020B0503030404040204" pitchFamily="34" charset="0"/>
+                <a:cs typeface="Verdana" panose="020B0604030504040204" pitchFamily="34" charset="0"/>
+              </a:rPr>
               <a:t>Also involved in: </a:t>
             </a:r>
           </a:p>
@@ -4704,19 +4836,11 @@
               <a:spcBef>
                 <a:spcPts val="300"/>
               </a:spcBef>
+              <a:spcAft>
+                <a:spcPts val="100"/>
+              </a:spcAft>
             </a:pPr>
             <a:r>
-              <a:rPr lang="en-US" sz="600" b="1" spc="30" dirty="0" err="1">
-                <a:solidFill>
-                  <a:srgbClr val="4F5050"/>
-                </a:solidFill>
-                <a:latin typeface="Geneva" panose="020B0503030404040204" pitchFamily="34" charset="0"/>
-                <a:ea typeface="Geneva" panose="020B0503030404040204" pitchFamily="34" charset="0"/>
-                <a:cs typeface="Verdana" panose="020B0604030504040204" pitchFamily="34" charset="0"/>
-              </a:rPr>
-              <a:t>Multiomics</a:t>
-            </a:r>
-            <a:r>
               <a:rPr lang="en-US" sz="600" b="1" spc="30" dirty="0">
                 <a:solidFill>
                   <a:srgbClr val="4F5050"/>
@@ -4725,7 +4849,7 @@
                 <a:ea typeface="Geneva" panose="020B0503030404040204" pitchFamily="34" charset="0"/>
                 <a:cs typeface="Verdana" panose="020B0604030504040204" pitchFamily="34" charset="0"/>
               </a:rPr>
-              <a:t> pipeline development for cancer precision medicine | </a:t>
+              <a:t>Virology training | </a:t>
             </a:r>
             <a:r>
               <a:rPr lang="en-US" sz="600" spc="30" dirty="0">
@@ -4736,7 +4860,7 @@
                 <a:ea typeface="Geneva" panose="020B0503030404040204" pitchFamily="34" charset="0"/>
                 <a:cs typeface="Verdana" panose="020B0604030504040204" pitchFamily="34" charset="0"/>
               </a:rPr>
-              <a:t>Collab with AI Forge, London, UK (Sep - Oct 2023)</a:t>
+              <a:t>Batavia Biosciences B.V., Leiden, NL (July - Oct 2023)</a:t>
             </a:r>
           </a:p>
           <a:p>
@@ -4751,37 +4875,15 @@
               <a:buChar char="•"/>
             </a:pPr>
             <a:r>
-              <a:rPr lang="en-GB" sz="600" spc="30" dirty="0">
-                <a:solidFill>
-                  <a:srgbClr val="4F5050"/>
-                </a:solidFill>
-                <a:latin typeface="Geneva" panose="020B0503030404040204" pitchFamily="34" charset="0"/>
-                <a:ea typeface="Geneva" panose="020B0503030404040204" pitchFamily="34" charset="0"/>
-                <a:cs typeface="Verdana" panose="020B0604030504040204" pitchFamily="34" charset="0"/>
-              </a:rPr>
-              <a:t>Constructed multimodal </a:t>
-            </a:r>
-            <a:r>
-              <a:rPr lang="en-GB" sz="600" spc="30" dirty="0" err="1">
-                <a:solidFill>
-                  <a:srgbClr val="4F5050"/>
-                </a:solidFill>
-                <a:latin typeface="Geneva" panose="020B0503030404040204" pitchFamily="34" charset="0"/>
-                <a:ea typeface="Geneva" panose="020B0503030404040204" pitchFamily="34" charset="0"/>
-                <a:cs typeface="Verdana" panose="020B0604030504040204" pitchFamily="34" charset="0"/>
-              </a:rPr>
-              <a:t>multiomics</a:t>
-            </a:r>
-            <a:r>
-              <a:rPr lang="en-GB" sz="600" spc="30" dirty="0">
-                <a:solidFill>
-                  <a:srgbClr val="4F5050"/>
-                </a:solidFill>
-                <a:latin typeface="Geneva" panose="020B0503030404040204" pitchFamily="34" charset="0"/>
-                <a:ea typeface="Geneva" panose="020B0503030404040204" pitchFamily="34" charset="0"/>
-                <a:cs typeface="Verdana" panose="020B0604030504040204" pitchFamily="34" charset="0"/>
-              </a:rPr>
-              <a:t> pipelines including genomics, epigenomics, transcriptomics and proteomics datasets</a:t>
+              <a:rPr lang="en-US" sz="600" spc="30" dirty="0">
+                <a:solidFill>
+                  <a:srgbClr val="4F5050"/>
+                </a:solidFill>
+                <a:latin typeface="Geneva" panose="020B0503030404040204" pitchFamily="34" charset="0"/>
+                <a:ea typeface="Geneva" panose="020B0503030404040204" pitchFamily="34" charset="0"/>
+                <a:cs typeface="Verdana" panose="020B0604030504040204" pitchFamily="34" charset="0"/>
+              </a:rPr>
+              <a:t>Generation of clinical-grade Adenovirus 5-based vectors</a:t>
             </a:r>
             <a:endParaRPr lang="en-US" sz="600" b="1" spc="30" dirty="0">
               <a:solidFill>
@@ -4810,70 +4912,7 @@
                 <a:ea typeface="Geneva" panose="020B0503030404040204" pitchFamily="34" charset="0"/>
                 <a:cs typeface="Verdana" panose="020B0604030504040204" pitchFamily="34" charset="0"/>
               </a:rPr>
-              <a:t>Virology training | </a:t>
-            </a:r>
-            <a:r>
-              <a:rPr lang="en-US" sz="600" spc="30" dirty="0">
-                <a:solidFill>
-                  <a:srgbClr val="4F5050"/>
-                </a:solidFill>
-                <a:latin typeface="Geneva" panose="020B0503030404040204" pitchFamily="34" charset="0"/>
-                <a:ea typeface="Geneva" panose="020B0503030404040204" pitchFamily="34" charset="0"/>
-                <a:cs typeface="Verdana" panose="020B0604030504040204" pitchFamily="34" charset="0"/>
-              </a:rPr>
-              <a:t>Batavia Biosciences B.V., Leiden, NL (July - Oct 2023)</a:t>
-            </a:r>
-          </a:p>
-          <a:p>
-            <a:pPr marL="403200" lvl="1" indent="-144000">
-              <a:spcBef>
-                <a:spcPts val="200"/>
-              </a:spcBef>
-              <a:spcAft>
-                <a:spcPts val="600"/>
-              </a:spcAft>
-              <a:buFont typeface="Arial" panose="020B0604020202020204" pitchFamily="34" charset="0"/>
-              <a:buChar char="•"/>
-            </a:pPr>
-            <a:r>
-              <a:rPr lang="en-US" sz="600" spc="30" dirty="0">
-                <a:solidFill>
-                  <a:srgbClr val="4F5050"/>
-                </a:solidFill>
-                <a:latin typeface="Geneva" panose="020B0503030404040204" pitchFamily="34" charset="0"/>
-                <a:ea typeface="Geneva" panose="020B0503030404040204" pitchFamily="34" charset="0"/>
-                <a:cs typeface="Verdana" panose="020B0604030504040204" pitchFamily="34" charset="0"/>
-              </a:rPr>
-              <a:t>Generation of clinical-grade Adenovirus 5-based vectors</a:t>
-            </a:r>
-            <a:endParaRPr lang="en-US" sz="600" b="1" spc="30" dirty="0">
-              <a:solidFill>
-                <a:srgbClr val="4F5050"/>
-              </a:solidFill>
-              <a:latin typeface="Geneva" panose="020B0503030404040204" pitchFamily="34" charset="0"/>
-              <a:ea typeface="Geneva" panose="020B0503030404040204" pitchFamily="34" charset="0"/>
-              <a:cs typeface="Verdana" panose="020B0604030504040204" pitchFamily="34" charset="0"/>
-            </a:endParaRPr>
-          </a:p>
-          <a:p>
-            <a:pPr>
-              <a:spcBef>
-                <a:spcPts val="300"/>
-              </a:spcBef>
-              <a:spcAft>
-                <a:spcPts val="100"/>
-              </a:spcAft>
-            </a:pPr>
-            <a:r>
-              <a:rPr lang="en-US" sz="600" b="1" spc="30" dirty="0">
-                <a:solidFill>
-                  <a:srgbClr val="4F5050"/>
-                </a:solidFill>
-                <a:latin typeface="Geneva" panose="020B0503030404040204" pitchFamily="34" charset="0"/>
-                <a:ea typeface="Geneva" panose="020B0503030404040204" pitchFamily="34" charset="0"/>
-                <a:cs typeface="Verdana" panose="020B0604030504040204" pitchFamily="34" charset="0"/>
-              </a:rPr>
-              <a:t>Honours Project | </a:t>
+              <a:t>Honours Project – Dr Alessandro Bianchi | </a:t>
             </a:r>
             <a:r>
               <a:rPr lang="en-US" sz="600" spc="30" dirty="0">
@@ -4978,7 +5017,7 @@
                 <a:ea typeface="Geneva" panose="020B0503030404040204" pitchFamily="34" charset="0"/>
                 <a:cs typeface="Verdana" panose="020B0604030504040204" pitchFamily="34" charset="0"/>
               </a:rPr>
-              <a:t>Junior Research Associate | </a:t>
+              <a:t>Junior Research Associate – Prof Adam Eyre-Walker | </a:t>
             </a:r>
             <a:r>
               <a:rPr lang="en-US" sz="600" spc="30" dirty="0">
@@ -4989,7 +5028,7 @@
                 <a:ea typeface="Geneva" panose="020B0503030404040204" pitchFamily="34" charset="0"/>
                 <a:cs typeface="Verdana" panose="020B0604030504040204" pitchFamily="34" charset="0"/>
               </a:rPr>
-              <a:t>Evolution, Behaviour and Environment Department, University of Sussex, UK (June – Sept 2018)</a:t>
+              <a:t>Evolution, Behaviour and Environment Department, University of Sussex (June – Sept 2018)</a:t>
             </a:r>
           </a:p>
           <a:p>
@@ -5292,10 +5331,12 @@
             </a:r>
           </a:p>
           <a:p>
-            <a:pPr>
+            <a:pPr marL="171450" indent="-171450">
               <a:spcAft>
                 <a:spcPts val="300"/>
               </a:spcAft>
+              <a:buFont typeface="Arial" panose="020B0604020202020204" pitchFamily="34" charset="0"/>
+              <a:buChar char="•"/>
             </a:pPr>
             <a:r>
               <a:rPr lang="en-GB" sz="600" b="1" spc="30" dirty="0">
@@ -5306,7 +5347,7 @@
                 <a:ea typeface="Geneva" panose="020B0503030404040204" pitchFamily="34" charset="0"/>
                 <a:cs typeface="Verdana" panose="020B0604030504040204" pitchFamily="34" charset="0"/>
               </a:rPr>
-              <a:t>Functional screening identifies novel miRNAs inhibiting Vascular Smooth Muscle Cell proliferation </a:t>
+              <a:t>Functional screening identifies novel miRNAs inhibiting Vascular Smooth Muscle Cell proliferation. </a:t>
             </a:r>
             <a:r>
               <a:rPr lang="en-GB" sz="600" spc="30" dirty="0">
@@ -5317,6 +5358,28 @@
                 <a:ea typeface="Geneva" panose="020B0503030404040204" pitchFamily="34" charset="0"/>
                 <a:cs typeface="Verdana" panose="020B0604030504040204" pitchFamily="34" charset="0"/>
               </a:rPr>
+              <a:t>Joint</a:t>
+            </a:r>
+            <a:r>
+              <a:rPr lang="en-GB" sz="600" b="1" spc="30" dirty="0">
+                <a:solidFill>
+                  <a:srgbClr val="4F5050"/>
+                </a:solidFill>
+                <a:latin typeface="Geneva" panose="020B0503030404040204" pitchFamily="34" charset="0"/>
+                <a:ea typeface="Geneva" panose="020B0503030404040204" pitchFamily="34" charset="0"/>
+                <a:cs typeface="Verdana" panose="020B0604030504040204" pitchFamily="34" charset="0"/>
+              </a:rPr>
+              <a:t> </a:t>
+            </a:r>
+            <a:r>
+              <a:rPr lang="en-GB" sz="600" spc="30" dirty="0">
+                <a:solidFill>
+                  <a:srgbClr val="4F5050"/>
+                </a:solidFill>
+                <a:latin typeface="Geneva" panose="020B0503030404040204" pitchFamily="34" charset="0"/>
+                <a:ea typeface="Geneva" panose="020B0503030404040204" pitchFamily="34" charset="0"/>
+                <a:cs typeface="Verdana" panose="020B0604030504040204" pitchFamily="34" charset="0"/>
+              </a:rPr>
               <a:t>1</a:t>
             </a:r>
             <a:r>
@@ -5339,14 +5402,38 @@
                 <a:ea typeface="Geneva" panose="020B0503030404040204" pitchFamily="34" charset="0"/>
                 <a:cs typeface="Verdana" panose="020B0604030504040204" pitchFamily="34" charset="0"/>
               </a:rPr>
-              <a:t> author, manuscript in development (2023)</a:t>
-            </a:r>
-          </a:p>
-          <a:p>
-            <a:pPr>
+              <a:t> author, Manuscript in review in </a:t>
+            </a:r>
+            <a:r>
+              <a:rPr lang="en-GB" sz="600" b="1" i="1" spc="30" dirty="0">
+                <a:solidFill>
+                  <a:srgbClr val="4F5050"/>
+                </a:solidFill>
+                <a:latin typeface="Geneva" panose="020B0503030404040204" pitchFamily="34" charset="0"/>
+                <a:ea typeface="Geneva" panose="020B0503030404040204" pitchFamily="34" charset="0"/>
+                <a:cs typeface="Verdana" panose="020B0604030504040204" pitchFamily="34" charset="0"/>
+              </a:rPr>
+              <a:t>Molecular Therapy </a:t>
+            </a:r>
+            <a:r>
+              <a:rPr lang="en-GB" sz="600" spc="30" dirty="0">
+                <a:solidFill>
+                  <a:srgbClr val="4F5050"/>
+                </a:solidFill>
+                <a:latin typeface="Geneva" panose="020B0503030404040204" pitchFamily="34" charset="0"/>
+                <a:ea typeface="Geneva" panose="020B0503030404040204" pitchFamily="34" charset="0"/>
+                <a:cs typeface="Verdana" panose="020B0604030504040204" pitchFamily="34" charset="0"/>
+              </a:rPr>
+              <a:t>(2024)</a:t>
+            </a:r>
+          </a:p>
+          <a:p>
+            <a:pPr marL="171450" indent="-171450">
               <a:spcAft>
                 <a:spcPts val="300"/>
               </a:spcAft>
+              <a:buFont typeface="Arial" panose="020B0604020202020204" pitchFamily="34" charset="0"/>
+              <a:buChar char="•"/>
             </a:pPr>
             <a:r>
               <a:rPr lang="en-GB" sz="600" b="1" spc="30" dirty="0">
@@ -5357,7 +5444,7 @@
                 <a:ea typeface="Geneva" panose="020B0503030404040204" pitchFamily="34" charset="0"/>
                 <a:cs typeface="Verdana" panose="020B0604030504040204" pitchFamily="34" charset="0"/>
               </a:rPr>
-              <a:t>Vascular smooth cell function and dysfunction controlled by non-coding RNA </a:t>
+              <a:t>Vascular smooth cell function and dysfunction controlled by non-coding RNA. </a:t>
             </a:r>
             <a:r>
               <a:rPr lang="en-GB" sz="600" spc="30" dirty="0">
@@ -5368,7 +5455,7 @@
                 <a:ea typeface="Geneva" panose="020B0503030404040204" pitchFamily="34" charset="0"/>
                 <a:cs typeface="Verdana" panose="020B0604030504040204" pitchFamily="34" charset="0"/>
               </a:rPr>
-              <a:t>Invited review article, joint 1</a:t>
+              <a:t>Joint 1</a:t>
             </a:r>
             <a:r>
               <a:rPr lang="en-GB" sz="600" spc="30" baseline="30000" dirty="0">
@@ -5390,14 +5477,38 @@
                 <a:ea typeface="Geneva" panose="020B0503030404040204" pitchFamily="34" charset="0"/>
                 <a:cs typeface="Verdana" panose="020B0604030504040204" pitchFamily="34" charset="0"/>
               </a:rPr>
-              <a:t> author, invited review (2023)</a:t>
-            </a:r>
-          </a:p>
-          <a:p>
-            <a:pPr>
+              <a:t> author, </a:t>
+            </a:r>
+            <a:r>
+              <a:rPr lang="en-GB" sz="600" b="1" i="1" spc="30" dirty="0">
+                <a:solidFill>
+                  <a:srgbClr val="4F5050"/>
+                </a:solidFill>
+                <a:latin typeface="Geneva" panose="020B0503030404040204" pitchFamily="34" charset="0"/>
+                <a:ea typeface="Geneva" panose="020B0503030404040204" pitchFamily="34" charset="0"/>
+                <a:cs typeface="Verdana" panose="020B0604030504040204" pitchFamily="34" charset="0"/>
+              </a:rPr>
+              <a:t>British Journal of Pharmacology </a:t>
+            </a:r>
+            <a:r>
+              <a:rPr lang="en-GB" sz="600" spc="30" dirty="0">
+                <a:solidFill>
+                  <a:srgbClr val="4F5050"/>
+                </a:solidFill>
+                <a:latin typeface="Geneva" panose="020B0503030404040204" pitchFamily="34" charset="0"/>
+                <a:ea typeface="Geneva" panose="020B0503030404040204" pitchFamily="34" charset="0"/>
+                <a:cs typeface="Verdana" panose="020B0604030504040204" pitchFamily="34" charset="0"/>
+              </a:rPr>
+              <a:t>(2024)</a:t>
+            </a:r>
+          </a:p>
+          <a:p>
+            <a:pPr marL="171450" indent="-171450">
               <a:spcAft>
                 <a:spcPts val="300"/>
               </a:spcAft>
+              <a:buFont typeface="Arial" panose="020B0604020202020204" pitchFamily="34" charset="0"/>
+              <a:buChar char="•"/>
             </a:pPr>
             <a:r>
               <a:rPr lang="en-GB" sz="600" b="1" spc="30" dirty="0">
@@ -5408,7 +5519,7 @@
                 <a:ea typeface="Geneva" panose="020B0503030404040204" pitchFamily="34" charset="0"/>
                 <a:cs typeface="Verdana" panose="020B0604030504040204" pitchFamily="34" charset="0"/>
               </a:rPr>
-              <a:t>Extracellular vesicles from a human embryonic stem cell-derived endothelial cell product induce angiogenesis with high efficiency at very low input and contain miRNAs with novel proangiogenic function</a:t>
+              <a:t>Extracellular vesicles from a human embryonic stem cell-derived endothelial cell product induce angiogenesis with high efficiency at very low input and contain miRNAs with novel proangiogenic function. </a:t>
             </a:r>
             <a:r>
               <a:rPr lang="en-GB" sz="600" spc="30" dirty="0">
@@ -5419,7 +5530,7 @@
                 <a:ea typeface="Geneva" panose="020B0503030404040204" pitchFamily="34" charset="0"/>
                 <a:cs typeface="Verdana" panose="020B0604030504040204" pitchFamily="34" charset="0"/>
               </a:rPr>
-              <a:t> 5</a:t>
+              <a:t>5</a:t>
             </a:r>
             <a:r>
               <a:rPr lang="en-GB" sz="600" spc="30" baseline="30000" dirty="0">
@@ -5441,8 +5552,60 @@
                 <a:ea typeface="Geneva" panose="020B0503030404040204" pitchFamily="34" charset="0"/>
                 <a:cs typeface="Verdana" panose="020B0604030504040204" pitchFamily="34" charset="0"/>
               </a:rPr>
-              <a:t> author, in review (2023)</a:t>
-            </a:r>
+              <a:t> author,</a:t>
+            </a:r>
+            <a:r>
+              <a:rPr lang="en-GB" sz="600" b="1" spc="30" dirty="0">
+                <a:solidFill>
+                  <a:srgbClr val="4F5050"/>
+                </a:solidFill>
+                <a:latin typeface="Geneva" panose="020B0503030404040204" pitchFamily="34" charset="0"/>
+                <a:ea typeface="Geneva" panose="020B0503030404040204" pitchFamily="34" charset="0"/>
+                <a:cs typeface="Verdana" panose="020B0604030504040204" pitchFamily="34" charset="0"/>
+              </a:rPr>
+              <a:t> </a:t>
+            </a:r>
+            <a:r>
+              <a:rPr lang="en-GB" sz="600" b="1" i="1" spc="30" dirty="0">
+                <a:solidFill>
+                  <a:srgbClr val="4F5050"/>
+                </a:solidFill>
+                <a:latin typeface="Geneva" panose="020B0503030404040204" pitchFamily="34" charset="0"/>
+                <a:ea typeface="Geneva" panose="020B0503030404040204" pitchFamily="34" charset="0"/>
+                <a:cs typeface="Verdana" panose="020B0604030504040204" pitchFamily="34" charset="0"/>
+              </a:rPr>
+              <a:t>Molecular Therapy</a:t>
+            </a:r>
+            <a:r>
+              <a:rPr lang="en-GB" sz="600" b="1" spc="30" dirty="0">
+                <a:solidFill>
+                  <a:srgbClr val="4F5050"/>
+                </a:solidFill>
+                <a:latin typeface="Geneva" panose="020B0503030404040204" pitchFamily="34" charset="0"/>
+                <a:ea typeface="Geneva" panose="020B0503030404040204" pitchFamily="34" charset="0"/>
+                <a:cs typeface="Verdana" panose="020B0604030504040204" pitchFamily="34" charset="0"/>
+              </a:rPr>
+              <a:t> </a:t>
+            </a:r>
+            <a:r>
+              <a:rPr lang="en-GB" sz="600" spc="30" dirty="0">
+                <a:solidFill>
+                  <a:srgbClr val="4F5050"/>
+                </a:solidFill>
+                <a:latin typeface="Geneva" panose="020B0503030404040204" pitchFamily="34" charset="0"/>
+                <a:ea typeface="Geneva" panose="020B0503030404040204" pitchFamily="34" charset="0"/>
+                <a:cs typeface="Verdana" panose="020B0604030504040204" pitchFamily="34" charset="0"/>
+              </a:rPr>
+              <a:t>(2024)</a:t>
+            </a:r>
+            <a:endParaRPr lang="en-GB" sz="600" spc="30" dirty="0">
+              <a:solidFill>
+                <a:srgbClr val="0070C0"/>
+              </a:solidFill>
+              <a:latin typeface="Geneva" panose="020B0503030404040204" pitchFamily="34" charset="0"/>
+              <a:ea typeface="Geneva" panose="020B0503030404040204" pitchFamily="34" charset="0"/>
+              <a:cs typeface="Verdana" panose="020B0604030504040204" pitchFamily="34" charset="0"/>
+            </a:endParaRPr>
           </a:p>
         </p:txBody>
       </p:sp>
@@ -5460,7 +5623,7 @@
         </p:nvSpPr>
         <p:spPr>
           <a:xfrm>
-            <a:off x="0" y="1236067"/>
+            <a:off x="0" y="1099437"/>
             <a:ext cx="6858000" cy="215444"/>
           </a:xfrm>
           <a:prstGeom prst="rect">
@@ -5518,7 +5681,7 @@
         </p:nvGrpSpPr>
         <p:grpSpPr>
           <a:xfrm>
-            <a:off x="2279457" y="1236067"/>
+            <a:off x="2279457" y="1099437"/>
             <a:ext cx="2621156" cy="218899"/>
             <a:chOff x="2279457" y="848727"/>
             <a:chExt cx="2621156" cy="218899"/>
@@ -5574,7 +5737,7 @@
               <a:p>
                 <a:pPr algn="r"/>
                 <a:r>
-                  <a:rPr lang="en-US" sz="800" dirty="0" err="1">
+                  <a:rPr lang="en-US" sz="800" dirty="0">
                     <a:solidFill>
                       <a:srgbClr val="4F5050"/>
                     </a:solidFill>
@@ -5632,7 +5795,7 @@
                     <a:ea typeface="Geneva" panose="020B0503030404040204" pitchFamily="34" charset="0"/>
                     <a:cs typeface="Verdana" panose="020B0604030504040204" pitchFamily="34" charset="0"/>
                   </a:rPr>
-                  <a:t>+1 (628) 200 4004</a:t>
+                  <a:t>+44 07513616835</a:t>
                 </a:r>
                 <a:endParaRPr lang="en-US" dirty="0">
                   <a:solidFill>
@@ -5705,7 +5868,7 @@
         </p:nvCxnSpPr>
         <p:spPr>
           <a:xfrm>
-            <a:off x="411840" y="2134712"/>
+            <a:off x="411840" y="2431656"/>
             <a:ext cx="6001883" cy="0"/>
           </a:xfrm>
           <a:prstGeom prst="line">
@@ -5750,7 +5913,7 @@
         </p:nvCxnSpPr>
         <p:spPr>
           <a:xfrm>
-            <a:off x="414270" y="3783294"/>
+            <a:off x="414270" y="4080238"/>
             <a:ext cx="5999453" cy="0"/>
           </a:xfrm>
           <a:prstGeom prst="line">
@@ -5795,7 +5958,7 @@
         </p:nvCxnSpPr>
         <p:spPr>
           <a:xfrm>
-            <a:off x="410900" y="7625941"/>
+            <a:off x="410900" y="8066152"/>
             <a:ext cx="6002823" cy="0"/>
           </a:xfrm>
           <a:prstGeom prst="line">
@@ -5840,7 +6003,7 @@
         </p:nvCxnSpPr>
         <p:spPr>
           <a:xfrm>
-            <a:off x="410901" y="8581610"/>
+            <a:off x="410901" y="9021821"/>
             <a:ext cx="6002822" cy="0"/>
           </a:xfrm>
           <a:prstGeom prst="line">
@@ -5869,6 +6032,64 @@
           </a:fontRef>
         </p:style>
       </p:cxnSp>
+      <p:sp>
+        <p:nvSpPr>
+          <p:cNvPr id="8" name="TextBox 7">
+            <a:extLst>
+              <a:ext uri="{FF2B5EF4-FFF2-40B4-BE49-F238E27FC236}">
+                <a16:creationId xmlns:a16="http://schemas.microsoft.com/office/drawing/2014/main" id="{21F58C61-FFAA-FFC6-927C-D5912CF5B013}"/>
+              </a:ext>
+            </a:extLst>
+          </p:cNvPr>
+          <p:cNvSpPr txBox="1"/>
+          <p:nvPr/>
+        </p:nvSpPr>
+        <p:spPr>
+          <a:xfrm>
+            <a:off x="332151" y="1480865"/>
+            <a:ext cx="6193685" cy="584775"/>
+          </a:xfrm>
+          <a:prstGeom prst="rect">
+            <a:avLst/>
+          </a:prstGeom>
+          <a:noFill/>
+        </p:spPr>
+        <p:txBody>
+          <a:bodyPr wrap="square">
+            <a:spAutoFit/>
+          </a:bodyPr>
+          <a:lstStyle/>
+          <a:p>
+            <a:pPr algn="just">
+              <a:spcBef>
+                <a:spcPts val="300"/>
+              </a:spcBef>
+              <a:spcAft>
+                <a:spcPts val="100"/>
+              </a:spcAft>
+            </a:pPr>
+            <a:r>
+              <a:rPr lang="en-GB" sz="800" b="1" spc="30" dirty="0">
+                <a:solidFill>
+                  <a:srgbClr val="4F5050"/>
+                </a:solidFill>
+                <a:latin typeface="Geneva" panose="020B0503030404040204" pitchFamily="34" charset="0"/>
+                <a:ea typeface="Geneva" panose="020B0503030404040204" pitchFamily="34" charset="0"/>
+                <a:cs typeface="Verdana" panose="020B0604030504040204" pitchFamily="34" charset="0"/>
+              </a:rPr>
+              <a:t>I’m Effie, a computational biologist. My computational training has included genomics and transcriptomics, epigenomics and structural miRNA biology. I am also vastly trained in wet lab techniques and cell culture. The biological research fields I have participated in include vascular biology, evolutionary genetics, virology and molecular genetics.</a:t>
+            </a:r>
+            <a:endParaRPr lang="en-US" sz="800" spc="30" dirty="0">
+              <a:solidFill>
+                <a:srgbClr val="4F5050"/>
+              </a:solidFill>
+              <a:latin typeface="Geneva" panose="020B0503030404040204" pitchFamily="34" charset="0"/>
+              <a:ea typeface="Geneva" panose="020B0503030404040204" pitchFamily="34" charset="0"/>
+              <a:cs typeface="Verdana" panose="020B0604030504040204" pitchFamily="34" charset="0"/>
+            </a:endParaRPr>
+          </a:p>
+        </p:txBody>
+      </p:sp>
     </p:spTree>
     <p:extLst>
       <p:ext uri="{BB962C8B-B14F-4D97-AF65-F5344CB8AC3E}">
